--- a/pics/2020-01-09-Bayes_rule/pics.pptx
+++ b/pics/2020-01-09-Bayes_rule/pics.pptx
@@ -6,6 +6,7 @@
   </p:sldMasterIdLst>
   <p:sldIdLst>
     <p:sldId id="256" r:id="rId2"/>
+    <p:sldId id="257" r:id="rId3"/>
   </p:sldIdLst>
   <p:sldSz cx="9144000" cy="6858000" type="screen4x3"/>
   <p:notesSz cx="6858000" cy="9144000"/>
@@ -3095,8 +3096,8 @@
           <a:chExt cx="0" cy="0"/>
         </a:xfrm>
       </p:grpSpPr>
-      <mc:AlternateContent xmlns:mc="http://schemas.openxmlformats.org/markup-compatibility/2006">
-        <mc:Choice xmlns:a14="http://schemas.microsoft.com/office/drawing/2010/main" Requires="a14">
+      <mc:AlternateContent xmlns:mc="http://schemas.openxmlformats.org/markup-compatibility/2006" xmlns:a14="http://schemas.microsoft.com/office/drawing/2010/main">
+        <mc:Choice Requires="a14">
           <p:sp>
             <p:nvSpPr>
               <p:cNvPr id="4" name="TextBox 3"/>
@@ -3263,7 +3264,7 @@
             </p:txBody>
           </p:sp>
         </mc:Choice>
-        <mc:Fallback>
+        <mc:Fallback xmlns="">
           <p:sp>
             <p:nvSpPr>
               <p:cNvPr id="4" name="TextBox 3"/>
@@ -3507,6 +3508,1402 @@
       </p:par>
     </p:tnLst>
   </p:timing>
+</p:sld>
+</file>
+
+<file path=ppt/slides/slide2.xml><?xml version="1.0" encoding="utf-8"?>
+<p:sld xmlns:a="http://schemas.openxmlformats.org/drawingml/2006/main" xmlns:r="http://schemas.openxmlformats.org/officeDocument/2006/relationships" xmlns:p="http://schemas.openxmlformats.org/presentationml/2006/main">
+  <p:cSld>
+    <p:spTree>
+      <p:nvGrpSpPr>
+        <p:cNvPr id="1" name=""/>
+        <p:cNvGrpSpPr/>
+        <p:nvPr/>
+      </p:nvGrpSpPr>
+      <p:grpSpPr>
+        <a:xfrm>
+          <a:off x="0" y="0"/>
+          <a:ext cx="0" cy="0"/>
+          <a:chOff x="0" y="0"/>
+          <a:chExt cx="0" cy="0"/>
+        </a:xfrm>
+      </p:grpSpPr>
+      <p:sp>
+        <p:nvSpPr>
+          <p:cNvPr id="32" name="직사각형 31"/>
+          <p:cNvSpPr/>
+          <p:nvPr/>
+        </p:nvSpPr>
+        <p:spPr>
+          <a:xfrm>
+            <a:off x="1403648" y="2060848"/>
+            <a:ext cx="1800200" cy="3383882"/>
+          </a:xfrm>
+          <a:prstGeom prst="rect">
+            <a:avLst/>
+          </a:prstGeom>
+          <a:solidFill>
+            <a:schemeClr val="accent1">
+              <a:alpha val="20000"/>
+            </a:schemeClr>
+          </a:solidFill>
+          <a:ln>
+            <a:noFill/>
+          </a:ln>
+        </p:spPr>
+        <p:style>
+          <a:lnRef idx="2">
+            <a:schemeClr val="accent1">
+              <a:shade val="50000"/>
+            </a:schemeClr>
+          </a:lnRef>
+          <a:fillRef idx="1">
+            <a:schemeClr val="accent1"/>
+          </a:fillRef>
+          <a:effectRef idx="0">
+            <a:schemeClr val="accent1"/>
+          </a:effectRef>
+          <a:fontRef idx="minor">
+            <a:schemeClr val="lt1"/>
+          </a:fontRef>
+        </p:style>
+        <p:txBody>
+          <a:bodyPr rtlCol="0" anchor="ctr"/>
+          <a:lstStyle/>
+          <a:p>
+            <a:pPr algn="ctr"/>
+            <a:endParaRPr lang="ko-KR" altLang="en-US"/>
+          </a:p>
+        </p:txBody>
+      </p:sp>
+      <p:sp>
+        <p:nvSpPr>
+          <p:cNvPr id="4" name="직사각형 3"/>
+          <p:cNvSpPr/>
+          <p:nvPr/>
+        </p:nvSpPr>
+        <p:spPr>
+          <a:xfrm>
+            <a:off x="1403648" y="1124744"/>
+            <a:ext cx="6336704" cy="4320480"/>
+          </a:xfrm>
+          <a:prstGeom prst="rect">
+            <a:avLst/>
+          </a:prstGeom>
+          <a:noFill/>
+        </p:spPr>
+        <p:style>
+          <a:lnRef idx="2">
+            <a:schemeClr val="accent1">
+              <a:shade val="50000"/>
+            </a:schemeClr>
+          </a:lnRef>
+          <a:fillRef idx="1">
+            <a:schemeClr val="accent1"/>
+          </a:fillRef>
+          <a:effectRef idx="0">
+            <a:schemeClr val="accent1"/>
+          </a:effectRef>
+          <a:fontRef idx="minor">
+            <a:schemeClr val="lt1"/>
+          </a:fontRef>
+        </p:style>
+        <p:txBody>
+          <a:bodyPr rtlCol="0" anchor="ctr"/>
+          <a:lstStyle/>
+          <a:p>
+            <a:pPr algn="ctr"/>
+            <a:endParaRPr lang="ko-KR" altLang="en-US"/>
+          </a:p>
+        </p:txBody>
+      </p:sp>
+      <p:cxnSp>
+        <p:nvCxnSpPr>
+          <p:cNvPr id="6" name="직선 연결선 5"/>
+          <p:cNvCxnSpPr/>
+          <p:nvPr/>
+        </p:nvCxnSpPr>
+        <p:spPr>
+          <a:xfrm>
+            <a:off x="3203848" y="1124744"/>
+            <a:ext cx="0" cy="4320480"/>
+          </a:xfrm>
+          <a:prstGeom prst="line">
+            <a:avLst/>
+          </a:prstGeom>
+          <a:ln w="28575">
+            <a:solidFill>
+              <a:schemeClr val="tx2"/>
+            </a:solidFill>
+          </a:ln>
+        </p:spPr>
+        <p:style>
+          <a:lnRef idx="1">
+            <a:schemeClr val="accent1"/>
+          </a:lnRef>
+          <a:fillRef idx="0">
+            <a:schemeClr val="accent1"/>
+          </a:fillRef>
+          <a:effectRef idx="0">
+            <a:schemeClr val="accent1"/>
+          </a:effectRef>
+          <a:fontRef idx="minor">
+            <a:schemeClr val="tx1"/>
+          </a:fontRef>
+        </p:style>
+      </p:cxnSp>
+      <p:cxnSp>
+        <p:nvCxnSpPr>
+          <p:cNvPr id="8" name="직선 연결선 7"/>
+          <p:cNvCxnSpPr/>
+          <p:nvPr/>
+        </p:nvCxnSpPr>
+        <p:spPr>
+          <a:xfrm>
+            <a:off x="1403648" y="2060848"/>
+            <a:ext cx="1800200" cy="0"/>
+          </a:xfrm>
+          <a:prstGeom prst="line">
+            <a:avLst/>
+          </a:prstGeom>
+          <a:ln w="28575">
+            <a:solidFill>
+              <a:schemeClr val="tx2"/>
+            </a:solidFill>
+          </a:ln>
+        </p:spPr>
+        <p:style>
+          <a:lnRef idx="1">
+            <a:schemeClr val="accent1"/>
+          </a:lnRef>
+          <a:fillRef idx="0">
+            <a:schemeClr val="accent1"/>
+          </a:fillRef>
+          <a:effectRef idx="0">
+            <a:schemeClr val="accent1"/>
+          </a:effectRef>
+          <a:fontRef idx="minor">
+            <a:schemeClr val="tx1"/>
+          </a:fontRef>
+        </p:style>
+      </p:cxnSp>
+      <p:cxnSp>
+        <p:nvCxnSpPr>
+          <p:cNvPr id="9" name="직선 연결선 8"/>
+          <p:cNvCxnSpPr/>
+          <p:nvPr/>
+        </p:nvCxnSpPr>
+        <p:spPr>
+          <a:xfrm>
+            <a:off x="3203848" y="4293096"/>
+            <a:ext cx="4536504" cy="0"/>
+          </a:xfrm>
+          <a:prstGeom prst="line">
+            <a:avLst/>
+          </a:prstGeom>
+          <a:ln w="28575">
+            <a:solidFill>
+              <a:schemeClr val="tx2"/>
+            </a:solidFill>
+          </a:ln>
+        </p:spPr>
+        <p:style>
+          <a:lnRef idx="1">
+            <a:schemeClr val="accent1"/>
+          </a:lnRef>
+          <a:fillRef idx="0">
+            <a:schemeClr val="accent1"/>
+          </a:fillRef>
+          <a:effectRef idx="0">
+            <a:schemeClr val="accent1"/>
+          </a:effectRef>
+          <a:fontRef idx="minor">
+            <a:schemeClr val="tx1"/>
+          </a:fontRef>
+        </p:style>
+      </p:cxnSp>
+      <mc:AlternateContent xmlns:mc="http://schemas.openxmlformats.org/markup-compatibility/2006">
+        <mc:Choice xmlns:a14="http://schemas.microsoft.com/office/drawing/2010/main" Requires="a14">
+          <p:sp>
+            <p:nvSpPr>
+              <p:cNvPr id="11" name="TextBox 10"/>
+              <p:cNvSpPr txBox="1"/>
+              <p:nvPr/>
+            </p:nvSpPr>
+            <p:spPr>
+              <a:xfrm>
+                <a:off x="1931073" y="5490688"/>
+                <a:ext cx="679459" cy="369332"/>
+              </a:xfrm>
+              <a:prstGeom prst="rect">
+                <a:avLst/>
+              </a:prstGeom>
+              <a:noFill/>
+            </p:spPr>
+            <p:txBody>
+              <a:bodyPr wrap="square" rtlCol="0">
+                <a:spAutoFit/>
+              </a:bodyPr>
+              <a:lstStyle/>
+              <a:p>
+                <a:pPr/>
+                <a14:m>
+                  <m:oMathPara xmlns:m="http://schemas.openxmlformats.org/officeDocument/2006/math">
+                    <m:oMathParaPr>
+                      <m:jc m:val="center"/>
+                    </m:oMathParaPr>
+                    <m:oMath xmlns:m="http://schemas.openxmlformats.org/officeDocument/2006/math">
+                      <m:r>
+                        <a:rPr lang="en-US" altLang="ko-KR" b="0" i="1" smtClean="0">
+                          <a:latin typeface="Cambria Math"/>
+                        </a:rPr>
+                        <m:t>𝑃</m:t>
+                      </m:r>
+                      <m:r>
+                        <a:rPr lang="en-US" altLang="ko-KR" b="0" i="1" smtClean="0">
+                          <a:latin typeface="Cambria Math"/>
+                        </a:rPr>
+                        <m:t>(</m:t>
+                      </m:r>
+                      <m:r>
+                        <a:rPr lang="en-US" altLang="ko-KR" b="0" i="1" smtClean="0">
+                          <a:latin typeface="Cambria Math"/>
+                        </a:rPr>
+                        <m:t>𝐻</m:t>
+                      </m:r>
+                      <m:r>
+                        <a:rPr lang="en-US" altLang="ko-KR" b="0" i="1" smtClean="0">
+                          <a:latin typeface="Cambria Math"/>
+                        </a:rPr>
+                        <m:t>)</m:t>
+                      </m:r>
+                    </m:oMath>
+                  </m:oMathPara>
+                </a14:m>
+                <a:endParaRPr lang="ko-KR" altLang="en-US" dirty="0"/>
+              </a:p>
+            </p:txBody>
+          </p:sp>
+        </mc:Choice>
+        <mc:Fallback>
+          <p:sp>
+            <p:nvSpPr>
+              <p:cNvPr id="11" name="TextBox 10"/>
+              <p:cNvSpPr txBox="1">
+                <a:spLocks noRot="1" noChangeAspect="1" noMove="1" noResize="1" noEditPoints="1" noAdjustHandles="1" noChangeArrowheads="1" noChangeShapeType="1" noTextEdit="1"/>
+              </p:cNvSpPr>
+              <p:nvPr/>
+            </p:nvSpPr>
+            <p:spPr>
+              <a:xfrm>
+                <a:off x="1931073" y="5490688"/>
+                <a:ext cx="679459" cy="369332"/>
+              </a:xfrm>
+              <a:prstGeom prst="rect">
+                <a:avLst/>
+              </a:prstGeom>
+              <a:blipFill rotWithShape="1">
+                <a:blip r:embed="rId2"/>
+                <a:stretch>
+                  <a:fillRect r="-5405" b="-16667"/>
+                </a:stretch>
+              </a:blipFill>
+            </p:spPr>
+            <p:txBody>
+              <a:bodyPr/>
+              <a:lstStyle/>
+              <a:p>
+                <a:r>
+                  <a:rPr lang="ko-KR" altLang="en-US">
+                    <a:noFill/>
+                  </a:rPr>
+                  <a:t> </a:t>
+                </a:r>
+              </a:p>
+            </p:txBody>
+          </p:sp>
+        </mc:Fallback>
+      </mc:AlternateContent>
+      <mc:AlternateContent xmlns:mc="http://schemas.openxmlformats.org/markup-compatibility/2006">
+        <mc:Choice xmlns:a14="http://schemas.microsoft.com/office/drawing/2010/main" Requires="a14">
+          <p:sp>
+            <p:nvSpPr>
+              <p:cNvPr id="12" name="TextBox 11"/>
+              <p:cNvSpPr txBox="1"/>
+              <p:nvPr/>
+            </p:nvSpPr>
+            <p:spPr>
+              <a:xfrm>
+                <a:off x="5004048" y="5545444"/>
+                <a:ext cx="679459" cy="369332"/>
+              </a:xfrm>
+              <a:prstGeom prst="rect">
+                <a:avLst/>
+              </a:prstGeom>
+              <a:noFill/>
+            </p:spPr>
+            <p:txBody>
+              <a:bodyPr wrap="square" rtlCol="0">
+                <a:spAutoFit/>
+              </a:bodyPr>
+              <a:lstStyle/>
+              <a:p>
+                <a:pPr/>
+                <a14:m>
+                  <m:oMathPara xmlns:m="http://schemas.openxmlformats.org/officeDocument/2006/math">
+                    <m:oMathParaPr>
+                      <m:jc m:val="center"/>
+                    </m:oMathParaPr>
+                    <m:oMath xmlns:m="http://schemas.openxmlformats.org/officeDocument/2006/math">
+                      <m:r>
+                        <a:rPr lang="en-US" altLang="ko-KR" b="0" i="1" smtClean="0">
+                          <a:latin typeface="Cambria Math"/>
+                        </a:rPr>
+                        <m:t>𝑃</m:t>
+                      </m:r>
+                      <m:r>
+                        <a:rPr lang="en-US" altLang="ko-KR" b="0" i="1" smtClean="0">
+                          <a:latin typeface="Cambria Math"/>
+                        </a:rPr>
+                        <m:t>(</m:t>
+                      </m:r>
+                      <m:sSup>
+                        <m:sSupPr>
+                          <m:ctrlPr>
+                            <a:rPr lang="en-US" altLang="ko-KR" b="0" i="1" smtClean="0">
+                              <a:latin typeface="Cambria Math"/>
+                            </a:rPr>
+                          </m:ctrlPr>
+                        </m:sSupPr>
+                        <m:e>
+                          <m:r>
+                            <a:rPr lang="en-US" altLang="ko-KR" b="0" i="1" smtClean="0">
+                              <a:latin typeface="Cambria Math"/>
+                            </a:rPr>
+                            <m:t>𝐻</m:t>
+                          </m:r>
+                        </m:e>
+                        <m:sup>
+                          <m:r>
+                            <a:rPr lang="en-US" altLang="ko-KR" b="0" i="1" smtClean="0">
+                              <a:latin typeface="Cambria Math"/>
+                            </a:rPr>
+                            <m:t>𝑐</m:t>
+                          </m:r>
+                        </m:sup>
+                      </m:sSup>
+                      <m:r>
+                        <a:rPr lang="en-US" altLang="ko-KR" b="0" i="1" smtClean="0">
+                          <a:latin typeface="Cambria Math"/>
+                        </a:rPr>
+                        <m:t>)</m:t>
+                      </m:r>
+                    </m:oMath>
+                  </m:oMathPara>
+                </a14:m>
+                <a:endParaRPr lang="ko-KR" altLang="en-US" dirty="0"/>
+              </a:p>
+            </p:txBody>
+          </p:sp>
+        </mc:Choice>
+        <mc:Fallback>
+          <p:sp>
+            <p:nvSpPr>
+              <p:cNvPr id="12" name="TextBox 11"/>
+              <p:cNvSpPr txBox="1">
+                <a:spLocks noRot="1" noChangeAspect="1" noMove="1" noResize="1" noEditPoints="1" noAdjustHandles="1" noChangeArrowheads="1" noChangeShapeType="1" noTextEdit="1"/>
+              </p:cNvSpPr>
+              <p:nvPr/>
+            </p:nvSpPr>
+            <p:spPr>
+              <a:xfrm>
+                <a:off x="5004048" y="5545444"/>
+                <a:ext cx="679459" cy="369332"/>
+              </a:xfrm>
+              <a:prstGeom prst="rect">
+                <a:avLst/>
+              </a:prstGeom>
+              <a:blipFill rotWithShape="1">
+                <a:blip r:embed="rId3"/>
+                <a:stretch>
+                  <a:fillRect r="-20721" b="-16667"/>
+                </a:stretch>
+              </a:blipFill>
+            </p:spPr>
+            <p:txBody>
+              <a:bodyPr/>
+              <a:lstStyle/>
+              <a:p>
+                <a:r>
+                  <a:rPr lang="ko-KR" altLang="en-US">
+                    <a:noFill/>
+                  </a:rPr>
+                  <a:t> </a:t>
+                </a:r>
+              </a:p>
+            </p:txBody>
+          </p:sp>
+        </mc:Fallback>
+      </mc:AlternateContent>
+      <mc:AlternateContent xmlns:mc="http://schemas.openxmlformats.org/markup-compatibility/2006">
+        <mc:Choice xmlns:a14="http://schemas.microsoft.com/office/drawing/2010/main" Requires="a14">
+          <p:sp>
+            <p:nvSpPr>
+              <p:cNvPr id="13" name="TextBox 12"/>
+              <p:cNvSpPr txBox="1"/>
+              <p:nvPr/>
+            </p:nvSpPr>
+            <p:spPr>
+              <a:xfrm>
+                <a:off x="427279" y="3501008"/>
+                <a:ext cx="904361" cy="369332"/>
+              </a:xfrm>
+              <a:prstGeom prst="rect">
+                <a:avLst/>
+              </a:prstGeom>
+              <a:noFill/>
+            </p:spPr>
+            <p:txBody>
+              <a:bodyPr wrap="square" rtlCol="0">
+                <a:spAutoFit/>
+              </a:bodyPr>
+              <a:lstStyle/>
+              <a:p>
+                <a:pPr/>
+                <a14:m>
+                  <m:oMathPara xmlns:m="http://schemas.openxmlformats.org/officeDocument/2006/math">
+                    <m:oMathParaPr>
+                      <m:jc m:val="center"/>
+                    </m:oMathParaPr>
+                    <m:oMath xmlns:m="http://schemas.openxmlformats.org/officeDocument/2006/math">
+                      <m:r>
+                        <a:rPr lang="en-US" altLang="ko-KR" b="0" i="1" smtClean="0">
+                          <a:latin typeface="Cambria Math"/>
+                        </a:rPr>
+                        <m:t>𝑃</m:t>
+                      </m:r>
+                      <m:r>
+                        <a:rPr lang="en-US" altLang="ko-KR" b="0" i="1" smtClean="0">
+                          <a:latin typeface="Cambria Math"/>
+                        </a:rPr>
+                        <m:t>(</m:t>
+                      </m:r>
+                      <m:r>
+                        <a:rPr lang="en-US" altLang="ko-KR" b="0" i="1" smtClean="0">
+                          <a:latin typeface="Cambria Math"/>
+                        </a:rPr>
+                        <m:t>𝐸</m:t>
+                      </m:r>
+                      <m:r>
+                        <a:rPr lang="en-US" altLang="ko-KR" b="0" i="1" smtClean="0">
+                          <a:latin typeface="Cambria Math"/>
+                        </a:rPr>
+                        <m:t>|</m:t>
+                      </m:r>
+                      <m:r>
+                        <a:rPr lang="en-US" altLang="ko-KR" b="0" i="1" smtClean="0">
+                          <a:latin typeface="Cambria Math"/>
+                        </a:rPr>
+                        <m:t>𝐻</m:t>
+                      </m:r>
+                      <m:r>
+                        <a:rPr lang="en-US" altLang="ko-KR" b="0" i="1" smtClean="0">
+                          <a:latin typeface="Cambria Math"/>
+                        </a:rPr>
+                        <m:t>)</m:t>
+                      </m:r>
+                    </m:oMath>
+                  </m:oMathPara>
+                </a14:m>
+                <a:endParaRPr lang="ko-KR" altLang="en-US" dirty="0"/>
+              </a:p>
+            </p:txBody>
+          </p:sp>
+        </mc:Choice>
+        <mc:Fallback>
+          <p:sp>
+            <p:nvSpPr>
+              <p:cNvPr id="13" name="TextBox 12"/>
+              <p:cNvSpPr txBox="1">
+                <a:spLocks noRot="1" noChangeAspect="1" noMove="1" noResize="1" noEditPoints="1" noAdjustHandles="1" noChangeArrowheads="1" noChangeShapeType="1" noTextEdit="1"/>
+              </p:cNvSpPr>
+              <p:nvPr/>
+            </p:nvSpPr>
+            <p:spPr>
+              <a:xfrm>
+                <a:off x="427279" y="3501008"/>
+                <a:ext cx="904361" cy="369332"/>
+              </a:xfrm>
+              <a:prstGeom prst="rect">
+                <a:avLst/>
+              </a:prstGeom>
+              <a:blipFill rotWithShape="1">
+                <a:blip r:embed="rId4"/>
+                <a:stretch>
+                  <a:fillRect r="-4730" b="-14754"/>
+                </a:stretch>
+              </a:blipFill>
+            </p:spPr>
+            <p:txBody>
+              <a:bodyPr/>
+              <a:lstStyle/>
+              <a:p>
+                <a:r>
+                  <a:rPr lang="ko-KR" altLang="en-US">
+                    <a:noFill/>
+                  </a:rPr>
+                  <a:t> </a:t>
+                </a:r>
+              </a:p>
+            </p:txBody>
+          </p:sp>
+        </mc:Fallback>
+      </mc:AlternateContent>
+      <p:grpSp>
+        <p:nvGrpSpPr>
+          <p:cNvPr id="16" name="그룹 15"/>
+          <p:cNvGrpSpPr/>
+          <p:nvPr/>
+        </p:nvGrpSpPr>
+        <p:grpSpPr>
+          <a:xfrm>
+            <a:off x="976489" y="1556792"/>
+            <a:ext cx="1191106" cy="4145106"/>
+            <a:chOff x="976489" y="1556792"/>
+            <a:chExt cx="1191106" cy="4145106"/>
+          </a:xfrm>
+        </p:grpSpPr>
+        <p:sp>
+          <p:nvSpPr>
+            <p:cNvPr id="14" name="원호 13"/>
+            <p:cNvSpPr/>
+            <p:nvPr/>
+          </p:nvSpPr>
+          <p:spPr>
+            <a:xfrm flipH="1">
+              <a:off x="976489" y="2011718"/>
+              <a:ext cx="1191106" cy="3690180"/>
+            </a:xfrm>
+            <a:prstGeom prst="arc">
+              <a:avLst>
+                <a:gd name="adj1" fmla="val 16586860"/>
+                <a:gd name="adj2" fmla="val 19723384"/>
+              </a:avLst>
+            </a:prstGeom>
+            <a:ln>
+              <a:solidFill>
+                <a:schemeClr val="tx1"/>
+              </a:solidFill>
+              <a:prstDash val="dash"/>
+            </a:ln>
+          </p:spPr>
+          <p:style>
+            <a:lnRef idx="1">
+              <a:schemeClr val="accent1"/>
+            </a:lnRef>
+            <a:fillRef idx="0">
+              <a:schemeClr val="accent1"/>
+            </a:fillRef>
+            <a:effectRef idx="0">
+              <a:schemeClr val="accent1"/>
+            </a:effectRef>
+            <a:fontRef idx="minor">
+              <a:schemeClr val="tx1"/>
+            </a:fontRef>
+          </p:style>
+          <p:txBody>
+            <a:bodyPr rtlCol="0" anchor="ctr"/>
+            <a:lstStyle/>
+            <a:p>
+              <a:pPr algn="ctr"/>
+              <a:endParaRPr lang="ko-KR" altLang="en-US"/>
+            </a:p>
+          </p:txBody>
+        </p:sp>
+        <p:sp>
+          <p:nvSpPr>
+            <p:cNvPr id="15" name="원호 14"/>
+            <p:cNvSpPr/>
+            <p:nvPr/>
+          </p:nvSpPr>
+          <p:spPr>
+            <a:xfrm flipH="1" flipV="1">
+              <a:off x="976489" y="1556792"/>
+              <a:ext cx="1191106" cy="3960440"/>
+            </a:xfrm>
+            <a:prstGeom prst="arc">
+              <a:avLst>
+                <a:gd name="adj1" fmla="val 16586860"/>
+                <a:gd name="adj2" fmla="val 19723384"/>
+              </a:avLst>
+            </a:prstGeom>
+            <a:ln>
+              <a:solidFill>
+                <a:schemeClr val="tx1"/>
+              </a:solidFill>
+              <a:prstDash val="dash"/>
+            </a:ln>
+          </p:spPr>
+          <p:style>
+            <a:lnRef idx="1">
+              <a:schemeClr val="accent1"/>
+            </a:lnRef>
+            <a:fillRef idx="0">
+              <a:schemeClr val="accent1"/>
+            </a:fillRef>
+            <a:effectRef idx="0">
+              <a:schemeClr val="accent1"/>
+            </a:effectRef>
+            <a:fontRef idx="minor">
+              <a:schemeClr val="tx1"/>
+            </a:fontRef>
+          </p:style>
+          <p:txBody>
+            <a:bodyPr rtlCol="0" anchor="ctr"/>
+            <a:lstStyle/>
+            <a:p>
+              <a:pPr algn="ctr"/>
+              <a:endParaRPr lang="ko-KR" altLang="en-US"/>
+            </a:p>
+          </p:txBody>
+        </p:sp>
+      </p:grpSp>
+      <p:sp>
+        <p:nvSpPr>
+          <p:cNvPr id="18" name="원호 17"/>
+          <p:cNvSpPr/>
+          <p:nvPr/>
+        </p:nvSpPr>
+        <p:spPr>
+          <a:xfrm rot="16200000" flipH="1">
+            <a:off x="2069725" y="4376066"/>
+            <a:ext cx="569021" cy="1987259"/>
+          </a:xfrm>
+          <a:prstGeom prst="arc">
+            <a:avLst>
+              <a:gd name="adj1" fmla="val 16586860"/>
+              <a:gd name="adj2" fmla="val 18221477"/>
+            </a:avLst>
+          </a:prstGeom>
+          <a:ln>
+            <a:solidFill>
+              <a:schemeClr val="tx1"/>
+            </a:solidFill>
+            <a:prstDash val="dash"/>
+          </a:ln>
+        </p:spPr>
+        <p:style>
+          <a:lnRef idx="1">
+            <a:schemeClr val="accent1"/>
+          </a:lnRef>
+          <a:fillRef idx="0">
+            <a:schemeClr val="accent1"/>
+          </a:fillRef>
+          <a:effectRef idx="0">
+            <a:schemeClr val="accent1"/>
+          </a:effectRef>
+          <a:fontRef idx="minor">
+            <a:schemeClr val="tx1"/>
+          </a:fontRef>
+        </p:style>
+        <p:txBody>
+          <a:bodyPr rtlCol="0" anchor="ctr"/>
+          <a:lstStyle/>
+          <a:p>
+            <a:pPr algn="ctr"/>
+            <a:endParaRPr lang="ko-KR" altLang="en-US"/>
+          </a:p>
+        </p:txBody>
+      </p:sp>
+      <p:sp>
+        <p:nvSpPr>
+          <p:cNvPr id="19" name="원호 18"/>
+          <p:cNvSpPr/>
+          <p:nvPr/>
+        </p:nvSpPr>
+        <p:spPr>
+          <a:xfrm rot="16200000" flipH="1" flipV="1">
+            <a:off x="1897506" y="4303295"/>
+            <a:ext cx="569021" cy="2132801"/>
+          </a:xfrm>
+          <a:prstGeom prst="arc">
+            <a:avLst>
+              <a:gd name="adj1" fmla="val 16586860"/>
+              <a:gd name="adj2" fmla="val 18239128"/>
+            </a:avLst>
+          </a:prstGeom>
+          <a:ln>
+            <a:solidFill>
+              <a:schemeClr val="tx1"/>
+            </a:solidFill>
+            <a:prstDash val="dash"/>
+          </a:ln>
+        </p:spPr>
+        <p:style>
+          <a:lnRef idx="1">
+            <a:schemeClr val="accent1"/>
+          </a:lnRef>
+          <a:fillRef idx="0">
+            <a:schemeClr val="accent1"/>
+          </a:fillRef>
+          <a:effectRef idx="0">
+            <a:schemeClr val="accent1"/>
+          </a:effectRef>
+          <a:fontRef idx="minor">
+            <a:schemeClr val="tx1"/>
+          </a:fontRef>
+        </p:style>
+        <p:txBody>
+          <a:bodyPr rtlCol="0" anchor="ctr"/>
+          <a:lstStyle/>
+          <a:p>
+            <a:pPr algn="ctr"/>
+            <a:endParaRPr lang="ko-KR" altLang="en-US"/>
+          </a:p>
+        </p:txBody>
+      </p:sp>
+      <p:grpSp>
+        <p:nvGrpSpPr>
+          <p:cNvPr id="23" name="그룹 22"/>
+          <p:cNvGrpSpPr/>
+          <p:nvPr/>
+        </p:nvGrpSpPr>
+        <p:grpSpPr>
+          <a:xfrm>
+            <a:off x="2177353" y="4648662"/>
+            <a:ext cx="6243706" cy="1087740"/>
+            <a:chOff x="2221614" y="4614158"/>
+            <a:chExt cx="6120680" cy="1191106"/>
+          </a:xfrm>
+        </p:grpSpPr>
+        <p:sp>
+          <p:nvSpPr>
+            <p:cNvPr id="21" name="원호 20"/>
+            <p:cNvSpPr/>
+            <p:nvPr/>
+          </p:nvSpPr>
+          <p:spPr>
+            <a:xfrm rot="16200000" flipH="1">
+              <a:off x="5022274" y="2485244"/>
+              <a:ext cx="1191106" cy="5448934"/>
+            </a:xfrm>
+            <a:prstGeom prst="arc">
+              <a:avLst>
+                <a:gd name="adj1" fmla="val 16586860"/>
+                <a:gd name="adj2" fmla="val 18773968"/>
+              </a:avLst>
+            </a:prstGeom>
+            <a:ln>
+              <a:solidFill>
+                <a:schemeClr val="tx1"/>
+              </a:solidFill>
+              <a:prstDash val="dash"/>
+            </a:ln>
+          </p:spPr>
+          <p:style>
+            <a:lnRef idx="1">
+              <a:schemeClr val="accent1"/>
+            </a:lnRef>
+            <a:fillRef idx="0">
+              <a:schemeClr val="accent1"/>
+            </a:fillRef>
+            <a:effectRef idx="0">
+              <a:schemeClr val="accent1"/>
+            </a:effectRef>
+            <a:fontRef idx="minor">
+              <a:schemeClr val="tx1"/>
+            </a:fontRef>
+          </p:style>
+          <p:txBody>
+            <a:bodyPr rtlCol="0" anchor="ctr"/>
+            <a:lstStyle/>
+            <a:p>
+              <a:pPr algn="ctr"/>
+              <a:endParaRPr lang="ko-KR" altLang="en-US"/>
+            </a:p>
+          </p:txBody>
+        </p:sp>
+        <p:sp>
+          <p:nvSpPr>
+            <p:cNvPr id="22" name="원호 21"/>
+            <p:cNvSpPr/>
+            <p:nvPr/>
+          </p:nvSpPr>
+          <p:spPr>
+            <a:xfrm rot="16200000" flipH="1" flipV="1">
+              <a:off x="4550062" y="2285710"/>
+              <a:ext cx="1191106" cy="5848001"/>
+            </a:xfrm>
+            <a:prstGeom prst="arc">
+              <a:avLst>
+                <a:gd name="adj1" fmla="val 16586860"/>
+                <a:gd name="adj2" fmla="val 18742474"/>
+              </a:avLst>
+            </a:prstGeom>
+            <a:ln>
+              <a:solidFill>
+                <a:schemeClr val="tx1"/>
+              </a:solidFill>
+              <a:prstDash val="dash"/>
+            </a:ln>
+          </p:spPr>
+          <p:style>
+            <a:lnRef idx="1">
+              <a:schemeClr val="accent1"/>
+            </a:lnRef>
+            <a:fillRef idx="0">
+              <a:schemeClr val="accent1"/>
+            </a:fillRef>
+            <a:effectRef idx="0">
+              <a:schemeClr val="accent1"/>
+            </a:effectRef>
+            <a:fontRef idx="minor">
+              <a:schemeClr val="tx1"/>
+            </a:fontRef>
+          </p:style>
+          <p:txBody>
+            <a:bodyPr rtlCol="0" anchor="ctr"/>
+            <a:lstStyle/>
+            <a:p>
+              <a:pPr algn="ctr"/>
+              <a:endParaRPr lang="ko-KR" altLang="en-US"/>
+            </a:p>
+          </p:txBody>
+        </p:sp>
+      </p:grpSp>
+      <p:sp>
+        <p:nvSpPr>
+          <p:cNvPr id="25" name="원호 24"/>
+          <p:cNvSpPr/>
+          <p:nvPr/>
+        </p:nvSpPr>
+        <p:spPr>
+          <a:xfrm>
+            <a:off x="7345247" y="4274310"/>
+            <a:ext cx="611225" cy="1232076"/>
+          </a:xfrm>
+          <a:prstGeom prst="arc">
+            <a:avLst>
+              <a:gd name="adj1" fmla="val 16586860"/>
+              <a:gd name="adj2" fmla="val 18752482"/>
+            </a:avLst>
+          </a:prstGeom>
+          <a:ln>
+            <a:solidFill>
+              <a:schemeClr val="tx1"/>
+            </a:solidFill>
+            <a:prstDash val="dash"/>
+          </a:ln>
+        </p:spPr>
+        <p:style>
+          <a:lnRef idx="1">
+            <a:schemeClr val="accent1"/>
+          </a:lnRef>
+          <a:fillRef idx="0">
+            <a:schemeClr val="accent1"/>
+          </a:fillRef>
+          <a:effectRef idx="0">
+            <a:schemeClr val="accent1"/>
+          </a:effectRef>
+          <a:fontRef idx="minor">
+            <a:schemeClr val="tx1"/>
+          </a:fontRef>
+        </p:style>
+        <p:txBody>
+          <a:bodyPr rtlCol="0" anchor="ctr"/>
+          <a:lstStyle/>
+          <a:p>
+            <a:pPr algn="ctr"/>
+            <a:endParaRPr lang="ko-KR" altLang="en-US"/>
+          </a:p>
+        </p:txBody>
+      </p:sp>
+      <p:sp>
+        <p:nvSpPr>
+          <p:cNvPr id="26" name="원호 25"/>
+          <p:cNvSpPr/>
+          <p:nvPr/>
+        </p:nvSpPr>
+        <p:spPr>
+          <a:xfrm flipV="1">
+            <a:off x="7345247" y="4122420"/>
+            <a:ext cx="611225" cy="1322310"/>
+          </a:xfrm>
+          <a:prstGeom prst="arc">
+            <a:avLst>
+              <a:gd name="adj1" fmla="val 16586860"/>
+              <a:gd name="adj2" fmla="val 18757223"/>
+            </a:avLst>
+          </a:prstGeom>
+          <a:ln>
+            <a:solidFill>
+              <a:schemeClr val="tx1"/>
+            </a:solidFill>
+            <a:prstDash val="dash"/>
+          </a:ln>
+        </p:spPr>
+        <p:style>
+          <a:lnRef idx="1">
+            <a:schemeClr val="accent1"/>
+          </a:lnRef>
+          <a:fillRef idx="0">
+            <a:schemeClr val="accent1"/>
+          </a:fillRef>
+          <a:effectRef idx="0">
+            <a:schemeClr val="accent1"/>
+          </a:effectRef>
+          <a:fontRef idx="minor">
+            <a:schemeClr val="tx1"/>
+          </a:fontRef>
+        </p:style>
+        <p:txBody>
+          <a:bodyPr rtlCol="0" anchor="ctr"/>
+          <a:lstStyle/>
+          <a:p>
+            <a:pPr algn="ctr"/>
+            <a:endParaRPr lang="ko-KR" altLang="en-US"/>
+          </a:p>
+        </p:txBody>
+      </p:sp>
+      <mc:AlternateContent xmlns:mc="http://schemas.openxmlformats.org/markup-compatibility/2006">
+        <mc:Choice xmlns:a14="http://schemas.microsoft.com/office/drawing/2010/main" Requires="a14">
+          <p:sp>
+            <p:nvSpPr>
+              <p:cNvPr id="27" name="TextBox 26"/>
+              <p:cNvSpPr txBox="1"/>
+              <p:nvPr/>
+            </p:nvSpPr>
+            <p:spPr>
+              <a:xfrm>
+                <a:off x="7777856" y="4637114"/>
+                <a:ext cx="904361" cy="369332"/>
+              </a:xfrm>
+              <a:prstGeom prst="rect">
+                <a:avLst/>
+              </a:prstGeom>
+              <a:noFill/>
+            </p:spPr>
+            <p:txBody>
+              <a:bodyPr wrap="square" rtlCol="0">
+                <a:spAutoFit/>
+              </a:bodyPr>
+              <a:lstStyle/>
+              <a:p>
+                <a:pPr/>
+                <a14:m>
+                  <m:oMathPara xmlns:m="http://schemas.openxmlformats.org/officeDocument/2006/math">
+                    <m:oMathParaPr>
+                      <m:jc m:val="center"/>
+                    </m:oMathParaPr>
+                    <m:oMath xmlns:m="http://schemas.openxmlformats.org/officeDocument/2006/math">
+                      <m:r>
+                        <a:rPr lang="en-US" altLang="ko-KR" b="0" i="1" smtClean="0">
+                          <a:latin typeface="Cambria Math"/>
+                        </a:rPr>
+                        <m:t>𝑃</m:t>
+                      </m:r>
+                      <m:r>
+                        <a:rPr lang="en-US" altLang="ko-KR" b="0" i="1" smtClean="0">
+                          <a:latin typeface="Cambria Math"/>
+                        </a:rPr>
+                        <m:t>(</m:t>
+                      </m:r>
+                      <m:r>
+                        <a:rPr lang="en-US" altLang="ko-KR" b="0" i="1" smtClean="0">
+                          <a:latin typeface="Cambria Math"/>
+                        </a:rPr>
+                        <m:t>𝐸</m:t>
+                      </m:r>
+                      <m:r>
+                        <a:rPr lang="en-US" altLang="ko-KR" b="0" i="1" smtClean="0">
+                          <a:latin typeface="Cambria Math"/>
+                        </a:rPr>
+                        <m:t>|</m:t>
+                      </m:r>
+                      <m:sSup>
+                        <m:sSupPr>
+                          <m:ctrlPr>
+                            <a:rPr lang="en-US" altLang="ko-KR" b="0" i="1" smtClean="0">
+                              <a:latin typeface="Cambria Math"/>
+                            </a:rPr>
+                          </m:ctrlPr>
+                        </m:sSupPr>
+                        <m:e>
+                          <m:r>
+                            <a:rPr lang="en-US" altLang="ko-KR" b="0" i="1" smtClean="0">
+                              <a:latin typeface="Cambria Math"/>
+                            </a:rPr>
+                            <m:t>𝐻</m:t>
+                          </m:r>
+                        </m:e>
+                        <m:sup>
+                          <m:r>
+                            <a:rPr lang="en-US" altLang="ko-KR" b="0" i="1" smtClean="0">
+                              <a:latin typeface="Cambria Math"/>
+                            </a:rPr>
+                            <m:t>𝑐</m:t>
+                          </m:r>
+                        </m:sup>
+                      </m:sSup>
+                      <m:r>
+                        <a:rPr lang="en-US" altLang="ko-KR" b="0" i="1" smtClean="0">
+                          <a:latin typeface="Cambria Math"/>
+                        </a:rPr>
+                        <m:t>)</m:t>
+                      </m:r>
+                    </m:oMath>
+                  </m:oMathPara>
+                </a14:m>
+                <a:endParaRPr lang="ko-KR" altLang="en-US" dirty="0"/>
+              </a:p>
+            </p:txBody>
+          </p:sp>
+        </mc:Choice>
+        <mc:Fallback>
+          <p:sp>
+            <p:nvSpPr>
+              <p:cNvPr id="27" name="TextBox 26"/>
+              <p:cNvSpPr txBox="1">
+                <a:spLocks noRot="1" noChangeAspect="1" noMove="1" noResize="1" noEditPoints="1" noAdjustHandles="1" noChangeArrowheads="1" noChangeShapeType="1" noTextEdit="1"/>
+              </p:cNvSpPr>
+              <p:nvPr/>
+            </p:nvSpPr>
+            <p:spPr>
+              <a:xfrm>
+                <a:off x="7777856" y="4637114"/>
+                <a:ext cx="904361" cy="369332"/>
+              </a:xfrm>
+              <a:prstGeom prst="rect">
+                <a:avLst/>
+              </a:prstGeom>
+              <a:blipFill rotWithShape="1">
+                <a:blip r:embed="rId5"/>
+                <a:stretch>
+                  <a:fillRect r="-15541" b="-16667"/>
+                </a:stretch>
+              </a:blipFill>
+            </p:spPr>
+            <p:txBody>
+              <a:bodyPr/>
+              <a:lstStyle/>
+              <a:p>
+                <a:r>
+                  <a:rPr lang="ko-KR" altLang="en-US">
+                    <a:noFill/>
+                  </a:rPr>
+                  <a:t> </a:t>
+                </a:r>
+              </a:p>
+            </p:txBody>
+          </p:sp>
+        </mc:Fallback>
+      </mc:AlternateContent>
+      <p:sp>
+        <p:nvSpPr>
+          <p:cNvPr id="28" name="TextBox 27"/>
+          <p:cNvSpPr txBox="1"/>
+          <p:nvPr/>
+        </p:nvSpPr>
+        <p:spPr>
+          <a:xfrm>
+            <a:off x="1835696" y="3356992"/>
+            <a:ext cx="970650" cy="646331"/>
+          </a:xfrm>
+          <a:prstGeom prst="rect">
+            <a:avLst/>
+          </a:prstGeom>
+          <a:noFill/>
+        </p:spPr>
+        <p:txBody>
+          <a:bodyPr wrap="none" rtlCol="0">
+            <a:spAutoFit/>
+          </a:bodyPr>
+          <a:lstStyle/>
+          <a:p>
+            <a:pPr algn="ctr"/>
+            <a:r>
+              <a:rPr lang="en-US" altLang="ko-KR" dirty="0" smtClean="0"/>
+              <a:t>True</a:t>
+            </a:r>
+          </a:p>
+          <a:p>
+            <a:pPr algn="ctr"/>
+            <a:r>
+              <a:rPr lang="en-US" altLang="ko-KR" dirty="0" smtClean="0"/>
+              <a:t>Positive</a:t>
+            </a:r>
+            <a:endParaRPr lang="ko-KR" altLang="en-US" dirty="0"/>
+          </a:p>
+        </p:txBody>
+      </p:sp>
+      <p:sp>
+        <p:nvSpPr>
+          <p:cNvPr id="29" name="TextBox 28"/>
+          <p:cNvSpPr txBox="1"/>
+          <p:nvPr/>
+        </p:nvSpPr>
+        <p:spPr>
+          <a:xfrm>
+            <a:off x="4786511" y="2420888"/>
+            <a:ext cx="1114536" cy="646331"/>
+          </a:xfrm>
+          <a:prstGeom prst="rect">
+            <a:avLst/>
+          </a:prstGeom>
+          <a:noFill/>
+        </p:spPr>
+        <p:txBody>
+          <a:bodyPr wrap="none" rtlCol="0">
+            <a:spAutoFit/>
+          </a:bodyPr>
+          <a:lstStyle/>
+          <a:p>
+            <a:pPr algn="ctr"/>
+            <a:r>
+              <a:rPr lang="en-US" altLang="ko-KR" dirty="0" smtClean="0"/>
+              <a:t>True</a:t>
+            </a:r>
+          </a:p>
+          <a:p>
+            <a:pPr algn="ctr"/>
+            <a:r>
+              <a:rPr lang="en-US" altLang="ko-KR" dirty="0" smtClean="0"/>
+              <a:t>Negative</a:t>
+            </a:r>
+            <a:endParaRPr lang="ko-KR" altLang="en-US" dirty="0"/>
+          </a:p>
+        </p:txBody>
+      </p:sp>
+      <p:sp>
+        <p:nvSpPr>
+          <p:cNvPr id="30" name="TextBox 29"/>
+          <p:cNvSpPr txBox="1"/>
+          <p:nvPr/>
+        </p:nvSpPr>
+        <p:spPr>
+          <a:xfrm>
+            <a:off x="4858454" y="4567182"/>
+            <a:ext cx="970651" cy="646331"/>
+          </a:xfrm>
+          <a:prstGeom prst="rect">
+            <a:avLst/>
+          </a:prstGeom>
+          <a:noFill/>
+        </p:spPr>
+        <p:txBody>
+          <a:bodyPr wrap="none" rtlCol="0">
+            <a:spAutoFit/>
+          </a:bodyPr>
+          <a:lstStyle/>
+          <a:p>
+            <a:pPr algn="ctr"/>
+            <a:r>
+              <a:rPr lang="en-US" altLang="ko-KR" dirty="0" smtClean="0"/>
+              <a:t>False</a:t>
+            </a:r>
+          </a:p>
+          <a:p>
+            <a:pPr algn="ctr"/>
+            <a:r>
+              <a:rPr lang="en-US" altLang="ko-KR" dirty="0" smtClean="0"/>
+              <a:t>Positive</a:t>
+            </a:r>
+            <a:endParaRPr lang="ko-KR" altLang="en-US" dirty="0"/>
+          </a:p>
+        </p:txBody>
+      </p:sp>
+      <p:sp>
+        <p:nvSpPr>
+          <p:cNvPr id="31" name="TextBox 30"/>
+          <p:cNvSpPr txBox="1"/>
+          <p:nvPr/>
+        </p:nvSpPr>
+        <p:spPr>
+          <a:xfrm>
+            <a:off x="1763756" y="1233626"/>
+            <a:ext cx="1114536" cy="646331"/>
+          </a:xfrm>
+          <a:prstGeom prst="rect">
+            <a:avLst/>
+          </a:prstGeom>
+          <a:noFill/>
+        </p:spPr>
+        <p:txBody>
+          <a:bodyPr wrap="none" rtlCol="0">
+            <a:spAutoFit/>
+          </a:bodyPr>
+          <a:lstStyle/>
+          <a:p>
+            <a:pPr algn="ctr"/>
+            <a:r>
+              <a:rPr lang="en-US" altLang="ko-KR" dirty="0" smtClean="0"/>
+              <a:t>False</a:t>
+            </a:r>
+          </a:p>
+          <a:p>
+            <a:pPr algn="ctr"/>
+            <a:r>
+              <a:rPr lang="en-US" altLang="ko-KR" dirty="0" smtClean="0"/>
+              <a:t>Negative</a:t>
+            </a:r>
+            <a:endParaRPr lang="ko-KR" altLang="en-US" dirty="0"/>
+          </a:p>
+        </p:txBody>
+      </p:sp>
+      <p:sp>
+        <p:nvSpPr>
+          <p:cNvPr id="33" name="직사각형 32"/>
+          <p:cNvSpPr/>
+          <p:nvPr/>
+        </p:nvSpPr>
+        <p:spPr>
+          <a:xfrm>
+            <a:off x="3203848" y="4293096"/>
+            <a:ext cx="4536504" cy="1151634"/>
+          </a:xfrm>
+          <a:prstGeom prst="rect">
+            <a:avLst/>
+          </a:prstGeom>
+          <a:solidFill>
+            <a:schemeClr val="accent3">
+              <a:alpha val="20000"/>
+            </a:schemeClr>
+          </a:solidFill>
+          <a:ln>
+            <a:noFill/>
+          </a:ln>
+        </p:spPr>
+        <p:style>
+          <a:lnRef idx="2">
+            <a:schemeClr val="accent1">
+              <a:shade val="50000"/>
+            </a:schemeClr>
+          </a:lnRef>
+          <a:fillRef idx="1">
+            <a:schemeClr val="accent1"/>
+          </a:fillRef>
+          <a:effectRef idx="0">
+            <a:schemeClr val="accent1"/>
+          </a:effectRef>
+          <a:fontRef idx="minor">
+            <a:schemeClr val="lt1"/>
+          </a:fontRef>
+        </p:style>
+        <p:txBody>
+          <a:bodyPr rtlCol="0" anchor="ctr"/>
+          <a:lstStyle/>
+          <a:p>
+            <a:pPr algn="ctr"/>
+            <a:endParaRPr lang="ko-KR" altLang="en-US"/>
+          </a:p>
+        </p:txBody>
+      </p:sp>
+      <p:sp>
+        <p:nvSpPr>
+          <p:cNvPr id="34" name="직사각형 33"/>
+          <p:cNvSpPr/>
+          <p:nvPr/>
+        </p:nvSpPr>
+        <p:spPr>
+          <a:xfrm>
+            <a:off x="3203848" y="1124744"/>
+            <a:ext cx="4536504" cy="3169358"/>
+          </a:xfrm>
+          <a:prstGeom prst="rect">
+            <a:avLst/>
+          </a:prstGeom>
+          <a:solidFill>
+            <a:schemeClr val="accent6">
+              <a:alpha val="20000"/>
+            </a:schemeClr>
+          </a:solidFill>
+          <a:ln>
+            <a:noFill/>
+          </a:ln>
+        </p:spPr>
+        <p:style>
+          <a:lnRef idx="2">
+            <a:schemeClr val="accent1">
+              <a:shade val="50000"/>
+            </a:schemeClr>
+          </a:lnRef>
+          <a:fillRef idx="1">
+            <a:schemeClr val="accent1"/>
+          </a:fillRef>
+          <a:effectRef idx="0">
+            <a:schemeClr val="accent1"/>
+          </a:effectRef>
+          <a:fontRef idx="minor">
+            <a:schemeClr val="lt1"/>
+          </a:fontRef>
+        </p:style>
+        <p:txBody>
+          <a:bodyPr rtlCol="0" anchor="ctr"/>
+          <a:lstStyle/>
+          <a:p>
+            <a:pPr algn="ctr"/>
+            <a:endParaRPr lang="ko-KR" altLang="en-US"/>
+          </a:p>
+        </p:txBody>
+      </p:sp>
+      <p:sp>
+        <p:nvSpPr>
+          <p:cNvPr id="35" name="직사각형 34"/>
+          <p:cNvSpPr/>
+          <p:nvPr/>
+        </p:nvSpPr>
+        <p:spPr>
+          <a:xfrm>
+            <a:off x="1403648" y="1124744"/>
+            <a:ext cx="1800200" cy="936104"/>
+          </a:xfrm>
+          <a:prstGeom prst="rect">
+            <a:avLst/>
+          </a:prstGeom>
+          <a:solidFill>
+            <a:schemeClr val="accent2">
+              <a:alpha val="20000"/>
+            </a:schemeClr>
+          </a:solidFill>
+          <a:ln>
+            <a:noFill/>
+          </a:ln>
+        </p:spPr>
+        <p:style>
+          <a:lnRef idx="2">
+            <a:schemeClr val="accent1">
+              <a:shade val="50000"/>
+            </a:schemeClr>
+          </a:lnRef>
+          <a:fillRef idx="1">
+            <a:schemeClr val="accent1"/>
+          </a:fillRef>
+          <a:effectRef idx="0">
+            <a:schemeClr val="accent1"/>
+          </a:effectRef>
+          <a:fontRef idx="minor">
+            <a:schemeClr val="lt1"/>
+          </a:fontRef>
+        </p:style>
+        <p:txBody>
+          <a:bodyPr rtlCol="0" anchor="ctr"/>
+          <a:lstStyle/>
+          <a:p>
+            <a:pPr algn="ctr"/>
+            <a:endParaRPr lang="ko-KR" altLang="en-US"/>
+          </a:p>
+        </p:txBody>
+      </p:sp>
+    </p:spTree>
+    <p:extLst>
+      <p:ext uri="{BB962C8B-B14F-4D97-AF65-F5344CB8AC3E}">
+        <p14:creationId xmlns:p14="http://schemas.microsoft.com/office/powerpoint/2010/main" val="899478790"/>
+      </p:ext>
+    </p:extLst>
+  </p:cSld>
+  <p:clrMapOvr>
+    <a:masterClrMapping/>
+  </p:clrMapOvr>
 </p:sld>
 </file>
 

--- a/pics/2020-01-09-Bayes_rule/pics.pptx
+++ b/pics/2020-01-09-Bayes_rule/pics.pptx
@@ -289,7 +289,7 @@
           <a:p>
             <a:fld id="{8E561690-961C-4FE1-B366-F943BCBFD36F}" type="datetimeFigureOut">
               <a:rPr lang="ko-KR" altLang="en-US" smtClean="0"/>
-              <a:t>2020-01-09</a:t>
+              <a:t>2020-01-10</a:t>
             </a:fld>
             <a:endParaRPr lang="ko-KR" altLang="en-US"/>
           </a:p>
@@ -459,7 +459,7 @@
           <a:p>
             <a:fld id="{8E561690-961C-4FE1-B366-F943BCBFD36F}" type="datetimeFigureOut">
               <a:rPr lang="ko-KR" altLang="en-US" smtClean="0"/>
-              <a:t>2020-01-09</a:t>
+              <a:t>2020-01-10</a:t>
             </a:fld>
             <a:endParaRPr lang="ko-KR" altLang="en-US"/>
           </a:p>
@@ -639,7 +639,7 @@
           <a:p>
             <a:fld id="{8E561690-961C-4FE1-B366-F943BCBFD36F}" type="datetimeFigureOut">
               <a:rPr lang="ko-KR" altLang="en-US" smtClean="0"/>
-              <a:t>2020-01-09</a:t>
+              <a:t>2020-01-10</a:t>
             </a:fld>
             <a:endParaRPr lang="ko-KR" altLang="en-US"/>
           </a:p>
@@ -809,7 +809,7 @@
           <a:p>
             <a:fld id="{8E561690-961C-4FE1-B366-F943BCBFD36F}" type="datetimeFigureOut">
               <a:rPr lang="ko-KR" altLang="en-US" smtClean="0"/>
-              <a:t>2020-01-09</a:t>
+              <a:t>2020-01-10</a:t>
             </a:fld>
             <a:endParaRPr lang="ko-KR" altLang="en-US"/>
           </a:p>
@@ -1055,7 +1055,7 @@
           <a:p>
             <a:fld id="{8E561690-961C-4FE1-B366-F943BCBFD36F}" type="datetimeFigureOut">
               <a:rPr lang="ko-KR" altLang="en-US" smtClean="0"/>
-              <a:t>2020-01-09</a:t>
+              <a:t>2020-01-10</a:t>
             </a:fld>
             <a:endParaRPr lang="ko-KR" altLang="en-US"/>
           </a:p>
@@ -1343,7 +1343,7 @@
           <a:p>
             <a:fld id="{8E561690-961C-4FE1-B366-F943BCBFD36F}" type="datetimeFigureOut">
               <a:rPr lang="ko-KR" altLang="en-US" smtClean="0"/>
-              <a:t>2020-01-09</a:t>
+              <a:t>2020-01-10</a:t>
             </a:fld>
             <a:endParaRPr lang="ko-KR" altLang="en-US"/>
           </a:p>
@@ -1765,7 +1765,7 @@
           <a:p>
             <a:fld id="{8E561690-961C-4FE1-B366-F943BCBFD36F}" type="datetimeFigureOut">
               <a:rPr lang="ko-KR" altLang="en-US" smtClean="0"/>
-              <a:t>2020-01-09</a:t>
+              <a:t>2020-01-10</a:t>
             </a:fld>
             <a:endParaRPr lang="ko-KR" altLang="en-US"/>
           </a:p>
@@ -1883,7 +1883,7 @@
           <a:p>
             <a:fld id="{8E561690-961C-4FE1-B366-F943BCBFD36F}" type="datetimeFigureOut">
               <a:rPr lang="ko-KR" altLang="en-US" smtClean="0"/>
-              <a:t>2020-01-09</a:t>
+              <a:t>2020-01-10</a:t>
             </a:fld>
             <a:endParaRPr lang="ko-KR" altLang="en-US"/>
           </a:p>
@@ -1978,7 +1978,7 @@
           <a:p>
             <a:fld id="{8E561690-961C-4FE1-B366-F943BCBFD36F}" type="datetimeFigureOut">
               <a:rPr lang="ko-KR" altLang="en-US" smtClean="0"/>
-              <a:t>2020-01-09</a:t>
+              <a:t>2020-01-10</a:t>
             </a:fld>
             <a:endParaRPr lang="ko-KR" altLang="en-US"/>
           </a:p>
@@ -2255,7 +2255,7 @@
           <a:p>
             <a:fld id="{8E561690-961C-4FE1-B366-F943BCBFD36F}" type="datetimeFigureOut">
               <a:rPr lang="ko-KR" altLang="en-US" smtClean="0"/>
-              <a:t>2020-01-09</a:t>
+              <a:t>2020-01-10</a:t>
             </a:fld>
             <a:endParaRPr lang="ko-KR" altLang="en-US"/>
           </a:p>
@@ -2508,7 +2508,7 @@
           <a:p>
             <a:fld id="{8E561690-961C-4FE1-B366-F943BCBFD36F}" type="datetimeFigureOut">
               <a:rPr lang="ko-KR" altLang="en-US" smtClean="0"/>
-              <a:t>2020-01-09</a:t>
+              <a:t>2020-01-10</a:t>
             </a:fld>
             <a:endParaRPr lang="ko-KR" altLang="en-US"/>
           </a:p>
@@ -2721,7 +2721,7 @@
           <a:p>
             <a:fld id="{8E561690-961C-4FE1-B366-F943BCBFD36F}" type="datetimeFigureOut">
               <a:rPr lang="ko-KR" altLang="en-US" smtClean="0"/>
-              <a:t>2020-01-09</a:t>
+              <a:t>2020-01-10</a:t>
             </a:fld>
             <a:endParaRPr lang="ko-KR" altLang="en-US"/>
           </a:p>
@@ -3722,8 +3722,8 @@
           </a:fontRef>
         </p:style>
       </p:cxnSp>
-      <mc:AlternateContent xmlns:mc="http://schemas.openxmlformats.org/markup-compatibility/2006">
-        <mc:Choice xmlns:a14="http://schemas.microsoft.com/office/drawing/2010/main" Requires="a14">
+      <mc:AlternateContent xmlns:mc="http://schemas.openxmlformats.org/markup-compatibility/2006" xmlns:a14="http://schemas.microsoft.com/office/drawing/2010/main">
+        <mc:Choice Requires="a14">
           <p:sp>
             <p:nvSpPr>
               <p:cNvPr id="11" name="TextBox 10"/>
@@ -3785,7 +3785,7 @@
             </p:txBody>
           </p:sp>
         </mc:Choice>
-        <mc:Fallback>
+        <mc:Fallback xmlns="">
           <p:sp>
             <p:nvSpPr>
               <p:cNvPr id="11" name="TextBox 10"/>
@@ -3824,8 +3824,8 @@
           </p:sp>
         </mc:Fallback>
       </mc:AlternateContent>
-      <mc:AlternateContent xmlns:mc="http://schemas.openxmlformats.org/markup-compatibility/2006">
-        <mc:Choice xmlns:a14="http://schemas.microsoft.com/office/drawing/2010/main" Requires="a14">
+      <mc:AlternateContent xmlns:mc="http://schemas.openxmlformats.org/markup-compatibility/2006" xmlns:a14="http://schemas.microsoft.com/office/drawing/2010/main">
+        <mc:Choice Requires="a14">
           <p:sp>
             <p:nvSpPr>
               <p:cNvPr id="12" name="TextBox 11"/>
@@ -3906,7 +3906,7 @@
             </p:txBody>
           </p:sp>
         </mc:Choice>
-        <mc:Fallback>
+        <mc:Fallback xmlns="">
           <p:sp>
             <p:nvSpPr>
               <p:cNvPr id="12" name="TextBox 11"/>
@@ -3945,8 +3945,8 @@
           </p:sp>
         </mc:Fallback>
       </mc:AlternateContent>
-      <mc:AlternateContent xmlns:mc="http://schemas.openxmlformats.org/markup-compatibility/2006">
-        <mc:Choice xmlns:a14="http://schemas.microsoft.com/office/drawing/2010/main" Requires="a14">
+      <mc:AlternateContent xmlns:mc="http://schemas.openxmlformats.org/markup-compatibility/2006" xmlns:a14="http://schemas.microsoft.com/office/drawing/2010/main">
+        <mc:Choice Requires="a14">
           <p:sp>
             <p:nvSpPr>
               <p:cNvPr id="13" name="TextBox 12"/>
@@ -4020,7 +4020,7 @@
             </p:txBody>
           </p:sp>
         </mc:Choice>
-        <mc:Fallback>
+        <mc:Fallback xmlns="">
           <p:sp>
             <p:nvSpPr>
               <p:cNvPr id="13" name="TextBox 12"/>
@@ -4465,8 +4465,8 @@
           </a:p>
         </p:txBody>
       </p:sp>
-      <mc:AlternateContent xmlns:mc="http://schemas.openxmlformats.org/markup-compatibility/2006">
-        <mc:Choice xmlns:a14="http://schemas.microsoft.com/office/drawing/2010/main" Requires="a14">
+      <mc:AlternateContent xmlns:mc="http://schemas.openxmlformats.org/markup-compatibility/2006" xmlns:a14="http://schemas.microsoft.com/office/drawing/2010/main">
+        <mc:Choice Requires="a14">
           <p:sp>
             <p:nvSpPr>
               <p:cNvPr id="27" name="TextBox 26"/>
@@ -4559,7 +4559,7 @@
             </p:txBody>
           </p:sp>
         </mc:Choice>
-        <mc:Fallback>
+        <mc:Fallback xmlns="">
           <p:sp>
             <p:nvSpPr>
               <p:cNvPr id="27" name="TextBox 26"/>

--- a/pics/2020-01-09-Bayes_rule/pics.pptx
+++ b/pics/2020-01-09-Bayes_rule/pics.pptx
@@ -3528,202 +3528,8 @@
           <a:chExt cx="0" cy="0"/>
         </a:xfrm>
       </p:grpSpPr>
-      <p:sp>
-        <p:nvSpPr>
-          <p:cNvPr id="32" name="직사각형 31"/>
-          <p:cNvSpPr/>
-          <p:nvPr/>
-        </p:nvSpPr>
-        <p:spPr>
-          <a:xfrm>
-            <a:off x="1403648" y="2060848"/>
-            <a:ext cx="1800200" cy="3383882"/>
-          </a:xfrm>
-          <a:prstGeom prst="rect">
-            <a:avLst/>
-          </a:prstGeom>
-          <a:solidFill>
-            <a:schemeClr val="accent1">
-              <a:alpha val="20000"/>
-            </a:schemeClr>
-          </a:solidFill>
-          <a:ln>
-            <a:noFill/>
-          </a:ln>
-        </p:spPr>
-        <p:style>
-          <a:lnRef idx="2">
-            <a:schemeClr val="accent1">
-              <a:shade val="50000"/>
-            </a:schemeClr>
-          </a:lnRef>
-          <a:fillRef idx="1">
-            <a:schemeClr val="accent1"/>
-          </a:fillRef>
-          <a:effectRef idx="0">
-            <a:schemeClr val="accent1"/>
-          </a:effectRef>
-          <a:fontRef idx="minor">
-            <a:schemeClr val="lt1"/>
-          </a:fontRef>
-        </p:style>
-        <p:txBody>
-          <a:bodyPr rtlCol="0" anchor="ctr"/>
-          <a:lstStyle/>
-          <a:p>
-            <a:pPr algn="ctr"/>
-            <a:endParaRPr lang="ko-KR" altLang="en-US"/>
-          </a:p>
-        </p:txBody>
-      </p:sp>
-      <p:sp>
-        <p:nvSpPr>
-          <p:cNvPr id="4" name="직사각형 3"/>
-          <p:cNvSpPr/>
-          <p:nvPr/>
-        </p:nvSpPr>
-        <p:spPr>
-          <a:xfrm>
-            <a:off x="1403648" y="1124744"/>
-            <a:ext cx="6336704" cy="4320480"/>
-          </a:xfrm>
-          <a:prstGeom prst="rect">
-            <a:avLst/>
-          </a:prstGeom>
-          <a:noFill/>
-        </p:spPr>
-        <p:style>
-          <a:lnRef idx="2">
-            <a:schemeClr val="accent1">
-              <a:shade val="50000"/>
-            </a:schemeClr>
-          </a:lnRef>
-          <a:fillRef idx="1">
-            <a:schemeClr val="accent1"/>
-          </a:fillRef>
-          <a:effectRef idx="0">
-            <a:schemeClr val="accent1"/>
-          </a:effectRef>
-          <a:fontRef idx="minor">
-            <a:schemeClr val="lt1"/>
-          </a:fontRef>
-        </p:style>
-        <p:txBody>
-          <a:bodyPr rtlCol="0" anchor="ctr"/>
-          <a:lstStyle/>
-          <a:p>
-            <a:pPr algn="ctr"/>
-            <a:endParaRPr lang="ko-KR" altLang="en-US"/>
-          </a:p>
-        </p:txBody>
-      </p:sp>
-      <p:cxnSp>
-        <p:nvCxnSpPr>
-          <p:cNvPr id="6" name="직선 연결선 5"/>
-          <p:cNvCxnSpPr/>
-          <p:nvPr/>
-        </p:nvCxnSpPr>
-        <p:spPr>
-          <a:xfrm>
-            <a:off x="3203848" y="1124744"/>
-            <a:ext cx="0" cy="4320480"/>
-          </a:xfrm>
-          <a:prstGeom prst="line">
-            <a:avLst/>
-          </a:prstGeom>
-          <a:ln w="28575">
-            <a:solidFill>
-              <a:schemeClr val="tx2"/>
-            </a:solidFill>
-          </a:ln>
-        </p:spPr>
-        <p:style>
-          <a:lnRef idx="1">
-            <a:schemeClr val="accent1"/>
-          </a:lnRef>
-          <a:fillRef idx="0">
-            <a:schemeClr val="accent1"/>
-          </a:fillRef>
-          <a:effectRef idx="0">
-            <a:schemeClr val="accent1"/>
-          </a:effectRef>
-          <a:fontRef idx="minor">
-            <a:schemeClr val="tx1"/>
-          </a:fontRef>
-        </p:style>
-      </p:cxnSp>
-      <p:cxnSp>
-        <p:nvCxnSpPr>
-          <p:cNvPr id="8" name="직선 연결선 7"/>
-          <p:cNvCxnSpPr/>
-          <p:nvPr/>
-        </p:nvCxnSpPr>
-        <p:spPr>
-          <a:xfrm>
-            <a:off x="1403648" y="2060848"/>
-            <a:ext cx="1800200" cy="0"/>
-          </a:xfrm>
-          <a:prstGeom prst="line">
-            <a:avLst/>
-          </a:prstGeom>
-          <a:ln w="28575">
-            <a:solidFill>
-              <a:schemeClr val="tx2"/>
-            </a:solidFill>
-          </a:ln>
-        </p:spPr>
-        <p:style>
-          <a:lnRef idx="1">
-            <a:schemeClr val="accent1"/>
-          </a:lnRef>
-          <a:fillRef idx="0">
-            <a:schemeClr val="accent1"/>
-          </a:fillRef>
-          <a:effectRef idx="0">
-            <a:schemeClr val="accent1"/>
-          </a:effectRef>
-          <a:fontRef idx="minor">
-            <a:schemeClr val="tx1"/>
-          </a:fontRef>
-        </p:style>
-      </p:cxnSp>
-      <p:cxnSp>
-        <p:nvCxnSpPr>
-          <p:cNvPr id="9" name="직선 연결선 8"/>
-          <p:cNvCxnSpPr/>
-          <p:nvPr/>
-        </p:nvCxnSpPr>
-        <p:spPr>
-          <a:xfrm>
-            <a:off x="3203848" y="4293096"/>
-            <a:ext cx="4536504" cy="0"/>
-          </a:xfrm>
-          <a:prstGeom prst="line">
-            <a:avLst/>
-          </a:prstGeom>
-          <a:ln w="28575">
-            <a:solidFill>
-              <a:schemeClr val="tx2"/>
-            </a:solidFill>
-          </a:ln>
-        </p:spPr>
-        <p:style>
-          <a:lnRef idx="1">
-            <a:schemeClr val="accent1"/>
-          </a:lnRef>
-          <a:fillRef idx="0">
-            <a:schemeClr val="accent1"/>
-          </a:fillRef>
-          <a:effectRef idx="0">
-            <a:schemeClr val="accent1"/>
-          </a:effectRef>
-          <a:fontRef idx="minor">
-            <a:schemeClr val="tx1"/>
-          </a:fontRef>
-        </p:style>
-      </p:cxnSp>
-      <mc:AlternateContent xmlns:mc="http://schemas.openxmlformats.org/markup-compatibility/2006" xmlns:a14="http://schemas.microsoft.com/office/drawing/2010/main">
-        <mc:Choice Requires="a14">
+      <mc:AlternateContent xmlns:mc="http://schemas.openxmlformats.org/markup-compatibility/2006">
+        <mc:Choice xmlns:a14="http://schemas.microsoft.com/office/drawing/2010/main" Requires="a14">
           <p:sp>
             <p:nvSpPr>
               <p:cNvPr id="11" name="TextBox 10"/>
@@ -3732,8 +3538,267 @@
             </p:nvSpPr>
             <p:spPr>
               <a:xfrm>
-                <a:off x="1931073" y="5490688"/>
-                <a:ext cx="679459" cy="369332"/>
+                <a:off x="1835696" y="5167474"/>
+                <a:ext cx="962525" cy="646331"/>
+              </a:xfrm>
+              <a:prstGeom prst="rect">
+                <a:avLst/>
+              </a:prstGeom>
+              <a:noFill/>
+            </p:spPr>
+            <p:txBody>
+              <a:bodyPr wrap="square" rtlCol="0">
+                <a:spAutoFit/>
+              </a:bodyPr>
+              <a:lstStyle/>
+              <a:p>
+                <a:pPr algn="ctr"/>
+                <a14:m>
+                  <m:oMathPara xmlns:m="http://schemas.openxmlformats.org/officeDocument/2006/math">
+                    <m:oMathParaPr>
+                      <m:jc m:val="center"/>
+                    </m:oMathParaPr>
+                    <m:oMath xmlns:m="http://schemas.openxmlformats.org/officeDocument/2006/math">
+                      <m:r>
+                        <a:rPr lang="en-US" altLang="ko-KR" b="0" i="1" smtClean="0">
+                          <a:latin typeface="Cambria Math"/>
+                        </a:rPr>
+                        <m:t>𝑃</m:t>
+                      </m:r>
+                      <m:d>
+                        <m:dPr>
+                          <m:ctrlPr>
+                            <a:rPr lang="en-US" altLang="ko-KR" b="0" i="1" smtClean="0">
+                              <a:latin typeface="Cambria Math"/>
+                            </a:rPr>
+                          </m:ctrlPr>
+                        </m:dPr>
+                        <m:e>
+                          <m:r>
+                            <a:rPr lang="en-US" altLang="ko-KR" b="0" i="1" smtClean="0">
+                              <a:latin typeface="Cambria Math"/>
+                            </a:rPr>
+                            <m:t>𝐻</m:t>
+                          </m:r>
+                        </m:e>
+                      </m:d>
+                    </m:oMath>
+                  </m:oMathPara>
+                </a14:m>
+                <a:endParaRPr lang="en-US" altLang="ko-KR" b="0" dirty="0" smtClean="0"/>
+              </a:p>
+              <a:p>
+                <a:pPr algn="ctr"/>
+                <a14:m>
+                  <m:oMathPara xmlns:m="http://schemas.openxmlformats.org/officeDocument/2006/math">
+                    <m:oMathParaPr>
+                      <m:jc m:val="center"/>
+                    </m:oMathParaPr>
+                    <m:oMath xmlns:m="http://schemas.openxmlformats.org/officeDocument/2006/math">
+                      <m:r>
+                        <a:rPr lang="en-US" altLang="ko-KR" i="1" dirty="0" smtClean="0">
+                          <a:latin typeface="Cambria Math"/>
+                        </a:rPr>
+                        <m:t>=0.001</m:t>
+                      </m:r>
+                    </m:oMath>
+                  </m:oMathPara>
+                </a14:m>
+                <a:endParaRPr lang="ko-KR" altLang="en-US" dirty="0"/>
+              </a:p>
+            </p:txBody>
+          </p:sp>
+        </mc:Choice>
+        <mc:Fallback>
+          <p:sp>
+            <p:nvSpPr>
+              <p:cNvPr id="11" name="TextBox 10"/>
+              <p:cNvSpPr txBox="1">
+                <a:spLocks noRot="1" noChangeAspect="1" noMove="1" noResize="1" noEditPoints="1" noAdjustHandles="1" noChangeArrowheads="1" noChangeShapeType="1" noTextEdit="1"/>
+              </p:cNvSpPr>
+              <p:nvPr/>
+            </p:nvSpPr>
+            <p:spPr>
+              <a:xfrm>
+                <a:off x="1835696" y="5167474"/>
+                <a:ext cx="962525" cy="646331"/>
+              </a:xfrm>
+              <a:prstGeom prst="rect">
+                <a:avLst/>
+              </a:prstGeom>
+              <a:blipFill rotWithShape="1">
+                <a:blip r:embed="rId2"/>
+                <a:stretch>
+                  <a:fillRect l="-633"/>
+                </a:stretch>
+              </a:blipFill>
+            </p:spPr>
+            <p:txBody>
+              <a:bodyPr/>
+              <a:lstStyle/>
+              <a:p>
+                <a:r>
+                  <a:rPr lang="ko-KR" altLang="en-US">
+                    <a:noFill/>
+                  </a:rPr>
+                  <a:t> </a:t>
+                </a:r>
+              </a:p>
+            </p:txBody>
+          </p:sp>
+        </mc:Fallback>
+      </mc:AlternateContent>
+      <mc:AlternateContent xmlns:mc="http://schemas.openxmlformats.org/markup-compatibility/2006">
+        <mc:Choice xmlns:a14="http://schemas.microsoft.com/office/drawing/2010/main" Requires="a14">
+          <p:sp>
+            <p:nvSpPr>
+              <p:cNvPr id="12" name="TextBox 11"/>
+              <p:cNvSpPr txBox="1"/>
+              <p:nvPr/>
+            </p:nvSpPr>
+            <p:spPr>
+              <a:xfrm>
+                <a:off x="4939467" y="5222230"/>
+                <a:ext cx="1035189" cy="646331"/>
+              </a:xfrm>
+              <a:prstGeom prst="rect">
+                <a:avLst/>
+              </a:prstGeom>
+              <a:noFill/>
+            </p:spPr>
+            <p:txBody>
+              <a:bodyPr wrap="square" rtlCol="0">
+                <a:spAutoFit/>
+              </a:bodyPr>
+              <a:lstStyle/>
+              <a:p>
+                <a:pPr algn="ctr"/>
+                <a14:m>
+                  <m:oMathPara xmlns:m="http://schemas.openxmlformats.org/officeDocument/2006/math">
+                    <m:oMathParaPr>
+                      <m:jc m:val="center"/>
+                    </m:oMathParaPr>
+                    <m:oMath xmlns:m="http://schemas.openxmlformats.org/officeDocument/2006/math">
+                      <m:r>
+                        <a:rPr lang="en-US" altLang="ko-KR" b="0" i="1" smtClean="0">
+                          <a:latin typeface="Cambria Math"/>
+                        </a:rPr>
+                        <m:t>𝑃</m:t>
+                      </m:r>
+                      <m:d>
+                        <m:dPr>
+                          <m:ctrlPr>
+                            <a:rPr lang="en-US" altLang="ko-KR" b="0" i="1" smtClean="0">
+                              <a:latin typeface="Cambria Math"/>
+                            </a:rPr>
+                          </m:ctrlPr>
+                        </m:dPr>
+                        <m:e>
+                          <m:sSup>
+                            <m:sSupPr>
+                              <m:ctrlPr>
+                                <a:rPr lang="en-US" altLang="ko-KR" b="0" i="1" smtClean="0">
+                                  <a:latin typeface="Cambria Math"/>
+                                </a:rPr>
+                              </m:ctrlPr>
+                            </m:sSupPr>
+                            <m:e>
+                              <m:r>
+                                <a:rPr lang="en-US" altLang="ko-KR" b="0" i="1" smtClean="0">
+                                  <a:latin typeface="Cambria Math"/>
+                                </a:rPr>
+                                <m:t>𝐻</m:t>
+                              </m:r>
+                            </m:e>
+                            <m:sup>
+                              <m:r>
+                                <a:rPr lang="en-US" altLang="ko-KR" b="0" i="1" smtClean="0">
+                                  <a:latin typeface="Cambria Math"/>
+                                </a:rPr>
+                                <m:t>𝑐</m:t>
+                              </m:r>
+                            </m:sup>
+                          </m:sSup>
+                        </m:e>
+                      </m:d>
+                    </m:oMath>
+                  </m:oMathPara>
+                </a14:m>
+                <a:endParaRPr lang="en-US" altLang="ko-KR" b="0" dirty="0" smtClean="0"/>
+              </a:p>
+              <a:p>
+                <a:pPr algn="ctr"/>
+                <a14:m>
+                  <m:oMathPara xmlns:m="http://schemas.openxmlformats.org/officeDocument/2006/math">
+                    <m:oMathParaPr>
+                      <m:jc m:val="center"/>
+                    </m:oMathParaPr>
+                    <m:oMath xmlns:m="http://schemas.openxmlformats.org/officeDocument/2006/math">
+                      <m:r>
+                        <a:rPr lang="en-US" altLang="ko-KR" b="0" i="1" smtClean="0">
+                          <a:latin typeface="Cambria Math"/>
+                        </a:rPr>
+                        <m:t>=0.999</m:t>
+                      </m:r>
+                    </m:oMath>
+                  </m:oMathPara>
+                </a14:m>
+                <a:endParaRPr lang="ko-KR" altLang="en-US" dirty="0"/>
+              </a:p>
+            </p:txBody>
+          </p:sp>
+        </mc:Choice>
+        <mc:Fallback>
+          <p:sp>
+            <p:nvSpPr>
+              <p:cNvPr id="12" name="TextBox 11"/>
+              <p:cNvSpPr txBox="1">
+                <a:spLocks noRot="1" noChangeAspect="1" noMove="1" noResize="1" noEditPoints="1" noAdjustHandles="1" noChangeArrowheads="1" noChangeShapeType="1" noTextEdit="1"/>
+              </p:cNvSpPr>
+              <p:nvPr/>
+            </p:nvSpPr>
+            <p:spPr>
+              <a:xfrm>
+                <a:off x="4939467" y="5222230"/>
+                <a:ext cx="1035189" cy="646331"/>
+              </a:xfrm>
+              <a:prstGeom prst="rect">
+                <a:avLst/>
+              </a:prstGeom>
+              <a:blipFill rotWithShape="1">
+                <a:blip r:embed="rId3"/>
+                <a:stretch>
+                  <a:fillRect/>
+                </a:stretch>
+              </a:blipFill>
+            </p:spPr>
+            <p:txBody>
+              <a:bodyPr/>
+              <a:lstStyle/>
+              <a:p>
+                <a:r>
+                  <a:rPr lang="ko-KR" altLang="en-US">
+                    <a:noFill/>
+                  </a:rPr>
+                  <a:t> </a:t>
+                </a:r>
+              </a:p>
+            </p:txBody>
+          </p:sp>
+        </mc:Fallback>
+      </mc:AlternateContent>
+      <mc:AlternateContent xmlns:mc="http://schemas.openxmlformats.org/markup-compatibility/2006">
+        <mc:Choice xmlns:a14="http://schemas.microsoft.com/office/drawing/2010/main" Requires="a14">
+          <p:sp>
+            <p:nvSpPr>
+              <p:cNvPr id="13" name="TextBox 12"/>
+              <p:cNvSpPr txBox="1"/>
+              <p:nvPr/>
+            </p:nvSpPr>
+            <p:spPr>
+              <a:xfrm>
+                <a:off x="395536" y="3145031"/>
+                <a:ext cx="904361" cy="646331"/>
               </a:xfrm>
               <a:prstGeom prst="rect">
                 <a:avLst/>
@@ -3754,28 +3819,59 @@
                     </m:oMathParaPr>
                     <m:oMath xmlns:m="http://schemas.openxmlformats.org/officeDocument/2006/math">
                       <m:r>
-                        <a:rPr lang="en-US" altLang="ko-KR" b="0" i="1" smtClean="0">
+                        <a:rPr lang="en-US" altLang="ko-KR" b="0" i="1" dirty="0" smtClean="0">
                           <a:latin typeface="Cambria Math"/>
                         </a:rPr>
                         <m:t>𝑃</m:t>
                       </m:r>
                       <m:r>
-                        <a:rPr lang="en-US" altLang="ko-KR" b="0" i="1" smtClean="0">
+                        <a:rPr lang="en-US" altLang="ko-KR" b="0" i="1" dirty="0" smtClean="0">
                           <a:latin typeface="Cambria Math"/>
                         </a:rPr>
                         <m:t>(</m:t>
                       </m:r>
                       <m:r>
-                        <a:rPr lang="en-US" altLang="ko-KR" b="0" i="1" smtClean="0">
+                        <a:rPr lang="en-US" altLang="ko-KR" b="0" i="1" dirty="0" smtClean="0">
+                          <a:latin typeface="Cambria Math"/>
+                        </a:rPr>
+                        <m:t>𝐸</m:t>
+                      </m:r>
+                      <m:r>
+                        <a:rPr lang="en-US" altLang="ko-KR" b="0" i="1" dirty="0" smtClean="0">
+                          <a:latin typeface="Cambria Math"/>
+                        </a:rPr>
+                        <m:t>|</m:t>
+                      </m:r>
+                      <m:r>
+                        <a:rPr lang="en-US" altLang="ko-KR" b="0" i="1" dirty="0" smtClean="0">
                           <a:latin typeface="Cambria Math"/>
                         </a:rPr>
                         <m:t>𝐻</m:t>
                       </m:r>
                       <m:r>
-                        <a:rPr lang="en-US" altLang="ko-KR" b="0" i="1" smtClean="0">
+                        <a:rPr lang="en-US" altLang="ko-KR" b="0" i="1" dirty="0" smtClean="0">
                           <a:latin typeface="Cambria Math"/>
                         </a:rPr>
                         <m:t>)</m:t>
+                      </m:r>
+                    </m:oMath>
+                  </m:oMathPara>
+                </a14:m>
+                <a:endParaRPr lang="en-US" altLang="ko-KR" dirty="0" smtClean="0"/>
+              </a:p>
+              <a:p>
+                <a:pPr/>
+                <a14:m>
+                  <m:oMathPara xmlns:m="http://schemas.openxmlformats.org/officeDocument/2006/math">
+                    <m:oMathParaPr>
+                      <m:jc m:val="center"/>
+                    </m:oMathParaPr>
+                    <m:oMath xmlns:m="http://schemas.openxmlformats.org/officeDocument/2006/math">
+                      <m:r>
+                        <a:rPr lang="en-US" altLang="ko-KR" i="1" dirty="0" smtClean="0">
+                          <a:latin typeface="Cambria Math"/>
+                        </a:rPr>
+                        <m:t>=0.99</m:t>
                       </m:r>
                     </m:oMath>
                   </m:oMathPara>
@@ -3785,10 +3881,10 @@
             </p:txBody>
           </p:sp>
         </mc:Choice>
-        <mc:Fallback xmlns="">
+        <mc:Fallback>
           <p:sp>
             <p:nvSpPr>
-              <p:cNvPr id="11" name="TextBox 10"/>
+              <p:cNvPr id="13" name="TextBox 12"/>
               <p:cNvSpPr txBox="1">
                 <a:spLocks noRot="1" noChangeAspect="1" noMove="1" noResize="1" noEditPoints="1" noAdjustHandles="1" noChangeArrowheads="1" noChangeShapeType="1" noTextEdit="1"/>
               </p:cNvSpPr>
@@ -3796,16 +3892,16 @@
             </p:nvSpPr>
             <p:spPr>
               <a:xfrm>
-                <a:off x="1931073" y="5490688"/>
-                <a:ext cx="679459" cy="369332"/>
+                <a:off x="395536" y="3145031"/>
+                <a:ext cx="904361" cy="646331"/>
               </a:xfrm>
               <a:prstGeom prst="rect">
                 <a:avLst/>
               </a:prstGeom>
               <a:blipFill rotWithShape="1">
-                <a:blip r:embed="rId2"/>
+                <a:blip r:embed="rId4"/>
                 <a:stretch>
-                  <a:fillRect r="-5405" b="-16667"/>
+                  <a:fillRect r="-4054"/>
                 </a:stretch>
               </a:blipFill>
             </p:spPr>
@@ -3824,365 +3920,21 @@
           </p:sp>
         </mc:Fallback>
       </mc:AlternateContent>
-      <mc:AlternateContent xmlns:mc="http://schemas.openxmlformats.org/markup-compatibility/2006" xmlns:a14="http://schemas.microsoft.com/office/drawing/2010/main">
-        <mc:Choice Requires="a14">
-          <p:sp>
-            <p:nvSpPr>
-              <p:cNvPr id="12" name="TextBox 11"/>
-              <p:cNvSpPr txBox="1"/>
-              <p:nvPr/>
-            </p:nvSpPr>
-            <p:spPr>
-              <a:xfrm>
-                <a:off x="5004048" y="5545444"/>
-                <a:ext cx="679459" cy="369332"/>
-              </a:xfrm>
-              <a:prstGeom prst="rect">
-                <a:avLst/>
-              </a:prstGeom>
-              <a:noFill/>
-            </p:spPr>
-            <p:txBody>
-              <a:bodyPr wrap="square" rtlCol="0">
-                <a:spAutoFit/>
-              </a:bodyPr>
-              <a:lstStyle/>
-              <a:p>
-                <a:pPr/>
-                <a14:m>
-                  <m:oMathPara xmlns:m="http://schemas.openxmlformats.org/officeDocument/2006/math">
-                    <m:oMathParaPr>
-                      <m:jc m:val="center"/>
-                    </m:oMathParaPr>
-                    <m:oMath xmlns:m="http://schemas.openxmlformats.org/officeDocument/2006/math">
-                      <m:r>
-                        <a:rPr lang="en-US" altLang="ko-KR" b="0" i="1" smtClean="0">
-                          <a:latin typeface="Cambria Math"/>
-                        </a:rPr>
-                        <m:t>𝑃</m:t>
-                      </m:r>
-                      <m:r>
-                        <a:rPr lang="en-US" altLang="ko-KR" b="0" i="1" smtClean="0">
-                          <a:latin typeface="Cambria Math"/>
-                        </a:rPr>
-                        <m:t>(</m:t>
-                      </m:r>
-                      <m:sSup>
-                        <m:sSupPr>
-                          <m:ctrlPr>
-                            <a:rPr lang="en-US" altLang="ko-KR" b="0" i="1" smtClean="0">
-                              <a:latin typeface="Cambria Math"/>
-                            </a:rPr>
-                          </m:ctrlPr>
-                        </m:sSupPr>
-                        <m:e>
-                          <m:r>
-                            <a:rPr lang="en-US" altLang="ko-KR" b="0" i="1" smtClean="0">
-                              <a:latin typeface="Cambria Math"/>
-                            </a:rPr>
-                            <m:t>𝐻</m:t>
-                          </m:r>
-                        </m:e>
-                        <m:sup>
-                          <m:r>
-                            <a:rPr lang="en-US" altLang="ko-KR" b="0" i="1" smtClean="0">
-                              <a:latin typeface="Cambria Math"/>
-                            </a:rPr>
-                            <m:t>𝑐</m:t>
-                          </m:r>
-                        </m:sup>
-                      </m:sSup>
-                      <m:r>
-                        <a:rPr lang="en-US" altLang="ko-KR" b="0" i="1" smtClean="0">
-                          <a:latin typeface="Cambria Math"/>
-                        </a:rPr>
-                        <m:t>)</m:t>
-                      </m:r>
-                    </m:oMath>
-                  </m:oMathPara>
-                </a14:m>
-                <a:endParaRPr lang="ko-KR" altLang="en-US" dirty="0"/>
-              </a:p>
-            </p:txBody>
-          </p:sp>
-        </mc:Choice>
-        <mc:Fallback xmlns="">
-          <p:sp>
-            <p:nvSpPr>
-              <p:cNvPr id="12" name="TextBox 11"/>
-              <p:cNvSpPr txBox="1">
-                <a:spLocks noRot="1" noChangeAspect="1" noMove="1" noResize="1" noEditPoints="1" noAdjustHandles="1" noChangeArrowheads="1" noChangeShapeType="1" noTextEdit="1"/>
-              </p:cNvSpPr>
-              <p:nvPr/>
-            </p:nvSpPr>
-            <p:spPr>
-              <a:xfrm>
-                <a:off x="5004048" y="5545444"/>
-                <a:ext cx="679459" cy="369332"/>
-              </a:xfrm>
-              <a:prstGeom prst="rect">
-                <a:avLst/>
-              </a:prstGeom>
-              <a:blipFill rotWithShape="1">
-                <a:blip r:embed="rId3"/>
-                <a:stretch>
-                  <a:fillRect r="-20721" b="-16667"/>
-                </a:stretch>
-              </a:blipFill>
-            </p:spPr>
-            <p:txBody>
-              <a:bodyPr/>
-              <a:lstStyle/>
-              <a:p>
-                <a:r>
-                  <a:rPr lang="ko-KR" altLang="en-US">
-                    <a:noFill/>
-                  </a:rPr>
-                  <a:t> </a:t>
-                </a:r>
-              </a:p>
-            </p:txBody>
-          </p:sp>
-        </mc:Fallback>
-      </mc:AlternateContent>
-      <mc:AlternateContent xmlns:mc="http://schemas.openxmlformats.org/markup-compatibility/2006" xmlns:a14="http://schemas.microsoft.com/office/drawing/2010/main">
-        <mc:Choice Requires="a14">
-          <p:sp>
-            <p:nvSpPr>
-              <p:cNvPr id="13" name="TextBox 12"/>
-              <p:cNvSpPr txBox="1"/>
-              <p:nvPr/>
-            </p:nvSpPr>
-            <p:spPr>
-              <a:xfrm>
-                <a:off x="427279" y="3501008"/>
-                <a:ext cx="904361" cy="369332"/>
-              </a:xfrm>
-              <a:prstGeom prst="rect">
-                <a:avLst/>
-              </a:prstGeom>
-              <a:noFill/>
-            </p:spPr>
-            <p:txBody>
-              <a:bodyPr wrap="square" rtlCol="0">
-                <a:spAutoFit/>
-              </a:bodyPr>
-              <a:lstStyle/>
-              <a:p>
-                <a:pPr/>
-                <a14:m>
-                  <m:oMathPara xmlns:m="http://schemas.openxmlformats.org/officeDocument/2006/math">
-                    <m:oMathParaPr>
-                      <m:jc m:val="center"/>
-                    </m:oMathParaPr>
-                    <m:oMath xmlns:m="http://schemas.openxmlformats.org/officeDocument/2006/math">
-                      <m:r>
-                        <a:rPr lang="en-US" altLang="ko-KR" b="0" i="1" smtClean="0">
-                          <a:latin typeface="Cambria Math"/>
-                        </a:rPr>
-                        <m:t>𝑃</m:t>
-                      </m:r>
-                      <m:r>
-                        <a:rPr lang="en-US" altLang="ko-KR" b="0" i="1" smtClean="0">
-                          <a:latin typeface="Cambria Math"/>
-                        </a:rPr>
-                        <m:t>(</m:t>
-                      </m:r>
-                      <m:r>
-                        <a:rPr lang="en-US" altLang="ko-KR" b="0" i="1" smtClean="0">
-                          <a:latin typeface="Cambria Math"/>
-                        </a:rPr>
-                        <m:t>𝐸</m:t>
-                      </m:r>
-                      <m:r>
-                        <a:rPr lang="en-US" altLang="ko-KR" b="0" i="1" smtClean="0">
-                          <a:latin typeface="Cambria Math"/>
-                        </a:rPr>
-                        <m:t>|</m:t>
-                      </m:r>
-                      <m:r>
-                        <a:rPr lang="en-US" altLang="ko-KR" b="0" i="1" smtClean="0">
-                          <a:latin typeface="Cambria Math"/>
-                        </a:rPr>
-                        <m:t>𝐻</m:t>
-                      </m:r>
-                      <m:r>
-                        <a:rPr lang="en-US" altLang="ko-KR" b="0" i="1" smtClean="0">
-                          <a:latin typeface="Cambria Math"/>
-                        </a:rPr>
-                        <m:t>)</m:t>
-                      </m:r>
-                    </m:oMath>
-                  </m:oMathPara>
-                </a14:m>
-                <a:endParaRPr lang="ko-KR" altLang="en-US" dirty="0"/>
-              </a:p>
-            </p:txBody>
-          </p:sp>
-        </mc:Choice>
-        <mc:Fallback xmlns="">
-          <p:sp>
-            <p:nvSpPr>
-              <p:cNvPr id="13" name="TextBox 12"/>
-              <p:cNvSpPr txBox="1">
-                <a:spLocks noRot="1" noChangeAspect="1" noMove="1" noResize="1" noEditPoints="1" noAdjustHandles="1" noChangeArrowheads="1" noChangeShapeType="1" noTextEdit="1"/>
-              </p:cNvSpPr>
-              <p:nvPr/>
-            </p:nvSpPr>
-            <p:spPr>
-              <a:xfrm>
-                <a:off x="427279" y="3501008"/>
-                <a:ext cx="904361" cy="369332"/>
-              </a:xfrm>
-              <a:prstGeom prst="rect">
-                <a:avLst/>
-              </a:prstGeom>
-              <a:blipFill rotWithShape="1">
-                <a:blip r:embed="rId4"/>
-                <a:stretch>
-                  <a:fillRect r="-4730" b="-14754"/>
-                </a:stretch>
-              </a:blipFill>
-            </p:spPr>
-            <p:txBody>
-              <a:bodyPr/>
-              <a:lstStyle/>
-              <a:p>
-                <a:r>
-                  <a:rPr lang="ko-KR" altLang="en-US">
-                    <a:noFill/>
-                  </a:rPr>
-                  <a:t> </a:t>
-                </a:r>
-              </a:p>
-            </p:txBody>
-          </p:sp>
-        </mc:Fallback>
-      </mc:AlternateContent>
-      <p:grpSp>
-        <p:nvGrpSpPr>
-          <p:cNvPr id="16" name="그룹 15"/>
-          <p:cNvGrpSpPr/>
-          <p:nvPr/>
-        </p:nvGrpSpPr>
-        <p:grpSpPr>
-          <a:xfrm>
-            <a:off x="976489" y="1556792"/>
-            <a:ext cx="1191106" cy="4145106"/>
-            <a:chOff x="976489" y="1556792"/>
-            <a:chExt cx="1191106" cy="4145106"/>
-          </a:xfrm>
-        </p:grpSpPr>
-        <p:sp>
-          <p:nvSpPr>
-            <p:cNvPr id="14" name="원호 13"/>
-            <p:cNvSpPr/>
-            <p:nvPr/>
-          </p:nvSpPr>
-          <p:spPr>
-            <a:xfrm flipH="1">
-              <a:off x="976489" y="2011718"/>
-              <a:ext cx="1191106" cy="3690180"/>
-            </a:xfrm>
-            <a:prstGeom prst="arc">
-              <a:avLst>
-                <a:gd name="adj1" fmla="val 16586860"/>
-                <a:gd name="adj2" fmla="val 19723384"/>
-              </a:avLst>
-            </a:prstGeom>
-            <a:ln>
-              <a:solidFill>
-                <a:schemeClr val="tx1"/>
-              </a:solidFill>
-              <a:prstDash val="dash"/>
-            </a:ln>
-          </p:spPr>
-          <p:style>
-            <a:lnRef idx="1">
-              <a:schemeClr val="accent1"/>
-            </a:lnRef>
-            <a:fillRef idx="0">
-              <a:schemeClr val="accent1"/>
-            </a:fillRef>
-            <a:effectRef idx="0">
-              <a:schemeClr val="accent1"/>
-            </a:effectRef>
-            <a:fontRef idx="minor">
-              <a:schemeClr val="tx1"/>
-            </a:fontRef>
-          </p:style>
-          <p:txBody>
-            <a:bodyPr rtlCol="0" anchor="ctr"/>
-            <a:lstStyle/>
-            <a:p>
-              <a:pPr algn="ctr"/>
-              <a:endParaRPr lang="ko-KR" altLang="en-US"/>
-            </a:p>
-          </p:txBody>
-        </p:sp>
-        <p:sp>
-          <p:nvSpPr>
-            <p:cNvPr id="15" name="원호 14"/>
-            <p:cNvSpPr/>
-            <p:nvPr/>
-          </p:nvSpPr>
-          <p:spPr>
-            <a:xfrm flipH="1" flipV="1">
-              <a:off x="976489" y="1556792"/>
-              <a:ext cx="1191106" cy="3960440"/>
-            </a:xfrm>
-            <a:prstGeom prst="arc">
-              <a:avLst>
-                <a:gd name="adj1" fmla="val 16586860"/>
-                <a:gd name="adj2" fmla="val 19723384"/>
-              </a:avLst>
-            </a:prstGeom>
-            <a:ln>
-              <a:solidFill>
-                <a:schemeClr val="tx1"/>
-              </a:solidFill>
-              <a:prstDash val="dash"/>
-            </a:ln>
-          </p:spPr>
-          <p:style>
-            <a:lnRef idx="1">
-              <a:schemeClr val="accent1"/>
-            </a:lnRef>
-            <a:fillRef idx="0">
-              <a:schemeClr val="accent1"/>
-            </a:fillRef>
-            <a:effectRef idx="0">
-              <a:schemeClr val="accent1"/>
-            </a:effectRef>
-            <a:fontRef idx="minor">
-              <a:schemeClr val="tx1"/>
-            </a:fontRef>
-          </p:style>
-          <p:txBody>
-            <a:bodyPr rtlCol="0" anchor="ctr"/>
-            <a:lstStyle/>
-            <a:p>
-              <a:pPr algn="ctr"/>
-              <a:endParaRPr lang="ko-KR" altLang="en-US"/>
-            </a:p>
-          </p:txBody>
-        </p:sp>
-      </p:grpSp>
-      <p:sp>
-        <p:nvSpPr>
-          <p:cNvPr id="18" name="원호 17"/>
+      <p:sp>
+        <p:nvSpPr>
+          <p:cNvPr id="14" name="원호 13"/>
           <p:cNvSpPr/>
           <p:nvPr/>
         </p:nvSpPr>
         <p:spPr>
-          <a:xfrm rot="16200000" flipH="1">
-            <a:off x="2069725" y="4376066"/>
-            <a:ext cx="569021" cy="1987259"/>
+          <a:xfrm flipH="1">
+            <a:off x="976489" y="1688504"/>
+            <a:ext cx="1191106" cy="3690180"/>
           </a:xfrm>
           <a:prstGeom prst="arc">
             <a:avLst>
               <a:gd name="adj1" fmla="val 16586860"/>
-              <a:gd name="adj2" fmla="val 18221477"/>
+              <a:gd name="adj2" fmla="val 19367740"/>
             </a:avLst>
           </a:prstGeom>
           <a:ln>
@@ -4217,13 +3969,60 @@
       </p:sp>
       <p:sp>
         <p:nvSpPr>
+          <p:cNvPr id="15" name="원호 14"/>
+          <p:cNvSpPr/>
+          <p:nvPr/>
+        </p:nvSpPr>
+        <p:spPr>
+          <a:xfrm flipH="1" flipV="1">
+            <a:off x="976489" y="1233578"/>
+            <a:ext cx="1191106" cy="3960440"/>
+          </a:xfrm>
+          <a:prstGeom prst="arc">
+            <a:avLst>
+              <a:gd name="adj1" fmla="val 16586860"/>
+              <a:gd name="adj2" fmla="val 18888003"/>
+            </a:avLst>
+          </a:prstGeom>
+          <a:ln>
+            <a:solidFill>
+              <a:schemeClr val="tx1"/>
+            </a:solidFill>
+            <a:prstDash val="dash"/>
+          </a:ln>
+        </p:spPr>
+        <p:style>
+          <a:lnRef idx="1">
+            <a:schemeClr val="accent1"/>
+          </a:lnRef>
+          <a:fillRef idx="0">
+            <a:schemeClr val="accent1"/>
+          </a:fillRef>
+          <a:effectRef idx="0">
+            <a:schemeClr val="accent1"/>
+          </a:effectRef>
+          <a:fontRef idx="minor">
+            <a:schemeClr val="tx1"/>
+          </a:fontRef>
+        </p:style>
+        <p:txBody>
+          <a:bodyPr rtlCol="0" anchor="ctr"/>
+          <a:lstStyle/>
+          <a:p>
+            <a:pPr algn="ctr"/>
+            <a:endParaRPr lang="ko-KR" altLang="en-US"/>
+          </a:p>
+        </p:txBody>
+      </p:sp>
+      <p:sp>
+        <p:nvSpPr>
           <p:cNvPr id="19" name="원호 18"/>
           <p:cNvSpPr/>
           <p:nvPr/>
         </p:nvSpPr>
         <p:spPr>
           <a:xfrm rot="16200000" flipH="1" flipV="1">
-            <a:off x="1897506" y="4303295"/>
+            <a:off x="1897506" y="3980081"/>
             <a:ext cx="569021" cy="2132801"/>
           </a:xfrm>
           <a:prstGeom prst="arc">
@@ -4270,7 +4069,7 @@
         </p:nvGrpSpPr>
         <p:grpSpPr>
           <a:xfrm>
-            <a:off x="2177353" y="4648662"/>
+            <a:off x="2177353" y="4325448"/>
             <a:ext cx="6243706" cy="1087740"/>
             <a:chOff x="2221614" y="4614158"/>
             <a:chExt cx="6120680" cy="1191106"/>
@@ -4379,7 +4178,7 @@
         </p:nvSpPr>
         <p:spPr>
           <a:xfrm>
-            <a:off x="7345247" y="4274310"/>
+            <a:off x="7345247" y="3951096"/>
             <a:ext cx="611225" cy="1232076"/>
           </a:xfrm>
           <a:prstGeom prst="arc">
@@ -4426,7 +4225,7 @@
         </p:nvSpPr>
         <p:spPr>
           <a:xfrm flipV="1">
-            <a:off x="7345247" y="4122420"/>
+            <a:off x="7345247" y="3799206"/>
             <a:ext cx="611225" cy="1322310"/>
           </a:xfrm>
           <a:prstGeom prst="arc">
@@ -4465,8 +4264,8 @@
           </a:p>
         </p:txBody>
       </p:sp>
-      <mc:AlternateContent xmlns:mc="http://schemas.openxmlformats.org/markup-compatibility/2006" xmlns:a14="http://schemas.microsoft.com/office/drawing/2010/main">
-        <mc:Choice Requires="a14">
+      <mc:AlternateContent xmlns:mc="http://schemas.openxmlformats.org/markup-compatibility/2006">
+        <mc:Choice xmlns:a14="http://schemas.microsoft.com/office/drawing/2010/main" Requires="a14">
           <p:sp>
             <p:nvSpPr>
               <p:cNvPr id="27" name="TextBox 26"/>
@@ -4475,8 +4274,8 @@
             </p:nvSpPr>
             <p:spPr>
               <a:xfrm>
-                <a:off x="7777856" y="4637114"/>
-                <a:ext cx="904361" cy="369332"/>
+                <a:off x="7781633" y="4321296"/>
+                <a:ext cx="1105221" cy="646331"/>
               </a:xfrm>
               <a:prstGeom prst="rect">
                 <a:avLst/>
@@ -4502,54 +4301,68 @@
                         </a:rPr>
                         <m:t>𝑃</m:t>
                       </m:r>
-                      <m:r>
-                        <a:rPr lang="en-US" altLang="ko-KR" b="0" i="1" smtClean="0">
-                          <a:latin typeface="Cambria Math"/>
-                        </a:rPr>
-                        <m:t>(</m:t>
-                      </m:r>
-                      <m:r>
-                        <a:rPr lang="en-US" altLang="ko-KR" b="0" i="1" smtClean="0">
-                          <a:latin typeface="Cambria Math"/>
-                        </a:rPr>
-                        <m:t>𝐸</m:t>
-                      </m:r>
-                      <m:r>
-                        <a:rPr lang="en-US" altLang="ko-KR" b="0" i="1" smtClean="0">
-                          <a:latin typeface="Cambria Math"/>
-                        </a:rPr>
-                        <m:t>|</m:t>
-                      </m:r>
-                      <m:sSup>
-                        <m:sSupPr>
+                      <m:d>
+                        <m:dPr>
                           <m:ctrlPr>
                             <a:rPr lang="en-US" altLang="ko-KR" b="0" i="1" smtClean="0">
                               <a:latin typeface="Cambria Math"/>
                             </a:rPr>
                           </m:ctrlPr>
-                        </m:sSupPr>
+                        </m:dPr>
                         <m:e>
                           <m:r>
                             <a:rPr lang="en-US" altLang="ko-KR" b="0" i="1" smtClean="0">
                               <a:latin typeface="Cambria Math"/>
                             </a:rPr>
-                            <m:t>𝐻</m:t>
+                            <m:t>𝐸</m:t>
                           </m:r>
                         </m:e>
-                        <m:sup>
-                          <m:r>
-                            <a:rPr lang="en-US" altLang="ko-KR" b="0" i="1" smtClean="0">
-                              <a:latin typeface="Cambria Math"/>
-                            </a:rPr>
-                            <m:t>𝑐</m:t>
-                          </m:r>
-                        </m:sup>
-                      </m:sSup>
+                        <m:e>
+                          <m:sSup>
+                            <m:sSupPr>
+                              <m:ctrlPr>
+                                <a:rPr lang="en-US" altLang="ko-KR" b="0" i="1" smtClean="0">
+                                  <a:latin typeface="Cambria Math"/>
+                                </a:rPr>
+                              </m:ctrlPr>
+                            </m:sSupPr>
+                            <m:e>
+                              <m:r>
+                                <a:rPr lang="en-US" altLang="ko-KR" b="0" i="1" smtClean="0">
+                                  <a:latin typeface="Cambria Math"/>
+                                </a:rPr>
+                                <m:t>𝐻</m:t>
+                              </m:r>
+                            </m:e>
+                            <m:sup>
+                              <m:r>
+                                <a:rPr lang="en-US" altLang="ko-KR" b="0" i="1" smtClean="0">
+                                  <a:latin typeface="Cambria Math"/>
+                                </a:rPr>
+                                <m:t>𝑐</m:t>
+                              </m:r>
+                            </m:sup>
+                          </m:sSup>
+                        </m:e>
+                      </m:d>
+                    </m:oMath>
+                  </m:oMathPara>
+                </a14:m>
+                <a:endParaRPr lang="en-US" altLang="ko-KR" b="0" dirty="0" smtClean="0"/>
+              </a:p>
+              <a:p>
+                <a:pPr/>
+                <a14:m>
+                  <m:oMathPara xmlns:m="http://schemas.openxmlformats.org/officeDocument/2006/math">
+                    <m:oMathParaPr>
+                      <m:jc m:val="center"/>
+                    </m:oMathParaPr>
+                    <m:oMath xmlns:m="http://schemas.openxmlformats.org/officeDocument/2006/math">
                       <m:r>
                         <a:rPr lang="en-US" altLang="ko-KR" b="0" i="1" smtClean="0">
                           <a:latin typeface="Cambria Math"/>
                         </a:rPr>
-                        <m:t>)</m:t>
+                        <m:t>=0.02</m:t>
                       </m:r>
                     </m:oMath>
                   </m:oMathPara>
@@ -4559,7 +4372,7 @@
             </p:txBody>
           </p:sp>
         </mc:Choice>
-        <mc:Fallback xmlns="">
+        <mc:Fallback>
           <p:sp>
             <p:nvSpPr>
               <p:cNvPr id="27" name="TextBox 26"/>
@@ -4570,8 +4383,8 @@
             </p:nvSpPr>
             <p:spPr>
               <a:xfrm>
-                <a:off x="7777856" y="4637114"/>
-                <a:ext cx="904361" cy="369332"/>
+                <a:off x="7781633" y="4321296"/>
+                <a:ext cx="1105221" cy="646331"/>
               </a:xfrm>
               <a:prstGeom prst="rect">
                 <a:avLst/>
@@ -4579,7 +4392,7 @@
               <a:blipFill rotWithShape="1">
                 <a:blip r:embed="rId5"/>
                 <a:stretch>
-                  <a:fillRect r="-15541" b="-16667"/>
+                  <a:fillRect/>
                 </a:stretch>
               </a:blipFill>
             </p:spPr>
@@ -4600,13 +4413,701 @@
       </mc:AlternateContent>
       <p:sp>
         <p:nvSpPr>
+          <p:cNvPr id="37" name="원호 36"/>
+          <p:cNvSpPr/>
+          <p:nvPr/>
+        </p:nvSpPr>
+        <p:spPr>
+          <a:xfrm>
+            <a:off x="7037524" y="684700"/>
+            <a:ext cx="1092153" cy="3576744"/>
+          </a:xfrm>
+          <a:prstGeom prst="arc">
+            <a:avLst>
+              <a:gd name="adj1" fmla="val 16586860"/>
+              <a:gd name="adj2" fmla="val 19031233"/>
+            </a:avLst>
+          </a:prstGeom>
+          <a:ln>
+            <a:solidFill>
+              <a:schemeClr val="tx1"/>
+            </a:solidFill>
+            <a:prstDash val="dash"/>
+          </a:ln>
+        </p:spPr>
+        <p:style>
+          <a:lnRef idx="1">
+            <a:schemeClr val="accent1"/>
+          </a:lnRef>
+          <a:fillRef idx="0">
+            <a:schemeClr val="accent1"/>
+          </a:fillRef>
+          <a:effectRef idx="0">
+            <a:schemeClr val="accent1"/>
+          </a:effectRef>
+          <a:fontRef idx="minor">
+            <a:schemeClr val="tx1"/>
+          </a:fontRef>
+        </p:style>
+        <p:txBody>
+          <a:bodyPr rtlCol="0" anchor="ctr"/>
+          <a:lstStyle/>
+          <a:p>
+            <a:pPr algn="ctr"/>
+            <a:endParaRPr lang="ko-KR" altLang="en-US"/>
+          </a:p>
+        </p:txBody>
+      </p:sp>
+      <p:sp>
+        <p:nvSpPr>
+          <p:cNvPr id="38" name="원호 37"/>
+          <p:cNvSpPr/>
+          <p:nvPr/>
+        </p:nvSpPr>
+        <p:spPr>
+          <a:xfrm flipV="1">
+            <a:off x="7037524" y="243758"/>
+            <a:ext cx="1092153" cy="3838697"/>
+          </a:xfrm>
+          <a:prstGeom prst="arc">
+            <a:avLst>
+              <a:gd name="adj1" fmla="val 16586860"/>
+              <a:gd name="adj2" fmla="val 18858118"/>
+            </a:avLst>
+          </a:prstGeom>
+          <a:ln>
+            <a:solidFill>
+              <a:schemeClr val="tx1"/>
+            </a:solidFill>
+            <a:prstDash val="dash"/>
+          </a:ln>
+        </p:spPr>
+        <p:style>
+          <a:lnRef idx="1">
+            <a:schemeClr val="accent1"/>
+          </a:lnRef>
+          <a:fillRef idx="0">
+            <a:schemeClr val="accent1"/>
+          </a:fillRef>
+          <a:effectRef idx="0">
+            <a:schemeClr val="accent1"/>
+          </a:effectRef>
+          <a:fontRef idx="minor">
+            <a:schemeClr val="tx1"/>
+          </a:fontRef>
+        </p:style>
+        <p:txBody>
+          <a:bodyPr rtlCol="0" anchor="ctr"/>
+          <a:lstStyle/>
+          <a:p>
+            <a:pPr algn="ctr"/>
+            <a:endParaRPr lang="ko-KR" altLang="en-US"/>
+          </a:p>
+        </p:txBody>
+      </p:sp>
+      <mc:AlternateContent xmlns:mc="http://schemas.openxmlformats.org/markup-compatibility/2006">
+        <mc:Choice xmlns:a14="http://schemas.microsoft.com/office/drawing/2010/main" Requires="a14">
+          <p:sp>
+            <p:nvSpPr>
+              <p:cNvPr id="39" name="TextBox 38"/>
+              <p:cNvSpPr txBox="1"/>
+              <p:nvPr/>
+            </p:nvSpPr>
+            <p:spPr>
+              <a:xfrm>
+                <a:off x="7726195" y="2003746"/>
+                <a:ext cx="1094277" cy="669992"/>
+              </a:xfrm>
+              <a:prstGeom prst="rect">
+                <a:avLst/>
+              </a:prstGeom>
+              <a:noFill/>
+            </p:spPr>
+            <p:txBody>
+              <a:bodyPr wrap="square" rtlCol="0">
+                <a:spAutoFit/>
+              </a:bodyPr>
+              <a:lstStyle/>
+              <a:p>
+                <a:pPr/>
+                <a14:m>
+                  <m:oMathPara xmlns:m="http://schemas.openxmlformats.org/officeDocument/2006/math">
+                    <m:oMathParaPr>
+                      <m:jc m:val="center"/>
+                    </m:oMathParaPr>
+                    <m:oMath xmlns:m="http://schemas.openxmlformats.org/officeDocument/2006/math">
+                      <m:r>
+                        <a:rPr lang="en-US" altLang="ko-KR" b="0" i="1" dirty="0" smtClean="0">
+                          <a:latin typeface="Cambria Math"/>
+                        </a:rPr>
+                        <m:t>𝑃</m:t>
+                      </m:r>
+                      <m:r>
+                        <a:rPr lang="en-US" altLang="ko-KR" b="0" i="1" dirty="0" smtClean="0">
+                          <a:latin typeface="Cambria Math"/>
+                        </a:rPr>
+                        <m:t>(</m:t>
+                      </m:r>
+                      <m:sSup>
+                        <m:sSupPr>
+                          <m:ctrlPr>
+                            <a:rPr lang="en-US" altLang="ko-KR" b="0" i="1" dirty="0" smtClean="0">
+                              <a:latin typeface="Cambria Math"/>
+                            </a:rPr>
+                          </m:ctrlPr>
+                        </m:sSupPr>
+                        <m:e>
+                          <m:r>
+                            <a:rPr lang="en-US" altLang="ko-KR" b="0" i="1" dirty="0" smtClean="0">
+                              <a:latin typeface="Cambria Math"/>
+                            </a:rPr>
+                            <m:t>𝐸</m:t>
+                          </m:r>
+                        </m:e>
+                        <m:sup>
+                          <m:r>
+                            <a:rPr lang="en-US" altLang="ko-KR" b="0" i="1" dirty="0" smtClean="0">
+                              <a:latin typeface="Cambria Math"/>
+                            </a:rPr>
+                            <m:t>𝑐</m:t>
+                          </m:r>
+                        </m:sup>
+                      </m:sSup>
+                      <m:r>
+                        <a:rPr lang="en-US" altLang="ko-KR" b="0" i="1" dirty="0" smtClean="0">
+                          <a:latin typeface="Cambria Math"/>
+                        </a:rPr>
+                        <m:t>|</m:t>
+                      </m:r>
+                      <m:sSup>
+                        <m:sSupPr>
+                          <m:ctrlPr>
+                            <a:rPr lang="en-US" altLang="ko-KR" b="0" i="1" dirty="0" smtClean="0">
+                              <a:latin typeface="Cambria Math"/>
+                            </a:rPr>
+                          </m:ctrlPr>
+                        </m:sSupPr>
+                        <m:e>
+                          <m:r>
+                            <a:rPr lang="en-US" altLang="ko-KR" b="0" i="1" dirty="0" smtClean="0">
+                              <a:latin typeface="Cambria Math"/>
+                            </a:rPr>
+                            <m:t>𝐻</m:t>
+                          </m:r>
+                        </m:e>
+                        <m:sup>
+                          <m:r>
+                            <a:rPr lang="en-US" altLang="ko-KR" b="0" i="1" dirty="0" smtClean="0">
+                              <a:latin typeface="Cambria Math"/>
+                            </a:rPr>
+                            <m:t>𝑐</m:t>
+                          </m:r>
+                        </m:sup>
+                      </m:sSup>
+                      <m:r>
+                        <a:rPr lang="en-US" altLang="ko-KR" b="0" i="1" dirty="0" smtClean="0">
+                          <a:latin typeface="Cambria Math"/>
+                        </a:rPr>
+                        <m:t>)</m:t>
+                      </m:r>
+                    </m:oMath>
+                  </m:oMathPara>
+                </a14:m>
+                <a:endParaRPr lang="en-US" altLang="ko-KR" dirty="0" smtClean="0"/>
+              </a:p>
+              <a:p>
+                <a:pPr/>
+                <a14:m>
+                  <m:oMathPara xmlns:m="http://schemas.openxmlformats.org/officeDocument/2006/math">
+                    <m:oMathParaPr>
+                      <m:jc m:val="center"/>
+                    </m:oMathParaPr>
+                    <m:oMath xmlns:m="http://schemas.openxmlformats.org/officeDocument/2006/math">
+                      <m:r>
+                        <a:rPr lang="en-US" altLang="ko-KR" i="1" dirty="0" smtClean="0">
+                          <a:latin typeface="Cambria Math"/>
+                        </a:rPr>
+                        <m:t>=0.9</m:t>
+                      </m:r>
+                      <m:r>
+                        <a:rPr lang="en-US" altLang="ko-KR" b="0" i="1" dirty="0" smtClean="0">
+                          <a:latin typeface="Cambria Math"/>
+                        </a:rPr>
+                        <m:t>8</m:t>
+                      </m:r>
+                    </m:oMath>
+                  </m:oMathPara>
+                </a14:m>
+                <a:endParaRPr lang="ko-KR" altLang="en-US" dirty="0"/>
+              </a:p>
+            </p:txBody>
+          </p:sp>
+        </mc:Choice>
+        <mc:Fallback>
+          <p:sp>
+            <p:nvSpPr>
+              <p:cNvPr id="39" name="TextBox 38"/>
+              <p:cNvSpPr txBox="1">
+                <a:spLocks noRot="1" noChangeAspect="1" noMove="1" noResize="1" noEditPoints="1" noAdjustHandles="1" noChangeArrowheads="1" noChangeShapeType="1" noTextEdit="1"/>
+              </p:cNvSpPr>
+              <p:nvPr/>
+            </p:nvSpPr>
+            <p:spPr>
+              <a:xfrm>
+                <a:off x="7726195" y="2003746"/>
+                <a:ext cx="1094277" cy="669992"/>
+              </a:xfrm>
+              <a:prstGeom prst="rect">
+                <a:avLst/>
+              </a:prstGeom>
+              <a:blipFill rotWithShape="1">
+                <a:blip r:embed="rId6"/>
+                <a:stretch>
+                  <a:fillRect r="-4444"/>
+                </a:stretch>
+              </a:blipFill>
+            </p:spPr>
+            <p:txBody>
+              <a:bodyPr/>
+              <a:lstStyle/>
+              <a:p>
+                <a:r>
+                  <a:rPr lang="ko-KR" altLang="en-US">
+                    <a:noFill/>
+                  </a:rPr>
+                  <a:t> </a:t>
+                </a:r>
+              </a:p>
+            </p:txBody>
+          </p:sp>
+        </mc:Fallback>
+      </mc:AlternateContent>
+      <p:sp>
+        <p:nvSpPr>
+          <p:cNvPr id="2" name="타원 1"/>
+          <p:cNvSpPr/>
+          <p:nvPr/>
+        </p:nvSpPr>
+        <p:spPr>
+          <a:xfrm>
+            <a:off x="145008" y="3118721"/>
+            <a:ext cx="1395530" cy="694211"/>
+          </a:xfrm>
+          <a:prstGeom prst="ellipse">
+            <a:avLst/>
+          </a:prstGeom>
+          <a:solidFill>
+            <a:schemeClr val="tx2">
+              <a:alpha val="20000"/>
+            </a:schemeClr>
+          </a:solidFill>
+          <a:ln>
+            <a:solidFill>
+              <a:srgbClr val="00B0F0"/>
+            </a:solidFill>
+            <a:prstDash val="dash"/>
+          </a:ln>
+        </p:spPr>
+        <p:style>
+          <a:lnRef idx="2">
+            <a:schemeClr val="accent1">
+              <a:shade val="50000"/>
+            </a:schemeClr>
+          </a:lnRef>
+          <a:fillRef idx="1">
+            <a:schemeClr val="accent1"/>
+          </a:fillRef>
+          <a:effectRef idx="0">
+            <a:schemeClr val="accent1"/>
+          </a:effectRef>
+          <a:fontRef idx="minor">
+            <a:schemeClr val="lt1"/>
+          </a:fontRef>
+        </p:style>
+        <p:txBody>
+          <a:bodyPr rtlCol="0" anchor="ctr"/>
+          <a:lstStyle/>
+          <a:p>
+            <a:pPr algn="ctr"/>
+            <a:endParaRPr lang="ko-KR" altLang="en-US"/>
+          </a:p>
+        </p:txBody>
+      </p:sp>
+      <p:sp>
+        <p:nvSpPr>
+          <p:cNvPr id="3" name="TextBox 2"/>
+          <p:cNvSpPr txBox="1"/>
+          <p:nvPr/>
+        </p:nvSpPr>
+        <p:spPr>
+          <a:xfrm>
+            <a:off x="173512" y="3837407"/>
+            <a:ext cx="1305165" cy="584775"/>
+          </a:xfrm>
+          <a:prstGeom prst="rect">
+            <a:avLst/>
+          </a:prstGeom>
+          <a:solidFill>
+            <a:schemeClr val="bg1"/>
+          </a:solidFill>
+        </p:spPr>
+        <p:txBody>
+          <a:bodyPr wrap="none" rtlCol="0">
+            <a:spAutoFit/>
+          </a:bodyPr>
+          <a:lstStyle/>
+          <a:p>
+            <a:pPr algn="ctr"/>
+            <a:r>
+              <a:rPr lang="ko-KR" altLang="en-US" sz="1600" b="1" dirty="0" smtClean="0">
+                <a:solidFill>
+                  <a:schemeClr val="accent1"/>
+                </a:solidFill>
+              </a:rPr>
+              <a:t>민감도</a:t>
+            </a:r>
+            <a:endParaRPr lang="en-US" altLang="ko-KR" sz="1600" b="1" dirty="0" smtClean="0">
+              <a:solidFill>
+                <a:schemeClr val="accent1"/>
+              </a:solidFill>
+            </a:endParaRPr>
+          </a:p>
+          <a:p>
+            <a:pPr algn="ctr"/>
+            <a:r>
+              <a:rPr lang="en-US" altLang="ko-KR" sz="1600" b="1" dirty="0" smtClean="0">
+                <a:solidFill>
+                  <a:schemeClr val="accent1"/>
+                </a:solidFill>
+              </a:rPr>
+              <a:t>(sensitivity)</a:t>
+            </a:r>
+            <a:endParaRPr lang="ko-KR" altLang="en-US" sz="1600" b="1" dirty="0">
+              <a:solidFill>
+                <a:schemeClr val="accent1"/>
+              </a:solidFill>
+            </a:endParaRPr>
+          </a:p>
+        </p:txBody>
+      </p:sp>
+      <p:sp>
+        <p:nvSpPr>
+          <p:cNvPr id="42" name="TextBox 41"/>
+          <p:cNvSpPr txBox="1"/>
+          <p:nvPr/>
+        </p:nvSpPr>
+        <p:spPr>
+          <a:xfrm>
+            <a:off x="7670751" y="2673738"/>
+            <a:ext cx="1300356" cy="584775"/>
+          </a:xfrm>
+          <a:prstGeom prst="rect">
+            <a:avLst/>
+          </a:prstGeom>
+          <a:solidFill>
+            <a:schemeClr val="bg1"/>
+          </a:solidFill>
+        </p:spPr>
+        <p:txBody>
+          <a:bodyPr wrap="none" rtlCol="0">
+            <a:spAutoFit/>
+          </a:bodyPr>
+          <a:lstStyle/>
+          <a:p>
+            <a:pPr algn="ctr"/>
+            <a:r>
+              <a:rPr lang="ko-KR" altLang="en-US" sz="1600" b="1" dirty="0" smtClean="0">
+                <a:solidFill>
+                  <a:srgbClr val="C00000"/>
+                </a:solidFill>
+              </a:rPr>
+              <a:t>특이</a:t>
+            </a:r>
+            <a:r>
+              <a:rPr lang="ko-KR" altLang="en-US" sz="1600" b="1" dirty="0">
+                <a:solidFill>
+                  <a:srgbClr val="C00000"/>
+                </a:solidFill>
+              </a:rPr>
+              <a:t>도</a:t>
+            </a:r>
+            <a:endParaRPr lang="en-US" altLang="ko-KR" sz="1600" b="1" dirty="0" smtClean="0">
+              <a:solidFill>
+                <a:srgbClr val="C00000"/>
+              </a:solidFill>
+            </a:endParaRPr>
+          </a:p>
+          <a:p>
+            <a:pPr algn="ctr"/>
+            <a:r>
+              <a:rPr lang="en-US" altLang="ko-KR" sz="1600" b="1" dirty="0" smtClean="0">
+                <a:solidFill>
+                  <a:srgbClr val="C00000"/>
+                </a:solidFill>
+              </a:rPr>
+              <a:t>(specificity)</a:t>
+            </a:r>
+            <a:endParaRPr lang="ko-KR" altLang="en-US" sz="1600" b="1" dirty="0">
+              <a:solidFill>
+                <a:srgbClr val="C00000"/>
+              </a:solidFill>
+            </a:endParaRPr>
+          </a:p>
+        </p:txBody>
+      </p:sp>
+      <p:sp>
+        <p:nvSpPr>
+          <p:cNvPr id="41" name="타원 40"/>
+          <p:cNvSpPr/>
+          <p:nvPr/>
+        </p:nvSpPr>
+        <p:spPr>
+          <a:xfrm>
+            <a:off x="7561018" y="1970497"/>
+            <a:ext cx="1395530" cy="694211"/>
+          </a:xfrm>
+          <a:prstGeom prst="ellipse">
+            <a:avLst/>
+          </a:prstGeom>
+          <a:solidFill>
+            <a:srgbClr val="FF0000">
+              <a:alpha val="20000"/>
+            </a:srgbClr>
+          </a:solidFill>
+          <a:ln>
+            <a:solidFill>
+              <a:srgbClr val="C00000"/>
+            </a:solidFill>
+            <a:prstDash val="dash"/>
+          </a:ln>
+        </p:spPr>
+        <p:style>
+          <a:lnRef idx="2">
+            <a:schemeClr val="accent1">
+              <a:shade val="50000"/>
+            </a:schemeClr>
+          </a:lnRef>
+          <a:fillRef idx="1">
+            <a:schemeClr val="accent1"/>
+          </a:fillRef>
+          <a:effectRef idx="0">
+            <a:schemeClr val="accent1"/>
+          </a:effectRef>
+          <a:fontRef idx="minor">
+            <a:schemeClr val="lt1"/>
+          </a:fontRef>
+        </p:style>
+        <p:txBody>
+          <a:bodyPr rtlCol="0" anchor="ctr"/>
+          <a:lstStyle/>
+          <a:p>
+            <a:pPr algn="ctr"/>
+            <a:endParaRPr lang="ko-KR" altLang="en-US"/>
+          </a:p>
+        </p:txBody>
+      </p:sp>
+      <p:sp>
+        <p:nvSpPr>
+          <p:cNvPr id="18" name="원호 17"/>
+          <p:cNvSpPr/>
+          <p:nvPr/>
+        </p:nvSpPr>
+        <p:spPr>
+          <a:xfrm rot="16200000" flipH="1">
+            <a:off x="2069725" y="4052852"/>
+            <a:ext cx="569021" cy="1987259"/>
+          </a:xfrm>
+          <a:prstGeom prst="arc">
+            <a:avLst>
+              <a:gd name="adj1" fmla="val 16586860"/>
+              <a:gd name="adj2" fmla="val 18221477"/>
+            </a:avLst>
+          </a:prstGeom>
+          <a:ln>
+            <a:solidFill>
+              <a:schemeClr val="tx1"/>
+            </a:solidFill>
+            <a:prstDash val="dash"/>
+          </a:ln>
+        </p:spPr>
+        <p:style>
+          <a:lnRef idx="1">
+            <a:schemeClr val="accent1"/>
+          </a:lnRef>
+          <a:fillRef idx="0">
+            <a:schemeClr val="accent1"/>
+          </a:fillRef>
+          <a:effectRef idx="0">
+            <a:schemeClr val="accent1"/>
+          </a:effectRef>
+          <a:fontRef idx="minor">
+            <a:schemeClr val="tx1"/>
+          </a:fontRef>
+        </p:style>
+        <p:txBody>
+          <a:bodyPr rtlCol="0" anchor="ctr"/>
+          <a:lstStyle/>
+          <a:p>
+            <a:pPr algn="ctr"/>
+            <a:endParaRPr lang="ko-KR" altLang="en-US"/>
+          </a:p>
+        </p:txBody>
+      </p:sp>
+      <p:sp>
+        <p:nvSpPr>
+          <p:cNvPr id="4" name="직사각형 3"/>
+          <p:cNvSpPr/>
+          <p:nvPr/>
+        </p:nvSpPr>
+        <p:spPr>
+          <a:xfrm>
+            <a:off x="1403648" y="801530"/>
+            <a:ext cx="6336704" cy="4320480"/>
+          </a:xfrm>
+          <a:prstGeom prst="rect">
+            <a:avLst/>
+          </a:prstGeom>
+          <a:noFill/>
+        </p:spPr>
+        <p:style>
+          <a:lnRef idx="2">
+            <a:schemeClr val="accent1">
+              <a:shade val="50000"/>
+            </a:schemeClr>
+          </a:lnRef>
+          <a:fillRef idx="1">
+            <a:schemeClr val="accent1"/>
+          </a:fillRef>
+          <a:effectRef idx="0">
+            <a:schemeClr val="accent1"/>
+          </a:effectRef>
+          <a:fontRef idx="minor">
+            <a:schemeClr val="lt1"/>
+          </a:fontRef>
+        </p:style>
+        <p:txBody>
+          <a:bodyPr rtlCol="0" anchor="ctr"/>
+          <a:lstStyle/>
+          <a:p>
+            <a:pPr algn="ctr"/>
+            <a:endParaRPr lang="ko-KR" altLang="en-US"/>
+          </a:p>
+        </p:txBody>
+      </p:sp>
+      <p:cxnSp>
+        <p:nvCxnSpPr>
+          <p:cNvPr id="6" name="직선 연결선 5"/>
+          <p:cNvCxnSpPr/>
+          <p:nvPr/>
+        </p:nvCxnSpPr>
+        <p:spPr>
+          <a:xfrm>
+            <a:off x="3203848" y="801530"/>
+            <a:ext cx="0" cy="4320480"/>
+          </a:xfrm>
+          <a:prstGeom prst="line">
+            <a:avLst/>
+          </a:prstGeom>
+          <a:ln w="28575">
+            <a:solidFill>
+              <a:schemeClr val="tx2"/>
+            </a:solidFill>
+          </a:ln>
+        </p:spPr>
+        <p:style>
+          <a:lnRef idx="1">
+            <a:schemeClr val="accent1"/>
+          </a:lnRef>
+          <a:fillRef idx="0">
+            <a:schemeClr val="accent1"/>
+          </a:fillRef>
+          <a:effectRef idx="0">
+            <a:schemeClr val="accent1"/>
+          </a:effectRef>
+          <a:fontRef idx="minor">
+            <a:schemeClr val="tx1"/>
+          </a:fontRef>
+        </p:style>
+      </p:cxnSp>
+      <p:cxnSp>
+        <p:nvCxnSpPr>
+          <p:cNvPr id="8" name="직선 연결선 7"/>
+          <p:cNvCxnSpPr/>
+          <p:nvPr/>
+        </p:nvCxnSpPr>
+        <p:spPr>
+          <a:xfrm>
+            <a:off x="1403648" y="1737634"/>
+            <a:ext cx="1800200" cy="0"/>
+          </a:xfrm>
+          <a:prstGeom prst="line">
+            <a:avLst/>
+          </a:prstGeom>
+          <a:ln w="28575">
+            <a:solidFill>
+              <a:schemeClr val="tx2"/>
+            </a:solidFill>
+          </a:ln>
+        </p:spPr>
+        <p:style>
+          <a:lnRef idx="1">
+            <a:schemeClr val="accent1"/>
+          </a:lnRef>
+          <a:fillRef idx="0">
+            <a:schemeClr val="accent1"/>
+          </a:fillRef>
+          <a:effectRef idx="0">
+            <a:schemeClr val="accent1"/>
+          </a:effectRef>
+          <a:fontRef idx="minor">
+            <a:schemeClr val="tx1"/>
+          </a:fontRef>
+        </p:style>
+      </p:cxnSp>
+      <p:cxnSp>
+        <p:nvCxnSpPr>
+          <p:cNvPr id="9" name="직선 연결선 8"/>
+          <p:cNvCxnSpPr/>
+          <p:nvPr/>
+        </p:nvCxnSpPr>
+        <p:spPr>
+          <a:xfrm>
+            <a:off x="3203848" y="3969882"/>
+            <a:ext cx="4536504" cy="0"/>
+          </a:xfrm>
+          <a:prstGeom prst="line">
+            <a:avLst/>
+          </a:prstGeom>
+          <a:ln w="28575">
+            <a:solidFill>
+              <a:schemeClr val="tx2"/>
+            </a:solidFill>
+          </a:ln>
+        </p:spPr>
+        <p:style>
+          <a:lnRef idx="1">
+            <a:schemeClr val="accent1"/>
+          </a:lnRef>
+          <a:fillRef idx="0">
+            <a:schemeClr val="accent1"/>
+          </a:fillRef>
+          <a:effectRef idx="0">
+            <a:schemeClr val="accent1"/>
+          </a:effectRef>
+          <a:fontRef idx="minor">
+            <a:schemeClr val="tx1"/>
+          </a:fontRef>
+        </p:style>
+      </p:cxnSp>
+      <p:sp>
+        <p:nvSpPr>
           <p:cNvPr id="28" name="TextBox 27"/>
           <p:cNvSpPr txBox="1"/>
           <p:nvPr/>
         </p:nvSpPr>
         <p:spPr>
           <a:xfrm>
-            <a:off x="1835696" y="3356992"/>
+            <a:off x="1835696" y="3033778"/>
             <a:ext cx="970650" cy="646331"/>
           </a:xfrm>
           <a:prstGeom prst="rect">
@@ -4644,7 +5145,7 @@
         </p:nvSpPr>
         <p:spPr>
           <a:xfrm>
-            <a:off x="4786511" y="2420888"/>
+            <a:off x="4786511" y="2097674"/>
             <a:ext cx="1114536" cy="646331"/>
           </a:xfrm>
           <a:prstGeom prst="rect">
@@ -4682,7 +5183,7 @@
         </p:nvSpPr>
         <p:spPr>
           <a:xfrm>
-            <a:off x="4858454" y="4567182"/>
+            <a:off x="4858454" y="4243968"/>
             <a:ext cx="970651" cy="646331"/>
           </a:xfrm>
           <a:prstGeom prst="rect">
@@ -4720,7 +5221,7 @@
         </p:nvSpPr>
         <p:spPr>
           <a:xfrm>
-            <a:off x="1763756" y="1233626"/>
+            <a:off x="1763756" y="910412"/>
             <a:ext cx="1114536" cy="646331"/>
           </a:xfrm>
           <a:prstGeom prst="rect">
@@ -4758,7 +5259,7 @@
         </p:nvSpPr>
         <p:spPr>
           <a:xfrm>
-            <a:off x="3203848" y="4293096"/>
+            <a:off x="3203848" y="3969882"/>
             <a:ext cx="4536504" cy="1151634"/>
           </a:xfrm>
           <a:prstGeom prst="rect">
@@ -4806,7 +5307,7 @@
         </p:nvSpPr>
         <p:spPr>
           <a:xfrm>
-            <a:off x="3203848" y="1124744"/>
+            <a:off x="3203848" y="801530"/>
             <a:ext cx="4536504" cy="3169358"/>
           </a:xfrm>
           <a:prstGeom prst="rect">
@@ -4854,7 +5355,7 @@
         </p:nvSpPr>
         <p:spPr>
           <a:xfrm>
-            <a:off x="1403648" y="1124744"/>
+            <a:off x="1403648" y="801530"/>
             <a:ext cx="1800200" cy="936104"/>
           </a:xfrm>
           <a:prstGeom prst="rect">
@@ -4867,6 +5368,178 @@
           </a:solidFill>
           <a:ln>
             <a:noFill/>
+          </a:ln>
+        </p:spPr>
+        <p:style>
+          <a:lnRef idx="2">
+            <a:schemeClr val="accent1">
+              <a:shade val="50000"/>
+            </a:schemeClr>
+          </a:lnRef>
+          <a:fillRef idx="1">
+            <a:schemeClr val="accent1"/>
+          </a:fillRef>
+          <a:effectRef idx="0">
+            <a:schemeClr val="accent1"/>
+          </a:effectRef>
+          <a:fontRef idx="minor">
+            <a:schemeClr val="lt1"/>
+          </a:fontRef>
+        </p:style>
+        <p:txBody>
+          <a:bodyPr rtlCol="0" anchor="ctr"/>
+          <a:lstStyle/>
+          <a:p>
+            <a:pPr algn="ctr"/>
+            <a:endParaRPr lang="ko-KR" altLang="en-US"/>
+          </a:p>
+        </p:txBody>
+      </p:sp>
+      <p:sp>
+        <p:nvSpPr>
+          <p:cNvPr id="32" name="직사각형 31"/>
+          <p:cNvSpPr/>
+          <p:nvPr/>
+        </p:nvSpPr>
+        <p:spPr>
+          <a:xfrm>
+            <a:off x="1403648" y="1737634"/>
+            <a:ext cx="1800200" cy="3383882"/>
+          </a:xfrm>
+          <a:prstGeom prst="rect">
+            <a:avLst/>
+          </a:prstGeom>
+          <a:solidFill>
+            <a:schemeClr val="accent1">
+              <a:alpha val="20000"/>
+            </a:schemeClr>
+          </a:solidFill>
+          <a:ln>
+            <a:noFill/>
+          </a:ln>
+        </p:spPr>
+        <p:style>
+          <a:lnRef idx="2">
+            <a:schemeClr val="accent1">
+              <a:shade val="50000"/>
+            </a:schemeClr>
+          </a:lnRef>
+          <a:fillRef idx="1">
+            <a:schemeClr val="accent1"/>
+          </a:fillRef>
+          <a:effectRef idx="0">
+            <a:schemeClr val="accent1"/>
+          </a:effectRef>
+          <a:fontRef idx="minor">
+            <a:schemeClr val="lt1"/>
+          </a:fontRef>
+        </p:style>
+        <p:txBody>
+          <a:bodyPr rtlCol="0" anchor="ctr"/>
+          <a:lstStyle/>
+          <a:p>
+            <a:pPr algn="ctr"/>
+            <a:endParaRPr lang="ko-KR" altLang="en-US"/>
+          </a:p>
+        </p:txBody>
+      </p:sp>
+      <p:sp>
+        <p:nvSpPr>
+          <p:cNvPr id="44" name="TextBox 43"/>
+          <p:cNvSpPr txBox="1"/>
+          <p:nvPr/>
+        </p:nvSpPr>
+        <p:spPr>
+          <a:xfrm>
+            <a:off x="1673990" y="5868561"/>
+            <a:ext cx="1225015" cy="584775"/>
+          </a:xfrm>
+          <a:prstGeom prst="rect">
+            <a:avLst/>
+          </a:prstGeom>
+          <a:solidFill>
+            <a:schemeClr val="bg1"/>
+          </a:solidFill>
+        </p:spPr>
+        <p:txBody>
+          <a:bodyPr wrap="none" rtlCol="0">
+            <a:spAutoFit/>
+          </a:bodyPr>
+          <a:lstStyle/>
+          <a:p>
+            <a:pPr algn="ctr"/>
+            <a:r>
+              <a:rPr lang="ko-KR" altLang="en-US" sz="1600" b="1" dirty="0" smtClean="0">
+                <a:solidFill>
+                  <a:srgbClr val="7030A0"/>
+                </a:solidFill>
+              </a:rPr>
+              <a:t>발병률</a:t>
+            </a:r>
+            <a:endParaRPr lang="en-US" altLang="ko-KR" sz="1600" b="1" dirty="0" smtClean="0">
+              <a:solidFill>
+                <a:srgbClr val="7030A0"/>
+              </a:solidFill>
+            </a:endParaRPr>
+          </a:p>
+          <a:p>
+            <a:pPr algn="ctr"/>
+            <a:r>
+              <a:rPr lang="en-US" altLang="ko-KR" sz="1600" b="1" dirty="0" smtClean="0">
+                <a:solidFill>
+                  <a:srgbClr val="7030A0"/>
+                </a:solidFill>
+              </a:rPr>
+              <a:t>(</a:t>
+            </a:r>
+            <a:r>
+              <a:rPr lang="ko-KR" altLang="en-US" sz="1600" b="1" dirty="0" smtClean="0">
+                <a:solidFill>
+                  <a:srgbClr val="7030A0"/>
+                </a:solidFill>
+              </a:rPr>
+              <a:t>사전 확률</a:t>
+            </a:r>
+            <a:r>
+              <a:rPr lang="en-US" altLang="ko-KR" sz="1600" b="1" dirty="0" smtClean="0">
+                <a:solidFill>
+                  <a:srgbClr val="7030A0"/>
+                </a:solidFill>
+              </a:rPr>
+              <a:t>)</a:t>
+            </a:r>
+            <a:endParaRPr lang="ko-KR" altLang="en-US" sz="1600" b="1" dirty="0">
+              <a:solidFill>
+                <a:srgbClr val="7030A0"/>
+              </a:solidFill>
+            </a:endParaRPr>
+          </a:p>
+        </p:txBody>
+      </p:sp>
+      <p:sp>
+        <p:nvSpPr>
+          <p:cNvPr id="43" name="타원 42"/>
+          <p:cNvSpPr/>
+          <p:nvPr/>
+        </p:nvSpPr>
+        <p:spPr>
+          <a:xfrm>
+            <a:off x="1588731" y="5178037"/>
+            <a:ext cx="1395530" cy="694211"/>
+          </a:xfrm>
+          <a:prstGeom prst="ellipse">
+            <a:avLst/>
+          </a:prstGeom>
+          <a:solidFill>
+            <a:srgbClr val="7030A0">
+              <a:alpha val="20000"/>
+            </a:srgbClr>
+          </a:solidFill>
+          <a:ln>
+            <a:solidFill>
+              <a:srgbClr val="7030A0"/>
+            </a:solidFill>
+            <a:prstDash val="dash"/>
           </a:ln>
         </p:spPr>
         <p:style>

--- a/pics/2020-01-09-Bayes_rule/pics.pptx
+++ b/pics/2020-01-09-Bayes_rule/pics.pptx
@@ -7,6 +7,7 @@
   <p:sldIdLst>
     <p:sldId id="256" r:id="rId2"/>
     <p:sldId id="257" r:id="rId3"/>
+    <p:sldId id="258" r:id="rId4"/>
   </p:sldIdLst>
   <p:sldSz cx="9144000" cy="6858000" type="screen4x3"/>
   <p:notesSz cx="6858000" cy="9144000"/>
@@ -3528,8 +3529,8 @@
           <a:chExt cx="0" cy="0"/>
         </a:xfrm>
       </p:grpSpPr>
-      <mc:AlternateContent xmlns:mc="http://schemas.openxmlformats.org/markup-compatibility/2006">
-        <mc:Choice xmlns:a14="http://schemas.microsoft.com/office/drawing/2010/main" Requires="a14">
+      <mc:AlternateContent xmlns:mc="http://schemas.openxmlformats.org/markup-compatibility/2006" xmlns:a14="http://schemas.microsoft.com/office/drawing/2010/main">
+        <mc:Choice Requires="a14">
           <p:sp>
             <p:nvSpPr>
               <p:cNvPr id="11" name="TextBox 10"/>
@@ -3609,7 +3610,7 @@
             </p:txBody>
           </p:sp>
         </mc:Choice>
-        <mc:Fallback>
+        <mc:Fallback xmlns="">
           <p:sp>
             <p:nvSpPr>
               <p:cNvPr id="11" name="TextBox 10"/>
@@ -3648,8 +3649,8 @@
           </p:sp>
         </mc:Fallback>
       </mc:AlternateContent>
-      <mc:AlternateContent xmlns:mc="http://schemas.openxmlformats.org/markup-compatibility/2006">
-        <mc:Choice xmlns:a14="http://schemas.microsoft.com/office/drawing/2010/main" Requires="a14">
+      <mc:AlternateContent xmlns:mc="http://schemas.openxmlformats.org/markup-compatibility/2006" xmlns:a14="http://schemas.microsoft.com/office/drawing/2010/main">
+        <mc:Choice Requires="a14">
           <p:sp>
             <p:nvSpPr>
               <p:cNvPr id="12" name="TextBox 11"/>
@@ -3748,7 +3749,7 @@
             </p:txBody>
           </p:sp>
         </mc:Choice>
-        <mc:Fallback>
+        <mc:Fallback xmlns="">
           <p:sp>
             <p:nvSpPr>
               <p:cNvPr id="12" name="TextBox 11"/>
@@ -3787,8 +3788,8 @@
           </p:sp>
         </mc:Fallback>
       </mc:AlternateContent>
-      <mc:AlternateContent xmlns:mc="http://schemas.openxmlformats.org/markup-compatibility/2006">
-        <mc:Choice xmlns:a14="http://schemas.microsoft.com/office/drawing/2010/main" Requires="a14">
+      <mc:AlternateContent xmlns:mc="http://schemas.openxmlformats.org/markup-compatibility/2006" xmlns:a14="http://schemas.microsoft.com/office/drawing/2010/main">
+        <mc:Choice Requires="a14">
           <p:sp>
             <p:nvSpPr>
               <p:cNvPr id="13" name="TextBox 12"/>
@@ -3881,7 +3882,7 @@
             </p:txBody>
           </p:sp>
         </mc:Choice>
-        <mc:Fallback>
+        <mc:Fallback xmlns="">
           <p:sp>
             <p:nvSpPr>
               <p:cNvPr id="13" name="TextBox 12"/>
@@ -4264,8 +4265,8 @@
           </a:p>
         </p:txBody>
       </p:sp>
-      <mc:AlternateContent xmlns:mc="http://schemas.openxmlformats.org/markup-compatibility/2006">
-        <mc:Choice xmlns:a14="http://schemas.microsoft.com/office/drawing/2010/main" Requires="a14">
+      <mc:AlternateContent xmlns:mc="http://schemas.openxmlformats.org/markup-compatibility/2006" xmlns:a14="http://schemas.microsoft.com/office/drawing/2010/main">
+        <mc:Choice Requires="a14">
           <p:sp>
             <p:nvSpPr>
               <p:cNvPr id="27" name="TextBox 26"/>
@@ -4372,7 +4373,7 @@
             </p:txBody>
           </p:sp>
         </mc:Choice>
-        <mc:Fallback>
+        <mc:Fallback xmlns="">
           <p:sp>
             <p:nvSpPr>
               <p:cNvPr id="27" name="TextBox 26"/>
@@ -4505,8 +4506,8 @@
           </a:p>
         </p:txBody>
       </p:sp>
-      <mc:AlternateContent xmlns:mc="http://schemas.openxmlformats.org/markup-compatibility/2006">
-        <mc:Choice xmlns:a14="http://schemas.microsoft.com/office/drawing/2010/main" Requires="a14">
+      <mc:AlternateContent xmlns:mc="http://schemas.openxmlformats.org/markup-compatibility/2006" xmlns:a14="http://schemas.microsoft.com/office/drawing/2010/main">
+        <mc:Choice Requires="a14">
           <p:sp>
             <p:nvSpPr>
               <p:cNvPr id="39" name="TextBox 38"/>
@@ -4643,7 +4644,7 @@
             </p:txBody>
           </p:sp>
         </mc:Choice>
-        <mc:Fallback>
+        <mc:Fallback xmlns="">
           <p:sp>
             <p:nvSpPr>
               <p:cNvPr id="39" name="TextBox 38"/>
@@ -5571,6 +5572,2154 @@
     <p:extLst>
       <p:ext uri="{BB962C8B-B14F-4D97-AF65-F5344CB8AC3E}">
         <p14:creationId xmlns:p14="http://schemas.microsoft.com/office/powerpoint/2010/main" val="899478790"/>
+      </p:ext>
+    </p:extLst>
+  </p:cSld>
+  <p:clrMapOvr>
+    <a:masterClrMapping/>
+  </p:clrMapOvr>
+</p:sld>
+</file>
+
+<file path=ppt/slides/slide3.xml><?xml version="1.0" encoding="utf-8"?>
+<p:sld xmlns:a="http://schemas.openxmlformats.org/drawingml/2006/main" xmlns:r="http://schemas.openxmlformats.org/officeDocument/2006/relationships" xmlns:p="http://schemas.openxmlformats.org/presentationml/2006/main">
+  <p:cSld>
+    <p:spTree>
+      <p:nvGrpSpPr>
+        <p:cNvPr id="1" name=""/>
+        <p:cNvGrpSpPr/>
+        <p:nvPr/>
+      </p:nvGrpSpPr>
+      <p:grpSpPr>
+        <a:xfrm>
+          <a:off x="0" y="0"/>
+          <a:ext cx="0" cy="0"/>
+          <a:chOff x="0" y="0"/>
+          <a:chExt cx="0" cy="0"/>
+        </a:xfrm>
+      </p:grpSpPr>
+      <mc:AlternateContent xmlns:mc="http://schemas.openxmlformats.org/markup-compatibility/2006">
+        <mc:Choice xmlns:a14="http://schemas.microsoft.com/office/drawing/2010/main" Requires="a14">
+          <p:sp>
+            <p:nvSpPr>
+              <p:cNvPr id="12" name="TextBox 11"/>
+              <p:cNvSpPr txBox="1"/>
+              <p:nvPr/>
+            </p:nvSpPr>
+            <p:spPr>
+              <a:xfrm>
+                <a:off x="5436096" y="5374957"/>
+                <a:ext cx="1035189" cy="646331"/>
+              </a:xfrm>
+              <a:prstGeom prst="rect">
+                <a:avLst/>
+              </a:prstGeom>
+              <a:noFill/>
+            </p:spPr>
+            <p:txBody>
+              <a:bodyPr wrap="square" rtlCol="0">
+                <a:spAutoFit/>
+              </a:bodyPr>
+              <a:lstStyle/>
+              <a:p>
+                <a:pPr algn="ctr"/>
+                <a14:m>
+                  <m:oMathPara xmlns:m="http://schemas.openxmlformats.org/officeDocument/2006/math">
+                    <m:oMathParaPr>
+                      <m:jc m:val="center"/>
+                    </m:oMathParaPr>
+                    <m:oMath xmlns:m="http://schemas.openxmlformats.org/officeDocument/2006/math">
+                      <m:r>
+                        <a:rPr lang="en-US" altLang="ko-KR" b="0" i="1" smtClean="0">
+                          <a:latin typeface="Cambria Math"/>
+                        </a:rPr>
+                        <m:t>𝑃</m:t>
+                      </m:r>
+                      <m:d>
+                        <m:dPr>
+                          <m:ctrlPr>
+                            <a:rPr lang="en-US" altLang="ko-KR" b="0" i="1" smtClean="0">
+                              <a:latin typeface="Cambria Math"/>
+                            </a:rPr>
+                          </m:ctrlPr>
+                        </m:dPr>
+                        <m:e>
+                          <m:sSup>
+                            <m:sSupPr>
+                              <m:ctrlPr>
+                                <a:rPr lang="en-US" altLang="ko-KR" b="0" i="1" smtClean="0">
+                                  <a:latin typeface="Cambria Math"/>
+                                </a:rPr>
+                              </m:ctrlPr>
+                            </m:sSupPr>
+                            <m:e>
+                              <m:r>
+                                <a:rPr lang="en-US" altLang="ko-KR" b="0" i="1" smtClean="0">
+                                  <a:latin typeface="Cambria Math"/>
+                                </a:rPr>
+                                <m:t>𝐻</m:t>
+                              </m:r>
+                            </m:e>
+                            <m:sup>
+                              <m:r>
+                                <a:rPr lang="en-US" altLang="ko-KR" b="0" i="1" smtClean="0">
+                                  <a:latin typeface="Cambria Math"/>
+                                </a:rPr>
+                                <m:t>𝑐</m:t>
+                              </m:r>
+                            </m:sup>
+                          </m:sSup>
+                        </m:e>
+                      </m:d>
+                    </m:oMath>
+                  </m:oMathPara>
+                </a14:m>
+                <a:endParaRPr lang="en-US" altLang="ko-KR" b="0" dirty="0" smtClean="0"/>
+              </a:p>
+              <a:p>
+                <a:pPr algn="ctr"/>
+                <a14:m>
+                  <m:oMathPara xmlns:m="http://schemas.openxmlformats.org/officeDocument/2006/math">
+                    <m:oMathParaPr>
+                      <m:jc m:val="center"/>
+                    </m:oMathParaPr>
+                    <m:oMath xmlns:m="http://schemas.openxmlformats.org/officeDocument/2006/math">
+                      <m:r>
+                        <a:rPr lang="en-US" altLang="ko-KR" b="0" i="1" smtClean="0">
+                          <a:latin typeface="Cambria Math"/>
+                        </a:rPr>
+                        <m:t>=0.9</m:t>
+                      </m:r>
+                      <m:r>
+                        <a:rPr lang="en-US" altLang="ko-KR" b="0" i="1" smtClean="0">
+                          <a:latin typeface="Cambria Math"/>
+                        </a:rPr>
+                        <m:t>53</m:t>
+                      </m:r>
+                    </m:oMath>
+                  </m:oMathPara>
+                </a14:m>
+                <a:endParaRPr lang="ko-KR" altLang="en-US" dirty="0"/>
+              </a:p>
+            </p:txBody>
+          </p:sp>
+        </mc:Choice>
+        <mc:Fallback>
+          <p:sp>
+            <p:nvSpPr>
+              <p:cNvPr id="12" name="TextBox 11"/>
+              <p:cNvSpPr txBox="1">
+                <a:spLocks noRot="1" noChangeAspect="1" noMove="1" noResize="1" noEditPoints="1" noAdjustHandles="1" noChangeArrowheads="1" noChangeShapeType="1" noTextEdit="1"/>
+              </p:cNvSpPr>
+              <p:nvPr/>
+            </p:nvSpPr>
+            <p:spPr>
+              <a:xfrm>
+                <a:off x="5436096" y="5374957"/>
+                <a:ext cx="1035189" cy="646331"/>
+              </a:xfrm>
+              <a:prstGeom prst="rect">
+                <a:avLst/>
+              </a:prstGeom>
+              <a:blipFill rotWithShape="1">
+                <a:blip r:embed="rId2"/>
+                <a:stretch>
+                  <a:fillRect/>
+                </a:stretch>
+              </a:blipFill>
+            </p:spPr>
+            <p:txBody>
+              <a:bodyPr/>
+              <a:lstStyle/>
+              <a:p>
+                <a:r>
+                  <a:rPr lang="ko-KR" altLang="en-US">
+                    <a:noFill/>
+                  </a:rPr>
+                  <a:t> </a:t>
+                </a:r>
+              </a:p>
+            </p:txBody>
+          </p:sp>
+        </mc:Fallback>
+      </mc:AlternateContent>
+      <mc:AlternateContent xmlns:mc="http://schemas.openxmlformats.org/markup-compatibility/2006" xmlns:a14="http://schemas.microsoft.com/office/drawing/2010/main">
+        <mc:Choice Requires="a14">
+          <p:sp>
+            <p:nvSpPr>
+              <p:cNvPr id="13" name="TextBox 12"/>
+              <p:cNvSpPr txBox="1"/>
+              <p:nvPr/>
+            </p:nvSpPr>
+            <p:spPr>
+              <a:xfrm>
+                <a:off x="395536" y="3145031"/>
+                <a:ext cx="904361" cy="646331"/>
+              </a:xfrm>
+              <a:prstGeom prst="rect">
+                <a:avLst/>
+              </a:prstGeom>
+              <a:noFill/>
+            </p:spPr>
+            <p:txBody>
+              <a:bodyPr wrap="square" rtlCol="0">
+                <a:spAutoFit/>
+              </a:bodyPr>
+              <a:lstStyle/>
+              <a:p>
+                <a:pPr/>
+                <a14:m>
+                  <m:oMathPara xmlns:m="http://schemas.openxmlformats.org/officeDocument/2006/math">
+                    <m:oMathParaPr>
+                      <m:jc m:val="center"/>
+                    </m:oMathParaPr>
+                    <m:oMath xmlns:m="http://schemas.openxmlformats.org/officeDocument/2006/math">
+                      <m:r>
+                        <a:rPr lang="en-US" altLang="ko-KR" b="0" i="1" dirty="0" smtClean="0">
+                          <a:latin typeface="Cambria Math"/>
+                        </a:rPr>
+                        <m:t>𝑃</m:t>
+                      </m:r>
+                      <m:r>
+                        <a:rPr lang="en-US" altLang="ko-KR" b="0" i="1" dirty="0" smtClean="0">
+                          <a:latin typeface="Cambria Math"/>
+                        </a:rPr>
+                        <m:t>(</m:t>
+                      </m:r>
+                      <m:r>
+                        <a:rPr lang="en-US" altLang="ko-KR" b="0" i="1" dirty="0" smtClean="0">
+                          <a:latin typeface="Cambria Math"/>
+                        </a:rPr>
+                        <m:t>𝐸</m:t>
+                      </m:r>
+                      <m:r>
+                        <a:rPr lang="en-US" altLang="ko-KR" b="0" i="1" dirty="0" smtClean="0">
+                          <a:latin typeface="Cambria Math"/>
+                        </a:rPr>
+                        <m:t>|</m:t>
+                      </m:r>
+                      <m:r>
+                        <a:rPr lang="en-US" altLang="ko-KR" b="0" i="1" dirty="0" smtClean="0">
+                          <a:latin typeface="Cambria Math"/>
+                        </a:rPr>
+                        <m:t>𝐻</m:t>
+                      </m:r>
+                      <m:r>
+                        <a:rPr lang="en-US" altLang="ko-KR" b="0" i="1" dirty="0" smtClean="0">
+                          <a:latin typeface="Cambria Math"/>
+                        </a:rPr>
+                        <m:t>)</m:t>
+                      </m:r>
+                    </m:oMath>
+                  </m:oMathPara>
+                </a14:m>
+                <a:endParaRPr lang="en-US" altLang="ko-KR" dirty="0" smtClean="0"/>
+              </a:p>
+              <a:p>
+                <a:pPr/>
+                <a14:m>
+                  <m:oMathPara xmlns:m="http://schemas.openxmlformats.org/officeDocument/2006/math">
+                    <m:oMathParaPr>
+                      <m:jc m:val="center"/>
+                    </m:oMathParaPr>
+                    <m:oMath xmlns:m="http://schemas.openxmlformats.org/officeDocument/2006/math">
+                      <m:r>
+                        <a:rPr lang="en-US" altLang="ko-KR" i="1" dirty="0" smtClean="0">
+                          <a:latin typeface="Cambria Math"/>
+                        </a:rPr>
+                        <m:t>=0.99</m:t>
+                      </m:r>
+                    </m:oMath>
+                  </m:oMathPara>
+                </a14:m>
+                <a:endParaRPr lang="ko-KR" altLang="en-US" dirty="0"/>
+              </a:p>
+            </p:txBody>
+          </p:sp>
+        </mc:Choice>
+        <mc:Fallback xmlns="">
+          <p:sp>
+            <p:nvSpPr>
+              <p:cNvPr id="13" name="TextBox 12"/>
+              <p:cNvSpPr txBox="1">
+                <a:spLocks noRot="1" noChangeAspect="1" noMove="1" noResize="1" noEditPoints="1" noAdjustHandles="1" noChangeArrowheads="1" noChangeShapeType="1" noTextEdit="1"/>
+              </p:cNvSpPr>
+              <p:nvPr/>
+            </p:nvSpPr>
+            <p:spPr>
+              <a:xfrm>
+                <a:off x="395536" y="3145031"/>
+                <a:ext cx="904361" cy="646331"/>
+              </a:xfrm>
+              <a:prstGeom prst="rect">
+                <a:avLst/>
+              </a:prstGeom>
+              <a:blipFill rotWithShape="1">
+                <a:blip r:embed="rId4"/>
+                <a:stretch>
+                  <a:fillRect r="-4054"/>
+                </a:stretch>
+              </a:blipFill>
+            </p:spPr>
+            <p:txBody>
+              <a:bodyPr/>
+              <a:lstStyle/>
+              <a:p>
+                <a:r>
+                  <a:rPr lang="ko-KR" altLang="en-US">
+                    <a:noFill/>
+                  </a:rPr>
+                  <a:t> </a:t>
+                </a:r>
+              </a:p>
+            </p:txBody>
+          </p:sp>
+        </mc:Fallback>
+      </mc:AlternateContent>
+      <p:sp>
+        <p:nvSpPr>
+          <p:cNvPr id="14" name="원호 13"/>
+          <p:cNvSpPr/>
+          <p:nvPr/>
+        </p:nvSpPr>
+        <p:spPr>
+          <a:xfrm flipH="1">
+            <a:off x="976489" y="1688504"/>
+            <a:ext cx="1191106" cy="3690180"/>
+          </a:xfrm>
+          <a:prstGeom prst="arc">
+            <a:avLst>
+              <a:gd name="adj1" fmla="val 16586860"/>
+              <a:gd name="adj2" fmla="val 19367740"/>
+            </a:avLst>
+          </a:prstGeom>
+          <a:ln>
+            <a:solidFill>
+              <a:schemeClr val="tx1"/>
+            </a:solidFill>
+            <a:prstDash val="dash"/>
+          </a:ln>
+        </p:spPr>
+        <p:style>
+          <a:lnRef idx="1">
+            <a:schemeClr val="accent1"/>
+          </a:lnRef>
+          <a:fillRef idx="0">
+            <a:schemeClr val="accent1"/>
+          </a:fillRef>
+          <a:effectRef idx="0">
+            <a:schemeClr val="accent1"/>
+          </a:effectRef>
+          <a:fontRef idx="minor">
+            <a:schemeClr val="tx1"/>
+          </a:fontRef>
+        </p:style>
+        <p:txBody>
+          <a:bodyPr rtlCol="0" anchor="ctr"/>
+          <a:lstStyle/>
+          <a:p>
+            <a:pPr algn="ctr"/>
+            <a:endParaRPr lang="ko-KR" altLang="en-US"/>
+          </a:p>
+        </p:txBody>
+      </p:sp>
+      <p:sp>
+        <p:nvSpPr>
+          <p:cNvPr id="15" name="원호 14"/>
+          <p:cNvSpPr/>
+          <p:nvPr/>
+        </p:nvSpPr>
+        <p:spPr>
+          <a:xfrm flipH="1" flipV="1">
+            <a:off x="976489" y="1233578"/>
+            <a:ext cx="1191106" cy="3960440"/>
+          </a:xfrm>
+          <a:prstGeom prst="arc">
+            <a:avLst>
+              <a:gd name="adj1" fmla="val 16586860"/>
+              <a:gd name="adj2" fmla="val 18888003"/>
+            </a:avLst>
+          </a:prstGeom>
+          <a:ln>
+            <a:solidFill>
+              <a:schemeClr val="tx1"/>
+            </a:solidFill>
+            <a:prstDash val="dash"/>
+          </a:ln>
+        </p:spPr>
+        <p:style>
+          <a:lnRef idx="1">
+            <a:schemeClr val="accent1"/>
+          </a:lnRef>
+          <a:fillRef idx="0">
+            <a:schemeClr val="accent1"/>
+          </a:fillRef>
+          <a:effectRef idx="0">
+            <a:schemeClr val="accent1"/>
+          </a:effectRef>
+          <a:fontRef idx="minor">
+            <a:schemeClr val="tx1"/>
+          </a:fontRef>
+        </p:style>
+        <p:txBody>
+          <a:bodyPr rtlCol="0" anchor="ctr"/>
+          <a:lstStyle/>
+          <a:p>
+            <a:pPr algn="ctr"/>
+            <a:endParaRPr lang="ko-KR" altLang="en-US"/>
+          </a:p>
+        </p:txBody>
+      </p:sp>
+      <p:grpSp>
+        <p:nvGrpSpPr>
+          <p:cNvPr id="23" name="그룹 22"/>
+          <p:cNvGrpSpPr/>
+          <p:nvPr/>
+        </p:nvGrpSpPr>
+        <p:grpSpPr>
+          <a:xfrm>
+            <a:off x="3610948" y="4420866"/>
+            <a:ext cx="4459766" cy="1087740"/>
+            <a:chOff x="2221614" y="4614158"/>
+            <a:chExt cx="6120680" cy="1191106"/>
+          </a:xfrm>
+        </p:grpSpPr>
+        <p:sp>
+          <p:nvSpPr>
+            <p:cNvPr id="21" name="원호 20"/>
+            <p:cNvSpPr/>
+            <p:nvPr/>
+          </p:nvSpPr>
+          <p:spPr>
+            <a:xfrm rot="16200000" flipH="1">
+              <a:off x="5022274" y="2485244"/>
+              <a:ext cx="1191106" cy="5448934"/>
+            </a:xfrm>
+            <a:prstGeom prst="arc">
+              <a:avLst>
+                <a:gd name="adj1" fmla="val 16586860"/>
+                <a:gd name="adj2" fmla="val 18773968"/>
+              </a:avLst>
+            </a:prstGeom>
+            <a:ln>
+              <a:solidFill>
+                <a:schemeClr val="tx1"/>
+              </a:solidFill>
+              <a:prstDash val="dash"/>
+            </a:ln>
+          </p:spPr>
+          <p:style>
+            <a:lnRef idx="1">
+              <a:schemeClr val="accent1"/>
+            </a:lnRef>
+            <a:fillRef idx="0">
+              <a:schemeClr val="accent1"/>
+            </a:fillRef>
+            <a:effectRef idx="0">
+              <a:schemeClr val="accent1"/>
+            </a:effectRef>
+            <a:fontRef idx="minor">
+              <a:schemeClr val="tx1"/>
+            </a:fontRef>
+          </p:style>
+          <p:txBody>
+            <a:bodyPr rtlCol="0" anchor="ctr"/>
+            <a:lstStyle/>
+            <a:p>
+              <a:pPr algn="ctr"/>
+              <a:endParaRPr lang="ko-KR" altLang="en-US"/>
+            </a:p>
+          </p:txBody>
+        </p:sp>
+        <p:sp>
+          <p:nvSpPr>
+            <p:cNvPr id="22" name="원호 21"/>
+            <p:cNvSpPr/>
+            <p:nvPr/>
+          </p:nvSpPr>
+          <p:spPr>
+            <a:xfrm rot="16200000" flipH="1" flipV="1">
+              <a:off x="4550062" y="2285710"/>
+              <a:ext cx="1191106" cy="5848001"/>
+            </a:xfrm>
+            <a:prstGeom prst="arc">
+              <a:avLst>
+                <a:gd name="adj1" fmla="val 16586860"/>
+                <a:gd name="adj2" fmla="val 18742474"/>
+              </a:avLst>
+            </a:prstGeom>
+            <a:ln>
+              <a:solidFill>
+                <a:schemeClr val="tx1"/>
+              </a:solidFill>
+              <a:prstDash val="dash"/>
+            </a:ln>
+          </p:spPr>
+          <p:style>
+            <a:lnRef idx="1">
+              <a:schemeClr val="accent1"/>
+            </a:lnRef>
+            <a:fillRef idx="0">
+              <a:schemeClr val="accent1"/>
+            </a:fillRef>
+            <a:effectRef idx="0">
+              <a:schemeClr val="accent1"/>
+            </a:effectRef>
+            <a:fontRef idx="minor">
+              <a:schemeClr val="tx1"/>
+            </a:fontRef>
+          </p:style>
+          <p:txBody>
+            <a:bodyPr rtlCol="0" anchor="ctr"/>
+            <a:lstStyle/>
+            <a:p>
+              <a:pPr algn="ctr"/>
+              <a:endParaRPr lang="ko-KR" altLang="en-US"/>
+            </a:p>
+          </p:txBody>
+        </p:sp>
+      </p:grpSp>
+      <p:sp>
+        <p:nvSpPr>
+          <p:cNvPr id="25" name="원호 24"/>
+          <p:cNvSpPr/>
+          <p:nvPr/>
+        </p:nvSpPr>
+        <p:spPr>
+          <a:xfrm>
+            <a:off x="7345247" y="3951096"/>
+            <a:ext cx="611225" cy="1232076"/>
+          </a:xfrm>
+          <a:prstGeom prst="arc">
+            <a:avLst>
+              <a:gd name="adj1" fmla="val 16586860"/>
+              <a:gd name="adj2" fmla="val 18752482"/>
+            </a:avLst>
+          </a:prstGeom>
+          <a:ln>
+            <a:solidFill>
+              <a:schemeClr val="tx1"/>
+            </a:solidFill>
+            <a:prstDash val="dash"/>
+          </a:ln>
+        </p:spPr>
+        <p:style>
+          <a:lnRef idx="1">
+            <a:schemeClr val="accent1"/>
+          </a:lnRef>
+          <a:fillRef idx="0">
+            <a:schemeClr val="accent1"/>
+          </a:fillRef>
+          <a:effectRef idx="0">
+            <a:schemeClr val="accent1"/>
+          </a:effectRef>
+          <a:fontRef idx="minor">
+            <a:schemeClr val="tx1"/>
+          </a:fontRef>
+        </p:style>
+        <p:txBody>
+          <a:bodyPr rtlCol="0" anchor="ctr"/>
+          <a:lstStyle/>
+          <a:p>
+            <a:pPr algn="ctr"/>
+            <a:endParaRPr lang="ko-KR" altLang="en-US"/>
+          </a:p>
+        </p:txBody>
+      </p:sp>
+      <p:sp>
+        <p:nvSpPr>
+          <p:cNvPr id="26" name="원호 25"/>
+          <p:cNvSpPr/>
+          <p:nvPr/>
+        </p:nvSpPr>
+        <p:spPr>
+          <a:xfrm flipV="1">
+            <a:off x="7345247" y="3799206"/>
+            <a:ext cx="611225" cy="1322310"/>
+          </a:xfrm>
+          <a:prstGeom prst="arc">
+            <a:avLst>
+              <a:gd name="adj1" fmla="val 16586860"/>
+              <a:gd name="adj2" fmla="val 18757223"/>
+            </a:avLst>
+          </a:prstGeom>
+          <a:ln>
+            <a:solidFill>
+              <a:schemeClr val="tx1"/>
+            </a:solidFill>
+            <a:prstDash val="dash"/>
+          </a:ln>
+        </p:spPr>
+        <p:style>
+          <a:lnRef idx="1">
+            <a:schemeClr val="accent1"/>
+          </a:lnRef>
+          <a:fillRef idx="0">
+            <a:schemeClr val="accent1"/>
+          </a:fillRef>
+          <a:effectRef idx="0">
+            <a:schemeClr val="accent1"/>
+          </a:effectRef>
+          <a:fontRef idx="minor">
+            <a:schemeClr val="tx1"/>
+          </a:fontRef>
+        </p:style>
+        <p:txBody>
+          <a:bodyPr rtlCol="0" anchor="ctr"/>
+          <a:lstStyle/>
+          <a:p>
+            <a:pPr algn="ctr"/>
+            <a:endParaRPr lang="ko-KR" altLang="en-US"/>
+          </a:p>
+        </p:txBody>
+      </p:sp>
+      <mc:AlternateContent xmlns:mc="http://schemas.openxmlformats.org/markup-compatibility/2006" xmlns:a14="http://schemas.microsoft.com/office/drawing/2010/main">
+        <mc:Choice Requires="a14">
+          <p:sp>
+            <p:nvSpPr>
+              <p:cNvPr id="27" name="TextBox 26"/>
+              <p:cNvSpPr txBox="1"/>
+              <p:nvPr/>
+            </p:nvSpPr>
+            <p:spPr>
+              <a:xfrm>
+                <a:off x="7781633" y="4321296"/>
+                <a:ext cx="1105221" cy="646331"/>
+              </a:xfrm>
+              <a:prstGeom prst="rect">
+                <a:avLst/>
+              </a:prstGeom>
+              <a:noFill/>
+            </p:spPr>
+            <p:txBody>
+              <a:bodyPr wrap="square" rtlCol="0">
+                <a:spAutoFit/>
+              </a:bodyPr>
+              <a:lstStyle/>
+              <a:p>
+                <a:pPr/>
+                <a14:m>
+                  <m:oMathPara xmlns:m="http://schemas.openxmlformats.org/officeDocument/2006/math">
+                    <m:oMathParaPr>
+                      <m:jc m:val="center"/>
+                    </m:oMathParaPr>
+                    <m:oMath xmlns:m="http://schemas.openxmlformats.org/officeDocument/2006/math">
+                      <m:r>
+                        <a:rPr lang="en-US" altLang="ko-KR" b="0" i="1" smtClean="0">
+                          <a:latin typeface="Cambria Math"/>
+                        </a:rPr>
+                        <m:t>𝑃</m:t>
+                      </m:r>
+                      <m:d>
+                        <m:dPr>
+                          <m:ctrlPr>
+                            <a:rPr lang="en-US" altLang="ko-KR" b="0" i="1" smtClean="0">
+                              <a:latin typeface="Cambria Math"/>
+                            </a:rPr>
+                          </m:ctrlPr>
+                        </m:dPr>
+                        <m:e>
+                          <m:r>
+                            <a:rPr lang="en-US" altLang="ko-KR" b="0" i="1" smtClean="0">
+                              <a:latin typeface="Cambria Math"/>
+                            </a:rPr>
+                            <m:t>𝐸</m:t>
+                          </m:r>
+                        </m:e>
+                        <m:e>
+                          <m:sSup>
+                            <m:sSupPr>
+                              <m:ctrlPr>
+                                <a:rPr lang="en-US" altLang="ko-KR" b="0" i="1" smtClean="0">
+                                  <a:latin typeface="Cambria Math"/>
+                                </a:rPr>
+                              </m:ctrlPr>
+                            </m:sSupPr>
+                            <m:e>
+                              <m:r>
+                                <a:rPr lang="en-US" altLang="ko-KR" b="0" i="1" smtClean="0">
+                                  <a:latin typeface="Cambria Math"/>
+                                </a:rPr>
+                                <m:t>𝐻</m:t>
+                              </m:r>
+                            </m:e>
+                            <m:sup>
+                              <m:r>
+                                <a:rPr lang="en-US" altLang="ko-KR" b="0" i="1" smtClean="0">
+                                  <a:latin typeface="Cambria Math"/>
+                                </a:rPr>
+                                <m:t>𝑐</m:t>
+                              </m:r>
+                            </m:sup>
+                          </m:sSup>
+                        </m:e>
+                      </m:d>
+                    </m:oMath>
+                  </m:oMathPara>
+                </a14:m>
+                <a:endParaRPr lang="en-US" altLang="ko-KR" b="0" dirty="0" smtClean="0"/>
+              </a:p>
+              <a:p>
+                <a:pPr/>
+                <a14:m>
+                  <m:oMathPara xmlns:m="http://schemas.openxmlformats.org/officeDocument/2006/math">
+                    <m:oMathParaPr>
+                      <m:jc m:val="center"/>
+                    </m:oMathParaPr>
+                    <m:oMath xmlns:m="http://schemas.openxmlformats.org/officeDocument/2006/math">
+                      <m:r>
+                        <a:rPr lang="en-US" altLang="ko-KR" b="0" i="1" smtClean="0">
+                          <a:latin typeface="Cambria Math"/>
+                        </a:rPr>
+                        <m:t>=0.02</m:t>
+                      </m:r>
+                    </m:oMath>
+                  </m:oMathPara>
+                </a14:m>
+                <a:endParaRPr lang="ko-KR" altLang="en-US" dirty="0"/>
+              </a:p>
+            </p:txBody>
+          </p:sp>
+        </mc:Choice>
+        <mc:Fallback xmlns="">
+          <p:sp>
+            <p:nvSpPr>
+              <p:cNvPr id="27" name="TextBox 26"/>
+              <p:cNvSpPr txBox="1">
+                <a:spLocks noRot="1" noChangeAspect="1" noMove="1" noResize="1" noEditPoints="1" noAdjustHandles="1" noChangeArrowheads="1" noChangeShapeType="1" noTextEdit="1"/>
+              </p:cNvSpPr>
+              <p:nvPr/>
+            </p:nvSpPr>
+            <p:spPr>
+              <a:xfrm>
+                <a:off x="7781633" y="4321296"/>
+                <a:ext cx="1105221" cy="646331"/>
+              </a:xfrm>
+              <a:prstGeom prst="rect">
+                <a:avLst/>
+              </a:prstGeom>
+              <a:blipFill rotWithShape="1">
+                <a:blip r:embed="rId5"/>
+                <a:stretch>
+                  <a:fillRect/>
+                </a:stretch>
+              </a:blipFill>
+            </p:spPr>
+            <p:txBody>
+              <a:bodyPr/>
+              <a:lstStyle/>
+              <a:p>
+                <a:r>
+                  <a:rPr lang="ko-KR" altLang="en-US">
+                    <a:noFill/>
+                  </a:rPr>
+                  <a:t> </a:t>
+                </a:r>
+              </a:p>
+            </p:txBody>
+          </p:sp>
+        </mc:Fallback>
+      </mc:AlternateContent>
+      <p:sp>
+        <p:nvSpPr>
+          <p:cNvPr id="37" name="원호 36"/>
+          <p:cNvSpPr/>
+          <p:nvPr/>
+        </p:nvSpPr>
+        <p:spPr>
+          <a:xfrm>
+            <a:off x="7037524" y="684700"/>
+            <a:ext cx="1092153" cy="3576744"/>
+          </a:xfrm>
+          <a:prstGeom prst="arc">
+            <a:avLst>
+              <a:gd name="adj1" fmla="val 16586860"/>
+              <a:gd name="adj2" fmla="val 19031233"/>
+            </a:avLst>
+          </a:prstGeom>
+          <a:ln>
+            <a:solidFill>
+              <a:schemeClr val="tx1"/>
+            </a:solidFill>
+            <a:prstDash val="dash"/>
+          </a:ln>
+        </p:spPr>
+        <p:style>
+          <a:lnRef idx="1">
+            <a:schemeClr val="accent1"/>
+          </a:lnRef>
+          <a:fillRef idx="0">
+            <a:schemeClr val="accent1"/>
+          </a:fillRef>
+          <a:effectRef idx="0">
+            <a:schemeClr val="accent1"/>
+          </a:effectRef>
+          <a:fontRef idx="minor">
+            <a:schemeClr val="tx1"/>
+          </a:fontRef>
+        </p:style>
+        <p:txBody>
+          <a:bodyPr rtlCol="0" anchor="ctr"/>
+          <a:lstStyle/>
+          <a:p>
+            <a:pPr algn="ctr"/>
+            <a:endParaRPr lang="ko-KR" altLang="en-US"/>
+          </a:p>
+        </p:txBody>
+      </p:sp>
+      <p:sp>
+        <p:nvSpPr>
+          <p:cNvPr id="38" name="원호 37"/>
+          <p:cNvSpPr/>
+          <p:nvPr/>
+        </p:nvSpPr>
+        <p:spPr>
+          <a:xfrm flipV="1">
+            <a:off x="7037524" y="243758"/>
+            <a:ext cx="1092153" cy="3838697"/>
+          </a:xfrm>
+          <a:prstGeom prst="arc">
+            <a:avLst>
+              <a:gd name="adj1" fmla="val 16586860"/>
+              <a:gd name="adj2" fmla="val 18858118"/>
+            </a:avLst>
+          </a:prstGeom>
+          <a:ln>
+            <a:solidFill>
+              <a:schemeClr val="tx1"/>
+            </a:solidFill>
+            <a:prstDash val="dash"/>
+          </a:ln>
+        </p:spPr>
+        <p:style>
+          <a:lnRef idx="1">
+            <a:schemeClr val="accent1"/>
+          </a:lnRef>
+          <a:fillRef idx="0">
+            <a:schemeClr val="accent1"/>
+          </a:fillRef>
+          <a:effectRef idx="0">
+            <a:schemeClr val="accent1"/>
+          </a:effectRef>
+          <a:fontRef idx="minor">
+            <a:schemeClr val="tx1"/>
+          </a:fontRef>
+        </p:style>
+        <p:txBody>
+          <a:bodyPr rtlCol="0" anchor="ctr"/>
+          <a:lstStyle/>
+          <a:p>
+            <a:pPr algn="ctr"/>
+            <a:endParaRPr lang="ko-KR" altLang="en-US"/>
+          </a:p>
+        </p:txBody>
+      </p:sp>
+      <mc:AlternateContent xmlns:mc="http://schemas.openxmlformats.org/markup-compatibility/2006" xmlns:a14="http://schemas.microsoft.com/office/drawing/2010/main">
+        <mc:Choice Requires="a14">
+          <p:sp>
+            <p:nvSpPr>
+              <p:cNvPr id="39" name="TextBox 38"/>
+              <p:cNvSpPr txBox="1"/>
+              <p:nvPr/>
+            </p:nvSpPr>
+            <p:spPr>
+              <a:xfrm>
+                <a:off x="7726195" y="2003746"/>
+                <a:ext cx="1094277" cy="669992"/>
+              </a:xfrm>
+              <a:prstGeom prst="rect">
+                <a:avLst/>
+              </a:prstGeom>
+              <a:noFill/>
+            </p:spPr>
+            <p:txBody>
+              <a:bodyPr wrap="square" rtlCol="0">
+                <a:spAutoFit/>
+              </a:bodyPr>
+              <a:lstStyle/>
+              <a:p>
+                <a:pPr/>
+                <a14:m>
+                  <m:oMathPara xmlns:m="http://schemas.openxmlformats.org/officeDocument/2006/math">
+                    <m:oMathParaPr>
+                      <m:jc m:val="center"/>
+                    </m:oMathParaPr>
+                    <m:oMath xmlns:m="http://schemas.openxmlformats.org/officeDocument/2006/math">
+                      <m:r>
+                        <a:rPr lang="en-US" altLang="ko-KR" b="0" i="1" dirty="0" smtClean="0">
+                          <a:latin typeface="Cambria Math"/>
+                        </a:rPr>
+                        <m:t>𝑃</m:t>
+                      </m:r>
+                      <m:r>
+                        <a:rPr lang="en-US" altLang="ko-KR" b="0" i="1" dirty="0" smtClean="0">
+                          <a:latin typeface="Cambria Math"/>
+                        </a:rPr>
+                        <m:t>(</m:t>
+                      </m:r>
+                      <m:sSup>
+                        <m:sSupPr>
+                          <m:ctrlPr>
+                            <a:rPr lang="en-US" altLang="ko-KR" b="0" i="1" dirty="0" smtClean="0">
+                              <a:latin typeface="Cambria Math"/>
+                            </a:rPr>
+                          </m:ctrlPr>
+                        </m:sSupPr>
+                        <m:e>
+                          <m:r>
+                            <a:rPr lang="en-US" altLang="ko-KR" b="0" i="1" dirty="0" smtClean="0">
+                              <a:latin typeface="Cambria Math"/>
+                            </a:rPr>
+                            <m:t>𝐸</m:t>
+                          </m:r>
+                        </m:e>
+                        <m:sup>
+                          <m:r>
+                            <a:rPr lang="en-US" altLang="ko-KR" b="0" i="1" dirty="0" smtClean="0">
+                              <a:latin typeface="Cambria Math"/>
+                            </a:rPr>
+                            <m:t>𝑐</m:t>
+                          </m:r>
+                        </m:sup>
+                      </m:sSup>
+                      <m:r>
+                        <a:rPr lang="en-US" altLang="ko-KR" b="0" i="1" dirty="0" smtClean="0">
+                          <a:latin typeface="Cambria Math"/>
+                        </a:rPr>
+                        <m:t>|</m:t>
+                      </m:r>
+                      <m:sSup>
+                        <m:sSupPr>
+                          <m:ctrlPr>
+                            <a:rPr lang="en-US" altLang="ko-KR" b="0" i="1" dirty="0" smtClean="0">
+                              <a:latin typeface="Cambria Math"/>
+                            </a:rPr>
+                          </m:ctrlPr>
+                        </m:sSupPr>
+                        <m:e>
+                          <m:r>
+                            <a:rPr lang="en-US" altLang="ko-KR" b="0" i="1" dirty="0" smtClean="0">
+                              <a:latin typeface="Cambria Math"/>
+                            </a:rPr>
+                            <m:t>𝐻</m:t>
+                          </m:r>
+                        </m:e>
+                        <m:sup>
+                          <m:r>
+                            <a:rPr lang="en-US" altLang="ko-KR" b="0" i="1" dirty="0" smtClean="0">
+                              <a:latin typeface="Cambria Math"/>
+                            </a:rPr>
+                            <m:t>𝑐</m:t>
+                          </m:r>
+                        </m:sup>
+                      </m:sSup>
+                      <m:r>
+                        <a:rPr lang="en-US" altLang="ko-KR" b="0" i="1" dirty="0" smtClean="0">
+                          <a:latin typeface="Cambria Math"/>
+                        </a:rPr>
+                        <m:t>)</m:t>
+                      </m:r>
+                    </m:oMath>
+                  </m:oMathPara>
+                </a14:m>
+                <a:endParaRPr lang="en-US" altLang="ko-KR" dirty="0" smtClean="0"/>
+              </a:p>
+              <a:p>
+                <a:pPr/>
+                <a14:m>
+                  <m:oMathPara xmlns:m="http://schemas.openxmlformats.org/officeDocument/2006/math">
+                    <m:oMathParaPr>
+                      <m:jc m:val="center"/>
+                    </m:oMathParaPr>
+                    <m:oMath xmlns:m="http://schemas.openxmlformats.org/officeDocument/2006/math">
+                      <m:r>
+                        <a:rPr lang="en-US" altLang="ko-KR" i="1" dirty="0" smtClean="0">
+                          <a:latin typeface="Cambria Math"/>
+                        </a:rPr>
+                        <m:t>=0.9</m:t>
+                      </m:r>
+                      <m:r>
+                        <a:rPr lang="en-US" altLang="ko-KR" b="0" i="1" dirty="0" smtClean="0">
+                          <a:latin typeface="Cambria Math"/>
+                        </a:rPr>
+                        <m:t>8</m:t>
+                      </m:r>
+                    </m:oMath>
+                  </m:oMathPara>
+                </a14:m>
+                <a:endParaRPr lang="ko-KR" altLang="en-US" dirty="0"/>
+              </a:p>
+            </p:txBody>
+          </p:sp>
+        </mc:Choice>
+        <mc:Fallback xmlns="">
+          <p:sp>
+            <p:nvSpPr>
+              <p:cNvPr id="39" name="TextBox 38"/>
+              <p:cNvSpPr txBox="1">
+                <a:spLocks noRot="1" noChangeAspect="1" noMove="1" noResize="1" noEditPoints="1" noAdjustHandles="1" noChangeArrowheads="1" noChangeShapeType="1" noTextEdit="1"/>
+              </p:cNvSpPr>
+              <p:nvPr/>
+            </p:nvSpPr>
+            <p:spPr>
+              <a:xfrm>
+                <a:off x="7726195" y="2003746"/>
+                <a:ext cx="1094277" cy="669992"/>
+              </a:xfrm>
+              <a:prstGeom prst="rect">
+                <a:avLst/>
+              </a:prstGeom>
+              <a:blipFill rotWithShape="1">
+                <a:blip r:embed="rId6"/>
+                <a:stretch>
+                  <a:fillRect r="-4444"/>
+                </a:stretch>
+              </a:blipFill>
+            </p:spPr>
+            <p:txBody>
+              <a:bodyPr/>
+              <a:lstStyle/>
+              <a:p>
+                <a:r>
+                  <a:rPr lang="ko-KR" altLang="en-US">
+                    <a:noFill/>
+                  </a:rPr>
+                  <a:t> </a:t>
+                </a:r>
+              </a:p>
+            </p:txBody>
+          </p:sp>
+        </mc:Fallback>
+      </mc:AlternateContent>
+      <p:sp>
+        <p:nvSpPr>
+          <p:cNvPr id="2" name="타원 1"/>
+          <p:cNvSpPr/>
+          <p:nvPr/>
+        </p:nvSpPr>
+        <p:spPr>
+          <a:xfrm>
+            <a:off x="145008" y="3118721"/>
+            <a:ext cx="1395530" cy="694211"/>
+          </a:xfrm>
+          <a:prstGeom prst="ellipse">
+            <a:avLst/>
+          </a:prstGeom>
+          <a:solidFill>
+            <a:schemeClr val="tx2">
+              <a:alpha val="20000"/>
+            </a:schemeClr>
+          </a:solidFill>
+          <a:ln>
+            <a:solidFill>
+              <a:srgbClr val="00B0F0"/>
+            </a:solidFill>
+            <a:prstDash val="dash"/>
+          </a:ln>
+        </p:spPr>
+        <p:style>
+          <a:lnRef idx="2">
+            <a:schemeClr val="accent1">
+              <a:shade val="50000"/>
+            </a:schemeClr>
+          </a:lnRef>
+          <a:fillRef idx="1">
+            <a:schemeClr val="accent1"/>
+          </a:fillRef>
+          <a:effectRef idx="0">
+            <a:schemeClr val="accent1"/>
+          </a:effectRef>
+          <a:fontRef idx="minor">
+            <a:schemeClr val="lt1"/>
+          </a:fontRef>
+        </p:style>
+        <p:txBody>
+          <a:bodyPr rtlCol="0" anchor="ctr"/>
+          <a:lstStyle/>
+          <a:p>
+            <a:pPr algn="ctr"/>
+            <a:endParaRPr lang="ko-KR" altLang="en-US"/>
+          </a:p>
+        </p:txBody>
+      </p:sp>
+      <p:sp>
+        <p:nvSpPr>
+          <p:cNvPr id="3" name="TextBox 2"/>
+          <p:cNvSpPr txBox="1"/>
+          <p:nvPr/>
+        </p:nvSpPr>
+        <p:spPr>
+          <a:xfrm>
+            <a:off x="173512" y="3837407"/>
+            <a:ext cx="1305165" cy="584775"/>
+          </a:xfrm>
+          <a:prstGeom prst="rect">
+            <a:avLst/>
+          </a:prstGeom>
+          <a:solidFill>
+            <a:schemeClr val="bg1"/>
+          </a:solidFill>
+        </p:spPr>
+        <p:txBody>
+          <a:bodyPr wrap="none" rtlCol="0">
+            <a:spAutoFit/>
+          </a:bodyPr>
+          <a:lstStyle/>
+          <a:p>
+            <a:pPr algn="ctr"/>
+            <a:r>
+              <a:rPr lang="ko-KR" altLang="en-US" sz="1600" b="1" dirty="0" smtClean="0">
+                <a:solidFill>
+                  <a:schemeClr val="accent1"/>
+                </a:solidFill>
+              </a:rPr>
+              <a:t>민감도</a:t>
+            </a:r>
+            <a:endParaRPr lang="en-US" altLang="ko-KR" sz="1600" b="1" dirty="0" smtClean="0">
+              <a:solidFill>
+                <a:schemeClr val="accent1"/>
+              </a:solidFill>
+            </a:endParaRPr>
+          </a:p>
+          <a:p>
+            <a:pPr algn="ctr"/>
+            <a:r>
+              <a:rPr lang="en-US" altLang="ko-KR" sz="1600" b="1" dirty="0" smtClean="0">
+                <a:solidFill>
+                  <a:schemeClr val="accent1"/>
+                </a:solidFill>
+              </a:rPr>
+              <a:t>(sensitivity)</a:t>
+            </a:r>
+            <a:endParaRPr lang="ko-KR" altLang="en-US" sz="1600" b="1" dirty="0">
+              <a:solidFill>
+                <a:schemeClr val="accent1"/>
+              </a:solidFill>
+            </a:endParaRPr>
+          </a:p>
+        </p:txBody>
+      </p:sp>
+      <p:sp>
+        <p:nvSpPr>
+          <p:cNvPr id="42" name="TextBox 41"/>
+          <p:cNvSpPr txBox="1"/>
+          <p:nvPr/>
+        </p:nvSpPr>
+        <p:spPr>
+          <a:xfrm>
+            <a:off x="7670751" y="2673738"/>
+            <a:ext cx="1300356" cy="584775"/>
+          </a:xfrm>
+          <a:prstGeom prst="rect">
+            <a:avLst/>
+          </a:prstGeom>
+          <a:solidFill>
+            <a:schemeClr val="bg1"/>
+          </a:solidFill>
+        </p:spPr>
+        <p:txBody>
+          <a:bodyPr wrap="none" rtlCol="0">
+            <a:spAutoFit/>
+          </a:bodyPr>
+          <a:lstStyle/>
+          <a:p>
+            <a:pPr algn="ctr"/>
+            <a:r>
+              <a:rPr lang="ko-KR" altLang="en-US" sz="1600" b="1" dirty="0" smtClean="0">
+                <a:solidFill>
+                  <a:srgbClr val="C00000"/>
+                </a:solidFill>
+              </a:rPr>
+              <a:t>특이</a:t>
+            </a:r>
+            <a:r>
+              <a:rPr lang="ko-KR" altLang="en-US" sz="1600" b="1" dirty="0">
+                <a:solidFill>
+                  <a:srgbClr val="C00000"/>
+                </a:solidFill>
+              </a:rPr>
+              <a:t>도</a:t>
+            </a:r>
+            <a:endParaRPr lang="en-US" altLang="ko-KR" sz="1600" b="1" dirty="0" smtClean="0">
+              <a:solidFill>
+                <a:srgbClr val="C00000"/>
+              </a:solidFill>
+            </a:endParaRPr>
+          </a:p>
+          <a:p>
+            <a:pPr algn="ctr"/>
+            <a:r>
+              <a:rPr lang="en-US" altLang="ko-KR" sz="1600" b="1" dirty="0" smtClean="0">
+                <a:solidFill>
+                  <a:srgbClr val="C00000"/>
+                </a:solidFill>
+              </a:rPr>
+              <a:t>(specificity)</a:t>
+            </a:r>
+            <a:endParaRPr lang="ko-KR" altLang="en-US" sz="1600" b="1" dirty="0">
+              <a:solidFill>
+                <a:srgbClr val="C00000"/>
+              </a:solidFill>
+            </a:endParaRPr>
+          </a:p>
+        </p:txBody>
+      </p:sp>
+      <p:sp>
+        <p:nvSpPr>
+          <p:cNvPr id="41" name="타원 40"/>
+          <p:cNvSpPr/>
+          <p:nvPr/>
+        </p:nvSpPr>
+        <p:spPr>
+          <a:xfrm>
+            <a:off x="7561018" y="1970497"/>
+            <a:ext cx="1395530" cy="694211"/>
+          </a:xfrm>
+          <a:prstGeom prst="ellipse">
+            <a:avLst/>
+          </a:prstGeom>
+          <a:solidFill>
+            <a:srgbClr val="FF0000">
+              <a:alpha val="20000"/>
+            </a:srgbClr>
+          </a:solidFill>
+          <a:ln>
+            <a:solidFill>
+              <a:srgbClr val="C00000"/>
+            </a:solidFill>
+            <a:prstDash val="dash"/>
+          </a:ln>
+        </p:spPr>
+        <p:style>
+          <a:lnRef idx="2">
+            <a:schemeClr val="accent1">
+              <a:shade val="50000"/>
+            </a:schemeClr>
+          </a:lnRef>
+          <a:fillRef idx="1">
+            <a:schemeClr val="accent1"/>
+          </a:fillRef>
+          <a:effectRef idx="0">
+            <a:schemeClr val="accent1"/>
+          </a:effectRef>
+          <a:fontRef idx="minor">
+            <a:schemeClr val="lt1"/>
+          </a:fontRef>
+        </p:style>
+        <p:txBody>
+          <a:bodyPr rtlCol="0" anchor="ctr"/>
+          <a:lstStyle/>
+          <a:p>
+            <a:pPr algn="ctr"/>
+            <a:endParaRPr lang="ko-KR" altLang="en-US"/>
+          </a:p>
+        </p:txBody>
+      </p:sp>
+      <p:grpSp>
+        <p:nvGrpSpPr>
+          <p:cNvPr id="16" name="그룹 15"/>
+          <p:cNvGrpSpPr/>
+          <p:nvPr/>
+        </p:nvGrpSpPr>
+        <p:grpSpPr>
+          <a:xfrm>
+            <a:off x="923099" y="4493364"/>
+            <a:ext cx="3524223" cy="998076"/>
+            <a:chOff x="1115616" y="4761971"/>
+            <a:chExt cx="2232249" cy="569021"/>
+          </a:xfrm>
+        </p:grpSpPr>
+        <p:sp>
+          <p:nvSpPr>
+            <p:cNvPr id="19" name="원호 18"/>
+            <p:cNvSpPr/>
+            <p:nvPr/>
+          </p:nvSpPr>
+          <p:spPr>
+            <a:xfrm rot="16200000" flipH="1" flipV="1">
+              <a:off x="1897506" y="3980081"/>
+              <a:ext cx="569021" cy="2132801"/>
+            </a:xfrm>
+            <a:prstGeom prst="arc">
+              <a:avLst>
+                <a:gd name="adj1" fmla="val 16586860"/>
+                <a:gd name="adj2" fmla="val 18239128"/>
+              </a:avLst>
+            </a:prstGeom>
+            <a:ln>
+              <a:solidFill>
+                <a:schemeClr val="tx1"/>
+              </a:solidFill>
+              <a:prstDash val="dash"/>
+            </a:ln>
+          </p:spPr>
+          <p:style>
+            <a:lnRef idx="1">
+              <a:schemeClr val="accent1"/>
+            </a:lnRef>
+            <a:fillRef idx="0">
+              <a:schemeClr val="accent1"/>
+            </a:fillRef>
+            <a:effectRef idx="0">
+              <a:schemeClr val="accent1"/>
+            </a:effectRef>
+            <a:fontRef idx="minor">
+              <a:schemeClr val="tx1"/>
+            </a:fontRef>
+          </p:style>
+          <p:txBody>
+            <a:bodyPr rtlCol="0" anchor="ctr"/>
+            <a:lstStyle/>
+            <a:p>
+              <a:pPr algn="ctr"/>
+              <a:endParaRPr lang="ko-KR" altLang="en-US"/>
+            </a:p>
+          </p:txBody>
+        </p:sp>
+        <p:sp>
+          <p:nvSpPr>
+            <p:cNvPr id="18" name="원호 17"/>
+            <p:cNvSpPr/>
+            <p:nvPr/>
+          </p:nvSpPr>
+          <p:spPr>
+            <a:xfrm rot="16200000" flipH="1">
+              <a:off x="2069725" y="4052852"/>
+              <a:ext cx="569021" cy="1987259"/>
+            </a:xfrm>
+            <a:prstGeom prst="arc">
+              <a:avLst>
+                <a:gd name="adj1" fmla="val 16586860"/>
+                <a:gd name="adj2" fmla="val 18221477"/>
+              </a:avLst>
+            </a:prstGeom>
+            <a:ln>
+              <a:solidFill>
+                <a:schemeClr val="tx1"/>
+              </a:solidFill>
+              <a:prstDash val="dash"/>
+            </a:ln>
+          </p:spPr>
+          <p:style>
+            <a:lnRef idx="1">
+              <a:schemeClr val="accent1"/>
+            </a:lnRef>
+            <a:fillRef idx="0">
+              <a:schemeClr val="accent1"/>
+            </a:fillRef>
+            <a:effectRef idx="0">
+              <a:schemeClr val="accent1"/>
+            </a:effectRef>
+            <a:fontRef idx="minor">
+              <a:schemeClr val="tx1"/>
+            </a:fontRef>
+          </p:style>
+          <p:txBody>
+            <a:bodyPr rtlCol="0" anchor="ctr"/>
+            <a:lstStyle/>
+            <a:p>
+              <a:pPr algn="ctr"/>
+              <a:endParaRPr lang="ko-KR" altLang="en-US"/>
+            </a:p>
+          </p:txBody>
+        </p:sp>
+      </p:grpSp>
+      <p:sp>
+        <p:nvSpPr>
+          <p:cNvPr id="4" name="직사각형 3"/>
+          <p:cNvSpPr/>
+          <p:nvPr/>
+        </p:nvSpPr>
+        <p:spPr>
+          <a:xfrm>
+            <a:off x="1403648" y="801530"/>
+            <a:ext cx="6336704" cy="4320480"/>
+          </a:xfrm>
+          <a:prstGeom prst="rect">
+            <a:avLst/>
+          </a:prstGeom>
+          <a:noFill/>
+        </p:spPr>
+        <p:style>
+          <a:lnRef idx="2">
+            <a:schemeClr val="accent1">
+              <a:shade val="50000"/>
+            </a:schemeClr>
+          </a:lnRef>
+          <a:fillRef idx="1">
+            <a:schemeClr val="accent1"/>
+          </a:fillRef>
+          <a:effectRef idx="0">
+            <a:schemeClr val="accent1"/>
+          </a:effectRef>
+          <a:fontRef idx="minor">
+            <a:schemeClr val="lt1"/>
+          </a:fontRef>
+        </p:style>
+        <p:txBody>
+          <a:bodyPr rtlCol="0" anchor="ctr"/>
+          <a:lstStyle/>
+          <a:p>
+            <a:pPr algn="ctr"/>
+            <a:endParaRPr lang="ko-KR" altLang="en-US"/>
+          </a:p>
+        </p:txBody>
+      </p:sp>
+      <p:cxnSp>
+        <p:nvCxnSpPr>
+          <p:cNvPr id="8" name="직선 연결선 7"/>
+          <p:cNvCxnSpPr/>
+          <p:nvPr/>
+        </p:nvCxnSpPr>
+        <p:spPr>
+          <a:xfrm>
+            <a:off x="1403648" y="1737634"/>
+            <a:ext cx="2808312" cy="0"/>
+          </a:xfrm>
+          <a:prstGeom prst="line">
+            <a:avLst/>
+          </a:prstGeom>
+          <a:ln w="28575">
+            <a:solidFill>
+              <a:schemeClr val="tx2"/>
+            </a:solidFill>
+          </a:ln>
+        </p:spPr>
+        <p:style>
+          <a:lnRef idx="1">
+            <a:schemeClr val="accent1"/>
+          </a:lnRef>
+          <a:fillRef idx="0">
+            <a:schemeClr val="accent1"/>
+          </a:fillRef>
+          <a:effectRef idx="0">
+            <a:schemeClr val="accent1"/>
+          </a:effectRef>
+          <a:fontRef idx="minor">
+            <a:schemeClr val="tx1"/>
+          </a:fontRef>
+        </p:style>
+      </p:cxnSp>
+      <p:cxnSp>
+        <p:nvCxnSpPr>
+          <p:cNvPr id="9" name="직선 연결선 8"/>
+          <p:cNvCxnSpPr/>
+          <p:nvPr/>
+        </p:nvCxnSpPr>
+        <p:spPr>
+          <a:xfrm>
+            <a:off x="4211960" y="3969882"/>
+            <a:ext cx="3528392" cy="0"/>
+          </a:xfrm>
+          <a:prstGeom prst="line">
+            <a:avLst/>
+          </a:prstGeom>
+          <a:ln w="28575">
+            <a:solidFill>
+              <a:schemeClr val="tx2"/>
+            </a:solidFill>
+          </a:ln>
+        </p:spPr>
+        <p:style>
+          <a:lnRef idx="1">
+            <a:schemeClr val="accent1"/>
+          </a:lnRef>
+          <a:fillRef idx="0">
+            <a:schemeClr val="accent1"/>
+          </a:fillRef>
+          <a:effectRef idx="0">
+            <a:schemeClr val="accent1"/>
+          </a:effectRef>
+          <a:fontRef idx="minor">
+            <a:schemeClr val="tx1"/>
+          </a:fontRef>
+        </p:style>
+      </p:cxnSp>
+      <p:sp>
+        <p:nvSpPr>
+          <p:cNvPr id="29" name="TextBox 28"/>
+          <p:cNvSpPr txBox="1"/>
+          <p:nvPr/>
+        </p:nvSpPr>
+        <p:spPr>
+          <a:xfrm>
+            <a:off x="5508104" y="2097674"/>
+            <a:ext cx="1114536" cy="646331"/>
+          </a:xfrm>
+          <a:prstGeom prst="rect">
+            <a:avLst/>
+          </a:prstGeom>
+          <a:noFill/>
+        </p:spPr>
+        <p:txBody>
+          <a:bodyPr wrap="none" rtlCol="0">
+            <a:spAutoFit/>
+          </a:bodyPr>
+          <a:lstStyle/>
+          <a:p>
+            <a:pPr algn="ctr"/>
+            <a:r>
+              <a:rPr lang="en-US" altLang="ko-KR" dirty="0" smtClean="0"/>
+              <a:t>True</a:t>
+            </a:r>
+          </a:p>
+          <a:p>
+            <a:pPr algn="ctr"/>
+            <a:r>
+              <a:rPr lang="en-US" altLang="ko-KR" dirty="0" smtClean="0"/>
+              <a:t>Negative</a:t>
+            </a:r>
+            <a:endParaRPr lang="ko-KR" altLang="en-US" dirty="0"/>
+          </a:p>
+        </p:txBody>
+      </p:sp>
+      <p:sp>
+        <p:nvSpPr>
+          <p:cNvPr id="30" name="TextBox 29"/>
+          <p:cNvSpPr txBox="1"/>
+          <p:nvPr/>
+        </p:nvSpPr>
+        <p:spPr>
+          <a:xfrm>
+            <a:off x="5545565" y="4243968"/>
+            <a:ext cx="970651" cy="646331"/>
+          </a:xfrm>
+          <a:prstGeom prst="rect">
+            <a:avLst/>
+          </a:prstGeom>
+          <a:noFill/>
+        </p:spPr>
+        <p:txBody>
+          <a:bodyPr wrap="none" rtlCol="0">
+            <a:spAutoFit/>
+          </a:bodyPr>
+          <a:lstStyle/>
+          <a:p>
+            <a:pPr algn="ctr"/>
+            <a:r>
+              <a:rPr lang="en-US" altLang="ko-KR" dirty="0" smtClean="0"/>
+              <a:t>False</a:t>
+            </a:r>
+          </a:p>
+          <a:p>
+            <a:pPr algn="ctr"/>
+            <a:r>
+              <a:rPr lang="en-US" altLang="ko-KR" dirty="0" smtClean="0"/>
+              <a:t>Positive</a:t>
+            </a:r>
+            <a:endParaRPr lang="ko-KR" altLang="en-US" dirty="0"/>
+          </a:p>
+        </p:txBody>
+      </p:sp>
+      <p:sp>
+        <p:nvSpPr>
+          <p:cNvPr id="31" name="TextBox 30"/>
+          <p:cNvSpPr txBox="1"/>
+          <p:nvPr/>
+        </p:nvSpPr>
+        <p:spPr>
+          <a:xfrm>
+            <a:off x="2267744" y="910412"/>
+            <a:ext cx="1114536" cy="646331"/>
+          </a:xfrm>
+          <a:prstGeom prst="rect">
+            <a:avLst/>
+          </a:prstGeom>
+          <a:noFill/>
+        </p:spPr>
+        <p:txBody>
+          <a:bodyPr wrap="none" rtlCol="0">
+            <a:spAutoFit/>
+          </a:bodyPr>
+          <a:lstStyle/>
+          <a:p>
+            <a:pPr algn="ctr"/>
+            <a:r>
+              <a:rPr lang="en-US" altLang="ko-KR" dirty="0" smtClean="0"/>
+              <a:t>False</a:t>
+            </a:r>
+          </a:p>
+          <a:p>
+            <a:pPr algn="ctr"/>
+            <a:r>
+              <a:rPr lang="en-US" altLang="ko-KR" dirty="0" smtClean="0"/>
+              <a:t>Negative</a:t>
+            </a:r>
+            <a:endParaRPr lang="ko-KR" altLang="en-US" dirty="0"/>
+          </a:p>
+        </p:txBody>
+      </p:sp>
+      <p:grpSp>
+        <p:nvGrpSpPr>
+          <p:cNvPr id="5" name="그룹 4"/>
+          <p:cNvGrpSpPr/>
+          <p:nvPr/>
+        </p:nvGrpSpPr>
+        <p:grpSpPr>
+          <a:xfrm>
+            <a:off x="4211960" y="801530"/>
+            <a:ext cx="3528392" cy="4320480"/>
+            <a:chOff x="3203848" y="801530"/>
+            <a:chExt cx="4536504" cy="4320480"/>
+          </a:xfrm>
+        </p:grpSpPr>
+        <p:cxnSp>
+          <p:nvCxnSpPr>
+            <p:cNvPr id="6" name="직선 연결선 5"/>
+            <p:cNvCxnSpPr/>
+            <p:nvPr/>
+          </p:nvCxnSpPr>
+          <p:spPr>
+            <a:xfrm>
+              <a:off x="3203848" y="801530"/>
+              <a:ext cx="0" cy="4320480"/>
+            </a:xfrm>
+            <a:prstGeom prst="line">
+              <a:avLst/>
+            </a:prstGeom>
+            <a:ln w="28575">
+              <a:solidFill>
+                <a:schemeClr val="tx2"/>
+              </a:solidFill>
+            </a:ln>
+          </p:spPr>
+          <p:style>
+            <a:lnRef idx="1">
+              <a:schemeClr val="accent1"/>
+            </a:lnRef>
+            <a:fillRef idx="0">
+              <a:schemeClr val="accent1"/>
+            </a:fillRef>
+            <a:effectRef idx="0">
+              <a:schemeClr val="accent1"/>
+            </a:effectRef>
+            <a:fontRef idx="minor">
+              <a:schemeClr val="tx1"/>
+            </a:fontRef>
+          </p:style>
+        </p:cxnSp>
+        <p:sp>
+          <p:nvSpPr>
+            <p:cNvPr id="33" name="직사각형 32"/>
+            <p:cNvSpPr/>
+            <p:nvPr/>
+          </p:nvSpPr>
+          <p:spPr>
+            <a:xfrm>
+              <a:off x="3203848" y="3969882"/>
+              <a:ext cx="4536504" cy="1151634"/>
+            </a:xfrm>
+            <a:prstGeom prst="rect">
+              <a:avLst/>
+            </a:prstGeom>
+            <a:solidFill>
+              <a:schemeClr val="accent3">
+                <a:alpha val="20000"/>
+              </a:schemeClr>
+            </a:solidFill>
+            <a:ln>
+              <a:noFill/>
+            </a:ln>
+          </p:spPr>
+          <p:style>
+            <a:lnRef idx="2">
+              <a:schemeClr val="accent1">
+                <a:shade val="50000"/>
+              </a:schemeClr>
+            </a:lnRef>
+            <a:fillRef idx="1">
+              <a:schemeClr val="accent1"/>
+            </a:fillRef>
+            <a:effectRef idx="0">
+              <a:schemeClr val="accent1"/>
+            </a:effectRef>
+            <a:fontRef idx="minor">
+              <a:schemeClr val="lt1"/>
+            </a:fontRef>
+          </p:style>
+          <p:txBody>
+            <a:bodyPr rtlCol="0" anchor="ctr"/>
+            <a:lstStyle/>
+            <a:p>
+              <a:pPr algn="ctr"/>
+              <a:endParaRPr lang="ko-KR" altLang="en-US"/>
+            </a:p>
+          </p:txBody>
+        </p:sp>
+        <p:sp>
+          <p:nvSpPr>
+            <p:cNvPr id="34" name="직사각형 33"/>
+            <p:cNvSpPr/>
+            <p:nvPr/>
+          </p:nvSpPr>
+          <p:spPr>
+            <a:xfrm>
+              <a:off x="3203848" y="801530"/>
+              <a:ext cx="4536504" cy="3169358"/>
+            </a:xfrm>
+            <a:prstGeom prst="rect">
+              <a:avLst/>
+            </a:prstGeom>
+            <a:solidFill>
+              <a:schemeClr val="accent6">
+                <a:alpha val="20000"/>
+              </a:schemeClr>
+            </a:solidFill>
+            <a:ln>
+              <a:noFill/>
+            </a:ln>
+          </p:spPr>
+          <p:style>
+            <a:lnRef idx="2">
+              <a:schemeClr val="accent1">
+                <a:shade val="50000"/>
+              </a:schemeClr>
+            </a:lnRef>
+            <a:fillRef idx="1">
+              <a:schemeClr val="accent1"/>
+            </a:fillRef>
+            <a:effectRef idx="0">
+              <a:schemeClr val="accent1"/>
+            </a:effectRef>
+            <a:fontRef idx="minor">
+              <a:schemeClr val="lt1"/>
+            </a:fontRef>
+          </p:style>
+          <p:txBody>
+            <a:bodyPr rtlCol="0" anchor="ctr"/>
+            <a:lstStyle/>
+            <a:p>
+              <a:pPr algn="ctr"/>
+              <a:endParaRPr lang="ko-KR" altLang="en-US"/>
+            </a:p>
+          </p:txBody>
+        </p:sp>
+      </p:grpSp>
+      <p:sp>
+        <p:nvSpPr>
+          <p:cNvPr id="35" name="직사각형 34"/>
+          <p:cNvSpPr/>
+          <p:nvPr/>
+        </p:nvSpPr>
+        <p:spPr>
+          <a:xfrm>
+            <a:off x="1403648" y="801530"/>
+            <a:ext cx="2808312" cy="936104"/>
+          </a:xfrm>
+          <a:prstGeom prst="rect">
+            <a:avLst/>
+          </a:prstGeom>
+          <a:solidFill>
+            <a:schemeClr val="accent2">
+              <a:alpha val="20000"/>
+            </a:schemeClr>
+          </a:solidFill>
+          <a:ln>
+            <a:noFill/>
+          </a:ln>
+        </p:spPr>
+        <p:style>
+          <a:lnRef idx="2">
+            <a:schemeClr val="accent1">
+              <a:shade val="50000"/>
+            </a:schemeClr>
+          </a:lnRef>
+          <a:fillRef idx="1">
+            <a:schemeClr val="accent1"/>
+          </a:fillRef>
+          <a:effectRef idx="0">
+            <a:schemeClr val="accent1"/>
+          </a:effectRef>
+          <a:fontRef idx="minor">
+            <a:schemeClr val="lt1"/>
+          </a:fontRef>
+        </p:style>
+        <p:txBody>
+          <a:bodyPr rtlCol="0" anchor="ctr"/>
+          <a:lstStyle/>
+          <a:p>
+            <a:pPr algn="ctr"/>
+            <a:endParaRPr lang="ko-KR" altLang="en-US"/>
+          </a:p>
+        </p:txBody>
+      </p:sp>
+      <p:sp>
+        <p:nvSpPr>
+          <p:cNvPr id="32" name="직사각형 31"/>
+          <p:cNvSpPr/>
+          <p:nvPr/>
+        </p:nvSpPr>
+        <p:spPr>
+          <a:xfrm>
+            <a:off x="1403648" y="1737634"/>
+            <a:ext cx="2808312" cy="3383882"/>
+          </a:xfrm>
+          <a:prstGeom prst="rect">
+            <a:avLst/>
+          </a:prstGeom>
+          <a:solidFill>
+            <a:schemeClr val="accent1">
+              <a:alpha val="20000"/>
+            </a:schemeClr>
+          </a:solidFill>
+          <a:ln>
+            <a:noFill/>
+          </a:ln>
+        </p:spPr>
+        <p:style>
+          <a:lnRef idx="2">
+            <a:schemeClr val="accent1">
+              <a:shade val="50000"/>
+            </a:schemeClr>
+          </a:lnRef>
+          <a:fillRef idx="1">
+            <a:schemeClr val="accent1"/>
+          </a:fillRef>
+          <a:effectRef idx="0">
+            <a:schemeClr val="accent1"/>
+          </a:effectRef>
+          <a:fontRef idx="minor">
+            <a:schemeClr val="lt1"/>
+          </a:fontRef>
+        </p:style>
+        <p:txBody>
+          <a:bodyPr rtlCol="0" anchor="ctr"/>
+          <a:lstStyle/>
+          <a:p>
+            <a:pPr algn="ctr"/>
+            <a:endParaRPr lang="ko-KR" altLang="en-US"/>
+          </a:p>
+        </p:txBody>
+      </p:sp>
+      <p:sp>
+        <p:nvSpPr>
+          <p:cNvPr id="44" name="TextBox 43"/>
+          <p:cNvSpPr txBox="1"/>
+          <p:nvPr/>
+        </p:nvSpPr>
+        <p:spPr>
+          <a:xfrm>
+            <a:off x="1693749" y="6002295"/>
+            <a:ext cx="1912704" cy="584775"/>
+          </a:xfrm>
+          <a:prstGeom prst="rect">
+            <a:avLst/>
+          </a:prstGeom>
+          <a:solidFill>
+            <a:schemeClr val="bg1"/>
+          </a:solidFill>
+        </p:spPr>
+        <p:txBody>
+          <a:bodyPr wrap="none" rtlCol="0">
+            <a:spAutoFit/>
+          </a:bodyPr>
+          <a:lstStyle/>
+          <a:p>
+            <a:pPr algn="ctr"/>
+            <a:r>
+              <a:rPr lang="ko-KR" altLang="en-US" sz="1600" b="1" dirty="0" smtClean="0">
+                <a:solidFill>
+                  <a:srgbClr val="7030A0"/>
+                </a:solidFill>
+              </a:rPr>
+              <a:t>발병률</a:t>
+            </a:r>
+            <a:endParaRPr lang="en-US" altLang="ko-KR" sz="1600" b="1" dirty="0" smtClean="0">
+              <a:solidFill>
+                <a:srgbClr val="7030A0"/>
+              </a:solidFill>
+            </a:endParaRPr>
+          </a:p>
+          <a:p>
+            <a:pPr algn="ctr"/>
+            <a:r>
+              <a:rPr lang="en-US" altLang="ko-KR" sz="1600" b="1" dirty="0" smtClean="0">
+                <a:solidFill>
+                  <a:srgbClr val="7030A0"/>
+                </a:solidFill>
+              </a:rPr>
+              <a:t>(</a:t>
+            </a:r>
+            <a:r>
+              <a:rPr lang="ko-KR" altLang="en-US" sz="1600" b="1" dirty="0" smtClean="0">
+                <a:solidFill>
+                  <a:srgbClr val="7030A0"/>
+                </a:solidFill>
+              </a:rPr>
+              <a:t>수정된 사전 </a:t>
+            </a:r>
+            <a:r>
+              <a:rPr lang="ko-KR" altLang="en-US" sz="1600" b="1" dirty="0" smtClean="0">
+                <a:solidFill>
+                  <a:srgbClr val="7030A0"/>
+                </a:solidFill>
+              </a:rPr>
+              <a:t>확률</a:t>
+            </a:r>
+            <a:r>
+              <a:rPr lang="en-US" altLang="ko-KR" sz="1600" b="1" dirty="0" smtClean="0">
+                <a:solidFill>
+                  <a:srgbClr val="7030A0"/>
+                </a:solidFill>
+              </a:rPr>
+              <a:t>)</a:t>
+            </a:r>
+            <a:endParaRPr lang="ko-KR" altLang="en-US" sz="1600" b="1" dirty="0">
+              <a:solidFill>
+                <a:srgbClr val="7030A0"/>
+              </a:solidFill>
+            </a:endParaRPr>
+          </a:p>
+        </p:txBody>
+      </p:sp>
+      <p:sp>
+        <p:nvSpPr>
+          <p:cNvPr id="43" name="타원 42"/>
+          <p:cNvSpPr/>
+          <p:nvPr/>
+        </p:nvSpPr>
+        <p:spPr>
+          <a:xfrm>
+            <a:off x="1952334" y="5311771"/>
+            <a:ext cx="1395530" cy="694211"/>
+          </a:xfrm>
+          <a:prstGeom prst="ellipse">
+            <a:avLst/>
+          </a:prstGeom>
+          <a:solidFill>
+            <a:srgbClr val="7030A0">
+              <a:alpha val="20000"/>
+            </a:srgbClr>
+          </a:solidFill>
+          <a:ln>
+            <a:solidFill>
+              <a:srgbClr val="7030A0"/>
+            </a:solidFill>
+            <a:prstDash val="dash"/>
+          </a:ln>
+        </p:spPr>
+        <p:style>
+          <a:lnRef idx="2">
+            <a:schemeClr val="accent1">
+              <a:shade val="50000"/>
+            </a:schemeClr>
+          </a:lnRef>
+          <a:fillRef idx="1">
+            <a:schemeClr val="accent1"/>
+          </a:fillRef>
+          <a:effectRef idx="0">
+            <a:schemeClr val="accent1"/>
+          </a:effectRef>
+          <a:fontRef idx="minor">
+            <a:schemeClr val="lt1"/>
+          </a:fontRef>
+        </p:style>
+        <p:txBody>
+          <a:bodyPr rtlCol="0" anchor="ctr"/>
+          <a:lstStyle/>
+          <a:p>
+            <a:pPr algn="ctr"/>
+            <a:endParaRPr lang="ko-KR" altLang="en-US"/>
+          </a:p>
+        </p:txBody>
+      </p:sp>
+      <p:sp>
+        <p:nvSpPr>
+          <p:cNvPr id="28" name="TextBox 27"/>
+          <p:cNvSpPr txBox="1"/>
+          <p:nvPr/>
+        </p:nvSpPr>
+        <p:spPr>
+          <a:xfrm>
+            <a:off x="2267744" y="3033778"/>
+            <a:ext cx="970650" cy="646331"/>
+          </a:xfrm>
+          <a:prstGeom prst="rect">
+            <a:avLst/>
+          </a:prstGeom>
+          <a:noFill/>
+        </p:spPr>
+        <p:txBody>
+          <a:bodyPr wrap="none" rtlCol="0">
+            <a:spAutoFit/>
+          </a:bodyPr>
+          <a:lstStyle/>
+          <a:p>
+            <a:pPr algn="ctr"/>
+            <a:r>
+              <a:rPr lang="en-US" altLang="ko-KR" dirty="0" smtClean="0"/>
+              <a:t>True</a:t>
+            </a:r>
+          </a:p>
+          <a:p>
+            <a:pPr algn="ctr"/>
+            <a:r>
+              <a:rPr lang="en-US" altLang="ko-KR" dirty="0" smtClean="0"/>
+              <a:t>Positive</a:t>
+            </a:r>
+            <a:endParaRPr lang="ko-KR" altLang="en-US" dirty="0"/>
+          </a:p>
+        </p:txBody>
+      </p:sp>
+      <mc:AlternateContent xmlns:mc="http://schemas.openxmlformats.org/markup-compatibility/2006">
+        <mc:Choice xmlns:a14="http://schemas.microsoft.com/office/drawing/2010/main" Requires="a14">
+          <p:sp>
+            <p:nvSpPr>
+              <p:cNvPr id="11" name="TextBox 10"/>
+              <p:cNvSpPr txBox="1"/>
+              <p:nvPr/>
+            </p:nvSpPr>
+            <p:spPr>
+              <a:xfrm>
+                <a:off x="2187110" y="5331827"/>
+                <a:ext cx="962525" cy="646331"/>
+              </a:xfrm>
+              <a:prstGeom prst="rect">
+                <a:avLst/>
+              </a:prstGeom>
+              <a:noFill/>
+            </p:spPr>
+            <p:txBody>
+              <a:bodyPr wrap="square" rtlCol="0">
+                <a:spAutoFit/>
+              </a:bodyPr>
+              <a:lstStyle/>
+              <a:p>
+                <a:pPr algn="ctr"/>
+                <a14:m>
+                  <m:oMathPara xmlns:m="http://schemas.openxmlformats.org/officeDocument/2006/math">
+                    <m:oMathParaPr>
+                      <m:jc m:val="center"/>
+                    </m:oMathParaPr>
+                    <m:oMath xmlns:m="http://schemas.openxmlformats.org/officeDocument/2006/math">
+                      <m:r>
+                        <a:rPr lang="en-US" altLang="ko-KR" b="0" i="1" smtClean="0">
+                          <a:latin typeface="Cambria Math"/>
+                        </a:rPr>
+                        <m:t>𝑃</m:t>
+                      </m:r>
+                      <m:d>
+                        <m:dPr>
+                          <m:ctrlPr>
+                            <a:rPr lang="en-US" altLang="ko-KR" b="0" i="1" smtClean="0">
+                              <a:latin typeface="Cambria Math"/>
+                            </a:rPr>
+                          </m:ctrlPr>
+                        </m:dPr>
+                        <m:e>
+                          <m:r>
+                            <a:rPr lang="en-US" altLang="ko-KR" b="0" i="1" smtClean="0">
+                              <a:latin typeface="Cambria Math"/>
+                            </a:rPr>
+                            <m:t>𝐻</m:t>
+                          </m:r>
+                        </m:e>
+                      </m:d>
+                      <m:r>
+                        <a:rPr lang="en-US" altLang="ko-KR" b="0" i="1" dirty="0" smtClean="0">
+                          <a:latin typeface="Cambria Math"/>
+                        </a:rPr>
+                        <m:t>=0</m:t>
+                      </m:r>
+                      <m:r>
+                        <a:rPr lang="en-US" altLang="ko-KR" i="1" dirty="0" smtClean="0">
+                          <a:latin typeface="Cambria Math"/>
+                        </a:rPr>
+                        <m:t>.0</m:t>
+                      </m:r>
+                      <m:r>
+                        <a:rPr lang="en-US" altLang="ko-KR" b="0" i="1" dirty="0" smtClean="0">
+                          <a:latin typeface="Cambria Math"/>
+                        </a:rPr>
+                        <m:t>47</m:t>
+                      </m:r>
+                    </m:oMath>
+                  </m:oMathPara>
+                </a14:m>
+                <a:endParaRPr lang="ko-KR" altLang="en-US" dirty="0"/>
+              </a:p>
+            </p:txBody>
+          </p:sp>
+        </mc:Choice>
+        <mc:Fallback>
+          <p:sp>
+            <p:nvSpPr>
+              <p:cNvPr id="11" name="TextBox 10"/>
+              <p:cNvSpPr txBox="1">
+                <a:spLocks noRot="1" noChangeAspect="1" noMove="1" noResize="1" noEditPoints="1" noAdjustHandles="1" noChangeArrowheads="1" noChangeShapeType="1" noTextEdit="1"/>
+              </p:cNvSpPr>
+              <p:nvPr/>
+            </p:nvSpPr>
+            <p:spPr>
+              <a:xfrm>
+                <a:off x="2187110" y="5331827"/>
+                <a:ext cx="962525" cy="646331"/>
+              </a:xfrm>
+              <a:prstGeom prst="rect">
+                <a:avLst/>
+              </a:prstGeom>
+              <a:blipFill rotWithShape="1">
+                <a:blip r:embed="rId7"/>
+                <a:stretch>
+                  <a:fillRect l="-633"/>
+                </a:stretch>
+              </a:blipFill>
+            </p:spPr>
+            <p:txBody>
+              <a:bodyPr/>
+              <a:lstStyle/>
+              <a:p>
+                <a:r>
+                  <a:rPr lang="ko-KR" altLang="en-US">
+                    <a:noFill/>
+                  </a:rPr>
+                  <a:t> </a:t>
+                </a:r>
+              </a:p>
+            </p:txBody>
+          </p:sp>
+        </mc:Fallback>
+      </mc:AlternateContent>
+      <p:cxnSp>
+        <p:nvCxnSpPr>
+          <p:cNvPr id="20" name="직선 화살표 연결선 19"/>
+          <p:cNvCxnSpPr/>
+          <p:nvPr/>
+        </p:nvCxnSpPr>
+        <p:spPr>
+          <a:xfrm flipH="1">
+            <a:off x="3210063" y="4695179"/>
+            <a:ext cx="507232" cy="656747"/>
+          </a:xfrm>
+          <a:prstGeom prst="straightConnector1">
+            <a:avLst/>
+          </a:prstGeom>
+          <a:ln w="57150">
+            <a:solidFill>
+              <a:srgbClr val="FF0000"/>
+            </a:solidFill>
+            <a:tailEnd type="arrow"/>
+          </a:ln>
+        </p:spPr>
+        <p:style>
+          <a:lnRef idx="1">
+            <a:schemeClr val="accent1"/>
+          </a:lnRef>
+          <a:fillRef idx="0">
+            <a:schemeClr val="accent1"/>
+          </a:fillRef>
+          <a:effectRef idx="0">
+            <a:schemeClr val="accent1"/>
+          </a:effectRef>
+          <a:fontRef idx="minor">
+            <a:schemeClr val="tx1"/>
+          </a:fontRef>
+        </p:style>
+      </p:cxnSp>
+    </p:spTree>
+    <p:extLst>
+      <p:ext uri="{BB962C8B-B14F-4D97-AF65-F5344CB8AC3E}">
+        <p14:creationId xmlns:p14="http://schemas.microsoft.com/office/powerpoint/2010/main" val="2152634138"/>
       </p:ext>
     </p:extLst>
   </p:cSld>

--- a/pics/2020-01-09-Bayes_rule/pics.pptx
+++ b/pics/2020-01-09-Bayes_rule/pics.pptx
@@ -6,8 +6,11 @@
   </p:sldMasterIdLst>
   <p:sldIdLst>
     <p:sldId id="256" r:id="rId2"/>
-    <p:sldId id="257" r:id="rId3"/>
-    <p:sldId id="258" r:id="rId4"/>
+    <p:sldId id="259" r:id="rId3"/>
+    <p:sldId id="257" r:id="rId4"/>
+    <p:sldId id="260" r:id="rId5"/>
+    <p:sldId id="258" r:id="rId6"/>
+    <p:sldId id="261" r:id="rId7"/>
   </p:sldIdLst>
   <p:sldSz cx="9144000" cy="6858000" type="screen4x3"/>
   <p:notesSz cx="6858000" cy="9144000"/>
@@ -106,6 +109,22 @@
       </a:defRPr>
     </a:lvl9pPr>
   </p:defaultTextStyle>
+  <p:extLst>
+    <p:ext uri="{EFAFB233-063F-42B5-8137-9DF3F51BA10A}">
+      <p15:sldGuideLst xmlns:p15="http://schemas.microsoft.com/office/powerpoint/2012/main">
+        <p15:guide id="1" orient="horz" pos="2160">
+          <p15:clr>
+            <a:srgbClr val="A4A3A4"/>
+          </p15:clr>
+        </p15:guide>
+        <p15:guide id="2" pos="2880">
+          <p15:clr>
+            <a:srgbClr val="A4A3A4"/>
+          </p15:clr>
+        </p15:guide>
+      </p15:sldGuideLst>
+    </p:ext>
+  </p:extLst>
 </p:presentation>
 </file>
 
@@ -147,10 +166,9 @@
           <a:lstStyle/>
           <a:p>
             <a:r>
-              <a:rPr lang="ko-KR" altLang="en-US" smtClean="0"/>
+              <a:rPr lang="ko-KR" altLang="en-US"/>
               <a:t>마스터 제목 스타일 편집</a:t>
             </a:r>
-            <a:endParaRPr lang="ko-KR" altLang="en-US"/>
           </a:p>
         </p:txBody>
       </p:sp>
@@ -266,10 +284,9 @@
           </a:lstStyle>
           <a:p>
             <a:r>
-              <a:rPr lang="ko-KR" altLang="en-US" smtClean="0"/>
+              <a:rPr lang="ko-KR" altLang="en-US"/>
               <a:t>마스터 부제목 스타일 편집</a:t>
             </a:r>
-            <a:endParaRPr lang="ko-KR" altLang="en-US"/>
           </a:p>
         </p:txBody>
       </p:sp>
@@ -290,7 +307,7 @@
           <a:p>
             <a:fld id="{8E561690-961C-4FE1-B366-F943BCBFD36F}" type="datetimeFigureOut">
               <a:rPr lang="ko-KR" altLang="en-US" smtClean="0"/>
-              <a:t>2020-01-10</a:t>
+              <a:t>2023-04-21</a:t>
             </a:fld>
             <a:endParaRPr lang="ko-KR" altLang="en-US"/>
           </a:p>
@@ -384,10 +401,9 @@
           <a:lstStyle/>
           <a:p>
             <a:r>
-              <a:rPr lang="ko-KR" altLang="en-US" smtClean="0"/>
+              <a:rPr lang="ko-KR" altLang="en-US"/>
               <a:t>마스터 제목 스타일 편집</a:t>
             </a:r>
-            <a:endParaRPr lang="ko-KR" altLang="en-US"/>
           </a:p>
         </p:txBody>
       </p:sp>
@@ -408,38 +424,37 @@
           <a:p>
             <a:pPr lvl="0"/>
             <a:r>
-              <a:rPr lang="ko-KR" altLang="en-US" smtClean="0"/>
+              <a:rPr lang="ko-KR" altLang="en-US"/>
               <a:t>마스터 텍스트 스타일을 편집합니다</a:t>
             </a:r>
           </a:p>
           <a:p>
             <a:pPr lvl="1"/>
             <a:r>
-              <a:rPr lang="ko-KR" altLang="en-US" smtClean="0"/>
+              <a:rPr lang="ko-KR" altLang="en-US"/>
               <a:t>둘째 수준</a:t>
             </a:r>
           </a:p>
           <a:p>
             <a:pPr lvl="2"/>
             <a:r>
-              <a:rPr lang="ko-KR" altLang="en-US" smtClean="0"/>
+              <a:rPr lang="ko-KR" altLang="en-US"/>
               <a:t>셋째 수준</a:t>
             </a:r>
           </a:p>
           <a:p>
             <a:pPr lvl="3"/>
             <a:r>
-              <a:rPr lang="ko-KR" altLang="en-US" smtClean="0"/>
+              <a:rPr lang="ko-KR" altLang="en-US"/>
               <a:t>넷째 수준</a:t>
             </a:r>
           </a:p>
           <a:p>
             <a:pPr lvl="4"/>
             <a:r>
-              <a:rPr lang="ko-KR" altLang="en-US" smtClean="0"/>
+              <a:rPr lang="ko-KR" altLang="en-US"/>
               <a:t>다섯째 수준</a:t>
             </a:r>
-            <a:endParaRPr lang="ko-KR" altLang="en-US"/>
           </a:p>
         </p:txBody>
       </p:sp>
@@ -460,7 +475,7 @@
           <a:p>
             <a:fld id="{8E561690-961C-4FE1-B366-F943BCBFD36F}" type="datetimeFigureOut">
               <a:rPr lang="ko-KR" altLang="en-US" smtClean="0"/>
-              <a:t>2020-01-10</a:t>
+              <a:t>2023-04-21</a:t>
             </a:fld>
             <a:endParaRPr lang="ko-KR" altLang="en-US"/>
           </a:p>
@@ -559,10 +574,9 @@
           <a:lstStyle/>
           <a:p>
             <a:r>
-              <a:rPr lang="ko-KR" altLang="en-US" smtClean="0"/>
+              <a:rPr lang="ko-KR" altLang="en-US"/>
               <a:t>마스터 제목 스타일 편집</a:t>
             </a:r>
-            <a:endParaRPr lang="ko-KR" altLang="en-US"/>
           </a:p>
         </p:txBody>
       </p:sp>
@@ -588,38 +602,37 @@
           <a:p>
             <a:pPr lvl="0"/>
             <a:r>
-              <a:rPr lang="ko-KR" altLang="en-US" smtClean="0"/>
+              <a:rPr lang="ko-KR" altLang="en-US"/>
               <a:t>마스터 텍스트 스타일을 편집합니다</a:t>
             </a:r>
           </a:p>
           <a:p>
             <a:pPr lvl="1"/>
             <a:r>
-              <a:rPr lang="ko-KR" altLang="en-US" smtClean="0"/>
+              <a:rPr lang="ko-KR" altLang="en-US"/>
               <a:t>둘째 수준</a:t>
             </a:r>
           </a:p>
           <a:p>
             <a:pPr lvl="2"/>
             <a:r>
-              <a:rPr lang="ko-KR" altLang="en-US" smtClean="0"/>
+              <a:rPr lang="ko-KR" altLang="en-US"/>
               <a:t>셋째 수준</a:t>
             </a:r>
           </a:p>
           <a:p>
             <a:pPr lvl="3"/>
             <a:r>
-              <a:rPr lang="ko-KR" altLang="en-US" smtClean="0"/>
+              <a:rPr lang="ko-KR" altLang="en-US"/>
               <a:t>넷째 수준</a:t>
             </a:r>
           </a:p>
           <a:p>
             <a:pPr lvl="4"/>
             <a:r>
-              <a:rPr lang="ko-KR" altLang="en-US" smtClean="0"/>
+              <a:rPr lang="ko-KR" altLang="en-US"/>
               <a:t>다섯째 수준</a:t>
             </a:r>
-            <a:endParaRPr lang="ko-KR" altLang="en-US"/>
           </a:p>
         </p:txBody>
       </p:sp>
@@ -640,7 +653,7 @@
           <a:p>
             <a:fld id="{8E561690-961C-4FE1-B366-F943BCBFD36F}" type="datetimeFigureOut">
               <a:rPr lang="ko-KR" altLang="en-US" smtClean="0"/>
-              <a:t>2020-01-10</a:t>
+              <a:t>2023-04-21</a:t>
             </a:fld>
             <a:endParaRPr lang="ko-KR" altLang="en-US"/>
           </a:p>
@@ -734,10 +747,9 @@
           <a:lstStyle/>
           <a:p>
             <a:r>
-              <a:rPr lang="ko-KR" altLang="en-US" smtClean="0"/>
+              <a:rPr lang="ko-KR" altLang="en-US"/>
               <a:t>마스터 제목 스타일 편집</a:t>
             </a:r>
-            <a:endParaRPr lang="ko-KR" altLang="en-US"/>
           </a:p>
         </p:txBody>
       </p:sp>
@@ -758,38 +770,37 @@
           <a:p>
             <a:pPr lvl="0"/>
             <a:r>
-              <a:rPr lang="ko-KR" altLang="en-US" smtClean="0"/>
+              <a:rPr lang="ko-KR" altLang="en-US"/>
               <a:t>마스터 텍스트 스타일을 편집합니다</a:t>
             </a:r>
           </a:p>
           <a:p>
             <a:pPr lvl="1"/>
             <a:r>
-              <a:rPr lang="ko-KR" altLang="en-US" smtClean="0"/>
+              <a:rPr lang="ko-KR" altLang="en-US"/>
               <a:t>둘째 수준</a:t>
             </a:r>
           </a:p>
           <a:p>
             <a:pPr lvl="2"/>
             <a:r>
-              <a:rPr lang="ko-KR" altLang="en-US" smtClean="0"/>
+              <a:rPr lang="ko-KR" altLang="en-US"/>
               <a:t>셋째 수준</a:t>
             </a:r>
           </a:p>
           <a:p>
             <a:pPr lvl="3"/>
             <a:r>
-              <a:rPr lang="ko-KR" altLang="en-US" smtClean="0"/>
+              <a:rPr lang="ko-KR" altLang="en-US"/>
               <a:t>넷째 수준</a:t>
             </a:r>
           </a:p>
           <a:p>
             <a:pPr lvl="4"/>
             <a:r>
-              <a:rPr lang="ko-KR" altLang="en-US" smtClean="0"/>
+              <a:rPr lang="ko-KR" altLang="en-US"/>
               <a:t>다섯째 수준</a:t>
             </a:r>
-            <a:endParaRPr lang="ko-KR" altLang="en-US"/>
           </a:p>
         </p:txBody>
       </p:sp>
@@ -810,7 +821,7 @@
           <a:p>
             <a:fld id="{8E561690-961C-4FE1-B366-F943BCBFD36F}" type="datetimeFigureOut">
               <a:rPr lang="ko-KR" altLang="en-US" smtClean="0"/>
-              <a:t>2020-01-10</a:t>
+              <a:t>2023-04-21</a:t>
             </a:fld>
             <a:endParaRPr lang="ko-KR" altLang="en-US"/>
           </a:p>
@@ -913,10 +924,9 @@
           </a:lstStyle>
           <a:p>
             <a:r>
-              <a:rPr lang="ko-KR" altLang="en-US" smtClean="0"/>
+              <a:rPr lang="ko-KR" altLang="en-US"/>
               <a:t>마스터 제목 스타일 편집</a:t>
             </a:r>
-            <a:endParaRPr lang="ko-KR" altLang="en-US"/>
           </a:p>
         </p:txBody>
       </p:sp>
@@ -1033,7 +1043,7 @@
           <a:p>
             <a:pPr lvl="0"/>
             <a:r>
-              <a:rPr lang="ko-KR" altLang="en-US" smtClean="0"/>
+              <a:rPr lang="ko-KR" altLang="en-US"/>
               <a:t>마스터 텍스트 스타일을 편집합니다</a:t>
             </a:r>
           </a:p>
@@ -1056,7 +1066,7 @@
           <a:p>
             <a:fld id="{8E561690-961C-4FE1-B366-F943BCBFD36F}" type="datetimeFigureOut">
               <a:rPr lang="ko-KR" altLang="en-US" smtClean="0"/>
-              <a:t>2020-01-10</a:t>
+              <a:t>2023-04-21</a:t>
             </a:fld>
             <a:endParaRPr lang="ko-KR" altLang="en-US"/>
           </a:p>
@@ -1150,10 +1160,9 @@
           <a:lstStyle/>
           <a:p>
             <a:r>
-              <a:rPr lang="ko-KR" altLang="en-US" smtClean="0"/>
+              <a:rPr lang="ko-KR" altLang="en-US"/>
               <a:t>마스터 제목 스타일 편집</a:t>
             </a:r>
-            <a:endParaRPr lang="ko-KR" altLang="en-US"/>
           </a:p>
         </p:txBody>
       </p:sp>
@@ -1207,38 +1216,37 @@
           <a:p>
             <a:pPr lvl="0"/>
             <a:r>
-              <a:rPr lang="ko-KR" altLang="en-US" smtClean="0"/>
+              <a:rPr lang="ko-KR" altLang="en-US"/>
               <a:t>마스터 텍스트 스타일을 편집합니다</a:t>
             </a:r>
           </a:p>
           <a:p>
             <a:pPr lvl="1"/>
             <a:r>
-              <a:rPr lang="ko-KR" altLang="en-US" smtClean="0"/>
+              <a:rPr lang="ko-KR" altLang="en-US"/>
               <a:t>둘째 수준</a:t>
             </a:r>
           </a:p>
           <a:p>
             <a:pPr lvl="2"/>
             <a:r>
-              <a:rPr lang="ko-KR" altLang="en-US" smtClean="0"/>
+              <a:rPr lang="ko-KR" altLang="en-US"/>
               <a:t>셋째 수준</a:t>
             </a:r>
           </a:p>
           <a:p>
             <a:pPr lvl="3"/>
             <a:r>
-              <a:rPr lang="ko-KR" altLang="en-US" smtClean="0"/>
+              <a:rPr lang="ko-KR" altLang="en-US"/>
               <a:t>넷째 수준</a:t>
             </a:r>
           </a:p>
           <a:p>
             <a:pPr lvl="4"/>
             <a:r>
-              <a:rPr lang="ko-KR" altLang="en-US" smtClean="0"/>
+              <a:rPr lang="ko-KR" altLang="en-US"/>
               <a:t>다섯째 수준</a:t>
             </a:r>
-            <a:endParaRPr lang="ko-KR" altLang="en-US"/>
           </a:p>
         </p:txBody>
       </p:sp>
@@ -1292,38 +1300,37 @@
           <a:p>
             <a:pPr lvl="0"/>
             <a:r>
-              <a:rPr lang="ko-KR" altLang="en-US" smtClean="0"/>
+              <a:rPr lang="ko-KR" altLang="en-US"/>
               <a:t>마스터 텍스트 스타일을 편집합니다</a:t>
             </a:r>
           </a:p>
           <a:p>
             <a:pPr lvl="1"/>
             <a:r>
-              <a:rPr lang="ko-KR" altLang="en-US" smtClean="0"/>
+              <a:rPr lang="ko-KR" altLang="en-US"/>
               <a:t>둘째 수준</a:t>
             </a:r>
           </a:p>
           <a:p>
             <a:pPr lvl="2"/>
             <a:r>
-              <a:rPr lang="ko-KR" altLang="en-US" smtClean="0"/>
+              <a:rPr lang="ko-KR" altLang="en-US"/>
               <a:t>셋째 수준</a:t>
             </a:r>
           </a:p>
           <a:p>
             <a:pPr lvl="3"/>
             <a:r>
-              <a:rPr lang="ko-KR" altLang="en-US" smtClean="0"/>
+              <a:rPr lang="ko-KR" altLang="en-US"/>
               <a:t>넷째 수준</a:t>
             </a:r>
           </a:p>
           <a:p>
             <a:pPr lvl="4"/>
             <a:r>
-              <a:rPr lang="ko-KR" altLang="en-US" smtClean="0"/>
+              <a:rPr lang="ko-KR" altLang="en-US"/>
               <a:t>다섯째 수준</a:t>
             </a:r>
-            <a:endParaRPr lang="ko-KR" altLang="en-US"/>
           </a:p>
         </p:txBody>
       </p:sp>
@@ -1344,7 +1351,7 @@
           <a:p>
             <a:fld id="{8E561690-961C-4FE1-B366-F943BCBFD36F}" type="datetimeFigureOut">
               <a:rPr lang="ko-KR" altLang="en-US" smtClean="0"/>
-              <a:t>2020-01-10</a:t>
+              <a:t>2023-04-21</a:t>
             </a:fld>
             <a:endParaRPr lang="ko-KR" altLang="en-US"/>
           </a:p>
@@ -1442,10 +1449,9 @@
           </a:lstStyle>
           <a:p>
             <a:r>
-              <a:rPr lang="ko-KR" altLang="en-US" smtClean="0"/>
+              <a:rPr lang="ko-KR" altLang="en-US"/>
               <a:t>마스터 제목 스타일 편집</a:t>
             </a:r>
-            <a:endParaRPr lang="ko-KR" altLang="en-US"/>
           </a:p>
         </p:txBody>
       </p:sp>
@@ -1508,7 +1514,7 @@
           <a:p>
             <a:pPr lvl="0"/>
             <a:r>
-              <a:rPr lang="ko-KR" altLang="en-US" smtClean="0"/>
+              <a:rPr lang="ko-KR" altLang="en-US"/>
               <a:t>마스터 텍스트 스타일을 편집합니다</a:t>
             </a:r>
           </a:p>
@@ -1564,38 +1570,37 @@
           <a:p>
             <a:pPr lvl="0"/>
             <a:r>
-              <a:rPr lang="ko-KR" altLang="en-US" smtClean="0"/>
+              <a:rPr lang="ko-KR" altLang="en-US"/>
               <a:t>마스터 텍스트 스타일을 편집합니다</a:t>
             </a:r>
           </a:p>
           <a:p>
             <a:pPr lvl="1"/>
             <a:r>
-              <a:rPr lang="ko-KR" altLang="en-US" smtClean="0"/>
+              <a:rPr lang="ko-KR" altLang="en-US"/>
               <a:t>둘째 수준</a:t>
             </a:r>
           </a:p>
           <a:p>
             <a:pPr lvl="2"/>
             <a:r>
-              <a:rPr lang="ko-KR" altLang="en-US" smtClean="0"/>
+              <a:rPr lang="ko-KR" altLang="en-US"/>
               <a:t>셋째 수준</a:t>
             </a:r>
           </a:p>
           <a:p>
             <a:pPr lvl="3"/>
             <a:r>
-              <a:rPr lang="ko-KR" altLang="en-US" smtClean="0"/>
+              <a:rPr lang="ko-KR" altLang="en-US"/>
               <a:t>넷째 수준</a:t>
             </a:r>
           </a:p>
           <a:p>
             <a:pPr lvl="4"/>
             <a:r>
-              <a:rPr lang="ko-KR" altLang="en-US" smtClean="0"/>
+              <a:rPr lang="ko-KR" altLang="en-US"/>
               <a:t>다섯째 수준</a:t>
             </a:r>
-            <a:endParaRPr lang="ko-KR" altLang="en-US"/>
           </a:p>
         </p:txBody>
       </p:sp>
@@ -1658,7 +1663,7 @@
           <a:p>
             <a:pPr lvl="0"/>
             <a:r>
-              <a:rPr lang="ko-KR" altLang="en-US" smtClean="0"/>
+              <a:rPr lang="ko-KR" altLang="en-US"/>
               <a:t>마스터 텍스트 스타일을 편집합니다</a:t>
             </a:r>
           </a:p>
@@ -1714,38 +1719,37 @@
           <a:p>
             <a:pPr lvl="0"/>
             <a:r>
-              <a:rPr lang="ko-KR" altLang="en-US" smtClean="0"/>
+              <a:rPr lang="ko-KR" altLang="en-US"/>
               <a:t>마스터 텍스트 스타일을 편집합니다</a:t>
             </a:r>
           </a:p>
           <a:p>
             <a:pPr lvl="1"/>
             <a:r>
-              <a:rPr lang="ko-KR" altLang="en-US" smtClean="0"/>
+              <a:rPr lang="ko-KR" altLang="en-US"/>
               <a:t>둘째 수준</a:t>
             </a:r>
           </a:p>
           <a:p>
             <a:pPr lvl="2"/>
             <a:r>
-              <a:rPr lang="ko-KR" altLang="en-US" smtClean="0"/>
+              <a:rPr lang="ko-KR" altLang="en-US"/>
               <a:t>셋째 수준</a:t>
             </a:r>
           </a:p>
           <a:p>
             <a:pPr lvl="3"/>
             <a:r>
-              <a:rPr lang="ko-KR" altLang="en-US" smtClean="0"/>
+              <a:rPr lang="ko-KR" altLang="en-US"/>
               <a:t>넷째 수준</a:t>
             </a:r>
           </a:p>
           <a:p>
             <a:pPr lvl="4"/>
             <a:r>
-              <a:rPr lang="ko-KR" altLang="en-US" smtClean="0"/>
+              <a:rPr lang="ko-KR" altLang="en-US"/>
               <a:t>다섯째 수준</a:t>
             </a:r>
-            <a:endParaRPr lang="ko-KR" altLang="en-US"/>
           </a:p>
         </p:txBody>
       </p:sp>
@@ -1766,7 +1770,7 @@
           <a:p>
             <a:fld id="{8E561690-961C-4FE1-B366-F943BCBFD36F}" type="datetimeFigureOut">
               <a:rPr lang="ko-KR" altLang="en-US" smtClean="0"/>
-              <a:t>2020-01-10</a:t>
+              <a:t>2023-04-21</a:t>
             </a:fld>
             <a:endParaRPr lang="ko-KR" altLang="en-US"/>
           </a:p>
@@ -1860,10 +1864,9 @@
           <a:lstStyle/>
           <a:p>
             <a:r>
-              <a:rPr lang="ko-KR" altLang="en-US" smtClean="0"/>
+              <a:rPr lang="ko-KR" altLang="en-US"/>
               <a:t>마스터 제목 스타일 편집</a:t>
             </a:r>
-            <a:endParaRPr lang="ko-KR" altLang="en-US"/>
           </a:p>
         </p:txBody>
       </p:sp>
@@ -1884,7 +1887,7 @@
           <a:p>
             <a:fld id="{8E561690-961C-4FE1-B366-F943BCBFD36F}" type="datetimeFigureOut">
               <a:rPr lang="ko-KR" altLang="en-US" smtClean="0"/>
-              <a:t>2020-01-10</a:t>
+              <a:t>2023-04-21</a:t>
             </a:fld>
             <a:endParaRPr lang="ko-KR" altLang="en-US"/>
           </a:p>
@@ -1979,7 +1982,7 @@
           <a:p>
             <a:fld id="{8E561690-961C-4FE1-B366-F943BCBFD36F}" type="datetimeFigureOut">
               <a:rPr lang="ko-KR" altLang="en-US" smtClean="0"/>
-              <a:t>2020-01-10</a:t>
+              <a:t>2023-04-21</a:t>
             </a:fld>
             <a:endParaRPr lang="ko-KR" altLang="en-US"/>
           </a:p>
@@ -2082,10 +2085,9 @@
           </a:lstStyle>
           <a:p>
             <a:r>
-              <a:rPr lang="ko-KR" altLang="en-US" smtClean="0"/>
+              <a:rPr lang="ko-KR" altLang="en-US"/>
               <a:t>마스터 제목 스타일 편집</a:t>
             </a:r>
-            <a:endParaRPr lang="ko-KR" altLang="en-US"/>
           </a:p>
         </p:txBody>
       </p:sp>
@@ -2139,38 +2141,37 @@
           <a:p>
             <a:pPr lvl="0"/>
             <a:r>
-              <a:rPr lang="ko-KR" altLang="en-US" smtClean="0"/>
+              <a:rPr lang="ko-KR" altLang="en-US"/>
               <a:t>마스터 텍스트 스타일을 편집합니다</a:t>
             </a:r>
           </a:p>
           <a:p>
             <a:pPr lvl="1"/>
             <a:r>
-              <a:rPr lang="ko-KR" altLang="en-US" smtClean="0"/>
+              <a:rPr lang="ko-KR" altLang="en-US"/>
               <a:t>둘째 수준</a:t>
             </a:r>
           </a:p>
           <a:p>
             <a:pPr lvl="2"/>
             <a:r>
-              <a:rPr lang="ko-KR" altLang="en-US" smtClean="0"/>
+              <a:rPr lang="ko-KR" altLang="en-US"/>
               <a:t>셋째 수준</a:t>
             </a:r>
           </a:p>
           <a:p>
             <a:pPr lvl="3"/>
             <a:r>
-              <a:rPr lang="ko-KR" altLang="en-US" smtClean="0"/>
+              <a:rPr lang="ko-KR" altLang="en-US"/>
               <a:t>넷째 수준</a:t>
             </a:r>
           </a:p>
           <a:p>
             <a:pPr lvl="4"/>
             <a:r>
-              <a:rPr lang="ko-KR" altLang="en-US" smtClean="0"/>
+              <a:rPr lang="ko-KR" altLang="en-US"/>
               <a:t>다섯째 수준</a:t>
             </a:r>
-            <a:endParaRPr lang="ko-KR" altLang="en-US"/>
           </a:p>
         </p:txBody>
       </p:sp>
@@ -2233,7 +2234,7 @@
           <a:p>
             <a:pPr lvl="0"/>
             <a:r>
-              <a:rPr lang="ko-KR" altLang="en-US" smtClean="0"/>
+              <a:rPr lang="ko-KR" altLang="en-US"/>
               <a:t>마스터 텍스트 스타일을 편집합니다</a:t>
             </a:r>
           </a:p>
@@ -2256,7 +2257,7 @@
           <a:p>
             <a:fld id="{8E561690-961C-4FE1-B366-F943BCBFD36F}" type="datetimeFigureOut">
               <a:rPr lang="ko-KR" altLang="en-US" smtClean="0"/>
-              <a:t>2020-01-10</a:t>
+              <a:t>2023-04-21</a:t>
             </a:fld>
             <a:endParaRPr lang="ko-KR" altLang="en-US"/>
           </a:p>
@@ -2359,10 +2360,9 @@
           </a:lstStyle>
           <a:p>
             <a:r>
-              <a:rPr lang="ko-KR" altLang="en-US" smtClean="0"/>
+              <a:rPr lang="ko-KR" altLang="en-US"/>
               <a:t>마스터 제목 스타일 편집</a:t>
             </a:r>
-            <a:endParaRPr lang="ko-KR" altLang="en-US"/>
           </a:p>
         </p:txBody>
       </p:sp>
@@ -2486,7 +2486,7 @@
           <a:p>
             <a:pPr lvl="0"/>
             <a:r>
-              <a:rPr lang="ko-KR" altLang="en-US" smtClean="0"/>
+              <a:rPr lang="ko-KR" altLang="en-US"/>
               <a:t>마스터 텍스트 스타일을 편집합니다</a:t>
             </a:r>
           </a:p>
@@ -2509,7 +2509,7 @@
           <a:p>
             <a:fld id="{8E561690-961C-4FE1-B366-F943BCBFD36F}" type="datetimeFigureOut">
               <a:rPr lang="ko-KR" altLang="en-US" smtClean="0"/>
-              <a:t>2020-01-10</a:t>
+              <a:t>2023-04-21</a:t>
             </a:fld>
             <a:endParaRPr lang="ko-KR" altLang="en-US"/>
           </a:p>
@@ -2618,10 +2618,9 @@
           <a:lstStyle/>
           <a:p>
             <a:r>
-              <a:rPr lang="ko-KR" altLang="en-US" smtClean="0"/>
+              <a:rPr lang="ko-KR" altLang="en-US"/>
               <a:t>마스터 제목 스타일 편집</a:t>
             </a:r>
-            <a:endParaRPr lang="ko-KR" altLang="en-US"/>
           </a:p>
         </p:txBody>
       </p:sp>
@@ -2652,38 +2651,37 @@
           <a:p>
             <a:pPr lvl="0"/>
             <a:r>
-              <a:rPr lang="ko-KR" altLang="en-US" smtClean="0"/>
+              <a:rPr lang="ko-KR" altLang="en-US"/>
               <a:t>마스터 텍스트 스타일을 편집합니다</a:t>
             </a:r>
           </a:p>
           <a:p>
             <a:pPr lvl="1"/>
             <a:r>
-              <a:rPr lang="ko-KR" altLang="en-US" smtClean="0"/>
+              <a:rPr lang="ko-KR" altLang="en-US"/>
               <a:t>둘째 수준</a:t>
             </a:r>
           </a:p>
           <a:p>
             <a:pPr lvl="2"/>
             <a:r>
-              <a:rPr lang="ko-KR" altLang="en-US" smtClean="0"/>
+              <a:rPr lang="ko-KR" altLang="en-US"/>
               <a:t>셋째 수준</a:t>
             </a:r>
           </a:p>
           <a:p>
             <a:pPr lvl="3"/>
             <a:r>
-              <a:rPr lang="ko-KR" altLang="en-US" smtClean="0"/>
+              <a:rPr lang="ko-KR" altLang="en-US"/>
               <a:t>넷째 수준</a:t>
             </a:r>
           </a:p>
           <a:p>
             <a:pPr lvl="4"/>
             <a:r>
-              <a:rPr lang="ko-KR" altLang="en-US" smtClean="0"/>
+              <a:rPr lang="ko-KR" altLang="en-US"/>
               <a:t>다섯째 수준</a:t>
             </a:r>
-            <a:endParaRPr lang="ko-KR" altLang="en-US"/>
           </a:p>
         </p:txBody>
       </p:sp>
@@ -2722,7 +2720,7 @@
           <a:p>
             <a:fld id="{8E561690-961C-4FE1-B366-F943BCBFD36F}" type="datetimeFigureOut">
               <a:rPr lang="ko-KR" altLang="en-US" smtClean="0"/>
-              <a:t>2020-01-10</a:t>
+              <a:t>2023-04-21</a:t>
             </a:fld>
             <a:endParaRPr lang="ko-KR" altLang="en-US"/>
           </a:p>
@@ -3138,7 +3136,7 @@
                         <m:dPr>
                           <m:ctrlPr>
                             <a:rPr lang="en-US" altLang="ko-KR" sz="4800" i="1" smtClean="0">
-                              <a:latin typeface="Cambria Math"/>
+                              <a:latin typeface="Cambria Math" panose="02040503050406030204" pitchFamily="18" charset="0"/>
                             </a:rPr>
                           </m:ctrlPr>
                         </m:dPr>
@@ -3169,7 +3167,7 @@
                         <m:fPr>
                           <m:ctrlPr>
                             <a:rPr lang="en-US" altLang="ko-KR" sz="4800" i="1" smtClean="0">
-                              <a:latin typeface="Cambria Math"/>
+                              <a:latin typeface="Cambria Math" panose="02040503050406030204" pitchFamily="18" charset="0"/>
                             </a:rPr>
                           </m:ctrlPr>
                         </m:fPr>
@@ -3184,7 +3182,7 @@
                             <m:dPr>
                               <m:ctrlPr>
                                 <a:rPr lang="en-US" altLang="ko-KR" sz="4800" i="1" smtClean="0">
-                                  <a:latin typeface="Cambria Math"/>
+                                  <a:latin typeface="Cambria Math" panose="02040503050406030204" pitchFamily="18" charset="0"/>
                                 </a:rPr>
                               </m:ctrlPr>
                             </m:dPr>
@@ -3430,15 +3428,15 @@
           <a:p>
             <a:pPr algn="ctr"/>
             <a:r>
-              <a:rPr lang="ko-KR" altLang="en-US" dirty="0" smtClean="0"/>
+              <a:rPr lang="ko-KR" altLang="en-US" dirty="0"/>
               <a:t>사후 확률</a:t>
             </a:r>
-            <a:endParaRPr lang="en-US" altLang="ko-KR" dirty="0" smtClean="0"/>
+            <a:endParaRPr lang="en-US" altLang="ko-KR" dirty="0"/>
           </a:p>
           <a:p>
             <a:pPr algn="ctr"/>
             <a:r>
-              <a:rPr lang="en-US" altLang="ko-KR" dirty="0" smtClean="0"/>
+              <a:rPr lang="en-US" altLang="ko-KR" dirty="0"/>
               <a:t>(posterior)</a:t>
             </a:r>
             <a:endParaRPr lang="ko-KR" altLang="en-US" dirty="0"/>
@@ -3469,23 +3467,15 @@
           <a:p>
             <a:pPr algn="ctr"/>
             <a:r>
-              <a:rPr lang="ko-KR" altLang="en-US" dirty="0" smtClean="0"/>
-              <a:t>사</a:t>
-            </a:r>
-            <a:r>
               <a:rPr lang="ko-KR" altLang="en-US" dirty="0"/>
-              <a:t>전</a:t>
-            </a:r>
-            <a:r>
-              <a:rPr lang="ko-KR" altLang="en-US" dirty="0" smtClean="0"/>
-              <a:t> 확률</a:t>
-            </a:r>
-            <a:endParaRPr lang="en-US" altLang="ko-KR" dirty="0" smtClean="0"/>
+              <a:t>사전 확률</a:t>
+            </a:r>
+            <a:endParaRPr lang="en-US" altLang="ko-KR" dirty="0"/>
           </a:p>
           <a:p>
             <a:pPr algn="ctr"/>
             <a:r>
-              <a:rPr lang="en-US" altLang="ko-KR" dirty="0" smtClean="0"/>
+              <a:rPr lang="en-US" altLang="ko-KR" dirty="0"/>
               <a:t>(prior)</a:t>
             </a:r>
             <a:endParaRPr lang="ko-KR" altLang="en-US" dirty="0"/>
@@ -3502,17 +3492,417 @@
   <p:clrMapOvr>
     <a:masterClrMapping/>
   </p:clrMapOvr>
-  <p:timing>
-    <p:tnLst>
-      <p:par>
-        <p:cTn id="1" dur="indefinite" restart="never" nodeType="tmRoot"/>
-      </p:par>
-    </p:tnLst>
-  </p:timing>
 </p:sld>
 </file>
 
 <file path=ppt/slides/slide2.xml><?xml version="1.0" encoding="utf-8"?>
+<p:sld xmlns:a="http://schemas.openxmlformats.org/drawingml/2006/main" xmlns:r="http://schemas.openxmlformats.org/officeDocument/2006/relationships" xmlns:p="http://schemas.openxmlformats.org/presentationml/2006/main">
+  <p:cSld>
+    <p:spTree>
+      <p:nvGrpSpPr>
+        <p:cNvPr id="1" name=""/>
+        <p:cNvGrpSpPr/>
+        <p:nvPr/>
+      </p:nvGrpSpPr>
+      <p:grpSpPr>
+        <a:xfrm>
+          <a:off x="0" y="0"/>
+          <a:ext cx="0" cy="0"/>
+          <a:chOff x="0" y="0"/>
+          <a:chExt cx="0" cy="0"/>
+        </a:xfrm>
+      </p:grpSpPr>
+      <mc:AlternateContent xmlns:mc="http://schemas.openxmlformats.org/markup-compatibility/2006" xmlns:a14="http://schemas.microsoft.com/office/drawing/2010/main">
+        <mc:Choice Requires="a14">
+          <p:sp>
+            <p:nvSpPr>
+              <p:cNvPr id="4" name="TextBox 3"/>
+              <p:cNvSpPr txBox="1"/>
+              <p:nvPr/>
+            </p:nvSpPr>
+            <p:spPr>
+              <a:xfrm>
+                <a:off x="1242531" y="2600536"/>
+                <a:ext cx="6658938" cy="1656928"/>
+              </a:xfrm>
+              <a:prstGeom prst="rect">
+                <a:avLst/>
+              </a:prstGeom>
+              <a:noFill/>
+            </p:spPr>
+            <p:txBody>
+              <a:bodyPr wrap="none" rtlCol="0">
+                <a:spAutoFit/>
+              </a:bodyPr>
+              <a:lstStyle/>
+              <a:p>
+                <a:pPr/>
+                <a14:m>
+                  <m:oMathPara xmlns:m="http://schemas.openxmlformats.org/officeDocument/2006/math">
+                    <m:oMathParaPr>
+                      <m:jc m:val="center"/>
+                    </m:oMathParaPr>
+                    <m:oMath xmlns:m="http://schemas.openxmlformats.org/officeDocument/2006/math">
+                      <m:r>
+                        <a:rPr lang="en-US" altLang="ko-KR" sz="4800" b="0" i="1" smtClean="0">
+                          <a:latin typeface="Cambria Math"/>
+                        </a:rPr>
+                        <m:t>𝑃</m:t>
+                      </m:r>
+                      <m:d>
+                        <m:dPr>
+                          <m:ctrlPr>
+                            <a:rPr lang="en-US" altLang="ko-KR" sz="4800" i="1" smtClean="0">
+                              <a:latin typeface="Cambria Math" panose="02040503050406030204" pitchFamily="18" charset="0"/>
+                            </a:rPr>
+                          </m:ctrlPr>
+                        </m:dPr>
+                        <m:e>
+                          <m:r>
+                            <a:rPr lang="en-US" altLang="ko-KR" sz="4800" b="0" i="1" smtClean="0">
+                              <a:latin typeface="Cambria Math"/>
+                            </a:rPr>
+                            <m:t>𝐻</m:t>
+                          </m:r>
+                        </m:e>
+                        <m:e>
+                          <m:r>
+                            <a:rPr lang="en-US" altLang="ko-KR" sz="4800" b="0" i="1" smtClean="0">
+                              <a:latin typeface="Cambria Math"/>
+                            </a:rPr>
+                            <m:t>𝐸</m:t>
+                          </m:r>
+                        </m:e>
+                      </m:d>
+                      <m:r>
+                        <a:rPr lang="en-US" altLang="ko-KR" sz="4800" b="0" i="1" smtClean="0">
+                          <a:latin typeface="Cambria Math"/>
+                        </a:rPr>
+                        <m:t>=</m:t>
+                      </m:r>
+                      <m:f>
+                        <m:fPr>
+                          <m:ctrlPr>
+                            <a:rPr lang="en-US" altLang="ko-KR" sz="4800" i="1" smtClean="0">
+                              <a:latin typeface="Cambria Math" panose="02040503050406030204" pitchFamily="18" charset="0"/>
+                            </a:rPr>
+                          </m:ctrlPr>
+                        </m:fPr>
+                        <m:num>
+                          <m:r>
+                            <a:rPr lang="en-US" altLang="ko-KR" sz="4800" b="0" i="1" smtClean="0">
+                              <a:latin typeface="Cambria Math"/>
+                            </a:rPr>
+                            <m:t>𝑃</m:t>
+                          </m:r>
+                          <m:d>
+                            <m:dPr>
+                              <m:ctrlPr>
+                                <a:rPr lang="en-US" altLang="ko-KR" sz="4800" i="1" smtClean="0">
+                                  <a:latin typeface="Cambria Math" panose="02040503050406030204" pitchFamily="18" charset="0"/>
+                                </a:rPr>
+                              </m:ctrlPr>
+                            </m:dPr>
+                            <m:e>
+                              <m:r>
+                                <a:rPr lang="en-US" altLang="ko-KR" sz="4800" b="0" i="1" smtClean="0">
+                                  <a:latin typeface="Cambria Math"/>
+                                </a:rPr>
+                                <m:t>𝐸</m:t>
+                              </m:r>
+                            </m:e>
+                            <m:e>
+                              <m:r>
+                                <a:rPr lang="en-US" altLang="ko-KR" sz="4800" b="0" i="1" smtClean="0">
+                                  <a:latin typeface="Cambria Math"/>
+                                </a:rPr>
+                                <m:t>𝐻</m:t>
+                              </m:r>
+                            </m:e>
+                          </m:d>
+                          <m:r>
+                            <a:rPr lang="en-US" altLang="ko-KR" sz="4800" b="0" i="1" smtClean="0">
+                              <a:latin typeface="Cambria Math"/>
+                            </a:rPr>
+                            <m:t>𝑃</m:t>
+                          </m:r>
+                          <m:r>
+                            <a:rPr lang="en-US" altLang="ko-KR" sz="4800" b="0" i="1" smtClean="0">
+                              <a:latin typeface="Cambria Math"/>
+                            </a:rPr>
+                            <m:t>(</m:t>
+                          </m:r>
+                          <m:r>
+                            <a:rPr lang="en-US" altLang="ko-KR" sz="4800" b="0" i="1" smtClean="0">
+                              <a:latin typeface="Cambria Math"/>
+                            </a:rPr>
+                            <m:t>𝐻</m:t>
+                          </m:r>
+                          <m:r>
+                            <a:rPr lang="en-US" altLang="ko-KR" sz="4800" b="0" i="1" smtClean="0">
+                              <a:latin typeface="Cambria Math"/>
+                            </a:rPr>
+                            <m:t>)</m:t>
+                          </m:r>
+                        </m:num>
+                        <m:den>
+                          <m:r>
+                            <a:rPr lang="en-US" altLang="ko-KR" sz="4800" b="0" i="1" smtClean="0">
+                              <a:latin typeface="Cambria Math"/>
+                            </a:rPr>
+                            <m:t>𝑃</m:t>
+                          </m:r>
+                          <m:r>
+                            <a:rPr lang="en-US" altLang="ko-KR" sz="4800" b="0" i="1" smtClean="0">
+                              <a:latin typeface="Cambria Math"/>
+                            </a:rPr>
+                            <m:t>(</m:t>
+                          </m:r>
+                          <m:r>
+                            <a:rPr lang="en-US" altLang="ko-KR" sz="4800" b="0" i="1" smtClean="0">
+                              <a:latin typeface="Cambria Math"/>
+                            </a:rPr>
+                            <m:t>𝐸</m:t>
+                          </m:r>
+                          <m:r>
+                            <a:rPr lang="en-US" altLang="ko-KR" sz="4800" b="0" i="1" smtClean="0">
+                              <a:latin typeface="Cambria Math"/>
+                            </a:rPr>
+                            <m:t>)</m:t>
+                          </m:r>
+                        </m:den>
+                      </m:f>
+                    </m:oMath>
+                  </m:oMathPara>
+                </a14:m>
+                <a:endParaRPr lang="ko-KR" altLang="en-US" sz="4800" dirty="0"/>
+              </a:p>
+            </p:txBody>
+          </p:sp>
+        </mc:Choice>
+        <mc:Fallback xmlns="">
+          <p:sp>
+            <p:nvSpPr>
+              <p:cNvPr id="4" name="TextBox 3"/>
+              <p:cNvSpPr txBox="1">
+                <a:spLocks noRot="1" noChangeAspect="1" noMove="1" noResize="1" noEditPoints="1" noAdjustHandles="1" noChangeArrowheads="1" noChangeShapeType="1" noTextEdit="1"/>
+              </p:cNvSpPr>
+              <p:nvPr/>
+            </p:nvSpPr>
+            <p:spPr>
+              <a:xfrm>
+                <a:off x="1242531" y="2600536"/>
+                <a:ext cx="6658938" cy="1656928"/>
+              </a:xfrm>
+              <a:prstGeom prst="rect">
+                <a:avLst/>
+              </a:prstGeom>
+              <a:blipFill rotWithShape="1">
+                <a:blip r:embed="rId2"/>
+                <a:stretch>
+                  <a:fillRect/>
+                </a:stretch>
+              </a:blipFill>
+            </p:spPr>
+            <p:txBody>
+              <a:bodyPr/>
+              <a:lstStyle/>
+              <a:p>
+                <a:r>
+                  <a:rPr lang="ko-KR" altLang="en-US">
+                    <a:noFill/>
+                  </a:rPr>
+                  <a:t> </a:t>
+                </a:r>
+              </a:p>
+            </p:txBody>
+          </p:sp>
+        </mc:Fallback>
+      </mc:AlternateContent>
+      <p:sp>
+        <p:nvSpPr>
+          <p:cNvPr id="7" name="직사각형 6"/>
+          <p:cNvSpPr/>
+          <p:nvPr/>
+        </p:nvSpPr>
+        <p:spPr>
+          <a:xfrm>
+            <a:off x="1377770" y="3005578"/>
+            <a:ext cx="2160240" cy="936104"/>
+          </a:xfrm>
+          <a:prstGeom prst="rect">
+            <a:avLst/>
+          </a:prstGeom>
+          <a:solidFill>
+            <a:schemeClr val="accent6">
+              <a:alpha val="20000"/>
+            </a:schemeClr>
+          </a:solidFill>
+          <a:ln>
+            <a:solidFill>
+              <a:srgbClr val="FF0000"/>
+            </a:solidFill>
+            <a:prstDash val="dash"/>
+          </a:ln>
+        </p:spPr>
+        <p:style>
+          <a:lnRef idx="2">
+            <a:schemeClr val="accent1">
+              <a:shade val="50000"/>
+            </a:schemeClr>
+          </a:lnRef>
+          <a:fillRef idx="1">
+            <a:schemeClr val="accent1"/>
+          </a:fillRef>
+          <a:effectRef idx="0">
+            <a:schemeClr val="accent1"/>
+          </a:effectRef>
+          <a:fontRef idx="minor">
+            <a:schemeClr val="lt1"/>
+          </a:fontRef>
+        </p:style>
+        <p:txBody>
+          <a:bodyPr rtlCol="0" anchor="ctr"/>
+          <a:lstStyle/>
+          <a:p>
+            <a:pPr algn="ctr"/>
+            <a:endParaRPr lang="ko-KR" altLang="en-US"/>
+          </a:p>
+        </p:txBody>
+      </p:sp>
+      <p:sp>
+        <p:nvSpPr>
+          <p:cNvPr id="8" name="직사각형 7"/>
+          <p:cNvSpPr/>
+          <p:nvPr/>
+        </p:nvSpPr>
+        <p:spPr>
+          <a:xfrm>
+            <a:off x="6212371" y="2654164"/>
+            <a:ext cx="1383965" cy="720080"/>
+          </a:xfrm>
+          <a:prstGeom prst="rect">
+            <a:avLst/>
+          </a:prstGeom>
+          <a:solidFill>
+            <a:schemeClr val="accent1">
+              <a:alpha val="20000"/>
+            </a:schemeClr>
+          </a:solidFill>
+          <a:ln>
+            <a:solidFill>
+              <a:srgbClr val="00B0F0"/>
+            </a:solidFill>
+            <a:prstDash val="dash"/>
+          </a:ln>
+        </p:spPr>
+        <p:style>
+          <a:lnRef idx="2">
+            <a:schemeClr val="accent1">
+              <a:shade val="50000"/>
+            </a:schemeClr>
+          </a:lnRef>
+          <a:fillRef idx="1">
+            <a:schemeClr val="accent1"/>
+          </a:fillRef>
+          <a:effectRef idx="0">
+            <a:schemeClr val="accent1"/>
+          </a:effectRef>
+          <a:fontRef idx="minor">
+            <a:schemeClr val="lt1"/>
+          </a:fontRef>
+        </p:style>
+        <p:txBody>
+          <a:bodyPr rtlCol="0" anchor="ctr"/>
+          <a:lstStyle/>
+          <a:p>
+            <a:pPr algn="ctr"/>
+            <a:endParaRPr lang="ko-KR" altLang="en-US"/>
+          </a:p>
+        </p:txBody>
+      </p:sp>
+      <p:sp>
+        <p:nvSpPr>
+          <p:cNvPr id="9" name="TextBox 8"/>
+          <p:cNvSpPr txBox="1"/>
+          <p:nvPr/>
+        </p:nvSpPr>
+        <p:spPr>
+          <a:xfrm>
+            <a:off x="1814188" y="4005064"/>
+            <a:ext cx="1287405" cy="646331"/>
+          </a:xfrm>
+          <a:prstGeom prst="rect">
+            <a:avLst/>
+          </a:prstGeom>
+          <a:noFill/>
+        </p:spPr>
+        <p:txBody>
+          <a:bodyPr wrap="none" rtlCol="0">
+            <a:spAutoFit/>
+          </a:bodyPr>
+          <a:lstStyle/>
+          <a:p>
+            <a:pPr algn="ctr"/>
+            <a:r>
+              <a:rPr lang="en-US" altLang="ko-KR" dirty="0"/>
+              <a:t>Posterior</a:t>
+            </a:r>
+          </a:p>
+          <a:p>
+            <a:pPr algn="ctr"/>
+            <a:r>
+              <a:rPr lang="en-US" altLang="ko-KR" dirty="0"/>
+              <a:t>Probability</a:t>
+            </a:r>
+            <a:endParaRPr lang="ko-KR" altLang="en-US" dirty="0"/>
+          </a:p>
+        </p:txBody>
+      </p:sp>
+      <p:sp>
+        <p:nvSpPr>
+          <p:cNvPr id="10" name="TextBox 9"/>
+          <p:cNvSpPr txBox="1"/>
+          <p:nvPr/>
+        </p:nvSpPr>
+        <p:spPr>
+          <a:xfrm>
+            <a:off x="6012160" y="2267580"/>
+            <a:ext cx="1858074" cy="369332"/>
+          </a:xfrm>
+          <a:prstGeom prst="rect">
+            <a:avLst/>
+          </a:prstGeom>
+          <a:noFill/>
+        </p:spPr>
+        <p:txBody>
+          <a:bodyPr wrap="none" rtlCol="0">
+            <a:spAutoFit/>
+          </a:bodyPr>
+          <a:lstStyle/>
+          <a:p>
+            <a:pPr algn="ctr"/>
+            <a:r>
+              <a:rPr lang="en-US" altLang="ko-KR" dirty="0"/>
+              <a:t>Prior Probability</a:t>
+            </a:r>
+          </a:p>
+        </p:txBody>
+      </p:sp>
+    </p:spTree>
+    <p:extLst>
+      <p:ext uri="{BB962C8B-B14F-4D97-AF65-F5344CB8AC3E}">
+        <p14:creationId xmlns:p14="http://schemas.microsoft.com/office/powerpoint/2010/main" val="1601394652"/>
+      </p:ext>
+    </p:extLst>
+  </p:cSld>
+  <p:clrMapOvr>
+    <a:masterClrMapping/>
+  </p:clrMapOvr>
+</p:sld>
+</file>
+
+<file path=ppt/slides/slide3.xml><?xml version="1.0" encoding="utf-8"?>
 <p:sld xmlns:a="http://schemas.openxmlformats.org/drawingml/2006/main" xmlns:r="http://schemas.openxmlformats.org/officeDocument/2006/relationships" xmlns:p="http://schemas.openxmlformats.org/presentationml/2006/main">
   <p:cSld>
     <p:spTree>
@@ -3570,7 +3960,7 @@
                         <m:dPr>
                           <m:ctrlPr>
                             <a:rPr lang="en-US" altLang="ko-KR" b="0" i="1" smtClean="0">
-                              <a:latin typeface="Cambria Math"/>
+                              <a:latin typeface="Cambria Math" panose="02040503050406030204" pitchFamily="18" charset="0"/>
                             </a:rPr>
                           </m:ctrlPr>
                         </m:dPr>
@@ -3586,7 +3976,7 @@
                     </m:oMath>
                   </m:oMathPara>
                 </a14:m>
-                <a:endParaRPr lang="en-US" altLang="ko-KR" b="0" dirty="0" smtClean="0"/>
+                <a:endParaRPr lang="en-US" altLang="ko-KR" b="0" dirty="0"/>
               </a:p>
               <a:p>
                 <a:pPr algn="ctr"/>
@@ -3690,7 +4080,7 @@
                         <m:dPr>
                           <m:ctrlPr>
                             <a:rPr lang="en-US" altLang="ko-KR" b="0" i="1" smtClean="0">
-                              <a:latin typeface="Cambria Math"/>
+                              <a:latin typeface="Cambria Math" panose="02040503050406030204" pitchFamily="18" charset="0"/>
                             </a:rPr>
                           </m:ctrlPr>
                         </m:dPr>
@@ -3699,7 +4089,7 @@
                             <m:sSupPr>
                               <m:ctrlPr>
                                 <a:rPr lang="en-US" altLang="ko-KR" b="0" i="1" smtClean="0">
-                                  <a:latin typeface="Cambria Math"/>
+                                  <a:latin typeface="Cambria Math" panose="02040503050406030204" pitchFamily="18" charset="0"/>
                                 </a:rPr>
                               </m:ctrlPr>
                             </m:sSupPr>
@@ -3725,7 +4115,7 @@
                     </m:oMath>
                   </m:oMathPara>
                 </a14:m>
-                <a:endParaRPr lang="en-US" altLang="ko-KR" b="0" dirty="0" smtClean="0"/>
+                <a:endParaRPr lang="en-US" altLang="ko-KR" b="0" dirty="0"/>
               </a:p>
               <a:p>
                 <a:pPr algn="ctr"/>
@@ -3858,7 +4248,7 @@
                     </m:oMath>
                   </m:oMathPara>
                 </a14:m>
-                <a:endParaRPr lang="en-US" altLang="ko-KR" dirty="0" smtClean="0"/>
+                <a:endParaRPr lang="en-US" altLang="ko-KR" dirty="0"/>
               </a:p>
               <a:p>
                 <a:pPr/>
@@ -4306,7 +4696,7 @@
                         <m:dPr>
                           <m:ctrlPr>
                             <a:rPr lang="en-US" altLang="ko-KR" b="0" i="1" smtClean="0">
-                              <a:latin typeface="Cambria Math"/>
+                              <a:latin typeface="Cambria Math" panose="02040503050406030204" pitchFamily="18" charset="0"/>
                             </a:rPr>
                           </m:ctrlPr>
                         </m:dPr>
@@ -4323,7 +4713,7 @@
                             <m:sSupPr>
                               <m:ctrlPr>
                                 <a:rPr lang="en-US" altLang="ko-KR" b="0" i="1" smtClean="0">
-                                  <a:latin typeface="Cambria Math"/>
+                                  <a:latin typeface="Cambria Math" panose="02040503050406030204" pitchFamily="18" charset="0"/>
                                 </a:rPr>
                               </m:ctrlPr>
                             </m:sSupPr>
@@ -4349,7 +4739,7 @@
                     </m:oMath>
                   </m:oMathPara>
                 </a14:m>
-                <a:endParaRPr lang="en-US" altLang="ko-KR" b="0" dirty="0" smtClean="0"/>
+                <a:endParaRPr lang="en-US" altLang="ko-KR" b="0" dirty="0"/>
               </a:p>
               <a:p>
                 <a:pPr/>
@@ -4553,7 +4943,7 @@
                         <m:sSupPr>
                           <m:ctrlPr>
                             <a:rPr lang="en-US" altLang="ko-KR" b="0" i="1" dirty="0" smtClean="0">
-                              <a:latin typeface="Cambria Math"/>
+                              <a:latin typeface="Cambria Math" panose="02040503050406030204" pitchFamily="18" charset="0"/>
                             </a:rPr>
                           </m:ctrlPr>
                         </m:sSupPr>
@@ -4584,7 +4974,7 @@
                         <m:sSupPr>
                           <m:ctrlPr>
                             <a:rPr lang="en-US" altLang="ko-KR" b="0" i="1" dirty="0" smtClean="0">
-                              <a:latin typeface="Cambria Math"/>
+                              <a:latin typeface="Cambria Math" panose="02040503050406030204" pitchFamily="18" charset="0"/>
                             </a:rPr>
                           </m:ctrlPr>
                         </m:sSupPr>
@@ -4614,7 +5004,7 @@
                     </m:oMath>
                   </m:oMathPara>
                 </a14:m>
-                <a:endParaRPr lang="en-US" altLang="ko-KR" dirty="0" smtClean="0"/>
+                <a:endParaRPr lang="en-US" altLang="ko-KR" dirty="0"/>
               </a:p>
               <a:p>
                 <a:pPr/>
@@ -4760,14 +5150,14 @@
           <a:p>
             <a:pPr algn="ctr"/>
             <a:r>
-              <a:rPr lang="ko-KR" altLang="en-US" sz="1600" b="1" dirty="0" smtClean="0">
+              <a:rPr lang="ko-KR" altLang="en-US" sz="1600" b="1" dirty="0">
                 <a:solidFill>
                   <a:schemeClr val="accent1"/>
                 </a:solidFill>
               </a:rPr>
               <a:t>민감도</a:t>
             </a:r>
-            <a:endParaRPr lang="en-US" altLang="ko-KR" sz="1600" b="1" dirty="0" smtClean="0">
+            <a:endParaRPr lang="en-US" altLang="ko-KR" sz="1600" b="1" dirty="0">
               <a:solidFill>
                 <a:schemeClr val="accent1"/>
               </a:solidFill>
@@ -4776,7 +5166,7 @@
           <a:p>
             <a:pPr algn="ctr"/>
             <a:r>
-              <a:rPr lang="en-US" altLang="ko-KR" sz="1600" b="1" dirty="0" smtClean="0">
+              <a:rPr lang="en-US" altLang="ko-KR" sz="1600" b="1" dirty="0">
                 <a:solidFill>
                   <a:schemeClr val="accent1"/>
                 </a:solidFill>
@@ -4817,22 +5207,14 @@
           <a:p>
             <a:pPr algn="ctr"/>
             <a:r>
-              <a:rPr lang="ko-KR" altLang="en-US" sz="1600" b="1" dirty="0" smtClean="0">
-                <a:solidFill>
-                  <a:srgbClr val="C00000"/>
-                </a:solidFill>
-              </a:rPr>
-              <a:t>특이</a:t>
-            </a:r>
-            <a:r>
               <a:rPr lang="ko-KR" altLang="en-US" sz="1600" b="1" dirty="0">
                 <a:solidFill>
                   <a:srgbClr val="C00000"/>
                 </a:solidFill>
               </a:rPr>
-              <a:t>도</a:t>
-            </a:r>
-            <a:endParaRPr lang="en-US" altLang="ko-KR" sz="1600" b="1" dirty="0" smtClean="0">
+              <a:t>특이도</a:t>
+            </a:r>
+            <a:endParaRPr lang="en-US" altLang="ko-KR" sz="1600" b="1" dirty="0">
               <a:solidFill>
                 <a:srgbClr val="C00000"/>
               </a:solidFill>
@@ -4841,7 +5223,7 @@
           <a:p>
             <a:pPr algn="ctr"/>
             <a:r>
-              <a:rPr lang="en-US" altLang="ko-KR" sz="1600" b="1" dirty="0" smtClean="0">
+              <a:rPr lang="en-US" altLang="ko-KR" sz="1600" b="1" dirty="0">
                 <a:solidFill>
                   <a:srgbClr val="C00000"/>
                 </a:solidFill>
@@ -5124,14 +5506,14 @@
           <a:p>
             <a:pPr algn="ctr"/>
             <a:r>
-              <a:rPr lang="en-US" altLang="ko-KR" dirty="0" smtClean="0"/>
+              <a:rPr lang="en-US" altLang="ko-KR" dirty="0"/>
               <a:t>True</a:t>
             </a:r>
           </a:p>
           <a:p>
             <a:pPr algn="ctr"/>
             <a:r>
-              <a:rPr lang="en-US" altLang="ko-KR" dirty="0" smtClean="0"/>
+              <a:rPr lang="en-US" altLang="ko-KR" dirty="0"/>
               <a:t>Positive</a:t>
             </a:r>
             <a:endParaRPr lang="ko-KR" altLang="en-US" dirty="0"/>
@@ -5162,14 +5544,14 @@
           <a:p>
             <a:pPr algn="ctr"/>
             <a:r>
-              <a:rPr lang="en-US" altLang="ko-KR" dirty="0" smtClean="0"/>
+              <a:rPr lang="en-US" altLang="ko-KR" dirty="0"/>
               <a:t>True</a:t>
             </a:r>
           </a:p>
           <a:p>
             <a:pPr algn="ctr"/>
             <a:r>
-              <a:rPr lang="en-US" altLang="ko-KR" dirty="0" smtClean="0"/>
+              <a:rPr lang="en-US" altLang="ko-KR" dirty="0"/>
               <a:t>Negative</a:t>
             </a:r>
             <a:endParaRPr lang="ko-KR" altLang="en-US" dirty="0"/>
@@ -5200,14 +5582,14 @@
           <a:p>
             <a:pPr algn="ctr"/>
             <a:r>
-              <a:rPr lang="en-US" altLang="ko-KR" dirty="0" smtClean="0"/>
+              <a:rPr lang="en-US" altLang="ko-KR" dirty="0"/>
               <a:t>False</a:t>
             </a:r>
           </a:p>
           <a:p>
             <a:pPr algn="ctr"/>
             <a:r>
-              <a:rPr lang="en-US" altLang="ko-KR" dirty="0" smtClean="0"/>
+              <a:rPr lang="en-US" altLang="ko-KR" dirty="0"/>
               <a:t>Positive</a:t>
             </a:r>
             <a:endParaRPr lang="ko-KR" altLang="en-US" dirty="0"/>
@@ -5238,14 +5620,14 @@
           <a:p>
             <a:pPr algn="ctr"/>
             <a:r>
-              <a:rPr lang="en-US" altLang="ko-KR" dirty="0" smtClean="0"/>
+              <a:rPr lang="en-US" altLang="ko-KR" dirty="0"/>
               <a:t>False</a:t>
             </a:r>
           </a:p>
           <a:p>
             <a:pPr algn="ctr"/>
             <a:r>
-              <a:rPr lang="en-US" altLang="ko-KR" dirty="0" smtClean="0"/>
+              <a:rPr lang="en-US" altLang="ko-KR" dirty="0"/>
               <a:t>Negative</a:t>
             </a:r>
             <a:endParaRPr lang="ko-KR" altLang="en-US" dirty="0"/>
@@ -5470,14 +5852,14 @@
           <a:p>
             <a:pPr algn="ctr"/>
             <a:r>
-              <a:rPr lang="ko-KR" altLang="en-US" sz="1600" b="1" dirty="0" smtClean="0">
+              <a:rPr lang="ko-KR" altLang="en-US" sz="1600" b="1" dirty="0">
                 <a:solidFill>
                   <a:srgbClr val="7030A0"/>
                 </a:solidFill>
               </a:rPr>
               <a:t>발병률</a:t>
             </a:r>
-            <a:endParaRPr lang="en-US" altLang="ko-KR" sz="1600" b="1" dirty="0" smtClean="0">
+            <a:endParaRPr lang="en-US" altLang="ko-KR" sz="1600" b="1" dirty="0">
               <a:solidFill>
                 <a:srgbClr val="7030A0"/>
               </a:solidFill>
@@ -5486,7 +5868,7 @@
           <a:p>
             <a:pPr algn="ctr"/>
             <a:r>
-              <a:rPr lang="en-US" altLang="ko-KR" sz="1600" b="1" dirty="0" smtClean="0">
+              <a:rPr lang="en-US" altLang="ko-KR" sz="1600" b="1" dirty="0">
                 <a:solidFill>
                   <a:srgbClr val="7030A0"/>
                 </a:solidFill>
@@ -5494,7 +5876,7 @@
               <a:t>(</a:t>
             </a:r>
             <a:r>
-              <a:rPr lang="ko-KR" altLang="en-US" sz="1600" b="1" dirty="0" smtClean="0">
+              <a:rPr lang="ko-KR" altLang="en-US" sz="1600" b="1" dirty="0">
                 <a:solidFill>
                   <a:srgbClr val="7030A0"/>
                 </a:solidFill>
@@ -5502,7 +5884,7 @@
               <a:t>사전 확률</a:t>
             </a:r>
             <a:r>
-              <a:rPr lang="en-US" altLang="ko-KR" sz="1600" b="1" dirty="0" smtClean="0">
+              <a:rPr lang="en-US" altLang="ko-KR" sz="1600" b="1" dirty="0">
                 <a:solidFill>
                   <a:srgbClr val="7030A0"/>
                 </a:solidFill>
@@ -5581,7 +5963,7 @@
 </p:sld>
 </file>
 
-<file path=ppt/slides/slide3.xml><?xml version="1.0" encoding="utf-8"?>
+<file path=ppt/slides/slide4.xml><?xml version="1.0" encoding="utf-8"?>
 <p:sld xmlns:a="http://schemas.openxmlformats.org/drawingml/2006/main" xmlns:r="http://schemas.openxmlformats.org/officeDocument/2006/relationships" xmlns:p="http://schemas.openxmlformats.org/presentationml/2006/main">
   <p:cSld>
     <p:spTree>
@@ -5598,8 +5980,2032 @@
           <a:chExt cx="0" cy="0"/>
         </a:xfrm>
       </p:grpSpPr>
-      <mc:AlternateContent xmlns:mc="http://schemas.openxmlformats.org/markup-compatibility/2006">
-        <mc:Choice xmlns:a14="http://schemas.microsoft.com/office/drawing/2010/main" Requires="a14">
+      <mc:AlternateContent xmlns:mc="http://schemas.openxmlformats.org/markup-compatibility/2006" xmlns:a14="http://schemas.microsoft.com/office/drawing/2010/main">
+        <mc:Choice Requires="a14">
+          <p:sp>
+            <p:nvSpPr>
+              <p:cNvPr id="11" name="TextBox 10"/>
+              <p:cNvSpPr txBox="1"/>
+              <p:nvPr/>
+            </p:nvSpPr>
+            <p:spPr>
+              <a:xfrm>
+                <a:off x="1835696" y="5167474"/>
+                <a:ext cx="962525" cy="646331"/>
+              </a:xfrm>
+              <a:prstGeom prst="rect">
+                <a:avLst/>
+              </a:prstGeom>
+              <a:noFill/>
+            </p:spPr>
+            <p:txBody>
+              <a:bodyPr wrap="square" rtlCol="0">
+                <a:spAutoFit/>
+              </a:bodyPr>
+              <a:lstStyle/>
+              <a:p>
+                <a:pPr algn="ctr"/>
+                <a14:m>
+                  <m:oMathPara xmlns:m="http://schemas.openxmlformats.org/officeDocument/2006/math">
+                    <m:oMathParaPr>
+                      <m:jc m:val="center"/>
+                    </m:oMathParaPr>
+                    <m:oMath xmlns:m="http://schemas.openxmlformats.org/officeDocument/2006/math">
+                      <m:r>
+                        <a:rPr lang="en-US" altLang="ko-KR" b="0" i="1" smtClean="0">
+                          <a:latin typeface="Cambria Math"/>
+                        </a:rPr>
+                        <m:t>𝑃</m:t>
+                      </m:r>
+                      <m:d>
+                        <m:dPr>
+                          <m:ctrlPr>
+                            <a:rPr lang="en-US" altLang="ko-KR" b="0" i="1" smtClean="0">
+                              <a:latin typeface="Cambria Math" panose="02040503050406030204" pitchFamily="18" charset="0"/>
+                            </a:rPr>
+                          </m:ctrlPr>
+                        </m:dPr>
+                        <m:e>
+                          <m:r>
+                            <a:rPr lang="en-US" altLang="ko-KR" b="0" i="1" smtClean="0">
+                              <a:latin typeface="Cambria Math"/>
+                            </a:rPr>
+                            <m:t>𝐻</m:t>
+                          </m:r>
+                        </m:e>
+                      </m:d>
+                    </m:oMath>
+                  </m:oMathPara>
+                </a14:m>
+                <a:endParaRPr lang="en-US" altLang="ko-KR" b="0" dirty="0"/>
+              </a:p>
+              <a:p>
+                <a:pPr algn="ctr"/>
+                <a14:m>
+                  <m:oMathPara xmlns:m="http://schemas.openxmlformats.org/officeDocument/2006/math">
+                    <m:oMathParaPr>
+                      <m:jc m:val="center"/>
+                    </m:oMathParaPr>
+                    <m:oMath xmlns:m="http://schemas.openxmlformats.org/officeDocument/2006/math">
+                      <m:r>
+                        <a:rPr lang="en-US" altLang="ko-KR" i="1" dirty="0" smtClean="0">
+                          <a:latin typeface="Cambria Math"/>
+                        </a:rPr>
+                        <m:t>=0.001</m:t>
+                      </m:r>
+                    </m:oMath>
+                  </m:oMathPara>
+                </a14:m>
+                <a:endParaRPr lang="ko-KR" altLang="en-US" dirty="0"/>
+              </a:p>
+            </p:txBody>
+          </p:sp>
+        </mc:Choice>
+        <mc:Fallback xmlns="">
+          <p:sp>
+            <p:nvSpPr>
+              <p:cNvPr id="11" name="TextBox 10"/>
+              <p:cNvSpPr txBox="1">
+                <a:spLocks noRot="1" noChangeAspect="1" noMove="1" noResize="1" noEditPoints="1" noAdjustHandles="1" noChangeArrowheads="1" noChangeShapeType="1" noTextEdit="1"/>
+              </p:cNvSpPr>
+              <p:nvPr/>
+            </p:nvSpPr>
+            <p:spPr>
+              <a:xfrm>
+                <a:off x="1835696" y="5167474"/>
+                <a:ext cx="962525" cy="646331"/>
+              </a:xfrm>
+              <a:prstGeom prst="rect">
+                <a:avLst/>
+              </a:prstGeom>
+              <a:blipFill rotWithShape="1">
+                <a:blip r:embed="rId2"/>
+                <a:stretch>
+                  <a:fillRect l="-633"/>
+                </a:stretch>
+              </a:blipFill>
+            </p:spPr>
+            <p:txBody>
+              <a:bodyPr/>
+              <a:lstStyle/>
+              <a:p>
+                <a:r>
+                  <a:rPr lang="ko-KR" altLang="en-US">
+                    <a:noFill/>
+                  </a:rPr>
+                  <a:t> </a:t>
+                </a:r>
+              </a:p>
+            </p:txBody>
+          </p:sp>
+        </mc:Fallback>
+      </mc:AlternateContent>
+      <mc:AlternateContent xmlns:mc="http://schemas.openxmlformats.org/markup-compatibility/2006" xmlns:a14="http://schemas.microsoft.com/office/drawing/2010/main">
+        <mc:Choice Requires="a14">
+          <p:sp>
+            <p:nvSpPr>
+              <p:cNvPr id="12" name="TextBox 11"/>
+              <p:cNvSpPr txBox="1"/>
+              <p:nvPr/>
+            </p:nvSpPr>
+            <p:spPr>
+              <a:xfrm>
+                <a:off x="4939467" y="5222230"/>
+                <a:ext cx="1035189" cy="646331"/>
+              </a:xfrm>
+              <a:prstGeom prst="rect">
+                <a:avLst/>
+              </a:prstGeom>
+              <a:noFill/>
+            </p:spPr>
+            <p:txBody>
+              <a:bodyPr wrap="square" rtlCol="0">
+                <a:spAutoFit/>
+              </a:bodyPr>
+              <a:lstStyle/>
+              <a:p>
+                <a:pPr algn="ctr"/>
+                <a14:m>
+                  <m:oMathPara xmlns:m="http://schemas.openxmlformats.org/officeDocument/2006/math">
+                    <m:oMathParaPr>
+                      <m:jc m:val="center"/>
+                    </m:oMathParaPr>
+                    <m:oMath xmlns:m="http://schemas.openxmlformats.org/officeDocument/2006/math">
+                      <m:r>
+                        <a:rPr lang="en-US" altLang="ko-KR" b="0" i="1" smtClean="0">
+                          <a:latin typeface="Cambria Math"/>
+                        </a:rPr>
+                        <m:t>𝑃</m:t>
+                      </m:r>
+                      <m:d>
+                        <m:dPr>
+                          <m:ctrlPr>
+                            <a:rPr lang="en-US" altLang="ko-KR" b="0" i="1" smtClean="0">
+                              <a:latin typeface="Cambria Math" panose="02040503050406030204" pitchFamily="18" charset="0"/>
+                            </a:rPr>
+                          </m:ctrlPr>
+                        </m:dPr>
+                        <m:e>
+                          <m:sSup>
+                            <m:sSupPr>
+                              <m:ctrlPr>
+                                <a:rPr lang="en-US" altLang="ko-KR" b="0" i="1" smtClean="0">
+                                  <a:latin typeface="Cambria Math" panose="02040503050406030204" pitchFamily="18" charset="0"/>
+                                </a:rPr>
+                              </m:ctrlPr>
+                            </m:sSupPr>
+                            <m:e>
+                              <m:r>
+                                <a:rPr lang="en-US" altLang="ko-KR" b="0" i="1" smtClean="0">
+                                  <a:latin typeface="Cambria Math"/>
+                                </a:rPr>
+                                <m:t>𝐻</m:t>
+                              </m:r>
+                            </m:e>
+                            <m:sup>
+                              <m:r>
+                                <a:rPr lang="en-US" altLang="ko-KR" b="0" i="1" smtClean="0">
+                                  <a:latin typeface="Cambria Math"/>
+                                </a:rPr>
+                                <m:t>𝑐</m:t>
+                              </m:r>
+                            </m:sup>
+                          </m:sSup>
+                        </m:e>
+                      </m:d>
+                    </m:oMath>
+                  </m:oMathPara>
+                </a14:m>
+                <a:endParaRPr lang="en-US" altLang="ko-KR" b="0" dirty="0"/>
+              </a:p>
+              <a:p>
+                <a:pPr algn="ctr"/>
+                <a14:m>
+                  <m:oMathPara xmlns:m="http://schemas.openxmlformats.org/officeDocument/2006/math">
+                    <m:oMathParaPr>
+                      <m:jc m:val="center"/>
+                    </m:oMathParaPr>
+                    <m:oMath xmlns:m="http://schemas.openxmlformats.org/officeDocument/2006/math">
+                      <m:r>
+                        <a:rPr lang="en-US" altLang="ko-KR" b="0" i="1" smtClean="0">
+                          <a:latin typeface="Cambria Math"/>
+                        </a:rPr>
+                        <m:t>=0.999</m:t>
+                      </m:r>
+                    </m:oMath>
+                  </m:oMathPara>
+                </a14:m>
+                <a:endParaRPr lang="ko-KR" altLang="en-US" dirty="0"/>
+              </a:p>
+            </p:txBody>
+          </p:sp>
+        </mc:Choice>
+        <mc:Fallback xmlns="">
+          <p:sp>
+            <p:nvSpPr>
+              <p:cNvPr id="12" name="TextBox 11"/>
+              <p:cNvSpPr txBox="1">
+                <a:spLocks noRot="1" noChangeAspect="1" noMove="1" noResize="1" noEditPoints="1" noAdjustHandles="1" noChangeArrowheads="1" noChangeShapeType="1" noTextEdit="1"/>
+              </p:cNvSpPr>
+              <p:nvPr/>
+            </p:nvSpPr>
+            <p:spPr>
+              <a:xfrm>
+                <a:off x="4939467" y="5222230"/>
+                <a:ext cx="1035189" cy="646331"/>
+              </a:xfrm>
+              <a:prstGeom prst="rect">
+                <a:avLst/>
+              </a:prstGeom>
+              <a:blipFill rotWithShape="1">
+                <a:blip r:embed="rId3"/>
+                <a:stretch>
+                  <a:fillRect/>
+                </a:stretch>
+              </a:blipFill>
+            </p:spPr>
+            <p:txBody>
+              <a:bodyPr/>
+              <a:lstStyle/>
+              <a:p>
+                <a:r>
+                  <a:rPr lang="ko-KR" altLang="en-US">
+                    <a:noFill/>
+                  </a:rPr>
+                  <a:t> </a:t>
+                </a:r>
+              </a:p>
+            </p:txBody>
+          </p:sp>
+        </mc:Fallback>
+      </mc:AlternateContent>
+      <mc:AlternateContent xmlns:mc="http://schemas.openxmlformats.org/markup-compatibility/2006" xmlns:a14="http://schemas.microsoft.com/office/drawing/2010/main">
+        <mc:Choice Requires="a14">
+          <p:sp>
+            <p:nvSpPr>
+              <p:cNvPr id="13" name="TextBox 12"/>
+              <p:cNvSpPr txBox="1"/>
+              <p:nvPr/>
+            </p:nvSpPr>
+            <p:spPr>
+              <a:xfrm>
+                <a:off x="395536" y="3145031"/>
+                <a:ext cx="904361" cy="646331"/>
+              </a:xfrm>
+              <a:prstGeom prst="rect">
+                <a:avLst/>
+              </a:prstGeom>
+              <a:noFill/>
+            </p:spPr>
+            <p:txBody>
+              <a:bodyPr wrap="square" rtlCol="0">
+                <a:spAutoFit/>
+              </a:bodyPr>
+              <a:lstStyle/>
+              <a:p>
+                <a:pPr/>
+                <a14:m>
+                  <m:oMathPara xmlns:m="http://schemas.openxmlformats.org/officeDocument/2006/math">
+                    <m:oMathParaPr>
+                      <m:jc m:val="center"/>
+                    </m:oMathParaPr>
+                    <m:oMath xmlns:m="http://schemas.openxmlformats.org/officeDocument/2006/math">
+                      <m:r>
+                        <a:rPr lang="en-US" altLang="ko-KR" b="0" i="1" dirty="0" smtClean="0">
+                          <a:latin typeface="Cambria Math"/>
+                        </a:rPr>
+                        <m:t>𝑃</m:t>
+                      </m:r>
+                      <m:r>
+                        <a:rPr lang="en-US" altLang="ko-KR" b="0" i="1" dirty="0" smtClean="0">
+                          <a:latin typeface="Cambria Math"/>
+                        </a:rPr>
+                        <m:t>(</m:t>
+                      </m:r>
+                      <m:r>
+                        <a:rPr lang="en-US" altLang="ko-KR" b="0" i="1" dirty="0" smtClean="0">
+                          <a:latin typeface="Cambria Math"/>
+                        </a:rPr>
+                        <m:t>𝐸</m:t>
+                      </m:r>
+                      <m:r>
+                        <a:rPr lang="en-US" altLang="ko-KR" b="0" i="1" dirty="0" smtClean="0">
+                          <a:latin typeface="Cambria Math"/>
+                        </a:rPr>
+                        <m:t>|</m:t>
+                      </m:r>
+                      <m:r>
+                        <a:rPr lang="en-US" altLang="ko-KR" b="0" i="1" dirty="0" smtClean="0">
+                          <a:latin typeface="Cambria Math"/>
+                        </a:rPr>
+                        <m:t>𝐻</m:t>
+                      </m:r>
+                      <m:r>
+                        <a:rPr lang="en-US" altLang="ko-KR" b="0" i="1" dirty="0" smtClean="0">
+                          <a:latin typeface="Cambria Math"/>
+                        </a:rPr>
+                        <m:t>)</m:t>
+                      </m:r>
+                    </m:oMath>
+                  </m:oMathPara>
+                </a14:m>
+                <a:endParaRPr lang="en-US" altLang="ko-KR" dirty="0"/>
+              </a:p>
+              <a:p>
+                <a:pPr/>
+                <a14:m>
+                  <m:oMathPara xmlns:m="http://schemas.openxmlformats.org/officeDocument/2006/math">
+                    <m:oMathParaPr>
+                      <m:jc m:val="center"/>
+                    </m:oMathParaPr>
+                    <m:oMath xmlns:m="http://schemas.openxmlformats.org/officeDocument/2006/math">
+                      <m:r>
+                        <a:rPr lang="en-US" altLang="ko-KR" i="1" dirty="0" smtClean="0">
+                          <a:latin typeface="Cambria Math"/>
+                        </a:rPr>
+                        <m:t>=0.99</m:t>
+                      </m:r>
+                    </m:oMath>
+                  </m:oMathPara>
+                </a14:m>
+                <a:endParaRPr lang="ko-KR" altLang="en-US" dirty="0"/>
+              </a:p>
+            </p:txBody>
+          </p:sp>
+        </mc:Choice>
+        <mc:Fallback xmlns="">
+          <p:sp>
+            <p:nvSpPr>
+              <p:cNvPr id="13" name="TextBox 12"/>
+              <p:cNvSpPr txBox="1">
+                <a:spLocks noRot="1" noChangeAspect="1" noMove="1" noResize="1" noEditPoints="1" noAdjustHandles="1" noChangeArrowheads="1" noChangeShapeType="1" noTextEdit="1"/>
+              </p:cNvSpPr>
+              <p:nvPr/>
+            </p:nvSpPr>
+            <p:spPr>
+              <a:xfrm>
+                <a:off x="395536" y="3145031"/>
+                <a:ext cx="904361" cy="646331"/>
+              </a:xfrm>
+              <a:prstGeom prst="rect">
+                <a:avLst/>
+              </a:prstGeom>
+              <a:blipFill rotWithShape="1">
+                <a:blip r:embed="rId4"/>
+                <a:stretch>
+                  <a:fillRect r="-4054"/>
+                </a:stretch>
+              </a:blipFill>
+            </p:spPr>
+            <p:txBody>
+              <a:bodyPr/>
+              <a:lstStyle/>
+              <a:p>
+                <a:r>
+                  <a:rPr lang="ko-KR" altLang="en-US">
+                    <a:noFill/>
+                  </a:rPr>
+                  <a:t> </a:t>
+                </a:r>
+              </a:p>
+            </p:txBody>
+          </p:sp>
+        </mc:Fallback>
+      </mc:AlternateContent>
+      <p:sp>
+        <p:nvSpPr>
+          <p:cNvPr id="14" name="원호 13"/>
+          <p:cNvSpPr/>
+          <p:nvPr/>
+        </p:nvSpPr>
+        <p:spPr>
+          <a:xfrm flipH="1">
+            <a:off x="976489" y="1688504"/>
+            <a:ext cx="1191106" cy="3690180"/>
+          </a:xfrm>
+          <a:prstGeom prst="arc">
+            <a:avLst>
+              <a:gd name="adj1" fmla="val 16586860"/>
+              <a:gd name="adj2" fmla="val 19367740"/>
+            </a:avLst>
+          </a:prstGeom>
+          <a:ln>
+            <a:solidFill>
+              <a:schemeClr val="tx1"/>
+            </a:solidFill>
+            <a:prstDash val="dash"/>
+          </a:ln>
+        </p:spPr>
+        <p:style>
+          <a:lnRef idx="1">
+            <a:schemeClr val="accent1"/>
+          </a:lnRef>
+          <a:fillRef idx="0">
+            <a:schemeClr val="accent1"/>
+          </a:fillRef>
+          <a:effectRef idx="0">
+            <a:schemeClr val="accent1"/>
+          </a:effectRef>
+          <a:fontRef idx="minor">
+            <a:schemeClr val="tx1"/>
+          </a:fontRef>
+        </p:style>
+        <p:txBody>
+          <a:bodyPr rtlCol="0" anchor="ctr"/>
+          <a:lstStyle/>
+          <a:p>
+            <a:pPr algn="ctr"/>
+            <a:endParaRPr lang="ko-KR" altLang="en-US"/>
+          </a:p>
+        </p:txBody>
+      </p:sp>
+      <p:sp>
+        <p:nvSpPr>
+          <p:cNvPr id="15" name="원호 14"/>
+          <p:cNvSpPr/>
+          <p:nvPr/>
+        </p:nvSpPr>
+        <p:spPr>
+          <a:xfrm flipH="1" flipV="1">
+            <a:off x="976489" y="1233578"/>
+            <a:ext cx="1191106" cy="3960440"/>
+          </a:xfrm>
+          <a:prstGeom prst="arc">
+            <a:avLst>
+              <a:gd name="adj1" fmla="val 16586860"/>
+              <a:gd name="adj2" fmla="val 18888003"/>
+            </a:avLst>
+          </a:prstGeom>
+          <a:ln>
+            <a:solidFill>
+              <a:schemeClr val="tx1"/>
+            </a:solidFill>
+            <a:prstDash val="dash"/>
+          </a:ln>
+        </p:spPr>
+        <p:style>
+          <a:lnRef idx="1">
+            <a:schemeClr val="accent1"/>
+          </a:lnRef>
+          <a:fillRef idx="0">
+            <a:schemeClr val="accent1"/>
+          </a:fillRef>
+          <a:effectRef idx="0">
+            <a:schemeClr val="accent1"/>
+          </a:effectRef>
+          <a:fontRef idx="minor">
+            <a:schemeClr val="tx1"/>
+          </a:fontRef>
+        </p:style>
+        <p:txBody>
+          <a:bodyPr rtlCol="0" anchor="ctr"/>
+          <a:lstStyle/>
+          <a:p>
+            <a:pPr algn="ctr"/>
+            <a:endParaRPr lang="ko-KR" altLang="en-US"/>
+          </a:p>
+        </p:txBody>
+      </p:sp>
+      <p:sp>
+        <p:nvSpPr>
+          <p:cNvPr id="19" name="원호 18"/>
+          <p:cNvSpPr/>
+          <p:nvPr/>
+        </p:nvSpPr>
+        <p:spPr>
+          <a:xfrm rot="16200000" flipH="1" flipV="1">
+            <a:off x="1897506" y="3980081"/>
+            <a:ext cx="569021" cy="2132801"/>
+          </a:xfrm>
+          <a:prstGeom prst="arc">
+            <a:avLst>
+              <a:gd name="adj1" fmla="val 16586860"/>
+              <a:gd name="adj2" fmla="val 18239128"/>
+            </a:avLst>
+          </a:prstGeom>
+          <a:ln>
+            <a:solidFill>
+              <a:schemeClr val="tx1"/>
+            </a:solidFill>
+            <a:prstDash val="dash"/>
+          </a:ln>
+        </p:spPr>
+        <p:style>
+          <a:lnRef idx="1">
+            <a:schemeClr val="accent1"/>
+          </a:lnRef>
+          <a:fillRef idx="0">
+            <a:schemeClr val="accent1"/>
+          </a:fillRef>
+          <a:effectRef idx="0">
+            <a:schemeClr val="accent1"/>
+          </a:effectRef>
+          <a:fontRef idx="minor">
+            <a:schemeClr val="tx1"/>
+          </a:fontRef>
+        </p:style>
+        <p:txBody>
+          <a:bodyPr rtlCol="0" anchor="ctr"/>
+          <a:lstStyle/>
+          <a:p>
+            <a:pPr algn="ctr"/>
+            <a:endParaRPr lang="ko-KR" altLang="en-US"/>
+          </a:p>
+        </p:txBody>
+      </p:sp>
+      <p:grpSp>
+        <p:nvGrpSpPr>
+          <p:cNvPr id="23" name="그룹 22"/>
+          <p:cNvGrpSpPr/>
+          <p:nvPr/>
+        </p:nvGrpSpPr>
+        <p:grpSpPr>
+          <a:xfrm>
+            <a:off x="2177353" y="4325448"/>
+            <a:ext cx="6243706" cy="1087740"/>
+            <a:chOff x="2221614" y="4614158"/>
+            <a:chExt cx="6120680" cy="1191106"/>
+          </a:xfrm>
+        </p:grpSpPr>
+        <p:sp>
+          <p:nvSpPr>
+            <p:cNvPr id="21" name="원호 20"/>
+            <p:cNvSpPr/>
+            <p:nvPr/>
+          </p:nvSpPr>
+          <p:spPr>
+            <a:xfrm rot="16200000" flipH="1">
+              <a:off x="5022274" y="2485244"/>
+              <a:ext cx="1191106" cy="5448934"/>
+            </a:xfrm>
+            <a:prstGeom prst="arc">
+              <a:avLst>
+                <a:gd name="adj1" fmla="val 16586860"/>
+                <a:gd name="adj2" fmla="val 18773968"/>
+              </a:avLst>
+            </a:prstGeom>
+            <a:ln>
+              <a:solidFill>
+                <a:schemeClr val="tx1"/>
+              </a:solidFill>
+              <a:prstDash val="dash"/>
+            </a:ln>
+          </p:spPr>
+          <p:style>
+            <a:lnRef idx="1">
+              <a:schemeClr val="accent1"/>
+            </a:lnRef>
+            <a:fillRef idx="0">
+              <a:schemeClr val="accent1"/>
+            </a:fillRef>
+            <a:effectRef idx="0">
+              <a:schemeClr val="accent1"/>
+            </a:effectRef>
+            <a:fontRef idx="minor">
+              <a:schemeClr val="tx1"/>
+            </a:fontRef>
+          </p:style>
+          <p:txBody>
+            <a:bodyPr rtlCol="0" anchor="ctr"/>
+            <a:lstStyle/>
+            <a:p>
+              <a:pPr algn="ctr"/>
+              <a:endParaRPr lang="ko-KR" altLang="en-US"/>
+            </a:p>
+          </p:txBody>
+        </p:sp>
+        <p:sp>
+          <p:nvSpPr>
+            <p:cNvPr id="22" name="원호 21"/>
+            <p:cNvSpPr/>
+            <p:nvPr/>
+          </p:nvSpPr>
+          <p:spPr>
+            <a:xfrm rot="16200000" flipH="1" flipV="1">
+              <a:off x="4550062" y="2285710"/>
+              <a:ext cx="1191106" cy="5848001"/>
+            </a:xfrm>
+            <a:prstGeom prst="arc">
+              <a:avLst>
+                <a:gd name="adj1" fmla="val 16586860"/>
+                <a:gd name="adj2" fmla="val 18742474"/>
+              </a:avLst>
+            </a:prstGeom>
+            <a:ln>
+              <a:solidFill>
+                <a:schemeClr val="tx1"/>
+              </a:solidFill>
+              <a:prstDash val="dash"/>
+            </a:ln>
+          </p:spPr>
+          <p:style>
+            <a:lnRef idx="1">
+              <a:schemeClr val="accent1"/>
+            </a:lnRef>
+            <a:fillRef idx="0">
+              <a:schemeClr val="accent1"/>
+            </a:fillRef>
+            <a:effectRef idx="0">
+              <a:schemeClr val="accent1"/>
+            </a:effectRef>
+            <a:fontRef idx="minor">
+              <a:schemeClr val="tx1"/>
+            </a:fontRef>
+          </p:style>
+          <p:txBody>
+            <a:bodyPr rtlCol="0" anchor="ctr"/>
+            <a:lstStyle/>
+            <a:p>
+              <a:pPr algn="ctr"/>
+              <a:endParaRPr lang="ko-KR" altLang="en-US"/>
+            </a:p>
+          </p:txBody>
+        </p:sp>
+      </p:grpSp>
+      <p:sp>
+        <p:nvSpPr>
+          <p:cNvPr id="25" name="원호 24"/>
+          <p:cNvSpPr/>
+          <p:nvPr/>
+        </p:nvSpPr>
+        <p:spPr>
+          <a:xfrm>
+            <a:off x="7345247" y="3951096"/>
+            <a:ext cx="611225" cy="1232076"/>
+          </a:xfrm>
+          <a:prstGeom prst="arc">
+            <a:avLst>
+              <a:gd name="adj1" fmla="val 16586860"/>
+              <a:gd name="adj2" fmla="val 18752482"/>
+            </a:avLst>
+          </a:prstGeom>
+          <a:ln>
+            <a:solidFill>
+              <a:schemeClr val="tx1"/>
+            </a:solidFill>
+            <a:prstDash val="dash"/>
+          </a:ln>
+        </p:spPr>
+        <p:style>
+          <a:lnRef idx="1">
+            <a:schemeClr val="accent1"/>
+          </a:lnRef>
+          <a:fillRef idx="0">
+            <a:schemeClr val="accent1"/>
+          </a:fillRef>
+          <a:effectRef idx="0">
+            <a:schemeClr val="accent1"/>
+          </a:effectRef>
+          <a:fontRef idx="minor">
+            <a:schemeClr val="tx1"/>
+          </a:fontRef>
+        </p:style>
+        <p:txBody>
+          <a:bodyPr rtlCol="0" anchor="ctr"/>
+          <a:lstStyle/>
+          <a:p>
+            <a:pPr algn="ctr"/>
+            <a:endParaRPr lang="ko-KR" altLang="en-US"/>
+          </a:p>
+        </p:txBody>
+      </p:sp>
+      <p:sp>
+        <p:nvSpPr>
+          <p:cNvPr id="26" name="원호 25"/>
+          <p:cNvSpPr/>
+          <p:nvPr/>
+        </p:nvSpPr>
+        <p:spPr>
+          <a:xfrm flipV="1">
+            <a:off x="7345247" y="3799206"/>
+            <a:ext cx="611225" cy="1322310"/>
+          </a:xfrm>
+          <a:prstGeom prst="arc">
+            <a:avLst>
+              <a:gd name="adj1" fmla="val 16586860"/>
+              <a:gd name="adj2" fmla="val 18757223"/>
+            </a:avLst>
+          </a:prstGeom>
+          <a:ln>
+            <a:solidFill>
+              <a:schemeClr val="tx1"/>
+            </a:solidFill>
+            <a:prstDash val="dash"/>
+          </a:ln>
+        </p:spPr>
+        <p:style>
+          <a:lnRef idx="1">
+            <a:schemeClr val="accent1"/>
+          </a:lnRef>
+          <a:fillRef idx="0">
+            <a:schemeClr val="accent1"/>
+          </a:fillRef>
+          <a:effectRef idx="0">
+            <a:schemeClr val="accent1"/>
+          </a:effectRef>
+          <a:fontRef idx="minor">
+            <a:schemeClr val="tx1"/>
+          </a:fontRef>
+        </p:style>
+        <p:txBody>
+          <a:bodyPr rtlCol="0" anchor="ctr"/>
+          <a:lstStyle/>
+          <a:p>
+            <a:pPr algn="ctr"/>
+            <a:endParaRPr lang="ko-KR" altLang="en-US"/>
+          </a:p>
+        </p:txBody>
+      </p:sp>
+      <mc:AlternateContent xmlns:mc="http://schemas.openxmlformats.org/markup-compatibility/2006" xmlns:a14="http://schemas.microsoft.com/office/drawing/2010/main">
+        <mc:Choice Requires="a14">
+          <p:sp>
+            <p:nvSpPr>
+              <p:cNvPr id="27" name="TextBox 26"/>
+              <p:cNvSpPr txBox="1"/>
+              <p:nvPr/>
+            </p:nvSpPr>
+            <p:spPr>
+              <a:xfrm>
+                <a:off x="7781633" y="4321296"/>
+                <a:ext cx="1105221" cy="646331"/>
+              </a:xfrm>
+              <a:prstGeom prst="rect">
+                <a:avLst/>
+              </a:prstGeom>
+              <a:noFill/>
+            </p:spPr>
+            <p:txBody>
+              <a:bodyPr wrap="square" rtlCol="0">
+                <a:spAutoFit/>
+              </a:bodyPr>
+              <a:lstStyle/>
+              <a:p>
+                <a:pPr/>
+                <a14:m>
+                  <m:oMathPara xmlns:m="http://schemas.openxmlformats.org/officeDocument/2006/math">
+                    <m:oMathParaPr>
+                      <m:jc m:val="center"/>
+                    </m:oMathParaPr>
+                    <m:oMath xmlns:m="http://schemas.openxmlformats.org/officeDocument/2006/math">
+                      <m:r>
+                        <a:rPr lang="en-US" altLang="ko-KR" b="0" i="1" smtClean="0">
+                          <a:latin typeface="Cambria Math"/>
+                        </a:rPr>
+                        <m:t>𝑃</m:t>
+                      </m:r>
+                      <m:d>
+                        <m:dPr>
+                          <m:ctrlPr>
+                            <a:rPr lang="en-US" altLang="ko-KR" b="0" i="1" smtClean="0">
+                              <a:latin typeface="Cambria Math" panose="02040503050406030204" pitchFamily="18" charset="0"/>
+                            </a:rPr>
+                          </m:ctrlPr>
+                        </m:dPr>
+                        <m:e>
+                          <m:r>
+                            <a:rPr lang="en-US" altLang="ko-KR" b="0" i="1" smtClean="0">
+                              <a:latin typeface="Cambria Math"/>
+                            </a:rPr>
+                            <m:t>𝐸</m:t>
+                          </m:r>
+                        </m:e>
+                        <m:e>
+                          <m:sSup>
+                            <m:sSupPr>
+                              <m:ctrlPr>
+                                <a:rPr lang="en-US" altLang="ko-KR" b="0" i="1" smtClean="0">
+                                  <a:latin typeface="Cambria Math" panose="02040503050406030204" pitchFamily="18" charset="0"/>
+                                </a:rPr>
+                              </m:ctrlPr>
+                            </m:sSupPr>
+                            <m:e>
+                              <m:r>
+                                <a:rPr lang="en-US" altLang="ko-KR" b="0" i="1" smtClean="0">
+                                  <a:latin typeface="Cambria Math"/>
+                                </a:rPr>
+                                <m:t>𝐻</m:t>
+                              </m:r>
+                            </m:e>
+                            <m:sup>
+                              <m:r>
+                                <a:rPr lang="en-US" altLang="ko-KR" b="0" i="1" smtClean="0">
+                                  <a:latin typeface="Cambria Math"/>
+                                </a:rPr>
+                                <m:t>𝑐</m:t>
+                              </m:r>
+                            </m:sup>
+                          </m:sSup>
+                        </m:e>
+                      </m:d>
+                    </m:oMath>
+                  </m:oMathPara>
+                </a14:m>
+                <a:endParaRPr lang="en-US" altLang="ko-KR" b="0" dirty="0"/>
+              </a:p>
+              <a:p>
+                <a:pPr/>
+                <a14:m>
+                  <m:oMathPara xmlns:m="http://schemas.openxmlformats.org/officeDocument/2006/math">
+                    <m:oMathParaPr>
+                      <m:jc m:val="center"/>
+                    </m:oMathParaPr>
+                    <m:oMath xmlns:m="http://schemas.openxmlformats.org/officeDocument/2006/math">
+                      <m:r>
+                        <a:rPr lang="en-US" altLang="ko-KR" b="0" i="1" smtClean="0">
+                          <a:latin typeface="Cambria Math"/>
+                        </a:rPr>
+                        <m:t>=0.02</m:t>
+                      </m:r>
+                    </m:oMath>
+                  </m:oMathPara>
+                </a14:m>
+                <a:endParaRPr lang="ko-KR" altLang="en-US" dirty="0"/>
+              </a:p>
+            </p:txBody>
+          </p:sp>
+        </mc:Choice>
+        <mc:Fallback xmlns="">
+          <p:sp>
+            <p:nvSpPr>
+              <p:cNvPr id="27" name="TextBox 26"/>
+              <p:cNvSpPr txBox="1">
+                <a:spLocks noRot="1" noChangeAspect="1" noMove="1" noResize="1" noEditPoints="1" noAdjustHandles="1" noChangeArrowheads="1" noChangeShapeType="1" noTextEdit="1"/>
+              </p:cNvSpPr>
+              <p:nvPr/>
+            </p:nvSpPr>
+            <p:spPr>
+              <a:xfrm>
+                <a:off x="7781633" y="4321296"/>
+                <a:ext cx="1105221" cy="646331"/>
+              </a:xfrm>
+              <a:prstGeom prst="rect">
+                <a:avLst/>
+              </a:prstGeom>
+              <a:blipFill rotWithShape="1">
+                <a:blip r:embed="rId5"/>
+                <a:stretch>
+                  <a:fillRect/>
+                </a:stretch>
+              </a:blipFill>
+            </p:spPr>
+            <p:txBody>
+              <a:bodyPr/>
+              <a:lstStyle/>
+              <a:p>
+                <a:r>
+                  <a:rPr lang="ko-KR" altLang="en-US">
+                    <a:noFill/>
+                  </a:rPr>
+                  <a:t> </a:t>
+                </a:r>
+              </a:p>
+            </p:txBody>
+          </p:sp>
+        </mc:Fallback>
+      </mc:AlternateContent>
+      <p:sp>
+        <p:nvSpPr>
+          <p:cNvPr id="37" name="원호 36"/>
+          <p:cNvSpPr/>
+          <p:nvPr/>
+        </p:nvSpPr>
+        <p:spPr>
+          <a:xfrm>
+            <a:off x="7037524" y="684700"/>
+            <a:ext cx="1092153" cy="3576744"/>
+          </a:xfrm>
+          <a:prstGeom prst="arc">
+            <a:avLst>
+              <a:gd name="adj1" fmla="val 16586860"/>
+              <a:gd name="adj2" fmla="val 19031233"/>
+            </a:avLst>
+          </a:prstGeom>
+          <a:ln>
+            <a:solidFill>
+              <a:schemeClr val="tx1"/>
+            </a:solidFill>
+            <a:prstDash val="dash"/>
+          </a:ln>
+        </p:spPr>
+        <p:style>
+          <a:lnRef idx="1">
+            <a:schemeClr val="accent1"/>
+          </a:lnRef>
+          <a:fillRef idx="0">
+            <a:schemeClr val="accent1"/>
+          </a:fillRef>
+          <a:effectRef idx="0">
+            <a:schemeClr val="accent1"/>
+          </a:effectRef>
+          <a:fontRef idx="minor">
+            <a:schemeClr val="tx1"/>
+          </a:fontRef>
+        </p:style>
+        <p:txBody>
+          <a:bodyPr rtlCol="0" anchor="ctr"/>
+          <a:lstStyle/>
+          <a:p>
+            <a:pPr algn="ctr"/>
+            <a:endParaRPr lang="ko-KR" altLang="en-US"/>
+          </a:p>
+        </p:txBody>
+      </p:sp>
+      <p:sp>
+        <p:nvSpPr>
+          <p:cNvPr id="38" name="원호 37"/>
+          <p:cNvSpPr/>
+          <p:nvPr/>
+        </p:nvSpPr>
+        <p:spPr>
+          <a:xfrm flipV="1">
+            <a:off x="7037524" y="243758"/>
+            <a:ext cx="1092153" cy="3838697"/>
+          </a:xfrm>
+          <a:prstGeom prst="arc">
+            <a:avLst>
+              <a:gd name="adj1" fmla="val 16586860"/>
+              <a:gd name="adj2" fmla="val 18858118"/>
+            </a:avLst>
+          </a:prstGeom>
+          <a:ln>
+            <a:solidFill>
+              <a:schemeClr val="tx1"/>
+            </a:solidFill>
+            <a:prstDash val="dash"/>
+          </a:ln>
+        </p:spPr>
+        <p:style>
+          <a:lnRef idx="1">
+            <a:schemeClr val="accent1"/>
+          </a:lnRef>
+          <a:fillRef idx="0">
+            <a:schemeClr val="accent1"/>
+          </a:fillRef>
+          <a:effectRef idx="0">
+            <a:schemeClr val="accent1"/>
+          </a:effectRef>
+          <a:fontRef idx="minor">
+            <a:schemeClr val="tx1"/>
+          </a:fontRef>
+        </p:style>
+        <p:txBody>
+          <a:bodyPr rtlCol="0" anchor="ctr"/>
+          <a:lstStyle/>
+          <a:p>
+            <a:pPr algn="ctr"/>
+            <a:endParaRPr lang="ko-KR" altLang="en-US"/>
+          </a:p>
+        </p:txBody>
+      </p:sp>
+      <mc:AlternateContent xmlns:mc="http://schemas.openxmlformats.org/markup-compatibility/2006" xmlns:a14="http://schemas.microsoft.com/office/drawing/2010/main">
+        <mc:Choice Requires="a14">
+          <p:sp>
+            <p:nvSpPr>
+              <p:cNvPr id="39" name="TextBox 38"/>
+              <p:cNvSpPr txBox="1"/>
+              <p:nvPr/>
+            </p:nvSpPr>
+            <p:spPr>
+              <a:xfrm>
+                <a:off x="7726195" y="2003746"/>
+                <a:ext cx="1094277" cy="669992"/>
+              </a:xfrm>
+              <a:prstGeom prst="rect">
+                <a:avLst/>
+              </a:prstGeom>
+              <a:noFill/>
+            </p:spPr>
+            <p:txBody>
+              <a:bodyPr wrap="square" rtlCol="0">
+                <a:spAutoFit/>
+              </a:bodyPr>
+              <a:lstStyle/>
+              <a:p>
+                <a:pPr/>
+                <a14:m>
+                  <m:oMathPara xmlns:m="http://schemas.openxmlformats.org/officeDocument/2006/math">
+                    <m:oMathParaPr>
+                      <m:jc m:val="center"/>
+                    </m:oMathParaPr>
+                    <m:oMath xmlns:m="http://schemas.openxmlformats.org/officeDocument/2006/math">
+                      <m:r>
+                        <a:rPr lang="en-US" altLang="ko-KR" b="0" i="1" dirty="0" smtClean="0">
+                          <a:latin typeface="Cambria Math"/>
+                        </a:rPr>
+                        <m:t>𝑃</m:t>
+                      </m:r>
+                      <m:r>
+                        <a:rPr lang="en-US" altLang="ko-KR" b="0" i="1" dirty="0" smtClean="0">
+                          <a:latin typeface="Cambria Math"/>
+                        </a:rPr>
+                        <m:t>(</m:t>
+                      </m:r>
+                      <m:sSup>
+                        <m:sSupPr>
+                          <m:ctrlPr>
+                            <a:rPr lang="en-US" altLang="ko-KR" b="0" i="1" dirty="0" smtClean="0">
+                              <a:latin typeface="Cambria Math" panose="02040503050406030204" pitchFamily="18" charset="0"/>
+                            </a:rPr>
+                          </m:ctrlPr>
+                        </m:sSupPr>
+                        <m:e>
+                          <m:r>
+                            <a:rPr lang="en-US" altLang="ko-KR" b="0" i="1" dirty="0" smtClean="0">
+                              <a:latin typeface="Cambria Math"/>
+                            </a:rPr>
+                            <m:t>𝐸</m:t>
+                          </m:r>
+                        </m:e>
+                        <m:sup>
+                          <m:r>
+                            <a:rPr lang="en-US" altLang="ko-KR" b="0" i="1" dirty="0" smtClean="0">
+                              <a:latin typeface="Cambria Math"/>
+                            </a:rPr>
+                            <m:t>𝑐</m:t>
+                          </m:r>
+                        </m:sup>
+                      </m:sSup>
+                      <m:r>
+                        <a:rPr lang="en-US" altLang="ko-KR" b="0" i="1" dirty="0" smtClean="0">
+                          <a:latin typeface="Cambria Math"/>
+                        </a:rPr>
+                        <m:t>|</m:t>
+                      </m:r>
+                      <m:sSup>
+                        <m:sSupPr>
+                          <m:ctrlPr>
+                            <a:rPr lang="en-US" altLang="ko-KR" b="0" i="1" dirty="0" smtClean="0">
+                              <a:latin typeface="Cambria Math" panose="02040503050406030204" pitchFamily="18" charset="0"/>
+                            </a:rPr>
+                          </m:ctrlPr>
+                        </m:sSupPr>
+                        <m:e>
+                          <m:r>
+                            <a:rPr lang="en-US" altLang="ko-KR" b="0" i="1" dirty="0" smtClean="0">
+                              <a:latin typeface="Cambria Math"/>
+                            </a:rPr>
+                            <m:t>𝐻</m:t>
+                          </m:r>
+                        </m:e>
+                        <m:sup>
+                          <m:r>
+                            <a:rPr lang="en-US" altLang="ko-KR" b="0" i="1" dirty="0" smtClean="0">
+                              <a:latin typeface="Cambria Math"/>
+                            </a:rPr>
+                            <m:t>𝑐</m:t>
+                          </m:r>
+                        </m:sup>
+                      </m:sSup>
+                      <m:r>
+                        <a:rPr lang="en-US" altLang="ko-KR" b="0" i="1" dirty="0" smtClean="0">
+                          <a:latin typeface="Cambria Math"/>
+                        </a:rPr>
+                        <m:t>)</m:t>
+                      </m:r>
+                    </m:oMath>
+                  </m:oMathPara>
+                </a14:m>
+                <a:endParaRPr lang="en-US" altLang="ko-KR" dirty="0"/>
+              </a:p>
+              <a:p>
+                <a:pPr/>
+                <a14:m>
+                  <m:oMathPara xmlns:m="http://schemas.openxmlformats.org/officeDocument/2006/math">
+                    <m:oMathParaPr>
+                      <m:jc m:val="center"/>
+                    </m:oMathParaPr>
+                    <m:oMath xmlns:m="http://schemas.openxmlformats.org/officeDocument/2006/math">
+                      <m:r>
+                        <a:rPr lang="en-US" altLang="ko-KR" i="1" dirty="0" smtClean="0">
+                          <a:latin typeface="Cambria Math"/>
+                        </a:rPr>
+                        <m:t>=0.9</m:t>
+                      </m:r>
+                      <m:r>
+                        <a:rPr lang="en-US" altLang="ko-KR" b="0" i="1" dirty="0" smtClean="0">
+                          <a:latin typeface="Cambria Math"/>
+                        </a:rPr>
+                        <m:t>8</m:t>
+                      </m:r>
+                    </m:oMath>
+                  </m:oMathPara>
+                </a14:m>
+                <a:endParaRPr lang="ko-KR" altLang="en-US" dirty="0"/>
+              </a:p>
+            </p:txBody>
+          </p:sp>
+        </mc:Choice>
+        <mc:Fallback xmlns="">
+          <p:sp>
+            <p:nvSpPr>
+              <p:cNvPr id="39" name="TextBox 38"/>
+              <p:cNvSpPr txBox="1">
+                <a:spLocks noRot="1" noChangeAspect="1" noMove="1" noResize="1" noEditPoints="1" noAdjustHandles="1" noChangeArrowheads="1" noChangeShapeType="1" noTextEdit="1"/>
+              </p:cNvSpPr>
+              <p:nvPr/>
+            </p:nvSpPr>
+            <p:spPr>
+              <a:xfrm>
+                <a:off x="7726195" y="2003746"/>
+                <a:ext cx="1094277" cy="669992"/>
+              </a:xfrm>
+              <a:prstGeom prst="rect">
+                <a:avLst/>
+              </a:prstGeom>
+              <a:blipFill rotWithShape="1">
+                <a:blip r:embed="rId6"/>
+                <a:stretch>
+                  <a:fillRect r="-4444"/>
+                </a:stretch>
+              </a:blipFill>
+            </p:spPr>
+            <p:txBody>
+              <a:bodyPr/>
+              <a:lstStyle/>
+              <a:p>
+                <a:r>
+                  <a:rPr lang="ko-KR" altLang="en-US">
+                    <a:noFill/>
+                  </a:rPr>
+                  <a:t> </a:t>
+                </a:r>
+              </a:p>
+            </p:txBody>
+          </p:sp>
+        </mc:Fallback>
+      </mc:AlternateContent>
+      <p:sp>
+        <p:nvSpPr>
+          <p:cNvPr id="2" name="타원 1"/>
+          <p:cNvSpPr/>
+          <p:nvPr/>
+        </p:nvSpPr>
+        <p:spPr>
+          <a:xfrm>
+            <a:off x="145008" y="3118721"/>
+            <a:ext cx="1395530" cy="694211"/>
+          </a:xfrm>
+          <a:prstGeom prst="ellipse">
+            <a:avLst/>
+          </a:prstGeom>
+          <a:solidFill>
+            <a:schemeClr val="tx2">
+              <a:alpha val="20000"/>
+            </a:schemeClr>
+          </a:solidFill>
+          <a:ln>
+            <a:solidFill>
+              <a:srgbClr val="00B0F0"/>
+            </a:solidFill>
+            <a:prstDash val="dash"/>
+          </a:ln>
+        </p:spPr>
+        <p:style>
+          <a:lnRef idx="2">
+            <a:schemeClr val="accent1">
+              <a:shade val="50000"/>
+            </a:schemeClr>
+          </a:lnRef>
+          <a:fillRef idx="1">
+            <a:schemeClr val="accent1"/>
+          </a:fillRef>
+          <a:effectRef idx="0">
+            <a:schemeClr val="accent1"/>
+          </a:effectRef>
+          <a:fontRef idx="minor">
+            <a:schemeClr val="lt1"/>
+          </a:fontRef>
+        </p:style>
+        <p:txBody>
+          <a:bodyPr rtlCol="0" anchor="ctr"/>
+          <a:lstStyle/>
+          <a:p>
+            <a:pPr algn="ctr"/>
+            <a:endParaRPr lang="ko-KR" altLang="en-US"/>
+          </a:p>
+        </p:txBody>
+      </p:sp>
+      <p:sp>
+        <p:nvSpPr>
+          <p:cNvPr id="3" name="TextBox 2"/>
+          <p:cNvSpPr txBox="1"/>
+          <p:nvPr/>
+        </p:nvSpPr>
+        <p:spPr>
+          <a:xfrm>
+            <a:off x="247249" y="3837407"/>
+            <a:ext cx="1157689" cy="338554"/>
+          </a:xfrm>
+          <a:prstGeom prst="rect">
+            <a:avLst/>
+          </a:prstGeom>
+          <a:solidFill>
+            <a:schemeClr val="bg1"/>
+          </a:solidFill>
+        </p:spPr>
+        <p:txBody>
+          <a:bodyPr wrap="none" rtlCol="0">
+            <a:spAutoFit/>
+          </a:bodyPr>
+          <a:lstStyle/>
+          <a:p>
+            <a:pPr algn="ctr"/>
+            <a:r>
+              <a:rPr lang="en-US" altLang="ko-KR" sz="1600" b="1" dirty="0">
+                <a:solidFill>
+                  <a:schemeClr val="accent1"/>
+                </a:solidFill>
+              </a:rPr>
+              <a:t>sensitivity</a:t>
+            </a:r>
+            <a:endParaRPr lang="ko-KR" altLang="en-US" sz="1600" b="1" dirty="0">
+              <a:solidFill>
+                <a:schemeClr val="accent1"/>
+              </a:solidFill>
+            </a:endParaRPr>
+          </a:p>
+        </p:txBody>
+      </p:sp>
+      <p:sp>
+        <p:nvSpPr>
+          <p:cNvPr id="42" name="TextBox 41"/>
+          <p:cNvSpPr txBox="1"/>
+          <p:nvPr/>
+        </p:nvSpPr>
+        <p:spPr>
+          <a:xfrm>
+            <a:off x="7744489" y="2673738"/>
+            <a:ext cx="1152880" cy="338554"/>
+          </a:xfrm>
+          <a:prstGeom prst="rect">
+            <a:avLst/>
+          </a:prstGeom>
+          <a:solidFill>
+            <a:schemeClr val="bg1"/>
+          </a:solidFill>
+        </p:spPr>
+        <p:txBody>
+          <a:bodyPr wrap="none" rtlCol="0">
+            <a:spAutoFit/>
+          </a:bodyPr>
+          <a:lstStyle/>
+          <a:p>
+            <a:pPr algn="ctr"/>
+            <a:r>
+              <a:rPr lang="en-US" altLang="ko-KR" sz="1600" b="1" dirty="0">
+                <a:solidFill>
+                  <a:srgbClr val="C00000"/>
+                </a:solidFill>
+              </a:rPr>
+              <a:t>specificity</a:t>
+            </a:r>
+            <a:endParaRPr lang="ko-KR" altLang="en-US" sz="1600" b="1" dirty="0">
+              <a:solidFill>
+                <a:srgbClr val="C00000"/>
+              </a:solidFill>
+            </a:endParaRPr>
+          </a:p>
+        </p:txBody>
+      </p:sp>
+      <p:sp>
+        <p:nvSpPr>
+          <p:cNvPr id="41" name="타원 40"/>
+          <p:cNvSpPr/>
+          <p:nvPr/>
+        </p:nvSpPr>
+        <p:spPr>
+          <a:xfrm>
+            <a:off x="7561018" y="1970497"/>
+            <a:ext cx="1395530" cy="694211"/>
+          </a:xfrm>
+          <a:prstGeom prst="ellipse">
+            <a:avLst/>
+          </a:prstGeom>
+          <a:solidFill>
+            <a:srgbClr val="FF0000">
+              <a:alpha val="20000"/>
+            </a:srgbClr>
+          </a:solidFill>
+          <a:ln>
+            <a:solidFill>
+              <a:srgbClr val="C00000"/>
+            </a:solidFill>
+            <a:prstDash val="dash"/>
+          </a:ln>
+        </p:spPr>
+        <p:style>
+          <a:lnRef idx="2">
+            <a:schemeClr val="accent1">
+              <a:shade val="50000"/>
+            </a:schemeClr>
+          </a:lnRef>
+          <a:fillRef idx="1">
+            <a:schemeClr val="accent1"/>
+          </a:fillRef>
+          <a:effectRef idx="0">
+            <a:schemeClr val="accent1"/>
+          </a:effectRef>
+          <a:fontRef idx="minor">
+            <a:schemeClr val="lt1"/>
+          </a:fontRef>
+        </p:style>
+        <p:txBody>
+          <a:bodyPr rtlCol="0" anchor="ctr"/>
+          <a:lstStyle/>
+          <a:p>
+            <a:pPr algn="ctr"/>
+            <a:endParaRPr lang="ko-KR" altLang="en-US"/>
+          </a:p>
+        </p:txBody>
+      </p:sp>
+      <p:sp>
+        <p:nvSpPr>
+          <p:cNvPr id="18" name="원호 17"/>
+          <p:cNvSpPr/>
+          <p:nvPr/>
+        </p:nvSpPr>
+        <p:spPr>
+          <a:xfrm rot="16200000" flipH="1">
+            <a:off x="2069725" y="4052852"/>
+            <a:ext cx="569021" cy="1987259"/>
+          </a:xfrm>
+          <a:prstGeom prst="arc">
+            <a:avLst>
+              <a:gd name="adj1" fmla="val 16586860"/>
+              <a:gd name="adj2" fmla="val 18221477"/>
+            </a:avLst>
+          </a:prstGeom>
+          <a:ln>
+            <a:solidFill>
+              <a:schemeClr val="tx1"/>
+            </a:solidFill>
+            <a:prstDash val="dash"/>
+          </a:ln>
+        </p:spPr>
+        <p:style>
+          <a:lnRef idx="1">
+            <a:schemeClr val="accent1"/>
+          </a:lnRef>
+          <a:fillRef idx="0">
+            <a:schemeClr val="accent1"/>
+          </a:fillRef>
+          <a:effectRef idx="0">
+            <a:schemeClr val="accent1"/>
+          </a:effectRef>
+          <a:fontRef idx="minor">
+            <a:schemeClr val="tx1"/>
+          </a:fontRef>
+        </p:style>
+        <p:txBody>
+          <a:bodyPr rtlCol="0" anchor="ctr"/>
+          <a:lstStyle/>
+          <a:p>
+            <a:pPr algn="ctr"/>
+            <a:endParaRPr lang="ko-KR" altLang="en-US"/>
+          </a:p>
+        </p:txBody>
+      </p:sp>
+      <p:sp>
+        <p:nvSpPr>
+          <p:cNvPr id="4" name="직사각형 3"/>
+          <p:cNvSpPr/>
+          <p:nvPr/>
+        </p:nvSpPr>
+        <p:spPr>
+          <a:xfrm>
+            <a:off x="1403648" y="801530"/>
+            <a:ext cx="6336704" cy="4320480"/>
+          </a:xfrm>
+          <a:prstGeom prst="rect">
+            <a:avLst/>
+          </a:prstGeom>
+          <a:noFill/>
+        </p:spPr>
+        <p:style>
+          <a:lnRef idx="2">
+            <a:schemeClr val="accent1">
+              <a:shade val="50000"/>
+            </a:schemeClr>
+          </a:lnRef>
+          <a:fillRef idx="1">
+            <a:schemeClr val="accent1"/>
+          </a:fillRef>
+          <a:effectRef idx="0">
+            <a:schemeClr val="accent1"/>
+          </a:effectRef>
+          <a:fontRef idx="minor">
+            <a:schemeClr val="lt1"/>
+          </a:fontRef>
+        </p:style>
+        <p:txBody>
+          <a:bodyPr rtlCol="0" anchor="ctr"/>
+          <a:lstStyle/>
+          <a:p>
+            <a:pPr algn="ctr"/>
+            <a:endParaRPr lang="ko-KR" altLang="en-US"/>
+          </a:p>
+        </p:txBody>
+      </p:sp>
+      <p:cxnSp>
+        <p:nvCxnSpPr>
+          <p:cNvPr id="6" name="직선 연결선 5"/>
+          <p:cNvCxnSpPr/>
+          <p:nvPr/>
+        </p:nvCxnSpPr>
+        <p:spPr>
+          <a:xfrm>
+            <a:off x="3203848" y="801530"/>
+            <a:ext cx="0" cy="4320480"/>
+          </a:xfrm>
+          <a:prstGeom prst="line">
+            <a:avLst/>
+          </a:prstGeom>
+          <a:ln w="28575">
+            <a:solidFill>
+              <a:schemeClr val="tx2"/>
+            </a:solidFill>
+          </a:ln>
+        </p:spPr>
+        <p:style>
+          <a:lnRef idx="1">
+            <a:schemeClr val="accent1"/>
+          </a:lnRef>
+          <a:fillRef idx="0">
+            <a:schemeClr val="accent1"/>
+          </a:fillRef>
+          <a:effectRef idx="0">
+            <a:schemeClr val="accent1"/>
+          </a:effectRef>
+          <a:fontRef idx="minor">
+            <a:schemeClr val="tx1"/>
+          </a:fontRef>
+        </p:style>
+      </p:cxnSp>
+      <p:cxnSp>
+        <p:nvCxnSpPr>
+          <p:cNvPr id="8" name="직선 연결선 7"/>
+          <p:cNvCxnSpPr/>
+          <p:nvPr/>
+        </p:nvCxnSpPr>
+        <p:spPr>
+          <a:xfrm>
+            <a:off x="1403648" y="1737634"/>
+            <a:ext cx="1800200" cy="0"/>
+          </a:xfrm>
+          <a:prstGeom prst="line">
+            <a:avLst/>
+          </a:prstGeom>
+          <a:ln w="28575">
+            <a:solidFill>
+              <a:schemeClr val="tx2"/>
+            </a:solidFill>
+          </a:ln>
+        </p:spPr>
+        <p:style>
+          <a:lnRef idx="1">
+            <a:schemeClr val="accent1"/>
+          </a:lnRef>
+          <a:fillRef idx="0">
+            <a:schemeClr val="accent1"/>
+          </a:fillRef>
+          <a:effectRef idx="0">
+            <a:schemeClr val="accent1"/>
+          </a:effectRef>
+          <a:fontRef idx="minor">
+            <a:schemeClr val="tx1"/>
+          </a:fontRef>
+        </p:style>
+      </p:cxnSp>
+      <p:cxnSp>
+        <p:nvCxnSpPr>
+          <p:cNvPr id="9" name="직선 연결선 8"/>
+          <p:cNvCxnSpPr/>
+          <p:nvPr/>
+        </p:nvCxnSpPr>
+        <p:spPr>
+          <a:xfrm>
+            <a:off x="3203848" y="3969882"/>
+            <a:ext cx="4536504" cy="0"/>
+          </a:xfrm>
+          <a:prstGeom prst="line">
+            <a:avLst/>
+          </a:prstGeom>
+          <a:ln w="28575">
+            <a:solidFill>
+              <a:schemeClr val="tx2"/>
+            </a:solidFill>
+          </a:ln>
+        </p:spPr>
+        <p:style>
+          <a:lnRef idx="1">
+            <a:schemeClr val="accent1"/>
+          </a:lnRef>
+          <a:fillRef idx="0">
+            <a:schemeClr val="accent1"/>
+          </a:fillRef>
+          <a:effectRef idx="0">
+            <a:schemeClr val="accent1"/>
+          </a:effectRef>
+          <a:fontRef idx="minor">
+            <a:schemeClr val="tx1"/>
+          </a:fontRef>
+        </p:style>
+      </p:cxnSp>
+      <p:sp>
+        <p:nvSpPr>
+          <p:cNvPr id="28" name="TextBox 27"/>
+          <p:cNvSpPr txBox="1"/>
+          <p:nvPr/>
+        </p:nvSpPr>
+        <p:spPr>
+          <a:xfrm>
+            <a:off x="1835696" y="3033778"/>
+            <a:ext cx="970650" cy="646331"/>
+          </a:xfrm>
+          <a:prstGeom prst="rect">
+            <a:avLst/>
+          </a:prstGeom>
+          <a:noFill/>
+        </p:spPr>
+        <p:txBody>
+          <a:bodyPr wrap="none" rtlCol="0">
+            <a:spAutoFit/>
+          </a:bodyPr>
+          <a:lstStyle/>
+          <a:p>
+            <a:pPr algn="ctr"/>
+            <a:r>
+              <a:rPr lang="en-US" altLang="ko-KR" dirty="0"/>
+              <a:t>True</a:t>
+            </a:r>
+          </a:p>
+          <a:p>
+            <a:pPr algn="ctr"/>
+            <a:r>
+              <a:rPr lang="en-US" altLang="ko-KR" dirty="0"/>
+              <a:t>Positive</a:t>
+            </a:r>
+            <a:endParaRPr lang="ko-KR" altLang="en-US" dirty="0"/>
+          </a:p>
+        </p:txBody>
+      </p:sp>
+      <p:sp>
+        <p:nvSpPr>
+          <p:cNvPr id="29" name="TextBox 28"/>
+          <p:cNvSpPr txBox="1"/>
+          <p:nvPr/>
+        </p:nvSpPr>
+        <p:spPr>
+          <a:xfrm>
+            <a:off x="4786511" y="2097674"/>
+            <a:ext cx="1114536" cy="646331"/>
+          </a:xfrm>
+          <a:prstGeom prst="rect">
+            <a:avLst/>
+          </a:prstGeom>
+          <a:noFill/>
+        </p:spPr>
+        <p:txBody>
+          <a:bodyPr wrap="none" rtlCol="0">
+            <a:spAutoFit/>
+          </a:bodyPr>
+          <a:lstStyle/>
+          <a:p>
+            <a:pPr algn="ctr"/>
+            <a:r>
+              <a:rPr lang="en-US" altLang="ko-KR" dirty="0"/>
+              <a:t>True</a:t>
+            </a:r>
+          </a:p>
+          <a:p>
+            <a:pPr algn="ctr"/>
+            <a:r>
+              <a:rPr lang="en-US" altLang="ko-KR" dirty="0"/>
+              <a:t>Negative</a:t>
+            </a:r>
+            <a:endParaRPr lang="ko-KR" altLang="en-US" dirty="0"/>
+          </a:p>
+        </p:txBody>
+      </p:sp>
+      <p:sp>
+        <p:nvSpPr>
+          <p:cNvPr id="30" name="TextBox 29"/>
+          <p:cNvSpPr txBox="1"/>
+          <p:nvPr/>
+        </p:nvSpPr>
+        <p:spPr>
+          <a:xfrm>
+            <a:off x="4858454" y="4243968"/>
+            <a:ext cx="970651" cy="646331"/>
+          </a:xfrm>
+          <a:prstGeom prst="rect">
+            <a:avLst/>
+          </a:prstGeom>
+          <a:noFill/>
+        </p:spPr>
+        <p:txBody>
+          <a:bodyPr wrap="none" rtlCol="0">
+            <a:spAutoFit/>
+          </a:bodyPr>
+          <a:lstStyle/>
+          <a:p>
+            <a:pPr algn="ctr"/>
+            <a:r>
+              <a:rPr lang="en-US" altLang="ko-KR" dirty="0"/>
+              <a:t>False</a:t>
+            </a:r>
+          </a:p>
+          <a:p>
+            <a:pPr algn="ctr"/>
+            <a:r>
+              <a:rPr lang="en-US" altLang="ko-KR" dirty="0"/>
+              <a:t>Positive</a:t>
+            </a:r>
+            <a:endParaRPr lang="ko-KR" altLang="en-US" dirty="0"/>
+          </a:p>
+        </p:txBody>
+      </p:sp>
+      <p:sp>
+        <p:nvSpPr>
+          <p:cNvPr id="31" name="TextBox 30"/>
+          <p:cNvSpPr txBox="1"/>
+          <p:nvPr/>
+        </p:nvSpPr>
+        <p:spPr>
+          <a:xfrm>
+            <a:off x="1763756" y="910412"/>
+            <a:ext cx="1114536" cy="646331"/>
+          </a:xfrm>
+          <a:prstGeom prst="rect">
+            <a:avLst/>
+          </a:prstGeom>
+          <a:noFill/>
+        </p:spPr>
+        <p:txBody>
+          <a:bodyPr wrap="none" rtlCol="0">
+            <a:spAutoFit/>
+          </a:bodyPr>
+          <a:lstStyle/>
+          <a:p>
+            <a:pPr algn="ctr"/>
+            <a:r>
+              <a:rPr lang="en-US" altLang="ko-KR" dirty="0"/>
+              <a:t>False</a:t>
+            </a:r>
+          </a:p>
+          <a:p>
+            <a:pPr algn="ctr"/>
+            <a:r>
+              <a:rPr lang="en-US" altLang="ko-KR" dirty="0"/>
+              <a:t>Negative</a:t>
+            </a:r>
+            <a:endParaRPr lang="ko-KR" altLang="en-US" dirty="0"/>
+          </a:p>
+        </p:txBody>
+      </p:sp>
+      <p:sp>
+        <p:nvSpPr>
+          <p:cNvPr id="33" name="직사각형 32"/>
+          <p:cNvSpPr/>
+          <p:nvPr/>
+        </p:nvSpPr>
+        <p:spPr>
+          <a:xfrm>
+            <a:off x="3203848" y="3969882"/>
+            <a:ext cx="4536504" cy="1151634"/>
+          </a:xfrm>
+          <a:prstGeom prst="rect">
+            <a:avLst/>
+          </a:prstGeom>
+          <a:solidFill>
+            <a:schemeClr val="accent3">
+              <a:alpha val="20000"/>
+            </a:schemeClr>
+          </a:solidFill>
+          <a:ln>
+            <a:noFill/>
+          </a:ln>
+        </p:spPr>
+        <p:style>
+          <a:lnRef idx="2">
+            <a:schemeClr val="accent1">
+              <a:shade val="50000"/>
+            </a:schemeClr>
+          </a:lnRef>
+          <a:fillRef idx="1">
+            <a:schemeClr val="accent1"/>
+          </a:fillRef>
+          <a:effectRef idx="0">
+            <a:schemeClr val="accent1"/>
+          </a:effectRef>
+          <a:fontRef idx="minor">
+            <a:schemeClr val="lt1"/>
+          </a:fontRef>
+        </p:style>
+        <p:txBody>
+          <a:bodyPr rtlCol="0" anchor="ctr"/>
+          <a:lstStyle/>
+          <a:p>
+            <a:pPr algn="ctr"/>
+            <a:endParaRPr lang="ko-KR" altLang="en-US"/>
+          </a:p>
+        </p:txBody>
+      </p:sp>
+      <p:sp>
+        <p:nvSpPr>
+          <p:cNvPr id="34" name="직사각형 33"/>
+          <p:cNvSpPr/>
+          <p:nvPr/>
+        </p:nvSpPr>
+        <p:spPr>
+          <a:xfrm>
+            <a:off x="3203848" y="801530"/>
+            <a:ext cx="4536504" cy="3169358"/>
+          </a:xfrm>
+          <a:prstGeom prst="rect">
+            <a:avLst/>
+          </a:prstGeom>
+          <a:solidFill>
+            <a:schemeClr val="accent6">
+              <a:alpha val="20000"/>
+            </a:schemeClr>
+          </a:solidFill>
+          <a:ln>
+            <a:noFill/>
+          </a:ln>
+        </p:spPr>
+        <p:style>
+          <a:lnRef idx="2">
+            <a:schemeClr val="accent1">
+              <a:shade val="50000"/>
+            </a:schemeClr>
+          </a:lnRef>
+          <a:fillRef idx="1">
+            <a:schemeClr val="accent1"/>
+          </a:fillRef>
+          <a:effectRef idx="0">
+            <a:schemeClr val="accent1"/>
+          </a:effectRef>
+          <a:fontRef idx="minor">
+            <a:schemeClr val="lt1"/>
+          </a:fontRef>
+        </p:style>
+        <p:txBody>
+          <a:bodyPr rtlCol="0" anchor="ctr"/>
+          <a:lstStyle/>
+          <a:p>
+            <a:pPr algn="ctr"/>
+            <a:endParaRPr lang="ko-KR" altLang="en-US"/>
+          </a:p>
+        </p:txBody>
+      </p:sp>
+      <p:sp>
+        <p:nvSpPr>
+          <p:cNvPr id="35" name="직사각형 34"/>
+          <p:cNvSpPr/>
+          <p:nvPr/>
+        </p:nvSpPr>
+        <p:spPr>
+          <a:xfrm>
+            <a:off x="1403648" y="801530"/>
+            <a:ext cx="1800200" cy="936104"/>
+          </a:xfrm>
+          <a:prstGeom prst="rect">
+            <a:avLst/>
+          </a:prstGeom>
+          <a:solidFill>
+            <a:schemeClr val="accent2">
+              <a:alpha val="20000"/>
+            </a:schemeClr>
+          </a:solidFill>
+          <a:ln>
+            <a:noFill/>
+          </a:ln>
+        </p:spPr>
+        <p:style>
+          <a:lnRef idx="2">
+            <a:schemeClr val="accent1">
+              <a:shade val="50000"/>
+            </a:schemeClr>
+          </a:lnRef>
+          <a:fillRef idx="1">
+            <a:schemeClr val="accent1"/>
+          </a:fillRef>
+          <a:effectRef idx="0">
+            <a:schemeClr val="accent1"/>
+          </a:effectRef>
+          <a:fontRef idx="minor">
+            <a:schemeClr val="lt1"/>
+          </a:fontRef>
+        </p:style>
+        <p:txBody>
+          <a:bodyPr rtlCol="0" anchor="ctr"/>
+          <a:lstStyle/>
+          <a:p>
+            <a:pPr algn="ctr"/>
+            <a:endParaRPr lang="ko-KR" altLang="en-US"/>
+          </a:p>
+        </p:txBody>
+      </p:sp>
+      <p:sp>
+        <p:nvSpPr>
+          <p:cNvPr id="32" name="직사각형 31"/>
+          <p:cNvSpPr/>
+          <p:nvPr/>
+        </p:nvSpPr>
+        <p:spPr>
+          <a:xfrm>
+            <a:off x="1403648" y="1737634"/>
+            <a:ext cx="1800200" cy="3383882"/>
+          </a:xfrm>
+          <a:prstGeom prst="rect">
+            <a:avLst/>
+          </a:prstGeom>
+          <a:solidFill>
+            <a:schemeClr val="accent1">
+              <a:alpha val="20000"/>
+            </a:schemeClr>
+          </a:solidFill>
+          <a:ln>
+            <a:noFill/>
+          </a:ln>
+        </p:spPr>
+        <p:style>
+          <a:lnRef idx="2">
+            <a:schemeClr val="accent1">
+              <a:shade val="50000"/>
+            </a:schemeClr>
+          </a:lnRef>
+          <a:fillRef idx="1">
+            <a:schemeClr val="accent1"/>
+          </a:fillRef>
+          <a:effectRef idx="0">
+            <a:schemeClr val="accent1"/>
+          </a:effectRef>
+          <a:fontRef idx="minor">
+            <a:schemeClr val="lt1"/>
+          </a:fontRef>
+        </p:style>
+        <p:txBody>
+          <a:bodyPr rtlCol="0" anchor="ctr"/>
+          <a:lstStyle/>
+          <a:p>
+            <a:pPr algn="ctr"/>
+            <a:endParaRPr lang="ko-KR" altLang="en-US"/>
+          </a:p>
+        </p:txBody>
+      </p:sp>
+      <p:sp>
+        <p:nvSpPr>
+          <p:cNvPr id="44" name="TextBox 43"/>
+          <p:cNvSpPr txBox="1"/>
+          <p:nvPr/>
+        </p:nvSpPr>
+        <p:spPr>
+          <a:xfrm>
+            <a:off x="1319504" y="5868561"/>
+            <a:ext cx="1933991" cy="584775"/>
+          </a:xfrm>
+          <a:prstGeom prst="rect">
+            <a:avLst/>
+          </a:prstGeom>
+          <a:solidFill>
+            <a:schemeClr val="bg1"/>
+          </a:solidFill>
+        </p:spPr>
+        <p:txBody>
+          <a:bodyPr wrap="none" rtlCol="0">
+            <a:spAutoFit/>
+          </a:bodyPr>
+          <a:lstStyle/>
+          <a:p>
+            <a:pPr algn="ctr"/>
+            <a:r>
+              <a:rPr lang="en-US" altLang="ko-KR" sz="1600" b="1" dirty="0">
+                <a:solidFill>
+                  <a:srgbClr val="7030A0"/>
+                </a:solidFill>
+              </a:rPr>
+              <a:t>disease</a:t>
+            </a:r>
+            <a:r>
+              <a:rPr lang="ko-KR" altLang="en-US" sz="1600" b="1" dirty="0">
+                <a:solidFill>
+                  <a:srgbClr val="7030A0"/>
+                </a:solidFill>
+              </a:rPr>
+              <a:t> </a:t>
+            </a:r>
+            <a:r>
+              <a:rPr lang="en-US" altLang="ko-KR" sz="1600" b="1" dirty="0">
+                <a:solidFill>
+                  <a:srgbClr val="7030A0"/>
+                </a:solidFill>
+              </a:rPr>
+              <a:t>rate</a:t>
+            </a:r>
+          </a:p>
+          <a:p>
+            <a:pPr algn="ctr"/>
+            <a:r>
+              <a:rPr lang="en-US" altLang="ko-KR" sz="1600" b="1" dirty="0">
+                <a:solidFill>
+                  <a:srgbClr val="7030A0"/>
+                </a:solidFill>
+              </a:rPr>
+              <a:t>(prior probability)</a:t>
+            </a:r>
+            <a:endParaRPr lang="ko-KR" altLang="en-US" sz="1600" b="1" dirty="0">
+              <a:solidFill>
+                <a:srgbClr val="7030A0"/>
+              </a:solidFill>
+            </a:endParaRPr>
+          </a:p>
+        </p:txBody>
+      </p:sp>
+      <p:sp>
+        <p:nvSpPr>
+          <p:cNvPr id="43" name="타원 42"/>
+          <p:cNvSpPr/>
+          <p:nvPr/>
+        </p:nvSpPr>
+        <p:spPr>
+          <a:xfrm>
+            <a:off x="1588731" y="5178037"/>
+            <a:ext cx="1395530" cy="694211"/>
+          </a:xfrm>
+          <a:prstGeom prst="ellipse">
+            <a:avLst/>
+          </a:prstGeom>
+          <a:solidFill>
+            <a:srgbClr val="7030A0">
+              <a:alpha val="20000"/>
+            </a:srgbClr>
+          </a:solidFill>
+          <a:ln>
+            <a:solidFill>
+              <a:srgbClr val="7030A0"/>
+            </a:solidFill>
+            <a:prstDash val="dash"/>
+          </a:ln>
+        </p:spPr>
+        <p:style>
+          <a:lnRef idx="2">
+            <a:schemeClr val="accent1">
+              <a:shade val="50000"/>
+            </a:schemeClr>
+          </a:lnRef>
+          <a:fillRef idx="1">
+            <a:schemeClr val="accent1"/>
+          </a:fillRef>
+          <a:effectRef idx="0">
+            <a:schemeClr val="accent1"/>
+          </a:effectRef>
+          <a:fontRef idx="minor">
+            <a:schemeClr val="lt1"/>
+          </a:fontRef>
+        </p:style>
+        <p:txBody>
+          <a:bodyPr rtlCol="0" anchor="ctr"/>
+          <a:lstStyle/>
+          <a:p>
+            <a:pPr algn="ctr"/>
+            <a:endParaRPr lang="ko-KR" altLang="en-US"/>
+          </a:p>
+        </p:txBody>
+      </p:sp>
+    </p:spTree>
+    <p:extLst>
+      <p:ext uri="{BB962C8B-B14F-4D97-AF65-F5344CB8AC3E}">
+        <p14:creationId xmlns:p14="http://schemas.microsoft.com/office/powerpoint/2010/main" val="3813169741"/>
+      </p:ext>
+    </p:extLst>
+  </p:cSld>
+  <p:clrMapOvr>
+    <a:masterClrMapping/>
+  </p:clrMapOvr>
+</p:sld>
+</file>
+
+<file path=ppt/slides/slide5.xml><?xml version="1.0" encoding="utf-8"?>
+<p:sld xmlns:a="http://schemas.openxmlformats.org/drawingml/2006/main" xmlns:r="http://schemas.openxmlformats.org/officeDocument/2006/relationships" xmlns:p="http://schemas.openxmlformats.org/presentationml/2006/main">
+  <p:cSld>
+    <p:spTree>
+      <p:nvGrpSpPr>
+        <p:cNvPr id="1" name=""/>
+        <p:cNvGrpSpPr/>
+        <p:nvPr/>
+      </p:nvGrpSpPr>
+      <p:grpSpPr>
+        <a:xfrm>
+          <a:off x="0" y="0"/>
+          <a:ext cx="0" cy="0"/>
+          <a:chOff x="0" y="0"/>
+          <a:chExt cx="0" cy="0"/>
+        </a:xfrm>
+      </p:grpSpPr>
+      <mc:AlternateContent xmlns:mc="http://schemas.openxmlformats.org/markup-compatibility/2006" xmlns:a14="http://schemas.microsoft.com/office/drawing/2010/main">
+        <mc:Choice Requires="a14">
           <p:sp>
             <p:nvSpPr>
               <p:cNvPr id="12" name="TextBox 11"/>
@@ -5639,7 +8045,7 @@
                         <m:dPr>
                           <m:ctrlPr>
                             <a:rPr lang="en-US" altLang="ko-KR" b="0" i="1" smtClean="0">
-                              <a:latin typeface="Cambria Math"/>
+                              <a:latin typeface="Cambria Math" panose="02040503050406030204" pitchFamily="18" charset="0"/>
                             </a:rPr>
                           </m:ctrlPr>
                         </m:dPr>
@@ -5648,7 +8054,7 @@
                             <m:sSupPr>
                               <m:ctrlPr>
                                 <a:rPr lang="en-US" altLang="ko-KR" b="0" i="1" smtClean="0">
-                                  <a:latin typeface="Cambria Math"/>
+                                  <a:latin typeface="Cambria Math" panose="02040503050406030204" pitchFamily="18" charset="0"/>
                                 </a:rPr>
                               </m:ctrlPr>
                             </m:sSupPr>
@@ -5674,7 +8080,7 @@
                     </m:oMath>
                   </m:oMathPara>
                 </a14:m>
-                <a:endParaRPr lang="en-US" altLang="ko-KR" b="0" dirty="0" smtClean="0"/>
+                <a:endParaRPr lang="en-US" altLang="ko-KR" b="0" dirty="0"/>
               </a:p>
               <a:p>
                 <a:pPr algn="ctr"/>
@@ -5688,13 +8094,7 @@
                         <a:rPr lang="en-US" altLang="ko-KR" b="0" i="1" smtClean="0">
                           <a:latin typeface="Cambria Math"/>
                         </a:rPr>
-                        <m:t>=0.9</m:t>
-                      </m:r>
-                      <m:r>
-                        <a:rPr lang="en-US" altLang="ko-KR" b="0" i="1" smtClean="0">
-                          <a:latin typeface="Cambria Math"/>
-                        </a:rPr>
-                        <m:t>53</m:t>
+                        <m:t>=0.953</m:t>
                       </m:r>
                     </m:oMath>
                   </m:oMathPara>
@@ -5704,7 +8104,7 @@
             </p:txBody>
           </p:sp>
         </mc:Choice>
-        <mc:Fallback>
+        <mc:Fallback xmlns="">
           <p:sp>
             <p:nvSpPr>
               <p:cNvPr id="12" name="TextBox 11"/>
@@ -5813,7 +8213,7 @@
                     </m:oMath>
                   </m:oMathPara>
                 </a14:m>
-                <a:endParaRPr lang="en-US" altLang="ko-KR" dirty="0" smtClean="0"/>
+                <a:endParaRPr lang="en-US" altLang="ko-KR" dirty="0"/>
               </a:p>
               <a:p>
                 <a:pPr/>
@@ -6214,7 +8614,7 @@
                         <m:dPr>
                           <m:ctrlPr>
                             <a:rPr lang="en-US" altLang="ko-KR" b="0" i="1" smtClean="0">
-                              <a:latin typeface="Cambria Math"/>
+                              <a:latin typeface="Cambria Math" panose="02040503050406030204" pitchFamily="18" charset="0"/>
                             </a:rPr>
                           </m:ctrlPr>
                         </m:dPr>
@@ -6231,7 +8631,7 @@
                             <m:sSupPr>
                               <m:ctrlPr>
                                 <a:rPr lang="en-US" altLang="ko-KR" b="0" i="1" smtClean="0">
-                                  <a:latin typeface="Cambria Math"/>
+                                  <a:latin typeface="Cambria Math" panose="02040503050406030204" pitchFamily="18" charset="0"/>
                                 </a:rPr>
                               </m:ctrlPr>
                             </m:sSupPr>
@@ -6257,7 +8657,7 @@
                     </m:oMath>
                   </m:oMathPara>
                 </a14:m>
-                <a:endParaRPr lang="en-US" altLang="ko-KR" b="0" dirty="0" smtClean="0"/>
+                <a:endParaRPr lang="en-US" altLang="ko-KR" b="0" dirty="0"/>
               </a:p>
               <a:p>
                 <a:pPr/>
@@ -6461,7 +8861,7 @@
                         <m:sSupPr>
                           <m:ctrlPr>
                             <a:rPr lang="en-US" altLang="ko-KR" b="0" i="1" dirty="0" smtClean="0">
-                              <a:latin typeface="Cambria Math"/>
+                              <a:latin typeface="Cambria Math" panose="02040503050406030204" pitchFamily="18" charset="0"/>
                             </a:rPr>
                           </m:ctrlPr>
                         </m:sSupPr>
@@ -6492,7 +8892,7 @@
                         <m:sSupPr>
                           <m:ctrlPr>
                             <a:rPr lang="en-US" altLang="ko-KR" b="0" i="1" dirty="0" smtClean="0">
-                              <a:latin typeface="Cambria Math"/>
+                              <a:latin typeface="Cambria Math" panose="02040503050406030204" pitchFamily="18" charset="0"/>
                             </a:rPr>
                           </m:ctrlPr>
                         </m:sSupPr>
@@ -6522,7 +8922,7 @@
                     </m:oMath>
                   </m:oMathPara>
                 </a14:m>
-                <a:endParaRPr lang="en-US" altLang="ko-KR" dirty="0" smtClean="0"/>
+                <a:endParaRPr lang="en-US" altLang="ko-KR" dirty="0"/>
               </a:p>
               <a:p>
                 <a:pPr/>
@@ -6668,14 +9068,14 @@
           <a:p>
             <a:pPr algn="ctr"/>
             <a:r>
-              <a:rPr lang="ko-KR" altLang="en-US" sz="1600" b="1" dirty="0" smtClean="0">
+              <a:rPr lang="ko-KR" altLang="en-US" sz="1600" b="1" dirty="0">
                 <a:solidFill>
                   <a:schemeClr val="accent1"/>
                 </a:solidFill>
               </a:rPr>
               <a:t>민감도</a:t>
             </a:r>
-            <a:endParaRPr lang="en-US" altLang="ko-KR" sz="1600" b="1" dirty="0" smtClean="0">
+            <a:endParaRPr lang="en-US" altLang="ko-KR" sz="1600" b="1" dirty="0">
               <a:solidFill>
                 <a:schemeClr val="accent1"/>
               </a:solidFill>
@@ -6684,7 +9084,7 @@
           <a:p>
             <a:pPr algn="ctr"/>
             <a:r>
-              <a:rPr lang="en-US" altLang="ko-KR" sz="1600" b="1" dirty="0" smtClean="0">
+              <a:rPr lang="en-US" altLang="ko-KR" sz="1600" b="1" dirty="0">
                 <a:solidFill>
                   <a:schemeClr val="accent1"/>
                 </a:solidFill>
@@ -6725,22 +9125,14 @@
           <a:p>
             <a:pPr algn="ctr"/>
             <a:r>
-              <a:rPr lang="ko-KR" altLang="en-US" sz="1600" b="1" dirty="0" smtClean="0">
-                <a:solidFill>
-                  <a:srgbClr val="C00000"/>
-                </a:solidFill>
-              </a:rPr>
-              <a:t>특이</a:t>
-            </a:r>
-            <a:r>
               <a:rPr lang="ko-KR" altLang="en-US" sz="1600" b="1" dirty="0">
                 <a:solidFill>
                   <a:srgbClr val="C00000"/>
                 </a:solidFill>
               </a:rPr>
-              <a:t>도</a:t>
-            </a:r>
-            <a:endParaRPr lang="en-US" altLang="ko-KR" sz="1600" b="1" dirty="0" smtClean="0">
+              <a:t>특이도</a:t>
+            </a:r>
+            <a:endParaRPr lang="en-US" altLang="ko-KR" sz="1600" b="1" dirty="0">
               <a:solidFill>
                 <a:srgbClr val="C00000"/>
               </a:solidFill>
@@ -6749,7 +9141,7 @@
           <a:p>
             <a:pPr algn="ctr"/>
             <a:r>
-              <a:rPr lang="en-US" altLang="ko-KR" sz="1600" b="1" dirty="0" smtClean="0">
+              <a:rPr lang="en-US" altLang="ko-KR" sz="1600" b="1" dirty="0">
                 <a:solidFill>
                   <a:srgbClr val="C00000"/>
                 </a:solidFill>
@@ -7059,14 +9451,14 @@
           <a:p>
             <a:pPr algn="ctr"/>
             <a:r>
-              <a:rPr lang="en-US" altLang="ko-KR" dirty="0" smtClean="0"/>
+              <a:rPr lang="en-US" altLang="ko-KR" dirty="0"/>
               <a:t>True</a:t>
             </a:r>
           </a:p>
           <a:p>
             <a:pPr algn="ctr"/>
             <a:r>
-              <a:rPr lang="en-US" altLang="ko-KR" dirty="0" smtClean="0"/>
+              <a:rPr lang="en-US" altLang="ko-KR" dirty="0"/>
               <a:t>Negative</a:t>
             </a:r>
             <a:endParaRPr lang="ko-KR" altLang="en-US" dirty="0"/>
@@ -7097,14 +9489,14 @@
           <a:p>
             <a:pPr algn="ctr"/>
             <a:r>
-              <a:rPr lang="en-US" altLang="ko-KR" dirty="0" smtClean="0"/>
+              <a:rPr lang="en-US" altLang="ko-KR" dirty="0"/>
               <a:t>False</a:t>
             </a:r>
           </a:p>
           <a:p>
             <a:pPr algn="ctr"/>
             <a:r>
-              <a:rPr lang="en-US" altLang="ko-KR" dirty="0" smtClean="0"/>
+              <a:rPr lang="en-US" altLang="ko-KR" dirty="0"/>
               <a:t>Positive</a:t>
             </a:r>
             <a:endParaRPr lang="ko-KR" altLang="en-US" dirty="0"/>
@@ -7135,14 +9527,14 @@
           <a:p>
             <a:pPr algn="ctr"/>
             <a:r>
-              <a:rPr lang="en-US" altLang="ko-KR" dirty="0" smtClean="0"/>
+              <a:rPr lang="en-US" altLang="ko-KR" dirty="0"/>
               <a:t>False</a:t>
             </a:r>
           </a:p>
           <a:p>
             <a:pPr algn="ctr"/>
             <a:r>
-              <a:rPr lang="en-US" altLang="ko-KR" dirty="0" smtClean="0"/>
+              <a:rPr lang="en-US" altLang="ko-KR" dirty="0"/>
               <a:t>Negative</a:t>
             </a:r>
             <a:endParaRPr lang="ko-KR" altLang="en-US" dirty="0"/>
@@ -7417,14 +9809,14 @@
           <a:p>
             <a:pPr algn="ctr"/>
             <a:r>
-              <a:rPr lang="ko-KR" altLang="en-US" sz="1600" b="1" dirty="0" smtClean="0">
+              <a:rPr lang="ko-KR" altLang="en-US" sz="1600" b="1" dirty="0">
                 <a:solidFill>
                   <a:srgbClr val="7030A0"/>
                 </a:solidFill>
               </a:rPr>
               <a:t>발병률</a:t>
             </a:r>
-            <a:endParaRPr lang="en-US" altLang="ko-KR" sz="1600" b="1" dirty="0" smtClean="0">
+            <a:endParaRPr lang="en-US" altLang="ko-KR" sz="1600" b="1" dirty="0">
               <a:solidFill>
                 <a:srgbClr val="7030A0"/>
               </a:solidFill>
@@ -7433,7 +9825,7 @@
           <a:p>
             <a:pPr algn="ctr"/>
             <a:r>
-              <a:rPr lang="en-US" altLang="ko-KR" sz="1600" b="1" dirty="0" smtClean="0">
+              <a:rPr lang="en-US" altLang="ko-KR" sz="1600" b="1" dirty="0">
                 <a:solidFill>
                   <a:srgbClr val="7030A0"/>
                 </a:solidFill>
@@ -7441,23 +9833,15 @@
               <a:t>(</a:t>
             </a:r>
             <a:r>
-              <a:rPr lang="ko-KR" altLang="en-US" sz="1600" b="1" dirty="0" smtClean="0">
+              <a:rPr lang="ko-KR" altLang="en-US" sz="1600" b="1" dirty="0">
                 <a:solidFill>
                   <a:srgbClr val="7030A0"/>
                 </a:solidFill>
               </a:rPr>
-              <a:t>수정된 사전 </a:t>
-            </a:r>
-            <a:r>
-              <a:rPr lang="ko-KR" altLang="en-US" sz="1600" b="1" dirty="0" smtClean="0">
-                <a:solidFill>
-                  <a:srgbClr val="7030A0"/>
-                </a:solidFill>
-              </a:rPr>
-              <a:t>확률</a:t>
-            </a:r>
-            <a:r>
-              <a:rPr lang="en-US" altLang="ko-KR" sz="1600" b="1" dirty="0" smtClean="0">
+              <a:t>수정된 사전 확률</a:t>
+            </a:r>
+            <a:r>
+              <a:rPr lang="en-US" altLang="ko-KR" sz="1600" b="1" dirty="0">
                 <a:solidFill>
                   <a:srgbClr val="7030A0"/>
                 </a:solidFill>
@@ -7547,22 +9931,22 @@
           <a:p>
             <a:pPr algn="ctr"/>
             <a:r>
-              <a:rPr lang="en-US" altLang="ko-KR" dirty="0" smtClean="0"/>
+              <a:rPr lang="en-US" altLang="ko-KR" dirty="0"/>
               <a:t>True</a:t>
             </a:r>
           </a:p>
           <a:p>
             <a:pPr algn="ctr"/>
             <a:r>
-              <a:rPr lang="en-US" altLang="ko-KR" dirty="0" smtClean="0"/>
+              <a:rPr lang="en-US" altLang="ko-KR" dirty="0"/>
               <a:t>Positive</a:t>
             </a:r>
             <a:endParaRPr lang="ko-KR" altLang="en-US" dirty="0"/>
           </a:p>
         </p:txBody>
       </p:sp>
-      <mc:AlternateContent xmlns:mc="http://schemas.openxmlformats.org/markup-compatibility/2006">
-        <mc:Choice xmlns:a14="http://schemas.microsoft.com/office/drawing/2010/main" Requires="a14">
+      <mc:AlternateContent xmlns:mc="http://schemas.openxmlformats.org/markup-compatibility/2006" xmlns:a14="http://schemas.microsoft.com/office/drawing/2010/main">
+        <mc:Choice Requires="a14">
           <p:sp>
             <p:nvSpPr>
               <p:cNvPr id="11" name="TextBox 10"/>
@@ -7602,7 +9986,7 @@
                         <m:dPr>
                           <m:ctrlPr>
                             <a:rPr lang="en-US" altLang="ko-KR" b="0" i="1" smtClean="0">
-                              <a:latin typeface="Cambria Math"/>
+                              <a:latin typeface="Cambria Math" panose="02040503050406030204" pitchFamily="18" charset="0"/>
                             </a:rPr>
                           </m:ctrlPr>
                         </m:dPr>
@@ -7641,7 +10025,7 @@
             </p:txBody>
           </p:sp>
         </mc:Choice>
-        <mc:Fallback>
+        <mc:Fallback xmlns="">
           <p:sp>
             <p:nvSpPr>
               <p:cNvPr id="11" name="TextBox 10"/>
@@ -7720,6 +10104,2079 @@
     <p:extLst>
       <p:ext uri="{BB962C8B-B14F-4D97-AF65-F5344CB8AC3E}">
         <p14:creationId xmlns:p14="http://schemas.microsoft.com/office/powerpoint/2010/main" val="2152634138"/>
+      </p:ext>
+    </p:extLst>
+  </p:cSld>
+  <p:clrMapOvr>
+    <a:masterClrMapping/>
+  </p:clrMapOvr>
+</p:sld>
+</file>
+
+<file path=ppt/slides/slide6.xml><?xml version="1.0" encoding="utf-8"?>
+<p:sld xmlns:a="http://schemas.openxmlformats.org/drawingml/2006/main" xmlns:r="http://schemas.openxmlformats.org/officeDocument/2006/relationships" xmlns:p="http://schemas.openxmlformats.org/presentationml/2006/main">
+  <p:cSld>
+    <p:spTree>
+      <p:nvGrpSpPr>
+        <p:cNvPr id="1" name=""/>
+        <p:cNvGrpSpPr/>
+        <p:nvPr/>
+      </p:nvGrpSpPr>
+      <p:grpSpPr>
+        <a:xfrm>
+          <a:off x="0" y="0"/>
+          <a:ext cx="0" cy="0"/>
+          <a:chOff x="0" y="0"/>
+          <a:chExt cx="0" cy="0"/>
+        </a:xfrm>
+      </p:grpSpPr>
+      <mc:AlternateContent xmlns:mc="http://schemas.openxmlformats.org/markup-compatibility/2006" xmlns:a14="http://schemas.microsoft.com/office/drawing/2010/main">
+        <mc:Choice Requires="a14">
+          <p:sp>
+            <p:nvSpPr>
+              <p:cNvPr id="12" name="TextBox 11"/>
+              <p:cNvSpPr txBox="1"/>
+              <p:nvPr/>
+            </p:nvSpPr>
+            <p:spPr>
+              <a:xfrm>
+                <a:off x="5436096" y="5374957"/>
+                <a:ext cx="1035189" cy="646331"/>
+              </a:xfrm>
+              <a:prstGeom prst="rect">
+                <a:avLst/>
+              </a:prstGeom>
+              <a:noFill/>
+            </p:spPr>
+            <p:txBody>
+              <a:bodyPr wrap="square" rtlCol="0">
+                <a:spAutoFit/>
+              </a:bodyPr>
+              <a:lstStyle/>
+              <a:p>
+                <a:pPr algn="ctr"/>
+                <a14:m>
+                  <m:oMathPara xmlns:m="http://schemas.openxmlformats.org/officeDocument/2006/math">
+                    <m:oMathParaPr>
+                      <m:jc m:val="center"/>
+                    </m:oMathParaPr>
+                    <m:oMath xmlns:m="http://schemas.openxmlformats.org/officeDocument/2006/math">
+                      <m:r>
+                        <a:rPr lang="en-US" altLang="ko-KR" b="0" i="1" smtClean="0">
+                          <a:latin typeface="Cambria Math"/>
+                        </a:rPr>
+                        <m:t>𝑃</m:t>
+                      </m:r>
+                      <m:d>
+                        <m:dPr>
+                          <m:ctrlPr>
+                            <a:rPr lang="en-US" altLang="ko-KR" b="0" i="1" smtClean="0">
+                              <a:latin typeface="Cambria Math" panose="02040503050406030204" pitchFamily="18" charset="0"/>
+                            </a:rPr>
+                          </m:ctrlPr>
+                        </m:dPr>
+                        <m:e>
+                          <m:sSup>
+                            <m:sSupPr>
+                              <m:ctrlPr>
+                                <a:rPr lang="en-US" altLang="ko-KR" b="0" i="1" smtClean="0">
+                                  <a:latin typeface="Cambria Math" panose="02040503050406030204" pitchFamily="18" charset="0"/>
+                                </a:rPr>
+                              </m:ctrlPr>
+                            </m:sSupPr>
+                            <m:e>
+                              <m:r>
+                                <a:rPr lang="en-US" altLang="ko-KR" b="0" i="1" smtClean="0">
+                                  <a:latin typeface="Cambria Math"/>
+                                </a:rPr>
+                                <m:t>𝐻</m:t>
+                              </m:r>
+                            </m:e>
+                            <m:sup>
+                              <m:r>
+                                <a:rPr lang="en-US" altLang="ko-KR" b="0" i="1" smtClean="0">
+                                  <a:latin typeface="Cambria Math"/>
+                                </a:rPr>
+                                <m:t>𝑐</m:t>
+                              </m:r>
+                            </m:sup>
+                          </m:sSup>
+                        </m:e>
+                      </m:d>
+                    </m:oMath>
+                  </m:oMathPara>
+                </a14:m>
+                <a:endParaRPr lang="en-US" altLang="ko-KR" b="0" dirty="0"/>
+              </a:p>
+              <a:p>
+                <a:pPr algn="ctr"/>
+                <a14:m>
+                  <m:oMathPara xmlns:m="http://schemas.openxmlformats.org/officeDocument/2006/math">
+                    <m:oMathParaPr>
+                      <m:jc m:val="center"/>
+                    </m:oMathParaPr>
+                    <m:oMath xmlns:m="http://schemas.openxmlformats.org/officeDocument/2006/math">
+                      <m:r>
+                        <a:rPr lang="en-US" altLang="ko-KR" b="0" i="1" smtClean="0">
+                          <a:latin typeface="Cambria Math"/>
+                        </a:rPr>
+                        <m:t>=0.953</m:t>
+                      </m:r>
+                    </m:oMath>
+                  </m:oMathPara>
+                </a14:m>
+                <a:endParaRPr lang="ko-KR" altLang="en-US" dirty="0"/>
+              </a:p>
+            </p:txBody>
+          </p:sp>
+        </mc:Choice>
+        <mc:Fallback xmlns="">
+          <p:sp>
+            <p:nvSpPr>
+              <p:cNvPr id="12" name="TextBox 11"/>
+              <p:cNvSpPr txBox="1">
+                <a:spLocks noRot="1" noChangeAspect="1" noMove="1" noResize="1" noEditPoints="1" noAdjustHandles="1" noChangeArrowheads="1" noChangeShapeType="1" noTextEdit="1"/>
+              </p:cNvSpPr>
+              <p:nvPr/>
+            </p:nvSpPr>
+            <p:spPr>
+              <a:xfrm>
+                <a:off x="5436096" y="5374957"/>
+                <a:ext cx="1035189" cy="646331"/>
+              </a:xfrm>
+              <a:prstGeom prst="rect">
+                <a:avLst/>
+              </a:prstGeom>
+              <a:blipFill rotWithShape="1">
+                <a:blip r:embed="rId2"/>
+                <a:stretch>
+                  <a:fillRect/>
+                </a:stretch>
+              </a:blipFill>
+            </p:spPr>
+            <p:txBody>
+              <a:bodyPr/>
+              <a:lstStyle/>
+              <a:p>
+                <a:r>
+                  <a:rPr lang="ko-KR" altLang="en-US">
+                    <a:noFill/>
+                  </a:rPr>
+                  <a:t> </a:t>
+                </a:r>
+              </a:p>
+            </p:txBody>
+          </p:sp>
+        </mc:Fallback>
+      </mc:AlternateContent>
+      <mc:AlternateContent xmlns:mc="http://schemas.openxmlformats.org/markup-compatibility/2006" xmlns:a14="http://schemas.microsoft.com/office/drawing/2010/main">
+        <mc:Choice Requires="a14">
+          <p:sp>
+            <p:nvSpPr>
+              <p:cNvPr id="13" name="TextBox 12"/>
+              <p:cNvSpPr txBox="1"/>
+              <p:nvPr/>
+            </p:nvSpPr>
+            <p:spPr>
+              <a:xfrm>
+                <a:off x="395536" y="3145031"/>
+                <a:ext cx="904361" cy="646331"/>
+              </a:xfrm>
+              <a:prstGeom prst="rect">
+                <a:avLst/>
+              </a:prstGeom>
+              <a:noFill/>
+            </p:spPr>
+            <p:txBody>
+              <a:bodyPr wrap="square" rtlCol="0">
+                <a:spAutoFit/>
+              </a:bodyPr>
+              <a:lstStyle/>
+              <a:p>
+                <a:pPr/>
+                <a14:m>
+                  <m:oMathPara xmlns:m="http://schemas.openxmlformats.org/officeDocument/2006/math">
+                    <m:oMathParaPr>
+                      <m:jc m:val="center"/>
+                    </m:oMathParaPr>
+                    <m:oMath xmlns:m="http://schemas.openxmlformats.org/officeDocument/2006/math">
+                      <m:r>
+                        <a:rPr lang="en-US" altLang="ko-KR" b="0" i="1" dirty="0" smtClean="0">
+                          <a:latin typeface="Cambria Math"/>
+                        </a:rPr>
+                        <m:t>𝑃</m:t>
+                      </m:r>
+                      <m:r>
+                        <a:rPr lang="en-US" altLang="ko-KR" b="0" i="1" dirty="0" smtClean="0">
+                          <a:latin typeface="Cambria Math"/>
+                        </a:rPr>
+                        <m:t>(</m:t>
+                      </m:r>
+                      <m:r>
+                        <a:rPr lang="en-US" altLang="ko-KR" b="0" i="1" dirty="0" smtClean="0">
+                          <a:latin typeface="Cambria Math"/>
+                        </a:rPr>
+                        <m:t>𝐸</m:t>
+                      </m:r>
+                      <m:r>
+                        <a:rPr lang="en-US" altLang="ko-KR" b="0" i="1" dirty="0" smtClean="0">
+                          <a:latin typeface="Cambria Math"/>
+                        </a:rPr>
+                        <m:t>|</m:t>
+                      </m:r>
+                      <m:r>
+                        <a:rPr lang="en-US" altLang="ko-KR" b="0" i="1" dirty="0" smtClean="0">
+                          <a:latin typeface="Cambria Math"/>
+                        </a:rPr>
+                        <m:t>𝐻</m:t>
+                      </m:r>
+                      <m:r>
+                        <a:rPr lang="en-US" altLang="ko-KR" b="0" i="1" dirty="0" smtClean="0">
+                          <a:latin typeface="Cambria Math"/>
+                        </a:rPr>
+                        <m:t>)</m:t>
+                      </m:r>
+                    </m:oMath>
+                  </m:oMathPara>
+                </a14:m>
+                <a:endParaRPr lang="en-US" altLang="ko-KR" dirty="0"/>
+              </a:p>
+              <a:p>
+                <a:pPr/>
+                <a14:m>
+                  <m:oMathPara xmlns:m="http://schemas.openxmlformats.org/officeDocument/2006/math">
+                    <m:oMathParaPr>
+                      <m:jc m:val="center"/>
+                    </m:oMathParaPr>
+                    <m:oMath xmlns:m="http://schemas.openxmlformats.org/officeDocument/2006/math">
+                      <m:r>
+                        <a:rPr lang="en-US" altLang="ko-KR" i="1" dirty="0" smtClean="0">
+                          <a:latin typeface="Cambria Math"/>
+                        </a:rPr>
+                        <m:t>=0.99</m:t>
+                      </m:r>
+                    </m:oMath>
+                  </m:oMathPara>
+                </a14:m>
+                <a:endParaRPr lang="ko-KR" altLang="en-US" dirty="0"/>
+              </a:p>
+            </p:txBody>
+          </p:sp>
+        </mc:Choice>
+        <mc:Fallback xmlns="">
+          <p:sp>
+            <p:nvSpPr>
+              <p:cNvPr id="13" name="TextBox 12"/>
+              <p:cNvSpPr txBox="1">
+                <a:spLocks noRot="1" noChangeAspect="1" noMove="1" noResize="1" noEditPoints="1" noAdjustHandles="1" noChangeArrowheads="1" noChangeShapeType="1" noTextEdit="1"/>
+              </p:cNvSpPr>
+              <p:nvPr/>
+            </p:nvSpPr>
+            <p:spPr>
+              <a:xfrm>
+                <a:off x="395536" y="3145031"/>
+                <a:ext cx="904361" cy="646331"/>
+              </a:xfrm>
+              <a:prstGeom prst="rect">
+                <a:avLst/>
+              </a:prstGeom>
+              <a:blipFill rotWithShape="1">
+                <a:blip r:embed="rId4"/>
+                <a:stretch>
+                  <a:fillRect r="-4054"/>
+                </a:stretch>
+              </a:blipFill>
+            </p:spPr>
+            <p:txBody>
+              <a:bodyPr/>
+              <a:lstStyle/>
+              <a:p>
+                <a:r>
+                  <a:rPr lang="ko-KR" altLang="en-US">
+                    <a:noFill/>
+                  </a:rPr>
+                  <a:t> </a:t>
+                </a:r>
+              </a:p>
+            </p:txBody>
+          </p:sp>
+        </mc:Fallback>
+      </mc:AlternateContent>
+      <p:sp>
+        <p:nvSpPr>
+          <p:cNvPr id="14" name="원호 13"/>
+          <p:cNvSpPr/>
+          <p:nvPr/>
+        </p:nvSpPr>
+        <p:spPr>
+          <a:xfrm flipH="1">
+            <a:off x="976489" y="1688504"/>
+            <a:ext cx="1191106" cy="3690180"/>
+          </a:xfrm>
+          <a:prstGeom prst="arc">
+            <a:avLst>
+              <a:gd name="adj1" fmla="val 16586860"/>
+              <a:gd name="adj2" fmla="val 19367740"/>
+            </a:avLst>
+          </a:prstGeom>
+          <a:ln>
+            <a:solidFill>
+              <a:schemeClr val="tx1"/>
+            </a:solidFill>
+            <a:prstDash val="dash"/>
+          </a:ln>
+        </p:spPr>
+        <p:style>
+          <a:lnRef idx="1">
+            <a:schemeClr val="accent1"/>
+          </a:lnRef>
+          <a:fillRef idx="0">
+            <a:schemeClr val="accent1"/>
+          </a:fillRef>
+          <a:effectRef idx="0">
+            <a:schemeClr val="accent1"/>
+          </a:effectRef>
+          <a:fontRef idx="minor">
+            <a:schemeClr val="tx1"/>
+          </a:fontRef>
+        </p:style>
+        <p:txBody>
+          <a:bodyPr rtlCol="0" anchor="ctr"/>
+          <a:lstStyle/>
+          <a:p>
+            <a:pPr algn="ctr"/>
+            <a:endParaRPr lang="ko-KR" altLang="en-US"/>
+          </a:p>
+        </p:txBody>
+      </p:sp>
+      <p:sp>
+        <p:nvSpPr>
+          <p:cNvPr id="15" name="원호 14"/>
+          <p:cNvSpPr/>
+          <p:nvPr/>
+        </p:nvSpPr>
+        <p:spPr>
+          <a:xfrm flipH="1" flipV="1">
+            <a:off x="976489" y="1233578"/>
+            <a:ext cx="1191106" cy="3960440"/>
+          </a:xfrm>
+          <a:prstGeom prst="arc">
+            <a:avLst>
+              <a:gd name="adj1" fmla="val 16586860"/>
+              <a:gd name="adj2" fmla="val 18888003"/>
+            </a:avLst>
+          </a:prstGeom>
+          <a:ln>
+            <a:solidFill>
+              <a:schemeClr val="tx1"/>
+            </a:solidFill>
+            <a:prstDash val="dash"/>
+          </a:ln>
+        </p:spPr>
+        <p:style>
+          <a:lnRef idx="1">
+            <a:schemeClr val="accent1"/>
+          </a:lnRef>
+          <a:fillRef idx="0">
+            <a:schemeClr val="accent1"/>
+          </a:fillRef>
+          <a:effectRef idx="0">
+            <a:schemeClr val="accent1"/>
+          </a:effectRef>
+          <a:fontRef idx="minor">
+            <a:schemeClr val="tx1"/>
+          </a:fontRef>
+        </p:style>
+        <p:txBody>
+          <a:bodyPr rtlCol="0" anchor="ctr"/>
+          <a:lstStyle/>
+          <a:p>
+            <a:pPr algn="ctr"/>
+            <a:endParaRPr lang="ko-KR" altLang="en-US"/>
+          </a:p>
+        </p:txBody>
+      </p:sp>
+      <p:grpSp>
+        <p:nvGrpSpPr>
+          <p:cNvPr id="23" name="그룹 22"/>
+          <p:cNvGrpSpPr/>
+          <p:nvPr/>
+        </p:nvGrpSpPr>
+        <p:grpSpPr>
+          <a:xfrm>
+            <a:off x="3610948" y="4420866"/>
+            <a:ext cx="4459766" cy="1087740"/>
+            <a:chOff x="2221614" y="4614158"/>
+            <a:chExt cx="6120680" cy="1191106"/>
+          </a:xfrm>
+        </p:grpSpPr>
+        <p:sp>
+          <p:nvSpPr>
+            <p:cNvPr id="21" name="원호 20"/>
+            <p:cNvSpPr/>
+            <p:nvPr/>
+          </p:nvSpPr>
+          <p:spPr>
+            <a:xfrm rot="16200000" flipH="1">
+              <a:off x="5022274" y="2485244"/>
+              <a:ext cx="1191106" cy="5448934"/>
+            </a:xfrm>
+            <a:prstGeom prst="arc">
+              <a:avLst>
+                <a:gd name="adj1" fmla="val 16586860"/>
+                <a:gd name="adj2" fmla="val 18773968"/>
+              </a:avLst>
+            </a:prstGeom>
+            <a:ln>
+              <a:solidFill>
+                <a:schemeClr val="tx1"/>
+              </a:solidFill>
+              <a:prstDash val="dash"/>
+            </a:ln>
+          </p:spPr>
+          <p:style>
+            <a:lnRef idx="1">
+              <a:schemeClr val="accent1"/>
+            </a:lnRef>
+            <a:fillRef idx="0">
+              <a:schemeClr val="accent1"/>
+            </a:fillRef>
+            <a:effectRef idx="0">
+              <a:schemeClr val="accent1"/>
+            </a:effectRef>
+            <a:fontRef idx="minor">
+              <a:schemeClr val="tx1"/>
+            </a:fontRef>
+          </p:style>
+          <p:txBody>
+            <a:bodyPr rtlCol="0" anchor="ctr"/>
+            <a:lstStyle/>
+            <a:p>
+              <a:pPr algn="ctr"/>
+              <a:endParaRPr lang="ko-KR" altLang="en-US"/>
+            </a:p>
+          </p:txBody>
+        </p:sp>
+        <p:sp>
+          <p:nvSpPr>
+            <p:cNvPr id="22" name="원호 21"/>
+            <p:cNvSpPr/>
+            <p:nvPr/>
+          </p:nvSpPr>
+          <p:spPr>
+            <a:xfrm rot="16200000" flipH="1" flipV="1">
+              <a:off x="4550062" y="2285710"/>
+              <a:ext cx="1191106" cy="5848001"/>
+            </a:xfrm>
+            <a:prstGeom prst="arc">
+              <a:avLst>
+                <a:gd name="adj1" fmla="val 16586860"/>
+                <a:gd name="adj2" fmla="val 18742474"/>
+              </a:avLst>
+            </a:prstGeom>
+            <a:ln>
+              <a:solidFill>
+                <a:schemeClr val="tx1"/>
+              </a:solidFill>
+              <a:prstDash val="dash"/>
+            </a:ln>
+          </p:spPr>
+          <p:style>
+            <a:lnRef idx="1">
+              <a:schemeClr val="accent1"/>
+            </a:lnRef>
+            <a:fillRef idx="0">
+              <a:schemeClr val="accent1"/>
+            </a:fillRef>
+            <a:effectRef idx="0">
+              <a:schemeClr val="accent1"/>
+            </a:effectRef>
+            <a:fontRef idx="minor">
+              <a:schemeClr val="tx1"/>
+            </a:fontRef>
+          </p:style>
+          <p:txBody>
+            <a:bodyPr rtlCol="0" anchor="ctr"/>
+            <a:lstStyle/>
+            <a:p>
+              <a:pPr algn="ctr"/>
+              <a:endParaRPr lang="ko-KR" altLang="en-US"/>
+            </a:p>
+          </p:txBody>
+        </p:sp>
+      </p:grpSp>
+      <p:sp>
+        <p:nvSpPr>
+          <p:cNvPr id="25" name="원호 24"/>
+          <p:cNvSpPr/>
+          <p:nvPr/>
+        </p:nvSpPr>
+        <p:spPr>
+          <a:xfrm>
+            <a:off x="7345247" y="3951096"/>
+            <a:ext cx="611225" cy="1232076"/>
+          </a:xfrm>
+          <a:prstGeom prst="arc">
+            <a:avLst>
+              <a:gd name="adj1" fmla="val 16586860"/>
+              <a:gd name="adj2" fmla="val 18752482"/>
+            </a:avLst>
+          </a:prstGeom>
+          <a:ln>
+            <a:solidFill>
+              <a:schemeClr val="tx1"/>
+            </a:solidFill>
+            <a:prstDash val="dash"/>
+          </a:ln>
+        </p:spPr>
+        <p:style>
+          <a:lnRef idx="1">
+            <a:schemeClr val="accent1"/>
+          </a:lnRef>
+          <a:fillRef idx="0">
+            <a:schemeClr val="accent1"/>
+          </a:fillRef>
+          <a:effectRef idx="0">
+            <a:schemeClr val="accent1"/>
+          </a:effectRef>
+          <a:fontRef idx="minor">
+            <a:schemeClr val="tx1"/>
+          </a:fontRef>
+        </p:style>
+        <p:txBody>
+          <a:bodyPr rtlCol="0" anchor="ctr"/>
+          <a:lstStyle/>
+          <a:p>
+            <a:pPr algn="ctr"/>
+            <a:endParaRPr lang="ko-KR" altLang="en-US"/>
+          </a:p>
+        </p:txBody>
+      </p:sp>
+      <p:sp>
+        <p:nvSpPr>
+          <p:cNvPr id="26" name="원호 25"/>
+          <p:cNvSpPr/>
+          <p:nvPr/>
+        </p:nvSpPr>
+        <p:spPr>
+          <a:xfrm flipV="1">
+            <a:off x="7345247" y="3799206"/>
+            <a:ext cx="611225" cy="1322310"/>
+          </a:xfrm>
+          <a:prstGeom prst="arc">
+            <a:avLst>
+              <a:gd name="adj1" fmla="val 16586860"/>
+              <a:gd name="adj2" fmla="val 18757223"/>
+            </a:avLst>
+          </a:prstGeom>
+          <a:ln>
+            <a:solidFill>
+              <a:schemeClr val="tx1"/>
+            </a:solidFill>
+            <a:prstDash val="dash"/>
+          </a:ln>
+        </p:spPr>
+        <p:style>
+          <a:lnRef idx="1">
+            <a:schemeClr val="accent1"/>
+          </a:lnRef>
+          <a:fillRef idx="0">
+            <a:schemeClr val="accent1"/>
+          </a:fillRef>
+          <a:effectRef idx="0">
+            <a:schemeClr val="accent1"/>
+          </a:effectRef>
+          <a:fontRef idx="minor">
+            <a:schemeClr val="tx1"/>
+          </a:fontRef>
+        </p:style>
+        <p:txBody>
+          <a:bodyPr rtlCol="0" anchor="ctr"/>
+          <a:lstStyle/>
+          <a:p>
+            <a:pPr algn="ctr"/>
+            <a:endParaRPr lang="ko-KR" altLang="en-US"/>
+          </a:p>
+        </p:txBody>
+      </p:sp>
+      <mc:AlternateContent xmlns:mc="http://schemas.openxmlformats.org/markup-compatibility/2006" xmlns:a14="http://schemas.microsoft.com/office/drawing/2010/main">
+        <mc:Choice Requires="a14">
+          <p:sp>
+            <p:nvSpPr>
+              <p:cNvPr id="27" name="TextBox 26"/>
+              <p:cNvSpPr txBox="1"/>
+              <p:nvPr/>
+            </p:nvSpPr>
+            <p:spPr>
+              <a:xfrm>
+                <a:off x="7781633" y="4321296"/>
+                <a:ext cx="1105221" cy="646331"/>
+              </a:xfrm>
+              <a:prstGeom prst="rect">
+                <a:avLst/>
+              </a:prstGeom>
+              <a:noFill/>
+            </p:spPr>
+            <p:txBody>
+              <a:bodyPr wrap="square" rtlCol="0">
+                <a:spAutoFit/>
+              </a:bodyPr>
+              <a:lstStyle/>
+              <a:p>
+                <a:pPr/>
+                <a14:m>
+                  <m:oMathPara xmlns:m="http://schemas.openxmlformats.org/officeDocument/2006/math">
+                    <m:oMathParaPr>
+                      <m:jc m:val="center"/>
+                    </m:oMathParaPr>
+                    <m:oMath xmlns:m="http://schemas.openxmlformats.org/officeDocument/2006/math">
+                      <m:r>
+                        <a:rPr lang="en-US" altLang="ko-KR" b="0" i="1" smtClean="0">
+                          <a:latin typeface="Cambria Math"/>
+                        </a:rPr>
+                        <m:t>𝑃</m:t>
+                      </m:r>
+                      <m:d>
+                        <m:dPr>
+                          <m:ctrlPr>
+                            <a:rPr lang="en-US" altLang="ko-KR" b="0" i="1" smtClean="0">
+                              <a:latin typeface="Cambria Math" panose="02040503050406030204" pitchFamily="18" charset="0"/>
+                            </a:rPr>
+                          </m:ctrlPr>
+                        </m:dPr>
+                        <m:e>
+                          <m:r>
+                            <a:rPr lang="en-US" altLang="ko-KR" b="0" i="1" smtClean="0">
+                              <a:latin typeface="Cambria Math"/>
+                            </a:rPr>
+                            <m:t>𝐸</m:t>
+                          </m:r>
+                        </m:e>
+                        <m:e>
+                          <m:sSup>
+                            <m:sSupPr>
+                              <m:ctrlPr>
+                                <a:rPr lang="en-US" altLang="ko-KR" b="0" i="1" smtClean="0">
+                                  <a:latin typeface="Cambria Math" panose="02040503050406030204" pitchFamily="18" charset="0"/>
+                                </a:rPr>
+                              </m:ctrlPr>
+                            </m:sSupPr>
+                            <m:e>
+                              <m:r>
+                                <a:rPr lang="en-US" altLang="ko-KR" b="0" i="1" smtClean="0">
+                                  <a:latin typeface="Cambria Math"/>
+                                </a:rPr>
+                                <m:t>𝐻</m:t>
+                              </m:r>
+                            </m:e>
+                            <m:sup>
+                              <m:r>
+                                <a:rPr lang="en-US" altLang="ko-KR" b="0" i="1" smtClean="0">
+                                  <a:latin typeface="Cambria Math"/>
+                                </a:rPr>
+                                <m:t>𝑐</m:t>
+                              </m:r>
+                            </m:sup>
+                          </m:sSup>
+                        </m:e>
+                      </m:d>
+                    </m:oMath>
+                  </m:oMathPara>
+                </a14:m>
+                <a:endParaRPr lang="en-US" altLang="ko-KR" b="0" dirty="0"/>
+              </a:p>
+              <a:p>
+                <a:pPr/>
+                <a14:m>
+                  <m:oMathPara xmlns:m="http://schemas.openxmlformats.org/officeDocument/2006/math">
+                    <m:oMathParaPr>
+                      <m:jc m:val="center"/>
+                    </m:oMathParaPr>
+                    <m:oMath xmlns:m="http://schemas.openxmlformats.org/officeDocument/2006/math">
+                      <m:r>
+                        <a:rPr lang="en-US" altLang="ko-KR" b="0" i="1" smtClean="0">
+                          <a:latin typeface="Cambria Math"/>
+                        </a:rPr>
+                        <m:t>=0.02</m:t>
+                      </m:r>
+                    </m:oMath>
+                  </m:oMathPara>
+                </a14:m>
+                <a:endParaRPr lang="ko-KR" altLang="en-US" dirty="0"/>
+              </a:p>
+            </p:txBody>
+          </p:sp>
+        </mc:Choice>
+        <mc:Fallback xmlns="">
+          <p:sp>
+            <p:nvSpPr>
+              <p:cNvPr id="27" name="TextBox 26"/>
+              <p:cNvSpPr txBox="1">
+                <a:spLocks noRot="1" noChangeAspect="1" noMove="1" noResize="1" noEditPoints="1" noAdjustHandles="1" noChangeArrowheads="1" noChangeShapeType="1" noTextEdit="1"/>
+              </p:cNvSpPr>
+              <p:nvPr/>
+            </p:nvSpPr>
+            <p:spPr>
+              <a:xfrm>
+                <a:off x="7781633" y="4321296"/>
+                <a:ext cx="1105221" cy="646331"/>
+              </a:xfrm>
+              <a:prstGeom prst="rect">
+                <a:avLst/>
+              </a:prstGeom>
+              <a:blipFill rotWithShape="1">
+                <a:blip r:embed="rId5"/>
+                <a:stretch>
+                  <a:fillRect/>
+                </a:stretch>
+              </a:blipFill>
+            </p:spPr>
+            <p:txBody>
+              <a:bodyPr/>
+              <a:lstStyle/>
+              <a:p>
+                <a:r>
+                  <a:rPr lang="ko-KR" altLang="en-US">
+                    <a:noFill/>
+                  </a:rPr>
+                  <a:t> </a:t>
+                </a:r>
+              </a:p>
+            </p:txBody>
+          </p:sp>
+        </mc:Fallback>
+      </mc:AlternateContent>
+      <p:sp>
+        <p:nvSpPr>
+          <p:cNvPr id="37" name="원호 36"/>
+          <p:cNvSpPr/>
+          <p:nvPr/>
+        </p:nvSpPr>
+        <p:spPr>
+          <a:xfrm>
+            <a:off x="7037524" y="684700"/>
+            <a:ext cx="1092153" cy="3576744"/>
+          </a:xfrm>
+          <a:prstGeom prst="arc">
+            <a:avLst>
+              <a:gd name="adj1" fmla="val 16586860"/>
+              <a:gd name="adj2" fmla="val 19031233"/>
+            </a:avLst>
+          </a:prstGeom>
+          <a:ln>
+            <a:solidFill>
+              <a:schemeClr val="tx1"/>
+            </a:solidFill>
+            <a:prstDash val="dash"/>
+          </a:ln>
+        </p:spPr>
+        <p:style>
+          <a:lnRef idx="1">
+            <a:schemeClr val="accent1"/>
+          </a:lnRef>
+          <a:fillRef idx="0">
+            <a:schemeClr val="accent1"/>
+          </a:fillRef>
+          <a:effectRef idx="0">
+            <a:schemeClr val="accent1"/>
+          </a:effectRef>
+          <a:fontRef idx="minor">
+            <a:schemeClr val="tx1"/>
+          </a:fontRef>
+        </p:style>
+        <p:txBody>
+          <a:bodyPr rtlCol="0" anchor="ctr"/>
+          <a:lstStyle/>
+          <a:p>
+            <a:pPr algn="ctr"/>
+            <a:endParaRPr lang="ko-KR" altLang="en-US"/>
+          </a:p>
+        </p:txBody>
+      </p:sp>
+      <p:sp>
+        <p:nvSpPr>
+          <p:cNvPr id="38" name="원호 37"/>
+          <p:cNvSpPr/>
+          <p:nvPr/>
+        </p:nvSpPr>
+        <p:spPr>
+          <a:xfrm flipV="1">
+            <a:off x="7037524" y="243758"/>
+            <a:ext cx="1092153" cy="3838697"/>
+          </a:xfrm>
+          <a:prstGeom prst="arc">
+            <a:avLst>
+              <a:gd name="adj1" fmla="val 16586860"/>
+              <a:gd name="adj2" fmla="val 18858118"/>
+            </a:avLst>
+          </a:prstGeom>
+          <a:ln>
+            <a:solidFill>
+              <a:schemeClr val="tx1"/>
+            </a:solidFill>
+            <a:prstDash val="dash"/>
+          </a:ln>
+        </p:spPr>
+        <p:style>
+          <a:lnRef idx="1">
+            <a:schemeClr val="accent1"/>
+          </a:lnRef>
+          <a:fillRef idx="0">
+            <a:schemeClr val="accent1"/>
+          </a:fillRef>
+          <a:effectRef idx="0">
+            <a:schemeClr val="accent1"/>
+          </a:effectRef>
+          <a:fontRef idx="minor">
+            <a:schemeClr val="tx1"/>
+          </a:fontRef>
+        </p:style>
+        <p:txBody>
+          <a:bodyPr rtlCol="0" anchor="ctr"/>
+          <a:lstStyle/>
+          <a:p>
+            <a:pPr algn="ctr"/>
+            <a:endParaRPr lang="ko-KR" altLang="en-US"/>
+          </a:p>
+        </p:txBody>
+      </p:sp>
+      <mc:AlternateContent xmlns:mc="http://schemas.openxmlformats.org/markup-compatibility/2006" xmlns:a14="http://schemas.microsoft.com/office/drawing/2010/main">
+        <mc:Choice Requires="a14">
+          <p:sp>
+            <p:nvSpPr>
+              <p:cNvPr id="39" name="TextBox 38"/>
+              <p:cNvSpPr txBox="1"/>
+              <p:nvPr/>
+            </p:nvSpPr>
+            <p:spPr>
+              <a:xfrm>
+                <a:off x="7726195" y="2003746"/>
+                <a:ext cx="1094277" cy="669992"/>
+              </a:xfrm>
+              <a:prstGeom prst="rect">
+                <a:avLst/>
+              </a:prstGeom>
+              <a:noFill/>
+            </p:spPr>
+            <p:txBody>
+              <a:bodyPr wrap="square" rtlCol="0">
+                <a:spAutoFit/>
+              </a:bodyPr>
+              <a:lstStyle/>
+              <a:p>
+                <a:pPr/>
+                <a14:m>
+                  <m:oMathPara xmlns:m="http://schemas.openxmlformats.org/officeDocument/2006/math">
+                    <m:oMathParaPr>
+                      <m:jc m:val="center"/>
+                    </m:oMathParaPr>
+                    <m:oMath xmlns:m="http://schemas.openxmlformats.org/officeDocument/2006/math">
+                      <m:r>
+                        <a:rPr lang="en-US" altLang="ko-KR" b="0" i="1" dirty="0" smtClean="0">
+                          <a:latin typeface="Cambria Math"/>
+                        </a:rPr>
+                        <m:t>𝑃</m:t>
+                      </m:r>
+                      <m:r>
+                        <a:rPr lang="en-US" altLang="ko-KR" b="0" i="1" dirty="0" smtClean="0">
+                          <a:latin typeface="Cambria Math"/>
+                        </a:rPr>
+                        <m:t>(</m:t>
+                      </m:r>
+                      <m:sSup>
+                        <m:sSupPr>
+                          <m:ctrlPr>
+                            <a:rPr lang="en-US" altLang="ko-KR" b="0" i="1" dirty="0" smtClean="0">
+                              <a:latin typeface="Cambria Math" panose="02040503050406030204" pitchFamily="18" charset="0"/>
+                            </a:rPr>
+                          </m:ctrlPr>
+                        </m:sSupPr>
+                        <m:e>
+                          <m:r>
+                            <a:rPr lang="en-US" altLang="ko-KR" b="0" i="1" dirty="0" smtClean="0">
+                              <a:latin typeface="Cambria Math"/>
+                            </a:rPr>
+                            <m:t>𝐸</m:t>
+                          </m:r>
+                        </m:e>
+                        <m:sup>
+                          <m:r>
+                            <a:rPr lang="en-US" altLang="ko-KR" b="0" i="1" dirty="0" smtClean="0">
+                              <a:latin typeface="Cambria Math"/>
+                            </a:rPr>
+                            <m:t>𝑐</m:t>
+                          </m:r>
+                        </m:sup>
+                      </m:sSup>
+                      <m:r>
+                        <a:rPr lang="en-US" altLang="ko-KR" b="0" i="1" dirty="0" smtClean="0">
+                          <a:latin typeface="Cambria Math"/>
+                        </a:rPr>
+                        <m:t>|</m:t>
+                      </m:r>
+                      <m:sSup>
+                        <m:sSupPr>
+                          <m:ctrlPr>
+                            <a:rPr lang="en-US" altLang="ko-KR" b="0" i="1" dirty="0" smtClean="0">
+                              <a:latin typeface="Cambria Math" panose="02040503050406030204" pitchFamily="18" charset="0"/>
+                            </a:rPr>
+                          </m:ctrlPr>
+                        </m:sSupPr>
+                        <m:e>
+                          <m:r>
+                            <a:rPr lang="en-US" altLang="ko-KR" b="0" i="1" dirty="0" smtClean="0">
+                              <a:latin typeface="Cambria Math"/>
+                            </a:rPr>
+                            <m:t>𝐻</m:t>
+                          </m:r>
+                        </m:e>
+                        <m:sup>
+                          <m:r>
+                            <a:rPr lang="en-US" altLang="ko-KR" b="0" i="1" dirty="0" smtClean="0">
+                              <a:latin typeface="Cambria Math"/>
+                            </a:rPr>
+                            <m:t>𝑐</m:t>
+                          </m:r>
+                        </m:sup>
+                      </m:sSup>
+                      <m:r>
+                        <a:rPr lang="en-US" altLang="ko-KR" b="0" i="1" dirty="0" smtClean="0">
+                          <a:latin typeface="Cambria Math"/>
+                        </a:rPr>
+                        <m:t>)</m:t>
+                      </m:r>
+                    </m:oMath>
+                  </m:oMathPara>
+                </a14:m>
+                <a:endParaRPr lang="en-US" altLang="ko-KR" dirty="0"/>
+              </a:p>
+              <a:p>
+                <a:pPr/>
+                <a14:m>
+                  <m:oMathPara xmlns:m="http://schemas.openxmlformats.org/officeDocument/2006/math">
+                    <m:oMathParaPr>
+                      <m:jc m:val="center"/>
+                    </m:oMathParaPr>
+                    <m:oMath xmlns:m="http://schemas.openxmlformats.org/officeDocument/2006/math">
+                      <m:r>
+                        <a:rPr lang="en-US" altLang="ko-KR" i="1" dirty="0" smtClean="0">
+                          <a:latin typeface="Cambria Math"/>
+                        </a:rPr>
+                        <m:t>=0.9</m:t>
+                      </m:r>
+                      <m:r>
+                        <a:rPr lang="en-US" altLang="ko-KR" b="0" i="1" dirty="0" smtClean="0">
+                          <a:latin typeface="Cambria Math"/>
+                        </a:rPr>
+                        <m:t>8</m:t>
+                      </m:r>
+                    </m:oMath>
+                  </m:oMathPara>
+                </a14:m>
+                <a:endParaRPr lang="ko-KR" altLang="en-US" dirty="0"/>
+              </a:p>
+            </p:txBody>
+          </p:sp>
+        </mc:Choice>
+        <mc:Fallback xmlns="">
+          <p:sp>
+            <p:nvSpPr>
+              <p:cNvPr id="39" name="TextBox 38"/>
+              <p:cNvSpPr txBox="1">
+                <a:spLocks noRot="1" noChangeAspect="1" noMove="1" noResize="1" noEditPoints="1" noAdjustHandles="1" noChangeArrowheads="1" noChangeShapeType="1" noTextEdit="1"/>
+              </p:cNvSpPr>
+              <p:nvPr/>
+            </p:nvSpPr>
+            <p:spPr>
+              <a:xfrm>
+                <a:off x="7726195" y="2003746"/>
+                <a:ext cx="1094277" cy="669992"/>
+              </a:xfrm>
+              <a:prstGeom prst="rect">
+                <a:avLst/>
+              </a:prstGeom>
+              <a:blipFill rotWithShape="1">
+                <a:blip r:embed="rId6"/>
+                <a:stretch>
+                  <a:fillRect r="-4444"/>
+                </a:stretch>
+              </a:blipFill>
+            </p:spPr>
+            <p:txBody>
+              <a:bodyPr/>
+              <a:lstStyle/>
+              <a:p>
+                <a:r>
+                  <a:rPr lang="ko-KR" altLang="en-US">
+                    <a:noFill/>
+                  </a:rPr>
+                  <a:t> </a:t>
+                </a:r>
+              </a:p>
+            </p:txBody>
+          </p:sp>
+        </mc:Fallback>
+      </mc:AlternateContent>
+      <p:sp>
+        <p:nvSpPr>
+          <p:cNvPr id="2" name="타원 1"/>
+          <p:cNvSpPr/>
+          <p:nvPr/>
+        </p:nvSpPr>
+        <p:spPr>
+          <a:xfrm>
+            <a:off x="145008" y="3118721"/>
+            <a:ext cx="1395530" cy="694211"/>
+          </a:xfrm>
+          <a:prstGeom prst="ellipse">
+            <a:avLst/>
+          </a:prstGeom>
+          <a:solidFill>
+            <a:schemeClr val="tx2">
+              <a:alpha val="20000"/>
+            </a:schemeClr>
+          </a:solidFill>
+          <a:ln>
+            <a:solidFill>
+              <a:srgbClr val="00B0F0"/>
+            </a:solidFill>
+            <a:prstDash val="dash"/>
+          </a:ln>
+        </p:spPr>
+        <p:style>
+          <a:lnRef idx="2">
+            <a:schemeClr val="accent1">
+              <a:shade val="50000"/>
+            </a:schemeClr>
+          </a:lnRef>
+          <a:fillRef idx="1">
+            <a:schemeClr val="accent1"/>
+          </a:fillRef>
+          <a:effectRef idx="0">
+            <a:schemeClr val="accent1"/>
+          </a:effectRef>
+          <a:fontRef idx="minor">
+            <a:schemeClr val="lt1"/>
+          </a:fontRef>
+        </p:style>
+        <p:txBody>
+          <a:bodyPr rtlCol="0" anchor="ctr"/>
+          <a:lstStyle/>
+          <a:p>
+            <a:pPr algn="ctr"/>
+            <a:endParaRPr lang="ko-KR" altLang="en-US"/>
+          </a:p>
+        </p:txBody>
+      </p:sp>
+      <p:sp>
+        <p:nvSpPr>
+          <p:cNvPr id="3" name="TextBox 2"/>
+          <p:cNvSpPr txBox="1"/>
+          <p:nvPr/>
+        </p:nvSpPr>
+        <p:spPr>
+          <a:xfrm>
+            <a:off x="247249" y="3837407"/>
+            <a:ext cx="1157689" cy="338554"/>
+          </a:xfrm>
+          <a:prstGeom prst="rect">
+            <a:avLst/>
+          </a:prstGeom>
+          <a:solidFill>
+            <a:schemeClr val="bg1"/>
+          </a:solidFill>
+        </p:spPr>
+        <p:txBody>
+          <a:bodyPr wrap="none" rtlCol="0">
+            <a:spAutoFit/>
+          </a:bodyPr>
+          <a:lstStyle/>
+          <a:p>
+            <a:pPr algn="ctr"/>
+            <a:r>
+              <a:rPr lang="en-US" altLang="ko-KR" sz="1600" b="1" dirty="0">
+                <a:solidFill>
+                  <a:schemeClr val="accent1"/>
+                </a:solidFill>
+              </a:rPr>
+              <a:t>sensitivity</a:t>
+            </a:r>
+            <a:endParaRPr lang="ko-KR" altLang="en-US" sz="1600" b="1" dirty="0">
+              <a:solidFill>
+                <a:schemeClr val="accent1"/>
+              </a:solidFill>
+            </a:endParaRPr>
+          </a:p>
+        </p:txBody>
+      </p:sp>
+      <p:sp>
+        <p:nvSpPr>
+          <p:cNvPr id="42" name="TextBox 41"/>
+          <p:cNvSpPr txBox="1"/>
+          <p:nvPr/>
+        </p:nvSpPr>
+        <p:spPr>
+          <a:xfrm>
+            <a:off x="7744489" y="2673738"/>
+            <a:ext cx="1152880" cy="338554"/>
+          </a:xfrm>
+          <a:prstGeom prst="rect">
+            <a:avLst/>
+          </a:prstGeom>
+          <a:solidFill>
+            <a:schemeClr val="bg1"/>
+          </a:solidFill>
+        </p:spPr>
+        <p:txBody>
+          <a:bodyPr wrap="none" rtlCol="0">
+            <a:spAutoFit/>
+          </a:bodyPr>
+          <a:lstStyle/>
+          <a:p>
+            <a:pPr algn="ctr"/>
+            <a:r>
+              <a:rPr lang="en-US" altLang="ko-KR" sz="1600" b="1" dirty="0">
+                <a:solidFill>
+                  <a:srgbClr val="C00000"/>
+                </a:solidFill>
+              </a:rPr>
+              <a:t>specificity</a:t>
+            </a:r>
+            <a:endParaRPr lang="ko-KR" altLang="en-US" sz="1600" b="1" dirty="0">
+              <a:solidFill>
+                <a:srgbClr val="C00000"/>
+              </a:solidFill>
+            </a:endParaRPr>
+          </a:p>
+        </p:txBody>
+      </p:sp>
+      <p:sp>
+        <p:nvSpPr>
+          <p:cNvPr id="41" name="타원 40"/>
+          <p:cNvSpPr/>
+          <p:nvPr/>
+        </p:nvSpPr>
+        <p:spPr>
+          <a:xfrm>
+            <a:off x="7561018" y="1970497"/>
+            <a:ext cx="1395530" cy="694211"/>
+          </a:xfrm>
+          <a:prstGeom prst="ellipse">
+            <a:avLst/>
+          </a:prstGeom>
+          <a:solidFill>
+            <a:srgbClr val="FF0000">
+              <a:alpha val="20000"/>
+            </a:srgbClr>
+          </a:solidFill>
+          <a:ln>
+            <a:solidFill>
+              <a:srgbClr val="C00000"/>
+            </a:solidFill>
+            <a:prstDash val="dash"/>
+          </a:ln>
+        </p:spPr>
+        <p:style>
+          <a:lnRef idx="2">
+            <a:schemeClr val="accent1">
+              <a:shade val="50000"/>
+            </a:schemeClr>
+          </a:lnRef>
+          <a:fillRef idx="1">
+            <a:schemeClr val="accent1"/>
+          </a:fillRef>
+          <a:effectRef idx="0">
+            <a:schemeClr val="accent1"/>
+          </a:effectRef>
+          <a:fontRef idx="minor">
+            <a:schemeClr val="lt1"/>
+          </a:fontRef>
+        </p:style>
+        <p:txBody>
+          <a:bodyPr rtlCol="0" anchor="ctr"/>
+          <a:lstStyle/>
+          <a:p>
+            <a:pPr algn="ctr"/>
+            <a:endParaRPr lang="ko-KR" altLang="en-US"/>
+          </a:p>
+        </p:txBody>
+      </p:sp>
+      <p:grpSp>
+        <p:nvGrpSpPr>
+          <p:cNvPr id="16" name="그룹 15"/>
+          <p:cNvGrpSpPr/>
+          <p:nvPr/>
+        </p:nvGrpSpPr>
+        <p:grpSpPr>
+          <a:xfrm>
+            <a:off x="923099" y="4493364"/>
+            <a:ext cx="3524223" cy="998076"/>
+            <a:chOff x="1115616" y="4761971"/>
+            <a:chExt cx="2232249" cy="569021"/>
+          </a:xfrm>
+        </p:grpSpPr>
+        <p:sp>
+          <p:nvSpPr>
+            <p:cNvPr id="19" name="원호 18"/>
+            <p:cNvSpPr/>
+            <p:nvPr/>
+          </p:nvSpPr>
+          <p:spPr>
+            <a:xfrm rot="16200000" flipH="1" flipV="1">
+              <a:off x="1897506" y="3980081"/>
+              <a:ext cx="569021" cy="2132801"/>
+            </a:xfrm>
+            <a:prstGeom prst="arc">
+              <a:avLst>
+                <a:gd name="adj1" fmla="val 16586860"/>
+                <a:gd name="adj2" fmla="val 18239128"/>
+              </a:avLst>
+            </a:prstGeom>
+            <a:ln>
+              <a:solidFill>
+                <a:schemeClr val="tx1"/>
+              </a:solidFill>
+              <a:prstDash val="dash"/>
+            </a:ln>
+          </p:spPr>
+          <p:style>
+            <a:lnRef idx="1">
+              <a:schemeClr val="accent1"/>
+            </a:lnRef>
+            <a:fillRef idx="0">
+              <a:schemeClr val="accent1"/>
+            </a:fillRef>
+            <a:effectRef idx="0">
+              <a:schemeClr val="accent1"/>
+            </a:effectRef>
+            <a:fontRef idx="minor">
+              <a:schemeClr val="tx1"/>
+            </a:fontRef>
+          </p:style>
+          <p:txBody>
+            <a:bodyPr rtlCol="0" anchor="ctr"/>
+            <a:lstStyle/>
+            <a:p>
+              <a:pPr algn="ctr"/>
+              <a:endParaRPr lang="ko-KR" altLang="en-US"/>
+            </a:p>
+          </p:txBody>
+        </p:sp>
+        <p:sp>
+          <p:nvSpPr>
+            <p:cNvPr id="18" name="원호 17"/>
+            <p:cNvSpPr/>
+            <p:nvPr/>
+          </p:nvSpPr>
+          <p:spPr>
+            <a:xfrm rot="16200000" flipH="1">
+              <a:off x="2069725" y="4052852"/>
+              <a:ext cx="569021" cy="1987259"/>
+            </a:xfrm>
+            <a:prstGeom prst="arc">
+              <a:avLst>
+                <a:gd name="adj1" fmla="val 16586860"/>
+                <a:gd name="adj2" fmla="val 18221477"/>
+              </a:avLst>
+            </a:prstGeom>
+            <a:ln>
+              <a:solidFill>
+                <a:schemeClr val="tx1"/>
+              </a:solidFill>
+              <a:prstDash val="dash"/>
+            </a:ln>
+          </p:spPr>
+          <p:style>
+            <a:lnRef idx="1">
+              <a:schemeClr val="accent1"/>
+            </a:lnRef>
+            <a:fillRef idx="0">
+              <a:schemeClr val="accent1"/>
+            </a:fillRef>
+            <a:effectRef idx="0">
+              <a:schemeClr val="accent1"/>
+            </a:effectRef>
+            <a:fontRef idx="minor">
+              <a:schemeClr val="tx1"/>
+            </a:fontRef>
+          </p:style>
+          <p:txBody>
+            <a:bodyPr rtlCol="0" anchor="ctr"/>
+            <a:lstStyle/>
+            <a:p>
+              <a:pPr algn="ctr"/>
+              <a:endParaRPr lang="ko-KR" altLang="en-US"/>
+            </a:p>
+          </p:txBody>
+        </p:sp>
+      </p:grpSp>
+      <p:sp>
+        <p:nvSpPr>
+          <p:cNvPr id="4" name="직사각형 3"/>
+          <p:cNvSpPr/>
+          <p:nvPr/>
+        </p:nvSpPr>
+        <p:spPr>
+          <a:xfrm>
+            <a:off x="1403648" y="801530"/>
+            <a:ext cx="6336704" cy="4320480"/>
+          </a:xfrm>
+          <a:prstGeom prst="rect">
+            <a:avLst/>
+          </a:prstGeom>
+          <a:noFill/>
+        </p:spPr>
+        <p:style>
+          <a:lnRef idx="2">
+            <a:schemeClr val="accent1">
+              <a:shade val="50000"/>
+            </a:schemeClr>
+          </a:lnRef>
+          <a:fillRef idx="1">
+            <a:schemeClr val="accent1"/>
+          </a:fillRef>
+          <a:effectRef idx="0">
+            <a:schemeClr val="accent1"/>
+          </a:effectRef>
+          <a:fontRef idx="minor">
+            <a:schemeClr val="lt1"/>
+          </a:fontRef>
+        </p:style>
+        <p:txBody>
+          <a:bodyPr rtlCol="0" anchor="ctr"/>
+          <a:lstStyle/>
+          <a:p>
+            <a:pPr algn="ctr"/>
+            <a:endParaRPr lang="ko-KR" altLang="en-US"/>
+          </a:p>
+        </p:txBody>
+      </p:sp>
+      <p:cxnSp>
+        <p:nvCxnSpPr>
+          <p:cNvPr id="8" name="직선 연결선 7"/>
+          <p:cNvCxnSpPr/>
+          <p:nvPr/>
+        </p:nvCxnSpPr>
+        <p:spPr>
+          <a:xfrm>
+            <a:off x="1403648" y="1737634"/>
+            <a:ext cx="2808312" cy="0"/>
+          </a:xfrm>
+          <a:prstGeom prst="line">
+            <a:avLst/>
+          </a:prstGeom>
+          <a:ln w="28575">
+            <a:solidFill>
+              <a:schemeClr val="tx2"/>
+            </a:solidFill>
+          </a:ln>
+        </p:spPr>
+        <p:style>
+          <a:lnRef idx="1">
+            <a:schemeClr val="accent1"/>
+          </a:lnRef>
+          <a:fillRef idx="0">
+            <a:schemeClr val="accent1"/>
+          </a:fillRef>
+          <a:effectRef idx="0">
+            <a:schemeClr val="accent1"/>
+          </a:effectRef>
+          <a:fontRef idx="minor">
+            <a:schemeClr val="tx1"/>
+          </a:fontRef>
+        </p:style>
+      </p:cxnSp>
+      <p:cxnSp>
+        <p:nvCxnSpPr>
+          <p:cNvPr id="9" name="직선 연결선 8"/>
+          <p:cNvCxnSpPr/>
+          <p:nvPr/>
+        </p:nvCxnSpPr>
+        <p:spPr>
+          <a:xfrm>
+            <a:off x="4211960" y="3969882"/>
+            <a:ext cx="3528392" cy="0"/>
+          </a:xfrm>
+          <a:prstGeom prst="line">
+            <a:avLst/>
+          </a:prstGeom>
+          <a:ln w="28575">
+            <a:solidFill>
+              <a:schemeClr val="tx2"/>
+            </a:solidFill>
+          </a:ln>
+        </p:spPr>
+        <p:style>
+          <a:lnRef idx="1">
+            <a:schemeClr val="accent1"/>
+          </a:lnRef>
+          <a:fillRef idx="0">
+            <a:schemeClr val="accent1"/>
+          </a:fillRef>
+          <a:effectRef idx="0">
+            <a:schemeClr val="accent1"/>
+          </a:effectRef>
+          <a:fontRef idx="minor">
+            <a:schemeClr val="tx1"/>
+          </a:fontRef>
+        </p:style>
+      </p:cxnSp>
+      <p:sp>
+        <p:nvSpPr>
+          <p:cNvPr id="29" name="TextBox 28"/>
+          <p:cNvSpPr txBox="1"/>
+          <p:nvPr/>
+        </p:nvSpPr>
+        <p:spPr>
+          <a:xfrm>
+            <a:off x="5508104" y="2097674"/>
+            <a:ext cx="1114536" cy="646331"/>
+          </a:xfrm>
+          <a:prstGeom prst="rect">
+            <a:avLst/>
+          </a:prstGeom>
+          <a:noFill/>
+        </p:spPr>
+        <p:txBody>
+          <a:bodyPr wrap="none" rtlCol="0">
+            <a:spAutoFit/>
+          </a:bodyPr>
+          <a:lstStyle/>
+          <a:p>
+            <a:pPr algn="ctr"/>
+            <a:r>
+              <a:rPr lang="en-US" altLang="ko-KR" dirty="0"/>
+              <a:t>True</a:t>
+            </a:r>
+          </a:p>
+          <a:p>
+            <a:pPr algn="ctr"/>
+            <a:r>
+              <a:rPr lang="en-US" altLang="ko-KR" dirty="0"/>
+              <a:t>Negative</a:t>
+            </a:r>
+            <a:endParaRPr lang="ko-KR" altLang="en-US" dirty="0"/>
+          </a:p>
+        </p:txBody>
+      </p:sp>
+      <p:sp>
+        <p:nvSpPr>
+          <p:cNvPr id="30" name="TextBox 29"/>
+          <p:cNvSpPr txBox="1"/>
+          <p:nvPr/>
+        </p:nvSpPr>
+        <p:spPr>
+          <a:xfrm>
+            <a:off x="5545565" y="4243968"/>
+            <a:ext cx="970651" cy="646331"/>
+          </a:xfrm>
+          <a:prstGeom prst="rect">
+            <a:avLst/>
+          </a:prstGeom>
+          <a:noFill/>
+        </p:spPr>
+        <p:txBody>
+          <a:bodyPr wrap="none" rtlCol="0">
+            <a:spAutoFit/>
+          </a:bodyPr>
+          <a:lstStyle/>
+          <a:p>
+            <a:pPr algn="ctr"/>
+            <a:r>
+              <a:rPr lang="en-US" altLang="ko-KR" dirty="0"/>
+              <a:t>False</a:t>
+            </a:r>
+          </a:p>
+          <a:p>
+            <a:pPr algn="ctr"/>
+            <a:r>
+              <a:rPr lang="en-US" altLang="ko-KR" dirty="0"/>
+              <a:t>Positive</a:t>
+            </a:r>
+            <a:endParaRPr lang="ko-KR" altLang="en-US" dirty="0"/>
+          </a:p>
+        </p:txBody>
+      </p:sp>
+      <p:sp>
+        <p:nvSpPr>
+          <p:cNvPr id="31" name="TextBox 30"/>
+          <p:cNvSpPr txBox="1"/>
+          <p:nvPr/>
+        </p:nvSpPr>
+        <p:spPr>
+          <a:xfrm>
+            <a:off x="2267744" y="910412"/>
+            <a:ext cx="1114536" cy="646331"/>
+          </a:xfrm>
+          <a:prstGeom prst="rect">
+            <a:avLst/>
+          </a:prstGeom>
+          <a:noFill/>
+        </p:spPr>
+        <p:txBody>
+          <a:bodyPr wrap="none" rtlCol="0">
+            <a:spAutoFit/>
+          </a:bodyPr>
+          <a:lstStyle/>
+          <a:p>
+            <a:pPr algn="ctr"/>
+            <a:r>
+              <a:rPr lang="en-US" altLang="ko-KR" dirty="0"/>
+              <a:t>False</a:t>
+            </a:r>
+          </a:p>
+          <a:p>
+            <a:pPr algn="ctr"/>
+            <a:r>
+              <a:rPr lang="en-US" altLang="ko-KR" dirty="0"/>
+              <a:t>Negative</a:t>
+            </a:r>
+            <a:endParaRPr lang="ko-KR" altLang="en-US" dirty="0"/>
+          </a:p>
+        </p:txBody>
+      </p:sp>
+      <p:grpSp>
+        <p:nvGrpSpPr>
+          <p:cNvPr id="5" name="그룹 4"/>
+          <p:cNvGrpSpPr/>
+          <p:nvPr/>
+        </p:nvGrpSpPr>
+        <p:grpSpPr>
+          <a:xfrm>
+            <a:off x="4211960" y="801530"/>
+            <a:ext cx="3528392" cy="4320480"/>
+            <a:chOff x="3203848" y="801530"/>
+            <a:chExt cx="4536504" cy="4320480"/>
+          </a:xfrm>
+        </p:grpSpPr>
+        <p:cxnSp>
+          <p:nvCxnSpPr>
+            <p:cNvPr id="6" name="직선 연결선 5"/>
+            <p:cNvCxnSpPr/>
+            <p:nvPr/>
+          </p:nvCxnSpPr>
+          <p:spPr>
+            <a:xfrm>
+              <a:off x="3203848" y="801530"/>
+              <a:ext cx="0" cy="4320480"/>
+            </a:xfrm>
+            <a:prstGeom prst="line">
+              <a:avLst/>
+            </a:prstGeom>
+            <a:ln w="28575">
+              <a:solidFill>
+                <a:schemeClr val="tx2"/>
+              </a:solidFill>
+            </a:ln>
+          </p:spPr>
+          <p:style>
+            <a:lnRef idx="1">
+              <a:schemeClr val="accent1"/>
+            </a:lnRef>
+            <a:fillRef idx="0">
+              <a:schemeClr val="accent1"/>
+            </a:fillRef>
+            <a:effectRef idx="0">
+              <a:schemeClr val="accent1"/>
+            </a:effectRef>
+            <a:fontRef idx="minor">
+              <a:schemeClr val="tx1"/>
+            </a:fontRef>
+          </p:style>
+        </p:cxnSp>
+        <p:sp>
+          <p:nvSpPr>
+            <p:cNvPr id="33" name="직사각형 32"/>
+            <p:cNvSpPr/>
+            <p:nvPr/>
+          </p:nvSpPr>
+          <p:spPr>
+            <a:xfrm>
+              <a:off x="3203848" y="3969882"/>
+              <a:ext cx="4536504" cy="1151634"/>
+            </a:xfrm>
+            <a:prstGeom prst="rect">
+              <a:avLst/>
+            </a:prstGeom>
+            <a:solidFill>
+              <a:schemeClr val="accent3">
+                <a:alpha val="20000"/>
+              </a:schemeClr>
+            </a:solidFill>
+            <a:ln>
+              <a:noFill/>
+            </a:ln>
+          </p:spPr>
+          <p:style>
+            <a:lnRef idx="2">
+              <a:schemeClr val="accent1">
+                <a:shade val="50000"/>
+              </a:schemeClr>
+            </a:lnRef>
+            <a:fillRef idx="1">
+              <a:schemeClr val="accent1"/>
+            </a:fillRef>
+            <a:effectRef idx="0">
+              <a:schemeClr val="accent1"/>
+            </a:effectRef>
+            <a:fontRef idx="minor">
+              <a:schemeClr val="lt1"/>
+            </a:fontRef>
+          </p:style>
+          <p:txBody>
+            <a:bodyPr rtlCol="0" anchor="ctr"/>
+            <a:lstStyle/>
+            <a:p>
+              <a:pPr algn="ctr"/>
+              <a:endParaRPr lang="ko-KR" altLang="en-US"/>
+            </a:p>
+          </p:txBody>
+        </p:sp>
+        <p:sp>
+          <p:nvSpPr>
+            <p:cNvPr id="34" name="직사각형 33"/>
+            <p:cNvSpPr/>
+            <p:nvPr/>
+          </p:nvSpPr>
+          <p:spPr>
+            <a:xfrm>
+              <a:off x="3203848" y="801530"/>
+              <a:ext cx="4536504" cy="3169358"/>
+            </a:xfrm>
+            <a:prstGeom prst="rect">
+              <a:avLst/>
+            </a:prstGeom>
+            <a:solidFill>
+              <a:schemeClr val="accent6">
+                <a:alpha val="20000"/>
+              </a:schemeClr>
+            </a:solidFill>
+            <a:ln>
+              <a:noFill/>
+            </a:ln>
+          </p:spPr>
+          <p:style>
+            <a:lnRef idx="2">
+              <a:schemeClr val="accent1">
+                <a:shade val="50000"/>
+              </a:schemeClr>
+            </a:lnRef>
+            <a:fillRef idx="1">
+              <a:schemeClr val="accent1"/>
+            </a:fillRef>
+            <a:effectRef idx="0">
+              <a:schemeClr val="accent1"/>
+            </a:effectRef>
+            <a:fontRef idx="minor">
+              <a:schemeClr val="lt1"/>
+            </a:fontRef>
+          </p:style>
+          <p:txBody>
+            <a:bodyPr rtlCol="0" anchor="ctr"/>
+            <a:lstStyle/>
+            <a:p>
+              <a:pPr algn="ctr"/>
+              <a:endParaRPr lang="ko-KR" altLang="en-US"/>
+            </a:p>
+          </p:txBody>
+        </p:sp>
+      </p:grpSp>
+      <p:sp>
+        <p:nvSpPr>
+          <p:cNvPr id="35" name="직사각형 34"/>
+          <p:cNvSpPr/>
+          <p:nvPr/>
+        </p:nvSpPr>
+        <p:spPr>
+          <a:xfrm>
+            <a:off x="1403648" y="801530"/>
+            <a:ext cx="2808312" cy="936104"/>
+          </a:xfrm>
+          <a:prstGeom prst="rect">
+            <a:avLst/>
+          </a:prstGeom>
+          <a:solidFill>
+            <a:schemeClr val="accent2">
+              <a:alpha val="20000"/>
+            </a:schemeClr>
+          </a:solidFill>
+          <a:ln>
+            <a:noFill/>
+          </a:ln>
+        </p:spPr>
+        <p:style>
+          <a:lnRef idx="2">
+            <a:schemeClr val="accent1">
+              <a:shade val="50000"/>
+            </a:schemeClr>
+          </a:lnRef>
+          <a:fillRef idx="1">
+            <a:schemeClr val="accent1"/>
+          </a:fillRef>
+          <a:effectRef idx="0">
+            <a:schemeClr val="accent1"/>
+          </a:effectRef>
+          <a:fontRef idx="minor">
+            <a:schemeClr val="lt1"/>
+          </a:fontRef>
+        </p:style>
+        <p:txBody>
+          <a:bodyPr rtlCol="0" anchor="ctr"/>
+          <a:lstStyle/>
+          <a:p>
+            <a:pPr algn="ctr"/>
+            <a:endParaRPr lang="ko-KR" altLang="en-US"/>
+          </a:p>
+        </p:txBody>
+      </p:sp>
+      <p:sp>
+        <p:nvSpPr>
+          <p:cNvPr id="32" name="직사각형 31"/>
+          <p:cNvSpPr/>
+          <p:nvPr/>
+        </p:nvSpPr>
+        <p:spPr>
+          <a:xfrm>
+            <a:off x="1403648" y="1737634"/>
+            <a:ext cx="2808312" cy="3383882"/>
+          </a:xfrm>
+          <a:prstGeom prst="rect">
+            <a:avLst/>
+          </a:prstGeom>
+          <a:solidFill>
+            <a:schemeClr val="accent1">
+              <a:alpha val="20000"/>
+            </a:schemeClr>
+          </a:solidFill>
+          <a:ln>
+            <a:noFill/>
+          </a:ln>
+        </p:spPr>
+        <p:style>
+          <a:lnRef idx="2">
+            <a:schemeClr val="accent1">
+              <a:shade val="50000"/>
+            </a:schemeClr>
+          </a:lnRef>
+          <a:fillRef idx="1">
+            <a:schemeClr val="accent1"/>
+          </a:fillRef>
+          <a:effectRef idx="0">
+            <a:schemeClr val="accent1"/>
+          </a:effectRef>
+          <a:fontRef idx="minor">
+            <a:schemeClr val="lt1"/>
+          </a:fontRef>
+        </p:style>
+        <p:txBody>
+          <a:bodyPr rtlCol="0" anchor="ctr"/>
+          <a:lstStyle/>
+          <a:p>
+            <a:pPr algn="ctr"/>
+            <a:endParaRPr lang="ko-KR" altLang="en-US"/>
+          </a:p>
+        </p:txBody>
+      </p:sp>
+      <p:sp>
+        <p:nvSpPr>
+          <p:cNvPr id="44" name="TextBox 43"/>
+          <p:cNvSpPr txBox="1"/>
+          <p:nvPr/>
+        </p:nvSpPr>
+        <p:spPr>
+          <a:xfrm>
+            <a:off x="1241131" y="6002295"/>
+            <a:ext cx="2817952" cy="584775"/>
+          </a:xfrm>
+          <a:prstGeom prst="rect">
+            <a:avLst/>
+          </a:prstGeom>
+          <a:solidFill>
+            <a:schemeClr val="bg1"/>
+          </a:solidFill>
+        </p:spPr>
+        <p:txBody>
+          <a:bodyPr wrap="none" rtlCol="0">
+            <a:spAutoFit/>
+          </a:bodyPr>
+          <a:lstStyle/>
+          <a:p>
+            <a:pPr algn="ctr"/>
+            <a:r>
+              <a:rPr lang="en-US" altLang="ko-KR" sz="1600" b="1" dirty="0">
+                <a:solidFill>
+                  <a:srgbClr val="7030A0"/>
+                </a:solidFill>
+              </a:rPr>
+              <a:t>disease rate</a:t>
+            </a:r>
+          </a:p>
+          <a:p>
+            <a:pPr algn="ctr"/>
+            <a:r>
+              <a:rPr lang="en-US" altLang="ko-KR" sz="1600" b="1" dirty="0">
+                <a:solidFill>
+                  <a:srgbClr val="7030A0"/>
+                </a:solidFill>
+              </a:rPr>
+              <a:t>(updated prior probability)</a:t>
+            </a:r>
+            <a:endParaRPr lang="ko-KR" altLang="en-US" sz="1600" b="1" dirty="0">
+              <a:solidFill>
+                <a:srgbClr val="7030A0"/>
+              </a:solidFill>
+            </a:endParaRPr>
+          </a:p>
+        </p:txBody>
+      </p:sp>
+      <p:sp>
+        <p:nvSpPr>
+          <p:cNvPr id="43" name="타원 42"/>
+          <p:cNvSpPr/>
+          <p:nvPr/>
+        </p:nvSpPr>
+        <p:spPr>
+          <a:xfrm>
+            <a:off x="1952334" y="5311771"/>
+            <a:ext cx="1395530" cy="694211"/>
+          </a:xfrm>
+          <a:prstGeom prst="ellipse">
+            <a:avLst/>
+          </a:prstGeom>
+          <a:solidFill>
+            <a:srgbClr val="7030A0">
+              <a:alpha val="20000"/>
+            </a:srgbClr>
+          </a:solidFill>
+          <a:ln>
+            <a:solidFill>
+              <a:srgbClr val="7030A0"/>
+            </a:solidFill>
+            <a:prstDash val="dash"/>
+          </a:ln>
+        </p:spPr>
+        <p:style>
+          <a:lnRef idx="2">
+            <a:schemeClr val="accent1">
+              <a:shade val="50000"/>
+            </a:schemeClr>
+          </a:lnRef>
+          <a:fillRef idx="1">
+            <a:schemeClr val="accent1"/>
+          </a:fillRef>
+          <a:effectRef idx="0">
+            <a:schemeClr val="accent1"/>
+          </a:effectRef>
+          <a:fontRef idx="minor">
+            <a:schemeClr val="lt1"/>
+          </a:fontRef>
+        </p:style>
+        <p:txBody>
+          <a:bodyPr rtlCol="0" anchor="ctr"/>
+          <a:lstStyle/>
+          <a:p>
+            <a:pPr algn="ctr"/>
+            <a:endParaRPr lang="ko-KR" altLang="en-US"/>
+          </a:p>
+        </p:txBody>
+      </p:sp>
+      <p:sp>
+        <p:nvSpPr>
+          <p:cNvPr id="28" name="TextBox 27"/>
+          <p:cNvSpPr txBox="1"/>
+          <p:nvPr/>
+        </p:nvSpPr>
+        <p:spPr>
+          <a:xfrm>
+            <a:off x="2267744" y="3033778"/>
+            <a:ext cx="970650" cy="646331"/>
+          </a:xfrm>
+          <a:prstGeom prst="rect">
+            <a:avLst/>
+          </a:prstGeom>
+          <a:noFill/>
+        </p:spPr>
+        <p:txBody>
+          <a:bodyPr wrap="none" rtlCol="0">
+            <a:spAutoFit/>
+          </a:bodyPr>
+          <a:lstStyle/>
+          <a:p>
+            <a:pPr algn="ctr"/>
+            <a:r>
+              <a:rPr lang="en-US" altLang="ko-KR" dirty="0"/>
+              <a:t>True</a:t>
+            </a:r>
+          </a:p>
+          <a:p>
+            <a:pPr algn="ctr"/>
+            <a:r>
+              <a:rPr lang="en-US" altLang="ko-KR" dirty="0"/>
+              <a:t>Positive</a:t>
+            </a:r>
+            <a:endParaRPr lang="ko-KR" altLang="en-US" dirty="0"/>
+          </a:p>
+        </p:txBody>
+      </p:sp>
+      <mc:AlternateContent xmlns:mc="http://schemas.openxmlformats.org/markup-compatibility/2006" xmlns:a14="http://schemas.microsoft.com/office/drawing/2010/main">
+        <mc:Choice Requires="a14">
+          <p:sp>
+            <p:nvSpPr>
+              <p:cNvPr id="11" name="TextBox 10"/>
+              <p:cNvSpPr txBox="1"/>
+              <p:nvPr/>
+            </p:nvSpPr>
+            <p:spPr>
+              <a:xfrm>
+                <a:off x="2187110" y="5331827"/>
+                <a:ext cx="962525" cy="646331"/>
+              </a:xfrm>
+              <a:prstGeom prst="rect">
+                <a:avLst/>
+              </a:prstGeom>
+              <a:noFill/>
+            </p:spPr>
+            <p:txBody>
+              <a:bodyPr wrap="square" rtlCol="0">
+                <a:spAutoFit/>
+              </a:bodyPr>
+              <a:lstStyle/>
+              <a:p>
+                <a:pPr algn="ctr"/>
+                <a14:m>
+                  <m:oMathPara xmlns:m="http://schemas.openxmlformats.org/officeDocument/2006/math">
+                    <m:oMathParaPr>
+                      <m:jc m:val="center"/>
+                    </m:oMathParaPr>
+                    <m:oMath xmlns:m="http://schemas.openxmlformats.org/officeDocument/2006/math">
+                      <m:r>
+                        <a:rPr lang="en-US" altLang="ko-KR" b="0" i="1" smtClean="0">
+                          <a:latin typeface="Cambria Math"/>
+                        </a:rPr>
+                        <m:t>𝑃</m:t>
+                      </m:r>
+                      <m:d>
+                        <m:dPr>
+                          <m:ctrlPr>
+                            <a:rPr lang="en-US" altLang="ko-KR" b="0" i="1" smtClean="0">
+                              <a:latin typeface="Cambria Math" panose="02040503050406030204" pitchFamily="18" charset="0"/>
+                            </a:rPr>
+                          </m:ctrlPr>
+                        </m:dPr>
+                        <m:e>
+                          <m:r>
+                            <a:rPr lang="en-US" altLang="ko-KR" b="0" i="1" smtClean="0">
+                              <a:latin typeface="Cambria Math"/>
+                            </a:rPr>
+                            <m:t>𝐻</m:t>
+                          </m:r>
+                        </m:e>
+                      </m:d>
+                      <m:r>
+                        <a:rPr lang="en-US" altLang="ko-KR" b="0" i="1" dirty="0" smtClean="0">
+                          <a:latin typeface="Cambria Math"/>
+                        </a:rPr>
+                        <m:t>=0</m:t>
+                      </m:r>
+                      <m:r>
+                        <a:rPr lang="en-US" altLang="ko-KR" i="1" dirty="0" smtClean="0">
+                          <a:latin typeface="Cambria Math"/>
+                        </a:rPr>
+                        <m:t>.0</m:t>
+                      </m:r>
+                      <m:r>
+                        <a:rPr lang="en-US" altLang="ko-KR" b="0" i="1" dirty="0" smtClean="0">
+                          <a:latin typeface="Cambria Math"/>
+                        </a:rPr>
+                        <m:t>47</m:t>
+                      </m:r>
+                    </m:oMath>
+                  </m:oMathPara>
+                </a14:m>
+                <a:endParaRPr lang="ko-KR" altLang="en-US" dirty="0"/>
+              </a:p>
+            </p:txBody>
+          </p:sp>
+        </mc:Choice>
+        <mc:Fallback xmlns="">
+          <p:sp>
+            <p:nvSpPr>
+              <p:cNvPr id="11" name="TextBox 10"/>
+              <p:cNvSpPr txBox="1">
+                <a:spLocks noRot="1" noChangeAspect="1" noMove="1" noResize="1" noEditPoints="1" noAdjustHandles="1" noChangeArrowheads="1" noChangeShapeType="1" noTextEdit="1"/>
+              </p:cNvSpPr>
+              <p:nvPr/>
+            </p:nvSpPr>
+            <p:spPr>
+              <a:xfrm>
+                <a:off x="2187110" y="5331827"/>
+                <a:ext cx="962525" cy="646331"/>
+              </a:xfrm>
+              <a:prstGeom prst="rect">
+                <a:avLst/>
+              </a:prstGeom>
+              <a:blipFill rotWithShape="1">
+                <a:blip r:embed="rId7"/>
+                <a:stretch>
+                  <a:fillRect l="-633"/>
+                </a:stretch>
+              </a:blipFill>
+            </p:spPr>
+            <p:txBody>
+              <a:bodyPr/>
+              <a:lstStyle/>
+              <a:p>
+                <a:r>
+                  <a:rPr lang="ko-KR" altLang="en-US">
+                    <a:noFill/>
+                  </a:rPr>
+                  <a:t> </a:t>
+                </a:r>
+              </a:p>
+            </p:txBody>
+          </p:sp>
+        </mc:Fallback>
+      </mc:AlternateContent>
+      <p:cxnSp>
+        <p:nvCxnSpPr>
+          <p:cNvPr id="20" name="직선 화살표 연결선 19"/>
+          <p:cNvCxnSpPr/>
+          <p:nvPr/>
+        </p:nvCxnSpPr>
+        <p:spPr>
+          <a:xfrm flipH="1">
+            <a:off x="3210063" y="4695179"/>
+            <a:ext cx="507232" cy="656747"/>
+          </a:xfrm>
+          <a:prstGeom prst="straightConnector1">
+            <a:avLst/>
+          </a:prstGeom>
+          <a:ln w="57150">
+            <a:solidFill>
+              <a:srgbClr val="FF0000"/>
+            </a:solidFill>
+            <a:tailEnd type="arrow"/>
+          </a:ln>
+        </p:spPr>
+        <p:style>
+          <a:lnRef idx="1">
+            <a:schemeClr val="accent1"/>
+          </a:lnRef>
+          <a:fillRef idx="0">
+            <a:schemeClr val="accent1"/>
+          </a:fillRef>
+          <a:effectRef idx="0">
+            <a:schemeClr val="accent1"/>
+          </a:effectRef>
+          <a:fontRef idx="minor">
+            <a:schemeClr val="tx1"/>
+          </a:fontRef>
+        </p:style>
+      </p:cxnSp>
+    </p:spTree>
+    <p:extLst>
+      <p:ext uri="{BB962C8B-B14F-4D97-AF65-F5344CB8AC3E}">
+        <p14:creationId xmlns:p14="http://schemas.microsoft.com/office/powerpoint/2010/main" val="1734088250"/>
       </p:ext>
     </p:extLst>
   </p:cSld>
